--- a/doc/presentation/IDDR.pptx
+++ b/doc/presentation/IDDR.pptx
@@ -15,7 +15,13 @@
     <p:sldId id="265" r:id="rId9"/>
     <p:sldId id="266" r:id="rId10"/>
     <p:sldId id="267" r:id="rId11"/>
-    <p:sldId id="264" r:id="rId12"/>
+    <p:sldId id="269" r:id="rId12"/>
+    <p:sldId id="271" r:id="rId13"/>
+    <p:sldId id="270" r:id="rId14"/>
+    <p:sldId id="273" r:id="rId15"/>
+    <p:sldId id="268" r:id="rId16"/>
+    <p:sldId id="272" r:id="rId17"/>
+    <p:sldId id="264" r:id="rId18"/>
   </p:sldIdLst>
   <p:sldSz cx="12192000" cy="6858000"/>
   <p:notesSz cx="6858000" cy="9144000"/>
@@ -114,6 +120,37 @@
       </a:defRPr>
     </a:lvl9pPr>
   </p:defaultTextStyle>
+  <p:extLst>
+    <p:ext uri="{521415D9-36F7-43E2-AB2F-B90AF26B5E84}">
+      <p14:sectionLst xmlns:p14="http://schemas.microsoft.com/office/powerpoint/2010/main">
+        <p14:section name="Default Section" id="{C93E7E83-02CC-4E50-86DC-B234535AC799}">
+          <p14:sldIdLst>
+            <p14:sldId id="256"/>
+            <p14:sldId id="257"/>
+            <p14:sldId id="258"/>
+            <p14:sldId id="260"/>
+            <p14:sldId id="262"/>
+            <p14:sldId id="261"/>
+            <p14:sldId id="263"/>
+            <p14:sldId id="265"/>
+            <p14:sldId id="266"/>
+            <p14:sldId id="267"/>
+            <p14:sldId id="269"/>
+            <p14:sldId id="271"/>
+            <p14:sldId id="270"/>
+            <p14:sldId id="273"/>
+          </p14:sldIdLst>
+        </p14:section>
+        <p14:section name="Figures" id="{E2334729-6C61-4C52-B79C-4CB92910D7A9}">
+          <p14:sldIdLst>
+            <p14:sldId id="268"/>
+            <p14:sldId id="272"/>
+            <p14:sldId id="264"/>
+          </p14:sldIdLst>
+        </p14:section>
+      </p14:sectionLst>
+    </p:ext>
+  </p:extLst>
 </p:presentation>
 </file>
 
@@ -3540,13 +3577,45 @@
             </a:r>
             <a:r>
               <a:rPr lang="en-US" dirty="0" smtClean="0"/>
-              <a:t>The only design goal of the New IDDR system is to improve the performance of the base IDDR system without compromising any properties </a:t>
-            </a:r>
-            <a:r>
-              <a:rPr lang="en-US" smtClean="0"/>
-              <a:t>of it. </a:t>
-            </a:r>
-            <a:endParaRPr lang="en-US" b="1" dirty="0"/>
+              <a:t>The design goal of the New IDDR system is to improve the performance of the base IDDR system without compromising any properties of it.</a:t>
+            </a:r>
+          </a:p>
+          <a:p>
+            <a:r>
+              <a:rPr lang="en-US" dirty="0" smtClean="0"/>
+              <a:t>The reason for the performance deterioration of the IDDR system is :</a:t>
+            </a:r>
+          </a:p>
+          <a:p>
+            <a:pPr marL="457200" indent="-457200">
+              <a:buFont typeface="+mj-lt"/>
+              <a:buAutoNum type="arabicPeriod"/>
+            </a:pPr>
+            <a:r>
+              <a:rPr lang="en-US" dirty="0" smtClean="0"/>
+              <a:t>The hypervisor layer.</a:t>
+            </a:r>
+          </a:p>
+          <a:p>
+            <a:pPr marL="457200" indent="-457200">
+              <a:buFont typeface="+mj-lt"/>
+              <a:buAutoNum type="arabicPeriod"/>
+            </a:pPr>
+            <a:r>
+              <a:rPr lang="en-US" dirty="0" smtClean="0"/>
+              <a:t>Extra data copy between the domains.</a:t>
+            </a:r>
+          </a:p>
+          <a:p>
+            <a:pPr marL="457200" indent="-457200">
+              <a:buFont typeface="+mj-lt"/>
+              <a:buAutoNum type="arabicPeriod"/>
+            </a:pPr>
+            <a:r>
+              <a:rPr lang="en-US" dirty="0" smtClean="0"/>
+              <a:t>Overhead due to the communication between the domains.</a:t>
+            </a:r>
+            <a:endParaRPr lang="en-US" dirty="0"/>
           </a:p>
         </p:txBody>
       </p:sp>
@@ -3571,6 +3640,4651 @@
 </file>
 
 <file path=ppt/slides/slide11.xml><?xml version="1.0" encoding="utf-8"?>
+<p:sld xmlns:a="http://schemas.openxmlformats.org/drawingml/2006/main" xmlns:r="http://schemas.openxmlformats.org/officeDocument/2006/relationships" xmlns:p="http://schemas.openxmlformats.org/presentationml/2006/main">
+  <p:cSld>
+    <p:spTree>
+      <p:nvGrpSpPr>
+        <p:cNvPr id="1" name=""/>
+        <p:cNvGrpSpPr/>
+        <p:nvPr/>
+      </p:nvGrpSpPr>
+      <p:grpSpPr>
+        <a:xfrm>
+          <a:off x="0" y="0"/>
+          <a:ext cx="0" cy="0"/>
+          <a:chOff x="0" y="0"/>
+          <a:chExt cx="0" cy="0"/>
+        </a:xfrm>
+      </p:grpSpPr>
+      <p:sp>
+        <p:nvSpPr>
+          <p:cNvPr id="2" name="Title 1"/>
+          <p:cNvSpPr>
+            <a:spLocks noGrp="1"/>
+          </p:cNvSpPr>
+          <p:nvPr>
+            <p:ph type="title"/>
+          </p:nvPr>
+        </p:nvSpPr>
+        <p:spPr/>
+        <p:txBody>
+          <a:bodyPr/>
+          <a:lstStyle/>
+          <a:p>
+            <a:r>
+              <a:rPr lang="en-US" dirty="0" smtClean="0"/>
+              <a:t>The hypervisor layer</a:t>
+            </a:r>
+            <a:endParaRPr lang="en-US" dirty="0"/>
+          </a:p>
+        </p:txBody>
+      </p:sp>
+      <p:sp>
+        <p:nvSpPr>
+          <p:cNvPr id="3" name="Content Placeholder 2"/>
+          <p:cNvSpPr>
+            <a:spLocks noGrp="1"/>
+          </p:cNvSpPr>
+          <p:nvPr>
+            <p:ph idx="1"/>
+          </p:nvPr>
+        </p:nvSpPr>
+        <p:spPr>
+          <a:xfrm>
+            <a:off x="359230" y="2011680"/>
+            <a:ext cx="4136836" cy="3766185"/>
+          </a:xfrm>
+        </p:spPr>
+        <p:txBody>
+          <a:bodyPr>
+            <a:normAutofit/>
+          </a:bodyPr>
+          <a:lstStyle/>
+          <a:p>
+            <a:r>
+              <a:rPr lang="en-US" dirty="0" smtClean="0"/>
+              <a:t>Hypervisor </a:t>
+            </a:r>
+            <a:r>
+              <a:rPr lang="en-US" dirty="0"/>
+              <a:t>runs at most privileged level </a:t>
+            </a:r>
+          </a:p>
+          <a:p>
+            <a:r>
+              <a:rPr lang="en-US" dirty="0" smtClean="0"/>
+              <a:t>Guest </a:t>
+            </a:r>
+            <a:r>
+              <a:rPr lang="en-US" dirty="0" err="1"/>
+              <a:t>os</a:t>
+            </a:r>
+            <a:r>
+              <a:rPr lang="en-US" dirty="0"/>
+              <a:t> runs at less privileged </a:t>
+            </a:r>
+            <a:r>
+              <a:rPr lang="en-US" dirty="0" smtClean="0"/>
+              <a:t>level</a:t>
+            </a:r>
+          </a:p>
+          <a:p>
+            <a:r>
+              <a:rPr lang="en-US" dirty="0" smtClean="0"/>
+              <a:t>Operations such as page table updates (memory management) takes more time in guest operating system due to hypervisor layer.</a:t>
+            </a:r>
+          </a:p>
+          <a:p>
+            <a:endParaRPr lang="en-US" dirty="0"/>
+          </a:p>
+        </p:txBody>
+      </p:sp>
+      <p:sp>
+        <p:nvSpPr>
+          <p:cNvPr id="47" name="Rounded Rectangle 46"/>
+          <p:cNvSpPr/>
+          <p:nvPr/>
+        </p:nvSpPr>
+        <p:spPr>
+          <a:xfrm>
+            <a:off x="9736899" y="2157731"/>
+            <a:ext cx="1368152" cy="504056"/>
+          </a:xfrm>
+          <a:prstGeom prst="roundRect">
+            <a:avLst/>
+          </a:prstGeom>
+        </p:spPr>
+        <p:style>
+          <a:lnRef idx="2">
+            <a:schemeClr val="accent1"/>
+          </a:lnRef>
+          <a:fillRef idx="1">
+            <a:schemeClr val="lt1"/>
+          </a:fillRef>
+          <a:effectRef idx="0">
+            <a:schemeClr val="accent1"/>
+          </a:effectRef>
+          <a:fontRef idx="minor">
+            <a:schemeClr val="dk1"/>
+          </a:fontRef>
+        </p:style>
+        <p:txBody>
+          <a:bodyPr rtlCol="0" anchor="ctr"/>
+          <a:lstStyle/>
+          <a:p>
+            <a:pPr algn="ctr"/>
+            <a:r>
+              <a:rPr lang="en-US" dirty="0" smtClean="0"/>
+              <a:t>User app</a:t>
+            </a:r>
+            <a:endParaRPr lang="en-US" dirty="0"/>
+          </a:p>
+        </p:txBody>
+      </p:sp>
+      <p:sp>
+        <p:nvSpPr>
+          <p:cNvPr id="48" name="Rounded Rectangle 47"/>
+          <p:cNvSpPr/>
+          <p:nvPr/>
+        </p:nvSpPr>
+        <p:spPr>
+          <a:xfrm>
+            <a:off x="9736899" y="2814187"/>
+            <a:ext cx="1368152" cy="504056"/>
+          </a:xfrm>
+          <a:prstGeom prst="roundRect">
+            <a:avLst/>
+          </a:prstGeom>
+        </p:spPr>
+        <p:style>
+          <a:lnRef idx="2">
+            <a:schemeClr val="accent1"/>
+          </a:lnRef>
+          <a:fillRef idx="1">
+            <a:schemeClr val="lt1"/>
+          </a:fillRef>
+          <a:effectRef idx="0">
+            <a:schemeClr val="accent1"/>
+          </a:effectRef>
+          <a:fontRef idx="minor">
+            <a:schemeClr val="dk1"/>
+          </a:fontRef>
+        </p:style>
+        <p:txBody>
+          <a:bodyPr rtlCol="0" anchor="ctr"/>
+          <a:lstStyle/>
+          <a:p>
+            <a:pPr algn="ctr"/>
+            <a:endParaRPr lang="en-US"/>
+          </a:p>
+        </p:txBody>
+      </p:sp>
+      <p:sp>
+        <p:nvSpPr>
+          <p:cNvPr id="49" name="Rounded Rectangle 48"/>
+          <p:cNvSpPr/>
+          <p:nvPr/>
+        </p:nvSpPr>
+        <p:spPr>
+          <a:xfrm>
+            <a:off x="9736899" y="3470643"/>
+            <a:ext cx="1368152" cy="504056"/>
+          </a:xfrm>
+          <a:prstGeom prst="roundRect">
+            <a:avLst/>
+          </a:prstGeom>
+        </p:spPr>
+        <p:style>
+          <a:lnRef idx="1">
+            <a:schemeClr val="accent1"/>
+          </a:lnRef>
+          <a:fillRef idx="3">
+            <a:schemeClr val="accent1"/>
+          </a:fillRef>
+          <a:effectRef idx="2">
+            <a:schemeClr val="accent1"/>
+          </a:effectRef>
+          <a:fontRef idx="minor">
+            <a:schemeClr val="lt1"/>
+          </a:fontRef>
+        </p:style>
+        <p:txBody>
+          <a:bodyPr rtlCol="0" anchor="ctr"/>
+          <a:lstStyle/>
+          <a:p>
+            <a:pPr algn="ctr"/>
+            <a:r>
+              <a:rPr lang="en-US" dirty="0" smtClean="0"/>
+              <a:t>Guest OS</a:t>
+            </a:r>
+            <a:endParaRPr lang="en-US" dirty="0"/>
+          </a:p>
+        </p:txBody>
+      </p:sp>
+      <p:sp>
+        <p:nvSpPr>
+          <p:cNvPr id="50" name="Rounded Rectangle 49"/>
+          <p:cNvSpPr/>
+          <p:nvPr/>
+        </p:nvSpPr>
+        <p:spPr>
+          <a:xfrm>
+            <a:off x="10316764" y="4127099"/>
+            <a:ext cx="788287" cy="504056"/>
+          </a:xfrm>
+          <a:prstGeom prst="roundRect">
+            <a:avLst/>
+          </a:prstGeom>
+          <a:solidFill>
+            <a:srgbClr val="FF9900"/>
+          </a:solidFill>
+          <a:ln>
+            <a:solidFill>
+              <a:srgbClr val="FFC000"/>
+            </a:solidFill>
+          </a:ln>
+        </p:spPr>
+        <p:style>
+          <a:lnRef idx="1">
+            <a:schemeClr val="accent5"/>
+          </a:lnRef>
+          <a:fillRef idx="3">
+            <a:schemeClr val="accent5"/>
+          </a:fillRef>
+          <a:effectRef idx="2">
+            <a:schemeClr val="accent5"/>
+          </a:effectRef>
+          <a:fontRef idx="minor">
+            <a:schemeClr val="lt1"/>
+          </a:fontRef>
+        </p:style>
+        <p:txBody>
+          <a:bodyPr rtlCol="0" anchor="ctr"/>
+          <a:lstStyle/>
+          <a:p>
+            <a:pPr algn="ctr"/>
+            <a:r>
+              <a:rPr lang="en-US" dirty="0" smtClean="0"/>
+              <a:t>Xen</a:t>
+            </a:r>
+            <a:endParaRPr lang="en-US" dirty="0"/>
+          </a:p>
+        </p:txBody>
+      </p:sp>
+      <p:sp>
+        <p:nvSpPr>
+          <p:cNvPr id="51" name="Rounded Rectangle 50"/>
+          <p:cNvSpPr/>
+          <p:nvPr/>
+        </p:nvSpPr>
+        <p:spPr>
+          <a:xfrm>
+            <a:off x="8800795" y="4822027"/>
+            <a:ext cx="2304256" cy="792088"/>
+          </a:xfrm>
+          <a:prstGeom prst="roundRect">
+            <a:avLst/>
+          </a:prstGeom>
+        </p:spPr>
+        <p:style>
+          <a:lnRef idx="2">
+            <a:schemeClr val="accent1"/>
+          </a:lnRef>
+          <a:fillRef idx="1">
+            <a:schemeClr val="lt1"/>
+          </a:fillRef>
+          <a:effectRef idx="0">
+            <a:schemeClr val="accent1"/>
+          </a:effectRef>
+          <a:fontRef idx="minor">
+            <a:schemeClr val="dk1"/>
+          </a:fontRef>
+        </p:style>
+        <p:txBody>
+          <a:bodyPr rtlCol="0" anchor="ctr"/>
+          <a:lstStyle/>
+          <a:p>
+            <a:pPr algn="ctr"/>
+            <a:r>
+              <a:rPr lang="en-US" dirty="0" smtClean="0"/>
+              <a:t>Host computer system hardware</a:t>
+            </a:r>
+            <a:endParaRPr lang="en-US" dirty="0"/>
+          </a:p>
+        </p:txBody>
+      </p:sp>
+      <p:sp>
+        <p:nvSpPr>
+          <p:cNvPr id="52" name="TextBox 51"/>
+          <p:cNvSpPr txBox="1"/>
+          <p:nvPr/>
+        </p:nvSpPr>
+        <p:spPr>
+          <a:xfrm>
+            <a:off x="8584771" y="2225093"/>
+            <a:ext cx="763351" cy="369332"/>
+          </a:xfrm>
+          <a:prstGeom prst="rect">
+            <a:avLst/>
+          </a:prstGeom>
+          <a:noFill/>
+        </p:spPr>
+        <p:txBody>
+          <a:bodyPr wrap="none" rtlCol="0">
+            <a:spAutoFit/>
+          </a:bodyPr>
+          <a:lstStyle/>
+          <a:p>
+            <a:r>
+              <a:rPr lang="en-US" dirty="0" smtClean="0"/>
+              <a:t>Ring 3</a:t>
+            </a:r>
+            <a:endParaRPr lang="en-US" dirty="0"/>
+          </a:p>
+        </p:txBody>
+      </p:sp>
+      <p:sp>
+        <p:nvSpPr>
+          <p:cNvPr id="53" name="TextBox 52"/>
+          <p:cNvSpPr txBox="1"/>
+          <p:nvPr/>
+        </p:nvSpPr>
+        <p:spPr>
+          <a:xfrm>
+            <a:off x="8584771" y="2881549"/>
+            <a:ext cx="763351" cy="369332"/>
+          </a:xfrm>
+          <a:prstGeom prst="rect">
+            <a:avLst/>
+          </a:prstGeom>
+          <a:noFill/>
+        </p:spPr>
+        <p:txBody>
+          <a:bodyPr wrap="none" rtlCol="0">
+            <a:spAutoFit/>
+          </a:bodyPr>
+          <a:lstStyle/>
+          <a:p>
+            <a:r>
+              <a:rPr lang="en-US" dirty="0" smtClean="0"/>
+              <a:t>Ring 2</a:t>
+            </a:r>
+            <a:endParaRPr lang="en-US" dirty="0"/>
+          </a:p>
+        </p:txBody>
+      </p:sp>
+      <p:sp>
+        <p:nvSpPr>
+          <p:cNvPr id="54" name="TextBox 53"/>
+          <p:cNvSpPr txBox="1"/>
+          <p:nvPr/>
+        </p:nvSpPr>
+        <p:spPr>
+          <a:xfrm>
+            <a:off x="8584771" y="3538005"/>
+            <a:ext cx="763351" cy="369332"/>
+          </a:xfrm>
+          <a:prstGeom prst="rect">
+            <a:avLst/>
+          </a:prstGeom>
+          <a:noFill/>
+        </p:spPr>
+        <p:txBody>
+          <a:bodyPr wrap="none" rtlCol="0">
+            <a:spAutoFit/>
+          </a:bodyPr>
+          <a:lstStyle/>
+          <a:p>
+            <a:r>
+              <a:rPr lang="en-US" dirty="0" smtClean="0"/>
+              <a:t>Ring 1</a:t>
+            </a:r>
+            <a:endParaRPr lang="en-US" dirty="0"/>
+          </a:p>
+        </p:txBody>
+      </p:sp>
+      <p:sp>
+        <p:nvSpPr>
+          <p:cNvPr id="55" name="TextBox 54"/>
+          <p:cNvSpPr txBox="1"/>
+          <p:nvPr/>
+        </p:nvSpPr>
+        <p:spPr>
+          <a:xfrm>
+            <a:off x="8584770" y="4194461"/>
+            <a:ext cx="763351" cy="369332"/>
+          </a:xfrm>
+          <a:prstGeom prst="rect">
+            <a:avLst/>
+          </a:prstGeom>
+          <a:noFill/>
+        </p:spPr>
+        <p:txBody>
+          <a:bodyPr wrap="none" rtlCol="0">
+            <a:spAutoFit/>
+          </a:bodyPr>
+          <a:lstStyle/>
+          <a:p>
+            <a:r>
+              <a:rPr lang="en-US" dirty="0" smtClean="0"/>
+              <a:t>Ring 0</a:t>
+            </a:r>
+            <a:endParaRPr lang="en-US" dirty="0"/>
+          </a:p>
+        </p:txBody>
+      </p:sp>
+      <p:sp>
+        <p:nvSpPr>
+          <p:cNvPr id="56" name="Curved Left Arrow 55"/>
+          <p:cNvSpPr/>
+          <p:nvPr/>
+        </p:nvSpPr>
+        <p:spPr>
+          <a:xfrm>
+            <a:off x="11221444" y="3722671"/>
+            <a:ext cx="360041" cy="656456"/>
+          </a:xfrm>
+          <a:prstGeom prst="curvedLeftArrow">
+            <a:avLst/>
+          </a:prstGeom>
+        </p:spPr>
+        <p:style>
+          <a:lnRef idx="2">
+            <a:schemeClr val="accent2">
+              <a:shade val="50000"/>
+            </a:schemeClr>
+          </a:lnRef>
+          <a:fillRef idx="1">
+            <a:schemeClr val="accent2"/>
+          </a:fillRef>
+          <a:effectRef idx="0">
+            <a:schemeClr val="accent2"/>
+          </a:effectRef>
+          <a:fontRef idx="minor">
+            <a:schemeClr val="lt1"/>
+          </a:fontRef>
+        </p:style>
+        <p:txBody>
+          <a:bodyPr rtlCol="0" anchor="ctr"/>
+          <a:lstStyle/>
+          <a:p>
+            <a:pPr algn="ctr"/>
+            <a:endParaRPr lang="en-US">
+              <a:solidFill>
+                <a:schemeClr val="tx1"/>
+              </a:solidFill>
+            </a:endParaRPr>
+          </a:p>
+        </p:txBody>
+      </p:sp>
+      <p:sp>
+        <p:nvSpPr>
+          <p:cNvPr id="57" name="Curved Left Arrow 56"/>
+          <p:cNvSpPr/>
+          <p:nvPr/>
+        </p:nvSpPr>
+        <p:spPr>
+          <a:xfrm>
+            <a:off x="11221445" y="4393988"/>
+            <a:ext cx="360041" cy="656456"/>
+          </a:xfrm>
+          <a:prstGeom prst="curvedLeftArrow">
+            <a:avLst/>
+          </a:prstGeom>
+        </p:spPr>
+        <p:style>
+          <a:lnRef idx="2">
+            <a:schemeClr val="accent2">
+              <a:shade val="50000"/>
+            </a:schemeClr>
+          </a:lnRef>
+          <a:fillRef idx="1">
+            <a:schemeClr val="accent2"/>
+          </a:fillRef>
+          <a:effectRef idx="0">
+            <a:schemeClr val="accent2"/>
+          </a:effectRef>
+          <a:fontRef idx="minor">
+            <a:schemeClr val="lt1"/>
+          </a:fontRef>
+        </p:style>
+        <p:txBody>
+          <a:bodyPr rtlCol="0" anchor="ctr"/>
+          <a:lstStyle/>
+          <a:p>
+            <a:pPr algn="ctr"/>
+            <a:endParaRPr lang="en-US">
+              <a:solidFill>
+                <a:schemeClr val="tx1"/>
+              </a:solidFill>
+            </a:endParaRPr>
+          </a:p>
+        </p:txBody>
+      </p:sp>
+      <p:sp>
+        <p:nvSpPr>
+          <p:cNvPr id="58" name="TextBox 57"/>
+          <p:cNvSpPr txBox="1"/>
+          <p:nvPr/>
+        </p:nvSpPr>
+        <p:spPr>
+          <a:xfrm>
+            <a:off x="12041155" y="3788545"/>
+            <a:ext cx="960584" cy="338554"/>
+          </a:xfrm>
+          <a:prstGeom prst="rect">
+            <a:avLst/>
+          </a:prstGeom>
+          <a:noFill/>
+        </p:spPr>
+        <p:txBody>
+          <a:bodyPr wrap="none" rtlCol="0">
+            <a:spAutoFit/>
+          </a:bodyPr>
+          <a:lstStyle/>
+          <a:p>
+            <a:r>
+              <a:rPr lang="en-US" sz="1600" dirty="0" err="1" smtClean="0">
+                <a:solidFill>
+                  <a:schemeClr val="tx2">
+                    <a:lumMod val="75000"/>
+                  </a:schemeClr>
+                </a:solidFill>
+              </a:rPr>
+              <a:t>Hypercall</a:t>
+            </a:r>
+            <a:endParaRPr lang="en-US" sz="1600" dirty="0">
+              <a:solidFill>
+                <a:schemeClr val="tx2">
+                  <a:lumMod val="75000"/>
+                </a:schemeClr>
+              </a:solidFill>
+            </a:endParaRPr>
+          </a:p>
+        </p:txBody>
+      </p:sp>
+      <p:sp>
+        <p:nvSpPr>
+          <p:cNvPr id="59" name="Rounded Rectangle 58"/>
+          <p:cNvSpPr/>
+          <p:nvPr/>
+        </p:nvSpPr>
+        <p:spPr>
+          <a:xfrm>
+            <a:off x="9736899" y="4136322"/>
+            <a:ext cx="504056" cy="485609"/>
+          </a:xfrm>
+          <a:prstGeom prst="roundRect">
+            <a:avLst/>
+          </a:prstGeom>
+        </p:spPr>
+        <p:style>
+          <a:lnRef idx="1">
+            <a:schemeClr val="accent1"/>
+          </a:lnRef>
+          <a:fillRef idx="3">
+            <a:schemeClr val="accent1"/>
+          </a:fillRef>
+          <a:effectRef idx="2">
+            <a:schemeClr val="accent1"/>
+          </a:effectRef>
+          <a:fontRef idx="minor">
+            <a:schemeClr val="lt1"/>
+          </a:fontRef>
+        </p:style>
+        <p:txBody>
+          <a:bodyPr rtlCol="0" anchor="ctr"/>
+          <a:lstStyle/>
+          <a:p>
+            <a:pPr algn="ctr"/>
+            <a:endParaRPr lang="en-US" dirty="0"/>
+          </a:p>
+        </p:txBody>
+      </p:sp>
+      <p:sp>
+        <p:nvSpPr>
+          <p:cNvPr id="60" name="Down Arrow 59"/>
+          <p:cNvSpPr/>
+          <p:nvPr/>
+        </p:nvSpPr>
+        <p:spPr>
+          <a:xfrm>
+            <a:off x="9911369" y="3974699"/>
+            <a:ext cx="155115" cy="866500"/>
+          </a:xfrm>
+          <a:prstGeom prst="downArrow">
+            <a:avLst/>
+          </a:prstGeom>
+          <a:ln w="0"/>
+        </p:spPr>
+        <p:style>
+          <a:lnRef idx="1">
+            <a:schemeClr val="accent1"/>
+          </a:lnRef>
+          <a:fillRef idx="3">
+            <a:schemeClr val="accent1"/>
+          </a:fillRef>
+          <a:effectRef idx="2">
+            <a:schemeClr val="accent1"/>
+          </a:effectRef>
+          <a:fontRef idx="minor">
+            <a:schemeClr val="lt1"/>
+          </a:fontRef>
+        </p:style>
+        <p:txBody>
+          <a:bodyPr rtlCol="0" anchor="ctr"/>
+          <a:lstStyle/>
+          <a:p>
+            <a:pPr algn="ctr"/>
+            <a:endParaRPr lang="en-US"/>
+          </a:p>
+        </p:txBody>
+      </p:sp>
+      <p:sp>
+        <p:nvSpPr>
+          <p:cNvPr id="61" name="TextBox 60"/>
+          <p:cNvSpPr txBox="1"/>
+          <p:nvPr/>
+        </p:nvSpPr>
+        <p:spPr>
+          <a:xfrm>
+            <a:off x="9761804" y="4237928"/>
+            <a:ext cx="554960" cy="276999"/>
+          </a:xfrm>
+          <a:prstGeom prst="rect">
+            <a:avLst/>
+          </a:prstGeom>
+          <a:noFill/>
+        </p:spPr>
+        <p:txBody>
+          <a:bodyPr wrap="none" rtlCol="0">
+            <a:spAutoFit/>
+          </a:bodyPr>
+          <a:lstStyle/>
+          <a:p>
+            <a:r>
+              <a:rPr lang="en-US" sz="1200" b="1" dirty="0" smtClean="0">
+                <a:solidFill>
+                  <a:schemeClr val="bg1"/>
+                </a:solidFill>
+              </a:rPr>
+              <a:t>dom0</a:t>
+            </a:r>
+            <a:endParaRPr lang="en-US" sz="1200" b="1" dirty="0">
+              <a:solidFill>
+                <a:schemeClr val="bg1"/>
+              </a:solidFill>
+            </a:endParaRPr>
+          </a:p>
+        </p:txBody>
+      </p:sp>
+      <p:sp>
+        <p:nvSpPr>
+          <p:cNvPr id="62" name="Curved Left Arrow 61"/>
+          <p:cNvSpPr/>
+          <p:nvPr/>
+        </p:nvSpPr>
+        <p:spPr>
+          <a:xfrm>
+            <a:off x="11221444" y="2333559"/>
+            <a:ext cx="509486" cy="1389112"/>
+          </a:xfrm>
+          <a:prstGeom prst="curvedLeftArrow">
+            <a:avLst/>
+          </a:prstGeom>
+        </p:spPr>
+        <p:style>
+          <a:lnRef idx="2">
+            <a:schemeClr val="accent1">
+              <a:shade val="50000"/>
+            </a:schemeClr>
+          </a:lnRef>
+          <a:fillRef idx="1">
+            <a:schemeClr val="accent1"/>
+          </a:fillRef>
+          <a:effectRef idx="0">
+            <a:schemeClr val="accent1"/>
+          </a:effectRef>
+          <a:fontRef idx="minor">
+            <a:schemeClr val="lt1"/>
+          </a:fontRef>
+        </p:style>
+        <p:txBody>
+          <a:bodyPr rtlCol="0" anchor="ctr"/>
+          <a:lstStyle/>
+          <a:p>
+            <a:pPr algn="ctr"/>
+            <a:endParaRPr lang="en-US">
+              <a:solidFill>
+                <a:schemeClr val="tx1"/>
+              </a:solidFill>
+            </a:endParaRPr>
+          </a:p>
+        </p:txBody>
+      </p:sp>
+      <p:sp>
+        <p:nvSpPr>
+          <p:cNvPr id="63" name="TextBox 62"/>
+          <p:cNvSpPr txBox="1"/>
+          <p:nvPr/>
+        </p:nvSpPr>
+        <p:spPr>
+          <a:xfrm>
+            <a:off x="11897139" y="2852080"/>
+            <a:ext cx="1947136" cy="584775"/>
+          </a:xfrm>
+          <a:prstGeom prst="rect">
+            <a:avLst/>
+          </a:prstGeom>
+          <a:noFill/>
+        </p:spPr>
+        <p:txBody>
+          <a:bodyPr wrap="none" rtlCol="0">
+            <a:spAutoFit/>
+          </a:bodyPr>
+          <a:lstStyle/>
+          <a:p>
+            <a:r>
+              <a:rPr lang="en-US" sz="1600" dirty="0" smtClean="0">
+                <a:solidFill>
+                  <a:schemeClr val="accent3">
+                    <a:lumMod val="50000"/>
+                  </a:schemeClr>
+                </a:solidFill>
+              </a:rPr>
+              <a:t>Privileged instruction</a:t>
+            </a:r>
+          </a:p>
+          <a:p>
+            <a:r>
+              <a:rPr lang="en-US" sz="1600" dirty="0" smtClean="0">
+                <a:solidFill>
+                  <a:schemeClr val="accent3">
+                    <a:lumMod val="50000"/>
+                  </a:schemeClr>
+                </a:solidFill>
+              </a:rPr>
+              <a:t>/</a:t>
+            </a:r>
+            <a:r>
+              <a:rPr lang="en-US" sz="1600" dirty="0" err="1" smtClean="0">
+                <a:solidFill>
+                  <a:schemeClr val="accent3">
+                    <a:lumMod val="50000"/>
+                  </a:schemeClr>
+                </a:solidFill>
+              </a:rPr>
+              <a:t>syscall</a:t>
+            </a:r>
+            <a:endParaRPr lang="en-US" sz="1600" dirty="0">
+              <a:solidFill>
+                <a:schemeClr val="accent3">
+                  <a:lumMod val="50000"/>
+                </a:schemeClr>
+              </a:solidFill>
+            </a:endParaRPr>
+          </a:p>
+        </p:txBody>
+      </p:sp>
+      <p:cxnSp>
+        <p:nvCxnSpPr>
+          <p:cNvPr id="64" name="Straight Arrow Connector 63"/>
+          <p:cNvCxnSpPr>
+            <a:stCxn id="58" idx="1"/>
+          </p:cNvCxnSpPr>
+          <p:nvPr/>
+        </p:nvCxnSpPr>
+        <p:spPr>
+          <a:xfrm flipH="1">
+            <a:off x="11730931" y="3957822"/>
+            <a:ext cx="310224" cy="0"/>
+          </a:xfrm>
+          <a:prstGeom prst="straightConnector1">
+            <a:avLst/>
+          </a:prstGeom>
+          <a:ln w="38100">
+            <a:tailEnd type="arrow"/>
+          </a:ln>
+        </p:spPr>
+        <p:style>
+          <a:lnRef idx="1">
+            <a:schemeClr val="accent1"/>
+          </a:lnRef>
+          <a:fillRef idx="0">
+            <a:schemeClr val="accent1"/>
+          </a:fillRef>
+          <a:effectRef idx="0">
+            <a:schemeClr val="accent1"/>
+          </a:effectRef>
+          <a:fontRef idx="minor">
+            <a:schemeClr val="tx1"/>
+          </a:fontRef>
+        </p:style>
+      </p:cxnSp>
+      <p:sp>
+        <p:nvSpPr>
+          <p:cNvPr id="70" name="Oval 69"/>
+          <p:cNvSpPr/>
+          <p:nvPr/>
+        </p:nvSpPr>
+        <p:spPr>
+          <a:xfrm>
+            <a:off x="4690454" y="2157731"/>
+            <a:ext cx="3456384" cy="3432900"/>
+          </a:xfrm>
+          <a:prstGeom prst="ellipse">
+            <a:avLst/>
+          </a:prstGeom>
+        </p:spPr>
+        <p:style>
+          <a:lnRef idx="1">
+            <a:schemeClr val="accent1"/>
+          </a:lnRef>
+          <a:fillRef idx="2">
+            <a:schemeClr val="accent1"/>
+          </a:fillRef>
+          <a:effectRef idx="1">
+            <a:schemeClr val="accent1"/>
+          </a:effectRef>
+          <a:fontRef idx="minor">
+            <a:schemeClr val="dk1"/>
+          </a:fontRef>
+        </p:style>
+        <p:txBody>
+          <a:bodyPr rtlCol="0" anchor="ctr"/>
+          <a:lstStyle/>
+          <a:p>
+            <a:pPr algn="ctr"/>
+            <a:endParaRPr lang="en-US" dirty="0"/>
+          </a:p>
+        </p:txBody>
+      </p:sp>
+      <p:sp>
+        <p:nvSpPr>
+          <p:cNvPr id="71" name="Oval 70"/>
+          <p:cNvSpPr/>
+          <p:nvPr/>
+        </p:nvSpPr>
+        <p:spPr>
+          <a:xfrm>
+            <a:off x="5050494" y="2854327"/>
+            <a:ext cx="2736304" cy="2681984"/>
+          </a:xfrm>
+          <a:prstGeom prst="ellipse">
+            <a:avLst/>
+          </a:prstGeom>
+        </p:spPr>
+        <p:style>
+          <a:lnRef idx="1">
+            <a:schemeClr val="accent1"/>
+          </a:lnRef>
+          <a:fillRef idx="2">
+            <a:schemeClr val="accent1"/>
+          </a:fillRef>
+          <a:effectRef idx="1">
+            <a:schemeClr val="accent1"/>
+          </a:effectRef>
+          <a:fontRef idx="minor">
+            <a:schemeClr val="dk1"/>
+          </a:fontRef>
+        </p:style>
+        <p:txBody>
+          <a:bodyPr rtlCol="0" anchor="ctr"/>
+          <a:lstStyle/>
+          <a:p>
+            <a:pPr algn="ctr"/>
+            <a:endParaRPr lang="en-US"/>
+          </a:p>
+        </p:txBody>
+      </p:sp>
+      <p:sp>
+        <p:nvSpPr>
+          <p:cNvPr id="72" name="Oval 71"/>
+          <p:cNvSpPr/>
+          <p:nvPr/>
+        </p:nvSpPr>
+        <p:spPr>
+          <a:xfrm>
+            <a:off x="5338526" y="3309859"/>
+            <a:ext cx="2160240" cy="2160240"/>
+          </a:xfrm>
+          <a:prstGeom prst="ellipse">
+            <a:avLst/>
+          </a:prstGeom>
+        </p:spPr>
+        <p:style>
+          <a:lnRef idx="1">
+            <a:schemeClr val="accent1"/>
+          </a:lnRef>
+          <a:fillRef idx="2">
+            <a:schemeClr val="accent1"/>
+          </a:fillRef>
+          <a:effectRef idx="1">
+            <a:schemeClr val="accent1"/>
+          </a:effectRef>
+          <a:fontRef idx="minor">
+            <a:schemeClr val="dk1"/>
+          </a:fontRef>
+        </p:style>
+        <p:txBody>
+          <a:bodyPr rtlCol="0" anchor="ctr"/>
+          <a:lstStyle/>
+          <a:p>
+            <a:pPr algn="ctr"/>
+            <a:endParaRPr lang="en-US"/>
+          </a:p>
+        </p:txBody>
+      </p:sp>
+      <p:sp>
+        <p:nvSpPr>
+          <p:cNvPr id="73" name="Oval 72"/>
+          <p:cNvSpPr/>
+          <p:nvPr/>
+        </p:nvSpPr>
+        <p:spPr>
+          <a:xfrm>
+            <a:off x="5626558" y="3813915"/>
+            <a:ext cx="1584176" cy="1584176"/>
+          </a:xfrm>
+          <a:prstGeom prst="ellipse">
+            <a:avLst/>
+          </a:prstGeom>
+        </p:spPr>
+        <p:style>
+          <a:lnRef idx="1">
+            <a:schemeClr val="accent1"/>
+          </a:lnRef>
+          <a:fillRef idx="2">
+            <a:schemeClr val="accent1"/>
+          </a:fillRef>
+          <a:effectRef idx="1">
+            <a:schemeClr val="accent1"/>
+          </a:effectRef>
+          <a:fontRef idx="minor">
+            <a:schemeClr val="dk1"/>
+          </a:fontRef>
+        </p:style>
+        <p:txBody>
+          <a:bodyPr rtlCol="0" anchor="ctr"/>
+          <a:lstStyle/>
+          <a:p>
+            <a:pPr algn="ctr"/>
+            <a:endParaRPr lang="en-US"/>
+          </a:p>
+        </p:txBody>
+      </p:sp>
+      <p:sp>
+        <p:nvSpPr>
+          <p:cNvPr id="74" name="TextBox 73"/>
+          <p:cNvSpPr txBox="1"/>
+          <p:nvPr/>
+        </p:nvSpPr>
+        <p:spPr>
+          <a:xfrm>
+            <a:off x="6036967" y="3876100"/>
+            <a:ext cx="763351" cy="369332"/>
+          </a:xfrm>
+          <a:prstGeom prst="rect">
+            <a:avLst/>
+          </a:prstGeom>
+          <a:noFill/>
+        </p:spPr>
+        <p:txBody>
+          <a:bodyPr wrap="none" rtlCol="0">
+            <a:spAutoFit/>
+          </a:bodyPr>
+          <a:lstStyle/>
+          <a:p>
+            <a:r>
+              <a:rPr lang="en-US" dirty="0" smtClean="0">
+                <a:solidFill>
+                  <a:schemeClr val="accent1">
+                    <a:lumMod val="75000"/>
+                  </a:schemeClr>
+                </a:solidFill>
+              </a:rPr>
+              <a:t>Ring 0</a:t>
+            </a:r>
+            <a:endParaRPr lang="en-US" dirty="0">
+              <a:solidFill>
+                <a:schemeClr val="accent1">
+                  <a:lumMod val="75000"/>
+                </a:schemeClr>
+              </a:solidFill>
+            </a:endParaRPr>
+          </a:p>
+        </p:txBody>
+      </p:sp>
+      <p:sp>
+        <p:nvSpPr>
+          <p:cNvPr id="75" name="TextBox 74"/>
+          <p:cNvSpPr txBox="1"/>
+          <p:nvPr/>
+        </p:nvSpPr>
+        <p:spPr>
+          <a:xfrm>
+            <a:off x="6036970" y="2398466"/>
+            <a:ext cx="763351" cy="369332"/>
+          </a:xfrm>
+          <a:prstGeom prst="rect">
+            <a:avLst/>
+          </a:prstGeom>
+          <a:noFill/>
+        </p:spPr>
+        <p:txBody>
+          <a:bodyPr wrap="none" rtlCol="0">
+            <a:spAutoFit/>
+          </a:bodyPr>
+          <a:lstStyle/>
+          <a:p>
+            <a:r>
+              <a:rPr lang="en-US" dirty="0" smtClean="0">
+                <a:solidFill>
+                  <a:schemeClr val="accent1">
+                    <a:lumMod val="75000"/>
+                  </a:schemeClr>
+                </a:solidFill>
+              </a:rPr>
+              <a:t>Ring 3</a:t>
+            </a:r>
+            <a:endParaRPr lang="en-US" dirty="0">
+              <a:solidFill>
+                <a:schemeClr val="accent1">
+                  <a:lumMod val="75000"/>
+                </a:schemeClr>
+              </a:solidFill>
+            </a:endParaRPr>
+          </a:p>
+        </p:txBody>
+      </p:sp>
+      <p:sp>
+        <p:nvSpPr>
+          <p:cNvPr id="76" name="TextBox 75"/>
+          <p:cNvSpPr txBox="1"/>
+          <p:nvPr/>
+        </p:nvSpPr>
+        <p:spPr>
+          <a:xfrm>
+            <a:off x="6036969" y="2940527"/>
+            <a:ext cx="763351" cy="369332"/>
+          </a:xfrm>
+          <a:prstGeom prst="rect">
+            <a:avLst/>
+          </a:prstGeom>
+          <a:noFill/>
+        </p:spPr>
+        <p:txBody>
+          <a:bodyPr wrap="none" rtlCol="0">
+            <a:spAutoFit/>
+          </a:bodyPr>
+          <a:lstStyle/>
+          <a:p>
+            <a:r>
+              <a:rPr lang="en-US" dirty="0" smtClean="0">
+                <a:solidFill>
+                  <a:schemeClr val="accent1">
+                    <a:lumMod val="75000"/>
+                  </a:schemeClr>
+                </a:solidFill>
+              </a:rPr>
+              <a:t>Ring 2</a:t>
+            </a:r>
+            <a:endParaRPr lang="en-US" dirty="0">
+              <a:solidFill>
+                <a:schemeClr val="accent1">
+                  <a:lumMod val="75000"/>
+                </a:schemeClr>
+              </a:solidFill>
+            </a:endParaRPr>
+          </a:p>
+        </p:txBody>
+      </p:sp>
+      <p:sp>
+        <p:nvSpPr>
+          <p:cNvPr id="77" name="TextBox 76"/>
+          <p:cNvSpPr txBox="1"/>
+          <p:nvPr/>
+        </p:nvSpPr>
+        <p:spPr>
+          <a:xfrm>
+            <a:off x="6036968" y="3372575"/>
+            <a:ext cx="763351" cy="369332"/>
+          </a:xfrm>
+          <a:prstGeom prst="rect">
+            <a:avLst/>
+          </a:prstGeom>
+          <a:noFill/>
+        </p:spPr>
+        <p:txBody>
+          <a:bodyPr wrap="none" rtlCol="0">
+            <a:spAutoFit/>
+          </a:bodyPr>
+          <a:lstStyle/>
+          <a:p>
+            <a:r>
+              <a:rPr lang="en-US" dirty="0" smtClean="0">
+                <a:solidFill>
+                  <a:schemeClr val="accent1">
+                    <a:lumMod val="75000"/>
+                  </a:schemeClr>
+                </a:solidFill>
+              </a:rPr>
+              <a:t>Ring 1</a:t>
+            </a:r>
+            <a:endParaRPr lang="en-US" dirty="0">
+              <a:solidFill>
+                <a:schemeClr val="accent1">
+                  <a:lumMod val="75000"/>
+                </a:schemeClr>
+              </a:solidFill>
+            </a:endParaRPr>
+          </a:p>
+        </p:txBody>
+      </p:sp>
+      <p:cxnSp>
+        <p:nvCxnSpPr>
+          <p:cNvPr id="79" name="Straight Arrow Connector 78"/>
+          <p:cNvCxnSpPr/>
+          <p:nvPr/>
+        </p:nvCxnSpPr>
+        <p:spPr>
+          <a:xfrm>
+            <a:off x="6994709" y="3741907"/>
+            <a:ext cx="1656184" cy="0"/>
+          </a:xfrm>
+          <a:prstGeom prst="straightConnector1">
+            <a:avLst/>
+          </a:prstGeom>
+          <a:ln w="19050">
+            <a:tailEnd type="arrow"/>
+          </a:ln>
+        </p:spPr>
+        <p:style>
+          <a:lnRef idx="1">
+            <a:schemeClr val="accent1"/>
+          </a:lnRef>
+          <a:fillRef idx="0">
+            <a:schemeClr val="accent1"/>
+          </a:fillRef>
+          <a:effectRef idx="0">
+            <a:schemeClr val="accent1"/>
+          </a:effectRef>
+          <a:fontRef idx="minor">
+            <a:schemeClr val="tx1"/>
+          </a:fontRef>
+        </p:style>
+      </p:cxnSp>
+      <p:cxnSp>
+        <p:nvCxnSpPr>
+          <p:cNvPr id="81" name="Straight Arrow Connector 80"/>
+          <p:cNvCxnSpPr/>
+          <p:nvPr/>
+        </p:nvCxnSpPr>
+        <p:spPr>
+          <a:xfrm>
+            <a:off x="6994709" y="4421337"/>
+            <a:ext cx="1656184" cy="0"/>
+          </a:xfrm>
+          <a:prstGeom prst="straightConnector1">
+            <a:avLst/>
+          </a:prstGeom>
+          <a:ln w="19050">
+            <a:tailEnd type="arrow"/>
+          </a:ln>
+        </p:spPr>
+        <p:style>
+          <a:lnRef idx="1">
+            <a:schemeClr val="accent1"/>
+          </a:lnRef>
+          <a:fillRef idx="0">
+            <a:schemeClr val="accent1"/>
+          </a:fillRef>
+          <a:effectRef idx="0">
+            <a:schemeClr val="accent1"/>
+          </a:effectRef>
+          <a:fontRef idx="minor">
+            <a:schemeClr val="tx1"/>
+          </a:fontRef>
+        </p:style>
+      </p:cxnSp>
+    </p:spTree>
+    <p:extLst>
+      <p:ext uri="{BB962C8B-B14F-4D97-AF65-F5344CB8AC3E}">
+        <p14:creationId xmlns:p14="http://schemas.microsoft.com/office/powerpoint/2010/main" val="251693542"/>
+      </p:ext>
+    </p:extLst>
+  </p:cSld>
+  <p:clrMapOvr>
+    <a:masterClrMapping/>
+  </p:clrMapOvr>
+  <p:timing>
+    <p:tnLst>
+      <p:par>
+        <p:cTn id="1" dur="indefinite" restart="never" nodeType="tmRoot"/>
+      </p:par>
+    </p:tnLst>
+  </p:timing>
+</p:sld>
+</file>
+
+<file path=ppt/slides/slide12.xml><?xml version="1.0" encoding="utf-8"?>
+<p:sld xmlns:a="http://schemas.openxmlformats.org/drawingml/2006/main" xmlns:r="http://schemas.openxmlformats.org/officeDocument/2006/relationships" xmlns:p="http://schemas.openxmlformats.org/presentationml/2006/main">
+  <p:cSld>
+    <p:spTree>
+      <p:nvGrpSpPr>
+        <p:cNvPr id="1" name=""/>
+        <p:cNvGrpSpPr/>
+        <p:nvPr/>
+      </p:nvGrpSpPr>
+      <p:grpSpPr>
+        <a:xfrm>
+          <a:off x="0" y="0"/>
+          <a:ext cx="0" cy="0"/>
+          <a:chOff x="0" y="0"/>
+          <a:chExt cx="0" cy="0"/>
+        </a:xfrm>
+      </p:grpSpPr>
+      <p:sp>
+        <p:nvSpPr>
+          <p:cNvPr id="2" name="Title 1"/>
+          <p:cNvSpPr>
+            <a:spLocks noGrp="1"/>
+          </p:cNvSpPr>
+          <p:nvPr>
+            <p:ph type="title"/>
+          </p:nvPr>
+        </p:nvSpPr>
+        <p:spPr/>
+        <p:txBody>
+          <a:bodyPr/>
+          <a:lstStyle/>
+          <a:p>
+            <a:r>
+              <a:rPr lang="en-US" dirty="0" smtClean="0"/>
+              <a:t>Data Copy Overhead</a:t>
+            </a:r>
+            <a:endParaRPr lang="en-US" dirty="0"/>
+          </a:p>
+        </p:txBody>
+      </p:sp>
+      <p:sp>
+        <p:nvSpPr>
+          <p:cNvPr id="3" name="Content Placeholder 2"/>
+          <p:cNvSpPr>
+            <a:spLocks noGrp="1"/>
+          </p:cNvSpPr>
+          <p:nvPr>
+            <p:ph idx="1"/>
+          </p:nvPr>
+        </p:nvSpPr>
+        <p:spPr>
+          <a:xfrm>
+            <a:off x="676656" y="2011680"/>
+            <a:ext cx="6856257" cy="3766185"/>
+          </a:xfrm>
+        </p:spPr>
+        <p:txBody>
+          <a:bodyPr/>
+          <a:lstStyle/>
+          <a:p>
+            <a:r>
+              <a:rPr lang="en-US" dirty="0" smtClean="0"/>
+              <a:t>In a usual system :</a:t>
+            </a:r>
+          </a:p>
+          <a:p>
+            <a:r>
+              <a:rPr lang="en-US" dirty="0" smtClean="0"/>
+              <a:t>Data is copied from </a:t>
+            </a:r>
+          </a:p>
+          <a:p>
+            <a:r>
+              <a:rPr lang="en-US" dirty="0" smtClean="0"/>
+              <a:t>User space -&gt; kernel space</a:t>
+            </a:r>
+          </a:p>
+          <a:p>
+            <a:r>
+              <a:rPr lang="en-US" dirty="0" smtClean="0"/>
+              <a:t>Kernel space -&gt; Socket buffer (physical </a:t>
+            </a:r>
+            <a:r>
+              <a:rPr lang="en-US" dirty="0" err="1" smtClean="0"/>
+              <a:t>nework</a:t>
+            </a:r>
+            <a:r>
+              <a:rPr lang="en-US" dirty="0" smtClean="0"/>
+              <a:t>)</a:t>
+            </a:r>
+            <a:endParaRPr lang="en-US" dirty="0"/>
+          </a:p>
+        </p:txBody>
+      </p:sp>
+      <p:sp>
+        <p:nvSpPr>
+          <p:cNvPr id="6" name="Rectangle 5"/>
+          <p:cNvSpPr/>
+          <p:nvPr/>
+        </p:nvSpPr>
+        <p:spPr>
+          <a:xfrm>
+            <a:off x="8151064" y="2011680"/>
+            <a:ext cx="2421577" cy="3269673"/>
+          </a:xfrm>
+          <a:prstGeom prst="rect">
+            <a:avLst/>
+          </a:prstGeom>
+          <a:ln>
+            <a:solidFill>
+              <a:schemeClr val="accent1"/>
+            </a:solidFill>
+            <a:prstDash val="dashDot"/>
+          </a:ln>
+        </p:spPr>
+        <p:style>
+          <a:lnRef idx="2">
+            <a:schemeClr val="accent1"/>
+          </a:lnRef>
+          <a:fillRef idx="1">
+            <a:schemeClr val="lt1"/>
+          </a:fillRef>
+          <a:effectRef idx="0">
+            <a:schemeClr val="accent1"/>
+          </a:effectRef>
+          <a:fontRef idx="minor">
+            <a:schemeClr val="dk1"/>
+          </a:fontRef>
+        </p:style>
+        <p:txBody>
+          <a:bodyPr rtlCol="0" anchor="ctr"/>
+          <a:lstStyle/>
+          <a:p>
+            <a:pPr algn="ctr"/>
+            <a:endParaRPr lang="en-US"/>
+          </a:p>
+        </p:txBody>
+      </p:sp>
+      <p:sp>
+        <p:nvSpPr>
+          <p:cNvPr id="7" name="Rectangle 6"/>
+          <p:cNvSpPr/>
+          <p:nvPr/>
+        </p:nvSpPr>
+        <p:spPr>
+          <a:xfrm>
+            <a:off x="8500396" y="2355309"/>
+            <a:ext cx="1698172" cy="629392"/>
+          </a:xfrm>
+          <a:prstGeom prst="rect">
+            <a:avLst/>
+          </a:prstGeom>
+        </p:spPr>
+        <p:style>
+          <a:lnRef idx="2">
+            <a:schemeClr val="accent1"/>
+          </a:lnRef>
+          <a:fillRef idx="1">
+            <a:schemeClr val="lt1"/>
+          </a:fillRef>
+          <a:effectRef idx="0">
+            <a:schemeClr val="accent1"/>
+          </a:effectRef>
+          <a:fontRef idx="minor">
+            <a:schemeClr val="dk1"/>
+          </a:fontRef>
+        </p:style>
+        <p:txBody>
+          <a:bodyPr rtlCol="0" anchor="ctr"/>
+          <a:lstStyle/>
+          <a:p>
+            <a:pPr algn="ctr"/>
+            <a:r>
+              <a:rPr lang="en-US" sz="1600" dirty="0" smtClean="0"/>
+              <a:t>Application</a:t>
+            </a:r>
+            <a:endParaRPr lang="en-US" sz="1600" dirty="0"/>
+          </a:p>
+        </p:txBody>
+      </p:sp>
+      <p:sp>
+        <p:nvSpPr>
+          <p:cNvPr id="8" name="Rectangle 7"/>
+          <p:cNvSpPr/>
+          <p:nvPr/>
+        </p:nvSpPr>
+        <p:spPr>
+          <a:xfrm>
+            <a:off x="8500396" y="3389452"/>
+            <a:ext cx="1698172" cy="629392"/>
+          </a:xfrm>
+          <a:prstGeom prst="rect">
+            <a:avLst/>
+          </a:prstGeom>
+        </p:spPr>
+        <p:style>
+          <a:lnRef idx="2">
+            <a:schemeClr val="accent1"/>
+          </a:lnRef>
+          <a:fillRef idx="1">
+            <a:schemeClr val="lt1"/>
+          </a:fillRef>
+          <a:effectRef idx="0">
+            <a:schemeClr val="accent1"/>
+          </a:effectRef>
+          <a:fontRef idx="minor">
+            <a:schemeClr val="dk1"/>
+          </a:fontRef>
+        </p:style>
+        <p:txBody>
+          <a:bodyPr rtlCol="0" anchor="ctr"/>
+          <a:lstStyle/>
+          <a:p>
+            <a:pPr algn="ctr"/>
+            <a:r>
+              <a:rPr lang="en-US" sz="1600" dirty="0" smtClean="0"/>
+              <a:t>TCP/IP stack</a:t>
+            </a:r>
+            <a:endParaRPr lang="en-US" sz="1600" dirty="0"/>
+          </a:p>
+        </p:txBody>
+      </p:sp>
+      <p:sp>
+        <p:nvSpPr>
+          <p:cNvPr id="9" name="Rectangle 8"/>
+          <p:cNvSpPr/>
+          <p:nvPr/>
+        </p:nvSpPr>
+        <p:spPr>
+          <a:xfrm>
+            <a:off x="8500396" y="4423595"/>
+            <a:ext cx="1698172" cy="629392"/>
+          </a:xfrm>
+          <a:prstGeom prst="rect">
+            <a:avLst/>
+          </a:prstGeom>
+        </p:spPr>
+        <p:style>
+          <a:lnRef idx="3">
+            <a:schemeClr val="lt1"/>
+          </a:lnRef>
+          <a:fillRef idx="1">
+            <a:schemeClr val="accent1"/>
+          </a:fillRef>
+          <a:effectRef idx="1">
+            <a:schemeClr val="accent1"/>
+          </a:effectRef>
+          <a:fontRef idx="minor">
+            <a:schemeClr val="lt1"/>
+          </a:fontRef>
+        </p:style>
+        <p:txBody>
+          <a:bodyPr rtlCol="0" anchor="ctr"/>
+          <a:lstStyle/>
+          <a:p>
+            <a:pPr algn="ctr"/>
+            <a:r>
+              <a:rPr lang="en-US" sz="1600" dirty="0" smtClean="0"/>
+              <a:t>Split Device Driver</a:t>
+            </a:r>
+          </a:p>
+          <a:p>
+            <a:pPr algn="ctr"/>
+            <a:r>
+              <a:rPr lang="en-US" sz="1100" dirty="0" smtClean="0"/>
+              <a:t>Front end</a:t>
+            </a:r>
+            <a:endParaRPr lang="en-US" sz="1400" dirty="0"/>
+          </a:p>
+        </p:txBody>
+      </p:sp>
+      <p:cxnSp>
+        <p:nvCxnSpPr>
+          <p:cNvPr id="10" name="Straight Arrow Connector 9"/>
+          <p:cNvCxnSpPr>
+            <a:stCxn id="7" idx="2"/>
+            <a:endCxn id="8" idx="0"/>
+          </p:cNvCxnSpPr>
+          <p:nvPr/>
+        </p:nvCxnSpPr>
+        <p:spPr>
+          <a:xfrm>
+            <a:off x="9349482" y="2984701"/>
+            <a:ext cx="0" cy="404751"/>
+          </a:xfrm>
+          <a:prstGeom prst="straightConnector1">
+            <a:avLst/>
+          </a:prstGeom>
+          <a:ln>
+            <a:tailEnd type="triangle"/>
+          </a:ln>
+        </p:spPr>
+        <p:style>
+          <a:lnRef idx="1">
+            <a:schemeClr val="accent1"/>
+          </a:lnRef>
+          <a:fillRef idx="0">
+            <a:schemeClr val="accent1"/>
+          </a:fillRef>
+          <a:effectRef idx="0">
+            <a:schemeClr val="accent1"/>
+          </a:effectRef>
+          <a:fontRef idx="minor">
+            <a:schemeClr val="tx1"/>
+          </a:fontRef>
+        </p:style>
+      </p:cxnSp>
+      <p:cxnSp>
+        <p:nvCxnSpPr>
+          <p:cNvPr id="11" name="Straight Arrow Connector 10"/>
+          <p:cNvCxnSpPr/>
+          <p:nvPr/>
+        </p:nvCxnSpPr>
+        <p:spPr>
+          <a:xfrm>
+            <a:off x="9347502" y="4018844"/>
+            <a:ext cx="0" cy="404751"/>
+          </a:xfrm>
+          <a:prstGeom prst="straightConnector1">
+            <a:avLst/>
+          </a:prstGeom>
+          <a:ln>
+            <a:tailEnd type="triangle"/>
+          </a:ln>
+        </p:spPr>
+        <p:style>
+          <a:lnRef idx="1">
+            <a:schemeClr val="accent1"/>
+          </a:lnRef>
+          <a:fillRef idx="0">
+            <a:schemeClr val="accent1"/>
+          </a:fillRef>
+          <a:effectRef idx="0">
+            <a:schemeClr val="accent1"/>
+          </a:effectRef>
+          <a:fontRef idx="minor">
+            <a:schemeClr val="tx1"/>
+          </a:fontRef>
+        </p:style>
+      </p:cxnSp>
+      <p:sp>
+        <p:nvSpPr>
+          <p:cNvPr id="18" name="Rectangle 17"/>
+          <p:cNvSpPr/>
+          <p:nvPr/>
+        </p:nvSpPr>
+        <p:spPr>
+          <a:xfrm>
+            <a:off x="8151063" y="5338478"/>
+            <a:ext cx="2421578" cy="878774"/>
+          </a:xfrm>
+          <a:prstGeom prst="rect">
+            <a:avLst/>
+          </a:prstGeom>
+          <a:ln>
+            <a:solidFill>
+              <a:schemeClr val="accent1"/>
+            </a:solidFill>
+            <a:prstDash val="dashDot"/>
+          </a:ln>
+        </p:spPr>
+        <p:style>
+          <a:lnRef idx="2">
+            <a:schemeClr val="accent1"/>
+          </a:lnRef>
+          <a:fillRef idx="1">
+            <a:schemeClr val="lt1"/>
+          </a:fillRef>
+          <a:effectRef idx="0">
+            <a:schemeClr val="accent1"/>
+          </a:effectRef>
+          <a:fontRef idx="minor">
+            <a:schemeClr val="dk1"/>
+          </a:fontRef>
+        </p:style>
+        <p:txBody>
+          <a:bodyPr rtlCol="0" anchor="ctr"/>
+          <a:lstStyle/>
+          <a:p>
+            <a:pPr algn="ctr"/>
+            <a:endParaRPr lang="en-US"/>
+          </a:p>
+        </p:txBody>
+      </p:sp>
+      <p:sp>
+        <p:nvSpPr>
+          <p:cNvPr id="19" name="Rectangle 18"/>
+          <p:cNvSpPr/>
+          <p:nvPr/>
+        </p:nvSpPr>
+        <p:spPr>
+          <a:xfrm>
+            <a:off x="8491489" y="5432469"/>
+            <a:ext cx="1712025" cy="565801"/>
+          </a:xfrm>
+          <a:prstGeom prst="rect">
+            <a:avLst/>
+          </a:prstGeom>
+        </p:spPr>
+        <p:style>
+          <a:lnRef idx="3">
+            <a:schemeClr val="lt1"/>
+          </a:lnRef>
+          <a:fillRef idx="1">
+            <a:schemeClr val="accent1"/>
+          </a:fillRef>
+          <a:effectRef idx="1">
+            <a:schemeClr val="accent1"/>
+          </a:effectRef>
+          <a:fontRef idx="minor">
+            <a:schemeClr val="lt1"/>
+          </a:fontRef>
+        </p:style>
+        <p:txBody>
+          <a:bodyPr rtlCol="0" anchor="ctr"/>
+          <a:lstStyle/>
+          <a:p>
+            <a:pPr algn="ctr"/>
+            <a:r>
+              <a:rPr lang="en-US" sz="1600" dirty="0" smtClean="0"/>
+              <a:t>Physical Device</a:t>
+            </a:r>
+            <a:endParaRPr lang="en-US" sz="1600" dirty="0"/>
+          </a:p>
+        </p:txBody>
+      </p:sp>
+      <p:sp>
+        <p:nvSpPr>
+          <p:cNvPr id="20" name="TextBox 19"/>
+          <p:cNvSpPr txBox="1"/>
+          <p:nvPr/>
+        </p:nvSpPr>
+        <p:spPr>
+          <a:xfrm>
+            <a:off x="8151063" y="5950810"/>
+            <a:ext cx="900824" cy="307777"/>
+          </a:xfrm>
+          <a:prstGeom prst="rect">
+            <a:avLst/>
+          </a:prstGeom>
+          <a:noFill/>
+        </p:spPr>
+        <p:txBody>
+          <a:bodyPr wrap="none" rtlCol="0">
+            <a:spAutoFit/>
+          </a:bodyPr>
+          <a:lstStyle/>
+          <a:p>
+            <a:r>
+              <a:rPr lang="en-US" sz="1400" dirty="0" smtClean="0"/>
+              <a:t>Hardware</a:t>
+            </a:r>
+            <a:endParaRPr lang="en-US" sz="1600" dirty="0"/>
+          </a:p>
+        </p:txBody>
+      </p:sp>
+      <p:sp>
+        <p:nvSpPr>
+          <p:cNvPr id="27" name="TextBox 26"/>
+          <p:cNvSpPr txBox="1"/>
+          <p:nvPr/>
+        </p:nvSpPr>
+        <p:spPr>
+          <a:xfrm>
+            <a:off x="8151063" y="2006675"/>
+            <a:ext cx="1378519" cy="307777"/>
+          </a:xfrm>
+          <a:prstGeom prst="rect">
+            <a:avLst/>
+          </a:prstGeom>
+          <a:noFill/>
+        </p:spPr>
+        <p:txBody>
+          <a:bodyPr wrap="none" rtlCol="0">
+            <a:spAutoFit/>
+          </a:bodyPr>
+          <a:lstStyle/>
+          <a:p>
+            <a:r>
+              <a:rPr lang="en-US" sz="1400" dirty="0" smtClean="0"/>
+              <a:t>Domain U Guest</a:t>
+            </a:r>
+            <a:endParaRPr lang="en-US" sz="1600" dirty="0"/>
+          </a:p>
+        </p:txBody>
+      </p:sp>
+      <p:cxnSp>
+        <p:nvCxnSpPr>
+          <p:cNvPr id="29" name="Straight Arrow Connector 28"/>
+          <p:cNvCxnSpPr/>
+          <p:nvPr/>
+        </p:nvCxnSpPr>
+        <p:spPr>
+          <a:xfrm>
+            <a:off x="9359020" y="5052987"/>
+            <a:ext cx="0" cy="404751"/>
+          </a:xfrm>
+          <a:prstGeom prst="straightConnector1">
+            <a:avLst/>
+          </a:prstGeom>
+          <a:ln>
+            <a:tailEnd type="triangle"/>
+          </a:ln>
+        </p:spPr>
+        <p:style>
+          <a:lnRef idx="1">
+            <a:schemeClr val="accent1"/>
+          </a:lnRef>
+          <a:fillRef idx="0">
+            <a:schemeClr val="accent1"/>
+          </a:fillRef>
+          <a:effectRef idx="0">
+            <a:schemeClr val="accent1"/>
+          </a:effectRef>
+          <a:fontRef idx="minor">
+            <a:schemeClr val="tx1"/>
+          </a:fontRef>
+        </p:style>
+      </p:cxnSp>
+    </p:spTree>
+    <p:extLst>
+      <p:ext uri="{BB962C8B-B14F-4D97-AF65-F5344CB8AC3E}">
+        <p14:creationId xmlns:p14="http://schemas.microsoft.com/office/powerpoint/2010/main" val="1103034893"/>
+      </p:ext>
+    </p:extLst>
+  </p:cSld>
+  <p:clrMapOvr>
+    <a:masterClrMapping/>
+  </p:clrMapOvr>
+  <p:timing>
+    <p:tnLst>
+      <p:par>
+        <p:cTn id="1" dur="indefinite" restart="never" nodeType="tmRoot"/>
+      </p:par>
+    </p:tnLst>
+  </p:timing>
+</p:sld>
+</file>
+
+<file path=ppt/slides/slide13.xml><?xml version="1.0" encoding="utf-8"?>
+<p:sld xmlns:a="http://schemas.openxmlformats.org/drawingml/2006/main" xmlns:r="http://schemas.openxmlformats.org/officeDocument/2006/relationships" xmlns:p="http://schemas.openxmlformats.org/presentationml/2006/main">
+  <p:cSld>
+    <p:spTree>
+      <p:nvGrpSpPr>
+        <p:cNvPr id="1" name=""/>
+        <p:cNvGrpSpPr/>
+        <p:nvPr/>
+      </p:nvGrpSpPr>
+      <p:grpSpPr>
+        <a:xfrm>
+          <a:off x="0" y="0"/>
+          <a:ext cx="0" cy="0"/>
+          <a:chOff x="0" y="0"/>
+          <a:chExt cx="0" cy="0"/>
+        </a:xfrm>
+      </p:grpSpPr>
+      <p:sp>
+        <p:nvSpPr>
+          <p:cNvPr id="2" name="Title 1"/>
+          <p:cNvSpPr>
+            <a:spLocks noGrp="1"/>
+          </p:cNvSpPr>
+          <p:nvPr>
+            <p:ph type="title"/>
+          </p:nvPr>
+        </p:nvSpPr>
+        <p:spPr/>
+        <p:txBody>
+          <a:bodyPr/>
+          <a:lstStyle/>
+          <a:p>
+            <a:r>
+              <a:rPr lang="en-US" dirty="0" smtClean="0"/>
+              <a:t>Data Copy Overhead</a:t>
+            </a:r>
+            <a:endParaRPr lang="en-US" dirty="0"/>
+          </a:p>
+        </p:txBody>
+      </p:sp>
+      <p:sp>
+        <p:nvSpPr>
+          <p:cNvPr id="3" name="Content Placeholder 2"/>
+          <p:cNvSpPr>
+            <a:spLocks noGrp="1"/>
+          </p:cNvSpPr>
+          <p:nvPr>
+            <p:ph idx="1"/>
+          </p:nvPr>
+        </p:nvSpPr>
+        <p:spPr>
+          <a:xfrm>
+            <a:off x="676657" y="2011680"/>
+            <a:ext cx="4885944" cy="3766185"/>
+          </a:xfrm>
+        </p:spPr>
+        <p:txBody>
+          <a:bodyPr/>
+          <a:lstStyle/>
+          <a:p>
+            <a:r>
+              <a:rPr lang="en-US" dirty="0" smtClean="0"/>
+              <a:t>In split device driver</a:t>
+            </a:r>
+          </a:p>
+          <a:p>
+            <a:r>
+              <a:rPr lang="en-US" dirty="0" smtClean="0"/>
+              <a:t>Guest user space -&gt; Guest kernel space</a:t>
+            </a:r>
+          </a:p>
+          <a:p>
+            <a:r>
+              <a:rPr lang="en-US" dirty="0" smtClean="0"/>
+              <a:t>Guest kernel space -&gt; shared memory</a:t>
+            </a:r>
+          </a:p>
+          <a:p>
+            <a:r>
+              <a:rPr lang="en-US" dirty="0" smtClean="0"/>
+              <a:t>Shared memory -&gt; physical device </a:t>
+            </a:r>
+          </a:p>
+          <a:p>
+            <a:endParaRPr lang="en-US" dirty="0"/>
+          </a:p>
+        </p:txBody>
+      </p:sp>
+      <p:sp>
+        <p:nvSpPr>
+          <p:cNvPr id="6" name="Rectangle 5"/>
+          <p:cNvSpPr/>
+          <p:nvPr/>
+        </p:nvSpPr>
+        <p:spPr>
+          <a:xfrm>
+            <a:off x="5944457" y="1856689"/>
+            <a:ext cx="2071046" cy="2989715"/>
+          </a:xfrm>
+          <a:prstGeom prst="rect">
+            <a:avLst/>
+          </a:prstGeom>
+          <a:ln>
+            <a:solidFill>
+              <a:schemeClr val="accent1"/>
+            </a:solidFill>
+            <a:prstDash val="dashDot"/>
+          </a:ln>
+        </p:spPr>
+        <p:style>
+          <a:lnRef idx="2">
+            <a:schemeClr val="accent1"/>
+          </a:lnRef>
+          <a:fillRef idx="1">
+            <a:schemeClr val="lt1"/>
+          </a:fillRef>
+          <a:effectRef idx="0">
+            <a:schemeClr val="accent1"/>
+          </a:effectRef>
+          <a:fontRef idx="minor">
+            <a:schemeClr val="dk1"/>
+          </a:fontRef>
+        </p:style>
+        <p:txBody>
+          <a:bodyPr rtlCol="0" anchor="ctr"/>
+          <a:lstStyle/>
+          <a:p>
+            <a:pPr algn="ctr"/>
+            <a:endParaRPr lang="en-US"/>
+          </a:p>
+        </p:txBody>
+      </p:sp>
+      <p:sp>
+        <p:nvSpPr>
+          <p:cNvPr id="7" name="Rectangle 6"/>
+          <p:cNvSpPr/>
+          <p:nvPr/>
+        </p:nvSpPr>
+        <p:spPr>
+          <a:xfrm>
+            <a:off x="6117886" y="2135256"/>
+            <a:ext cx="1520751" cy="629392"/>
+          </a:xfrm>
+          <a:prstGeom prst="rect">
+            <a:avLst/>
+          </a:prstGeom>
+        </p:spPr>
+        <p:style>
+          <a:lnRef idx="2">
+            <a:schemeClr val="accent1"/>
+          </a:lnRef>
+          <a:fillRef idx="1">
+            <a:schemeClr val="lt1"/>
+          </a:fillRef>
+          <a:effectRef idx="0">
+            <a:schemeClr val="accent1"/>
+          </a:effectRef>
+          <a:fontRef idx="minor">
+            <a:schemeClr val="dk1"/>
+          </a:fontRef>
+        </p:style>
+        <p:txBody>
+          <a:bodyPr rtlCol="0" anchor="ctr"/>
+          <a:lstStyle/>
+          <a:p>
+            <a:pPr algn="ctr"/>
+            <a:r>
+              <a:rPr lang="en-US" sz="1600" dirty="0" smtClean="0"/>
+              <a:t>Application</a:t>
+            </a:r>
+            <a:endParaRPr lang="en-US" sz="1600" dirty="0"/>
+          </a:p>
+        </p:txBody>
+      </p:sp>
+      <p:sp>
+        <p:nvSpPr>
+          <p:cNvPr id="8" name="Rectangle 7"/>
+          <p:cNvSpPr/>
+          <p:nvPr/>
+        </p:nvSpPr>
+        <p:spPr>
+          <a:xfrm>
+            <a:off x="6117886" y="3024282"/>
+            <a:ext cx="1520751" cy="629392"/>
+          </a:xfrm>
+          <a:prstGeom prst="rect">
+            <a:avLst/>
+          </a:prstGeom>
+        </p:spPr>
+        <p:style>
+          <a:lnRef idx="2">
+            <a:schemeClr val="accent1"/>
+          </a:lnRef>
+          <a:fillRef idx="1">
+            <a:schemeClr val="lt1"/>
+          </a:fillRef>
+          <a:effectRef idx="0">
+            <a:schemeClr val="accent1"/>
+          </a:effectRef>
+          <a:fontRef idx="minor">
+            <a:schemeClr val="dk1"/>
+          </a:fontRef>
+        </p:style>
+        <p:txBody>
+          <a:bodyPr rtlCol="0" anchor="ctr"/>
+          <a:lstStyle/>
+          <a:p>
+            <a:pPr algn="ctr"/>
+            <a:r>
+              <a:rPr lang="en-US" sz="1600" dirty="0" smtClean="0"/>
+              <a:t>TCP/IP stack</a:t>
+            </a:r>
+            <a:endParaRPr lang="en-US" sz="1600" dirty="0"/>
+          </a:p>
+        </p:txBody>
+      </p:sp>
+      <p:sp>
+        <p:nvSpPr>
+          <p:cNvPr id="9" name="Rectangle 8"/>
+          <p:cNvSpPr/>
+          <p:nvPr/>
+        </p:nvSpPr>
+        <p:spPr>
+          <a:xfrm>
+            <a:off x="6123366" y="3901448"/>
+            <a:ext cx="1515271" cy="629392"/>
+          </a:xfrm>
+          <a:prstGeom prst="rect">
+            <a:avLst/>
+          </a:prstGeom>
+        </p:spPr>
+        <p:style>
+          <a:lnRef idx="3">
+            <a:schemeClr val="lt1"/>
+          </a:lnRef>
+          <a:fillRef idx="1">
+            <a:schemeClr val="accent1"/>
+          </a:fillRef>
+          <a:effectRef idx="1">
+            <a:schemeClr val="accent1"/>
+          </a:effectRef>
+          <a:fontRef idx="minor">
+            <a:schemeClr val="lt1"/>
+          </a:fontRef>
+        </p:style>
+        <p:txBody>
+          <a:bodyPr rtlCol="0" anchor="ctr"/>
+          <a:lstStyle/>
+          <a:p>
+            <a:pPr algn="ctr"/>
+            <a:r>
+              <a:rPr lang="en-US" sz="1400" dirty="0" smtClean="0"/>
+              <a:t>Split Device Driver</a:t>
+            </a:r>
+          </a:p>
+          <a:p>
+            <a:pPr algn="ctr"/>
+            <a:r>
+              <a:rPr lang="en-US" sz="1100" dirty="0" smtClean="0"/>
+              <a:t>Front end</a:t>
+            </a:r>
+            <a:endParaRPr lang="en-US" sz="1400" dirty="0"/>
+          </a:p>
+        </p:txBody>
+      </p:sp>
+      <p:cxnSp>
+        <p:nvCxnSpPr>
+          <p:cNvPr id="10" name="Straight Arrow Connector 9"/>
+          <p:cNvCxnSpPr>
+            <a:stCxn id="7" idx="2"/>
+            <a:endCxn id="8" idx="0"/>
+          </p:cNvCxnSpPr>
+          <p:nvPr/>
+        </p:nvCxnSpPr>
+        <p:spPr>
+          <a:xfrm>
+            <a:off x="6878262" y="2764648"/>
+            <a:ext cx="0" cy="259634"/>
+          </a:xfrm>
+          <a:prstGeom prst="straightConnector1">
+            <a:avLst/>
+          </a:prstGeom>
+          <a:ln>
+            <a:tailEnd type="triangle"/>
+          </a:ln>
+        </p:spPr>
+        <p:style>
+          <a:lnRef idx="1">
+            <a:schemeClr val="accent1"/>
+          </a:lnRef>
+          <a:fillRef idx="0">
+            <a:schemeClr val="accent1"/>
+          </a:fillRef>
+          <a:effectRef idx="0">
+            <a:schemeClr val="accent1"/>
+          </a:effectRef>
+          <a:fontRef idx="minor">
+            <a:schemeClr val="tx1"/>
+          </a:fontRef>
+        </p:style>
+      </p:cxnSp>
+      <p:cxnSp>
+        <p:nvCxnSpPr>
+          <p:cNvPr id="11" name="Straight Arrow Connector 10"/>
+          <p:cNvCxnSpPr>
+            <a:stCxn id="8" idx="2"/>
+          </p:cNvCxnSpPr>
+          <p:nvPr/>
+        </p:nvCxnSpPr>
+        <p:spPr>
+          <a:xfrm>
+            <a:off x="6878262" y="3653674"/>
+            <a:ext cx="0" cy="244976"/>
+          </a:xfrm>
+          <a:prstGeom prst="straightConnector1">
+            <a:avLst/>
+          </a:prstGeom>
+          <a:ln>
+            <a:tailEnd type="triangle"/>
+          </a:ln>
+        </p:spPr>
+        <p:style>
+          <a:lnRef idx="1">
+            <a:schemeClr val="accent1"/>
+          </a:lnRef>
+          <a:fillRef idx="0">
+            <a:schemeClr val="accent1"/>
+          </a:fillRef>
+          <a:effectRef idx="0">
+            <a:schemeClr val="accent1"/>
+          </a:effectRef>
+          <a:fontRef idx="minor">
+            <a:schemeClr val="tx1"/>
+          </a:fontRef>
+        </p:style>
+      </p:cxnSp>
+      <p:sp>
+        <p:nvSpPr>
+          <p:cNvPr id="12" name="Rectangle 11"/>
+          <p:cNvSpPr/>
+          <p:nvPr/>
+        </p:nvSpPr>
+        <p:spPr>
+          <a:xfrm>
+            <a:off x="5949688" y="4949939"/>
+            <a:ext cx="5607596" cy="827926"/>
+          </a:xfrm>
+          <a:prstGeom prst="rect">
+            <a:avLst/>
+          </a:prstGeom>
+          <a:ln>
+            <a:solidFill>
+              <a:schemeClr val="accent1"/>
+            </a:solidFill>
+            <a:prstDash val="dashDot"/>
+          </a:ln>
+        </p:spPr>
+        <p:style>
+          <a:lnRef idx="2">
+            <a:schemeClr val="accent1"/>
+          </a:lnRef>
+          <a:fillRef idx="1">
+            <a:schemeClr val="lt1"/>
+          </a:fillRef>
+          <a:effectRef idx="0">
+            <a:schemeClr val="accent1"/>
+          </a:effectRef>
+          <a:fontRef idx="minor">
+            <a:schemeClr val="dk1"/>
+          </a:fontRef>
+        </p:style>
+        <p:txBody>
+          <a:bodyPr rtlCol="0" anchor="ctr"/>
+          <a:lstStyle/>
+          <a:p>
+            <a:pPr algn="ctr"/>
+            <a:endParaRPr lang="en-US"/>
+          </a:p>
+        </p:txBody>
+      </p:sp>
+      <p:sp>
+        <p:nvSpPr>
+          <p:cNvPr id="13" name="TextBox 12"/>
+          <p:cNvSpPr txBox="1"/>
+          <p:nvPr/>
+        </p:nvSpPr>
+        <p:spPr>
+          <a:xfrm>
+            <a:off x="5971552" y="5042936"/>
+            <a:ext cx="458587" cy="307777"/>
+          </a:xfrm>
+          <a:prstGeom prst="rect">
+            <a:avLst/>
+          </a:prstGeom>
+          <a:noFill/>
+        </p:spPr>
+        <p:txBody>
+          <a:bodyPr wrap="none" rtlCol="0">
+            <a:spAutoFit/>
+          </a:bodyPr>
+          <a:lstStyle/>
+          <a:p>
+            <a:r>
+              <a:rPr lang="en-US" sz="1400" dirty="0" err="1" smtClean="0"/>
+              <a:t>Xen</a:t>
+            </a:r>
+            <a:endParaRPr lang="en-US" sz="1600" dirty="0"/>
+          </a:p>
+        </p:txBody>
+      </p:sp>
+      <p:sp>
+        <p:nvSpPr>
+          <p:cNvPr id="14" name="Rectangle 13"/>
+          <p:cNvSpPr/>
+          <p:nvPr/>
+        </p:nvSpPr>
+        <p:spPr>
+          <a:xfrm>
+            <a:off x="7010086" y="5042936"/>
+            <a:ext cx="1764989" cy="662491"/>
+          </a:xfrm>
+          <a:prstGeom prst="rect">
+            <a:avLst/>
+          </a:prstGeom>
+        </p:spPr>
+        <p:style>
+          <a:lnRef idx="3">
+            <a:schemeClr val="lt1"/>
+          </a:lnRef>
+          <a:fillRef idx="1">
+            <a:schemeClr val="accent1"/>
+          </a:fillRef>
+          <a:effectRef idx="1">
+            <a:schemeClr val="accent1"/>
+          </a:effectRef>
+          <a:fontRef idx="minor">
+            <a:schemeClr val="lt1"/>
+          </a:fontRef>
+        </p:style>
+        <p:txBody>
+          <a:bodyPr rtlCol="0" anchor="ctr"/>
+          <a:lstStyle/>
+          <a:p>
+            <a:pPr algn="ctr"/>
+            <a:r>
+              <a:rPr lang="en-US" sz="1400" dirty="0" smtClean="0"/>
+              <a:t>Shared Memory Segment</a:t>
+            </a:r>
+            <a:endParaRPr lang="en-US" sz="1400" dirty="0"/>
+          </a:p>
+        </p:txBody>
+      </p:sp>
+      <p:sp>
+        <p:nvSpPr>
+          <p:cNvPr id="15" name="Rectangle 14"/>
+          <p:cNvSpPr/>
+          <p:nvPr/>
+        </p:nvSpPr>
+        <p:spPr>
+          <a:xfrm>
+            <a:off x="8157073" y="1840174"/>
+            <a:ext cx="3400211" cy="3006229"/>
+          </a:xfrm>
+          <a:prstGeom prst="rect">
+            <a:avLst/>
+          </a:prstGeom>
+          <a:ln>
+            <a:solidFill>
+              <a:schemeClr val="accent1"/>
+            </a:solidFill>
+            <a:prstDash val="dashDot"/>
+          </a:ln>
+        </p:spPr>
+        <p:style>
+          <a:lnRef idx="2">
+            <a:schemeClr val="accent1"/>
+          </a:lnRef>
+          <a:fillRef idx="1">
+            <a:schemeClr val="lt1"/>
+          </a:fillRef>
+          <a:effectRef idx="0">
+            <a:schemeClr val="accent1"/>
+          </a:effectRef>
+          <a:fontRef idx="minor">
+            <a:schemeClr val="dk1"/>
+          </a:fontRef>
+        </p:style>
+        <p:txBody>
+          <a:bodyPr rtlCol="0" anchor="ctr"/>
+          <a:lstStyle/>
+          <a:p>
+            <a:pPr algn="ctr"/>
+            <a:endParaRPr lang="en-US"/>
+          </a:p>
+        </p:txBody>
+      </p:sp>
+      <p:sp>
+        <p:nvSpPr>
+          <p:cNvPr id="16" name="Rectangle 15"/>
+          <p:cNvSpPr/>
+          <p:nvPr/>
+        </p:nvSpPr>
+        <p:spPr>
+          <a:xfrm>
+            <a:off x="8330902" y="3901448"/>
+            <a:ext cx="1514357" cy="629392"/>
+          </a:xfrm>
+          <a:prstGeom prst="rect">
+            <a:avLst/>
+          </a:prstGeom>
+        </p:spPr>
+        <p:style>
+          <a:lnRef idx="3">
+            <a:schemeClr val="lt1"/>
+          </a:lnRef>
+          <a:fillRef idx="1">
+            <a:schemeClr val="accent1"/>
+          </a:fillRef>
+          <a:effectRef idx="1">
+            <a:schemeClr val="accent1"/>
+          </a:effectRef>
+          <a:fontRef idx="minor">
+            <a:schemeClr val="lt1"/>
+          </a:fontRef>
+        </p:style>
+        <p:txBody>
+          <a:bodyPr rtlCol="0" anchor="ctr"/>
+          <a:lstStyle/>
+          <a:p>
+            <a:pPr algn="ctr"/>
+            <a:r>
+              <a:rPr lang="en-US" sz="1400" dirty="0" smtClean="0"/>
+              <a:t>Split Device Driver</a:t>
+            </a:r>
+          </a:p>
+          <a:p>
+            <a:pPr algn="ctr"/>
+            <a:r>
+              <a:rPr lang="en-US" sz="1100" dirty="0" smtClean="0"/>
+              <a:t>Back end</a:t>
+            </a:r>
+            <a:endParaRPr lang="en-US" sz="1400" dirty="0"/>
+          </a:p>
+        </p:txBody>
+      </p:sp>
+      <p:sp>
+        <p:nvSpPr>
+          <p:cNvPr id="17" name="Rectangle 16"/>
+          <p:cNvSpPr/>
+          <p:nvPr/>
+        </p:nvSpPr>
+        <p:spPr>
+          <a:xfrm>
+            <a:off x="10020731" y="3906918"/>
+            <a:ext cx="1372804" cy="629392"/>
+          </a:xfrm>
+          <a:prstGeom prst="rect">
+            <a:avLst/>
+          </a:prstGeom>
+        </p:spPr>
+        <p:style>
+          <a:lnRef idx="3">
+            <a:schemeClr val="lt1"/>
+          </a:lnRef>
+          <a:fillRef idx="1">
+            <a:schemeClr val="accent1"/>
+          </a:fillRef>
+          <a:effectRef idx="1">
+            <a:schemeClr val="accent1"/>
+          </a:effectRef>
+          <a:fontRef idx="minor">
+            <a:schemeClr val="lt1"/>
+          </a:fontRef>
+        </p:style>
+        <p:txBody>
+          <a:bodyPr rtlCol="0" anchor="ctr"/>
+          <a:lstStyle/>
+          <a:p>
+            <a:pPr algn="ctr"/>
+            <a:r>
+              <a:rPr lang="en-US" sz="1400" dirty="0" smtClean="0"/>
+              <a:t>Real Device driver</a:t>
+            </a:r>
+            <a:endParaRPr lang="en-US" sz="1400" dirty="0"/>
+          </a:p>
+        </p:txBody>
+      </p:sp>
+      <p:sp>
+        <p:nvSpPr>
+          <p:cNvPr id="18" name="Rectangle 17"/>
+          <p:cNvSpPr/>
+          <p:nvPr/>
+        </p:nvSpPr>
+        <p:spPr>
+          <a:xfrm>
+            <a:off x="5949689" y="5870911"/>
+            <a:ext cx="5607596" cy="698201"/>
+          </a:xfrm>
+          <a:prstGeom prst="rect">
+            <a:avLst/>
+          </a:prstGeom>
+          <a:ln>
+            <a:solidFill>
+              <a:schemeClr val="accent1"/>
+            </a:solidFill>
+            <a:prstDash val="dashDot"/>
+          </a:ln>
+        </p:spPr>
+        <p:style>
+          <a:lnRef idx="2">
+            <a:schemeClr val="accent1"/>
+          </a:lnRef>
+          <a:fillRef idx="1">
+            <a:schemeClr val="lt1"/>
+          </a:fillRef>
+          <a:effectRef idx="0">
+            <a:schemeClr val="accent1"/>
+          </a:effectRef>
+          <a:fontRef idx="minor">
+            <a:schemeClr val="dk1"/>
+          </a:fontRef>
+        </p:style>
+        <p:txBody>
+          <a:bodyPr rtlCol="0" anchor="ctr"/>
+          <a:lstStyle/>
+          <a:p>
+            <a:pPr algn="ctr"/>
+            <a:endParaRPr lang="en-US"/>
+          </a:p>
+        </p:txBody>
+      </p:sp>
+      <p:sp>
+        <p:nvSpPr>
+          <p:cNvPr id="19" name="Rectangle 18"/>
+          <p:cNvSpPr/>
+          <p:nvPr/>
+        </p:nvSpPr>
+        <p:spPr>
+          <a:xfrm>
+            <a:off x="10020731" y="5971227"/>
+            <a:ext cx="1372803" cy="565801"/>
+          </a:xfrm>
+          <a:prstGeom prst="rect">
+            <a:avLst/>
+          </a:prstGeom>
+        </p:spPr>
+        <p:style>
+          <a:lnRef idx="3">
+            <a:schemeClr val="lt1"/>
+          </a:lnRef>
+          <a:fillRef idx="1">
+            <a:schemeClr val="accent1"/>
+          </a:fillRef>
+          <a:effectRef idx="1">
+            <a:schemeClr val="accent1"/>
+          </a:effectRef>
+          <a:fontRef idx="minor">
+            <a:schemeClr val="lt1"/>
+          </a:fontRef>
+        </p:style>
+        <p:txBody>
+          <a:bodyPr rtlCol="0" anchor="ctr"/>
+          <a:lstStyle/>
+          <a:p>
+            <a:pPr algn="ctr"/>
+            <a:r>
+              <a:rPr lang="en-US" sz="1400" dirty="0" smtClean="0"/>
+              <a:t>Physical Device</a:t>
+            </a:r>
+            <a:endParaRPr lang="en-US" sz="1400" dirty="0"/>
+          </a:p>
+        </p:txBody>
+      </p:sp>
+      <p:sp>
+        <p:nvSpPr>
+          <p:cNvPr id="20" name="TextBox 19"/>
+          <p:cNvSpPr txBox="1"/>
+          <p:nvPr/>
+        </p:nvSpPr>
+        <p:spPr>
+          <a:xfrm>
+            <a:off x="5949688" y="5912234"/>
+            <a:ext cx="900824" cy="307777"/>
+          </a:xfrm>
+          <a:prstGeom prst="rect">
+            <a:avLst/>
+          </a:prstGeom>
+          <a:noFill/>
+        </p:spPr>
+        <p:txBody>
+          <a:bodyPr wrap="none" rtlCol="0">
+            <a:spAutoFit/>
+          </a:bodyPr>
+          <a:lstStyle/>
+          <a:p>
+            <a:r>
+              <a:rPr lang="en-US" sz="1400" dirty="0" smtClean="0"/>
+              <a:t>Hardware</a:t>
+            </a:r>
+            <a:endParaRPr lang="en-US" sz="1600" dirty="0"/>
+          </a:p>
+        </p:txBody>
+      </p:sp>
+      <p:cxnSp>
+        <p:nvCxnSpPr>
+          <p:cNvPr id="21" name="Elbow Connector 20"/>
+          <p:cNvCxnSpPr/>
+          <p:nvPr/>
+        </p:nvCxnSpPr>
+        <p:spPr>
+          <a:xfrm rot="16200000" flipH="1">
+            <a:off x="6806274" y="4549793"/>
+            <a:ext cx="518201" cy="468086"/>
+          </a:xfrm>
+          <a:prstGeom prst="bentConnector3">
+            <a:avLst/>
+          </a:prstGeom>
+          <a:ln>
+            <a:tailEnd type="triangle"/>
+          </a:ln>
+        </p:spPr>
+        <p:style>
+          <a:lnRef idx="1">
+            <a:schemeClr val="accent1"/>
+          </a:lnRef>
+          <a:fillRef idx="0">
+            <a:schemeClr val="accent1"/>
+          </a:fillRef>
+          <a:effectRef idx="0">
+            <a:schemeClr val="accent1"/>
+          </a:effectRef>
+          <a:fontRef idx="minor">
+            <a:schemeClr val="tx1"/>
+          </a:fontRef>
+        </p:style>
+      </p:cxnSp>
+      <p:cxnSp>
+        <p:nvCxnSpPr>
+          <p:cNvPr id="22" name="Elbow Connector 21"/>
+          <p:cNvCxnSpPr/>
+          <p:nvPr/>
+        </p:nvCxnSpPr>
+        <p:spPr>
+          <a:xfrm rot="5400000" flipH="1" flipV="1">
+            <a:off x="8289280" y="4572463"/>
+            <a:ext cx="527417" cy="444172"/>
+          </a:xfrm>
+          <a:prstGeom prst="bentConnector3">
+            <a:avLst>
+              <a:gd name="adj1" fmla="val 50000"/>
+            </a:avLst>
+          </a:prstGeom>
+          <a:ln>
+            <a:tailEnd type="triangle"/>
+          </a:ln>
+        </p:spPr>
+        <p:style>
+          <a:lnRef idx="1">
+            <a:schemeClr val="accent1"/>
+          </a:lnRef>
+          <a:fillRef idx="0">
+            <a:schemeClr val="accent1"/>
+          </a:fillRef>
+          <a:effectRef idx="0">
+            <a:schemeClr val="accent1"/>
+          </a:effectRef>
+          <a:fontRef idx="minor">
+            <a:schemeClr val="tx1"/>
+          </a:fontRef>
+        </p:style>
+      </p:cxnSp>
+      <p:cxnSp>
+        <p:nvCxnSpPr>
+          <p:cNvPr id="23" name="Straight Connector 22"/>
+          <p:cNvCxnSpPr/>
+          <p:nvPr/>
+        </p:nvCxnSpPr>
+        <p:spPr>
+          <a:xfrm>
+            <a:off x="8775075" y="3653674"/>
+            <a:ext cx="1958436" cy="12632"/>
+          </a:xfrm>
+          <a:prstGeom prst="line">
+            <a:avLst/>
+          </a:prstGeom>
+        </p:spPr>
+        <p:style>
+          <a:lnRef idx="1">
+            <a:schemeClr val="accent1"/>
+          </a:lnRef>
+          <a:fillRef idx="0">
+            <a:schemeClr val="accent1"/>
+          </a:fillRef>
+          <a:effectRef idx="0">
+            <a:schemeClr val="accent1"/>
+          </a:effectRef>
+          <a:fontRef idx="minor">
+            <a:schemeClr val="tx1"/>
+          </a:fontRef>
+        </p:style>
+      </p:cxnSp>
+      <p:cxnSp>
+        <p:nvCxnSpPr>
+          <p:cNvPr id="24" name="Straight Arrow Connector 23"/>
+          <p:cNvCxnSpPr/>
+          <p:nvPr/>
+        </p:nvCxnSpPr>
+        <p:spPr>
+          <a:xfrm>
+            <a:off x="10721636" y="3667530"/>
+            <a:ext cx="1" cy="268678"/>
+          </a:xfrm>
+          <a:prstGeom prst="straightConnector1">
+            <a:avLst/>
+          </a:prstGeom>
+          <a:ln>
+            <a:tailEnd type="triangle"/>
+          </a:ln>
+        </p:spPr>
+        <p:style>
+          <a:lnRef idx="1">
+            <a:schemeClr val="accent1"/>
+          </a:lnRef>
+          <a:fillRef idx="0">
+            <a:schemeClr val="accent1"/>
+          </a:fillRef>
+          <a:effectRef idx="0">
+            <a:schemeClr val="accent1"/>
+          </a:effectRef>
+          <a:fontRef idx="minor">
+            <a:schemeClr val="tx1"/>
+          </a:fontRef>
+        </p:style>
+      </p:cxnSp>
+      <p:cxnSp>
+        <p:nvCxnSpPr>
+          <p:cNvPr id="25" name="Straight Arrow Connector 24"/>
+          <p:cNvCxnSpPr/>
+          <p:nvPr/>
+        </p:nvCxnSpPr>
+        <p:spPr>
+          <a:xfrm>
+            <a:off x="10703775" y="4524735"/>
+            <a:ext cx="25733" cy="1430033"/>
+          </a:xfrm>
+          <a:prstGeom prst="straightConnector1">
+            <a:avLst/>
+          </a:prstGeom>
+          <a:ln>
+            <a:tailEnd type="triangle"/>
+          </a:ln>
+        </p:spPr>
+        <p:style>
+          <a:lnRef idx="1">
+            <a:schemeClr val="accent1"/>
+          </a:lnRef>
+          <a:fillRef idx="0">
+            <a:schemeClr val="accent1"/>
+          </a:fillRef>
+          <a:effectRef idx="0">
+            <a:schemeClr val="accent1"/>
+          </a:effectRef>
+          <a:fontRef idx="minor">
+            <a:schemeClr val="tx1"/>
+          </a:fontRef>
+        </p:style>
+      </p:cxnSp>
+      <p:sp>
+        <p:nvSpPr>
+          <p:cNvPr id="26" name="TextBox 25"/>
+          <p:cNvSpPr txBox="1"/>
+          <p:nvPr/>
+        </p:nvSpPr>
+        <p:spPr>
+          <a:xfrm>
+            <a:off x="8185664" y="1840175"/>
+            <a:ext cx="886781" cy="307777"/>
+          </a:xfrm>
+          <a:prstGeom prst="rect">
+            <a:avLst/>
+          </a:prstGeom>
+          <a:noFill/>
+        </p:spPr>
+        <p:txBody>
+          <a:bodyPr wrap="none" rtlCol="0">
+            <a:spAutoFit/>
+          </a:bodyPr>
+          <a:lstStyle/>
+          <a:p>
+            <a:r>
+              <a:rPr lang="en-US" sz="1400" dirty="0" smtClean="0"/>
+              <a:t>Domain 0</a:t>
+            </a:r>
+            <a:endParaRPr lang="en-US" sz="1400" dirty="0"/>
+          </a:p>
+        </p:txBody>
+      </p:sp>
+      <p:sp>
+        <p:nvSpPr>
+          <p:cNvPr id="27" name="TextBox 26"/>
+          <p:cNvSpPr txBox="1"/>
+          <p:nvPr/>
+        </p:nvSpPr>
+        <p:spPr>
+          <a:xfrm>
+            <a:off x="5947725" y="1840175"/>
+            <a:ext cx="1378519" cy="307777"/>
+          </a:xfrm>
+          <a:prstGeom prst="rect">
+            <a:avLst/>
+          </a:prstGeom>
+          <a:noFill/>
+        </p:spPr>
+        <p:txBody>
+          <a:bodyPr wrap="none" rtlCol="0">
+            <a:spAutoFit/>
+          </a:bodyPr>
+          <a:lstStyle/>
+          <a:p>
+            <a:r>
+              <a:rPr lang="en-US" sz="1400" dirty="0" smtClean="0"/>
+              <a:t>Domain U Guest</a:t>
+            </a:r>
+            <a:endParaRPr lang="en-US" sz="1600" dirty="0"/>
+          </a:p>
+        </p:txBody>
+      </p:sp>
+      <p:cxnSp>
+        <p:nvCxnSpPr>
+          <p:cNvPr id="28" name="Straight Connector 27"/>
+          <p:cNvCxnSpPr/>
+          <p:nvPr/>
+        </p:nvCxnSpPr>
+        <p:spPr>
+          <a:xfrm flipV="1">
+            <a:off x="8775075" y="3653674"/>
+            <a:ext cx="0" cy="268678"/>
+          </a:xfrm>
+          <a:prstGeom prst="line">
+            <a:avLst/>
+          </a:prstGeom>
+        </p:spPr>
+        <p:style>
+          <a:lnRef idx="1">
+            <a:schemeClr val="accent1"/>
+          </a:lnRef>
+          <a:fillRef idx="0">
+            <a:schemeClr val="accent1"/>
+          </a:fillRef>
+          <a:effectRef idx="0">
+            <a:schemeClr val="accent1"/>
+          </a:effectRef>
+          <a:fontRef idx="minor">
+            <a:schemeClr val="tx1"/>
+          </a:fontRef>
+        </p:style>
+      </p:cxnSp>
+    </p:spTree>
+    <p:extLst>
+      <p:ext uri="{BB962C8B-B14F-4D97-AF65-F5344CB8AC3E}">
+        <p14:creationId xmlns:p14="http://schemas.microsoft.com/office/powerpoint/2010/main" val="4088777425"/>
+      </p:ext>
+    </p:extLst>
+  </p:cSld>
+  <p:clrMapOvr>
+    <a:masterClrMapping/>
+  </p:clrMapOvr>
+  <p:timing>
+    <p:tnLst>
+      <p:par>
+        <p:cTn id="1" dur="indefinite" restart="never" nodeType="tmRoot"/>
+      </p:par>
+    </p:tnLst>
+  </p:timing>
+</p:sld>
+</file>
+
+<file path=ppt/slides/slide14.xml><?xml version="1.0" encoding="utf-8"?>
+<p:sld xmlns:a="http://schemas.openxmlformats.org/drawingml/2006/main" xmlns:r="http://schemas.openxmlformats.org/officeDocument/2006/relationships" xmlns:p="http://schemas.openxmlformats.org/presentationml/2006/main">
+  <p:cSld>
+    <p:spTree>
+      <p:nvGrpSpPr>
+        <p:cNvPr id="1" name=""/>
+        <p:cNvGrpSpPr/>
+        <p:nvPr/>
+      </p:nvGrpSpPr>
+      <p:grpSpPr>
+        <a:xfrm>
+          <a:off x="0" y="0"/>
+          <a:ext cx="0" cy="0"/>
+          <a:chOff x="0" y="0"/>
+          <a:chExt cx="0" cy="0"/>
+        </a:xfrm>
+      </p:grpSpPr>
+      <p:sp>
+        <p:nvSpPr>
+          <p:cNvPr id="2" name="Title 1"/>
+          <p:cNvSpPr>
+            <a:spLocks noGrp="1"/>
+          </p:cNvSpPr>
+          <p:nvPr>
+            <p:ph type="title"/>
+          </p:nvPr>
+        </p:nvSpPr>
+        <p:spPr/>
+        <p:txBody>
+          <a:bodyPr/>
+          <a:lstStyle/>
+          <a:p>
+            <a:r>
+              <a:rPr lang="en-US" dirty="0" smtClean="0"/>
+              <a:t>Communication Overhead</a:t>
+            </a:r>
+            <a:endParaRPr lang="en-US" dirty="0"/>
+          </a:p>
+        </p:txBody>
+      </p:sp>
+      <p:sp>
+        <p:nvSpPr>
+          <p:cNvPr id="3" name="Content Placeholder 2"/>
+          <p:cNvSpPr>
+            <a:spLocks noGrp="1"/>
+          </p:cNvSpPr>
+          <p:nvPr>
+            <p:ph idx="1"/>
+          </p:nvPr>
+        </p:nvSpPr>
+        <p:spPr/>
+        <p:txBody>
+          <a:bodyPr/>
+          <a:lstStyle/>
+          <a:p>
+            <a:endParaRPr lang="en-US"/>
+          </a:p>
+        </p:txBody>
+      </p:sp>
+    </p:spTree>
+    <p:extLst>
+      <p:ext uri="{BB962C8B-B14F-4D97-AF65-F5344CB8AC3E}">
+        <p14:creationId xmlns:p14="http://schemas.microsoft.com/office/powerpoint/2010/main" val="161283718"/>
+      </p:ext>
+    </p:extLst>
+  </p:cSld>
+  <p:clrMapOvr>
+    <a:masterClrMapping/>
+  </p:clrMapOvr>
+  <p:timing>
+    <p:tnLst>
+      <p:par>
+        <p:cTn id="1" dur="indefinite" restart="never" nodeType="tmRoot"/>
+      </p:par>
+    </p:tnLst>
+  </p:timing>
+</p:sld>
+</file>
+
+<file path=ppt/slides/slide15.xml><?xml version="1.0" encoding="utf-8"?>
+<p:sld xmlns:a="http://schemas.openxmlformats.org/drawingml/2006/main" xmlns:r="http://schemas.openxmlformats.org/officeDocument/2006/relationships" xmlns:p="http://schemas.openxmlformats.org/presentationml/2006/main" show="0">
+  <p:cSld>
+    <p:spTree>
+      <p:nvGrpSpPr>
+        <p:cNvPr id="1" name=""/>
+        <p:cNvGrpSpPr/>
+        <p:nvPr/>
+      </p:nvGrpSpPr>
+      <p:grpSpPr>
+        <a:xfrm>
+          <a:off x="0" y="0"/>
+          <a:ext cx="0" cy="0"/>
+          <a:chOff x="0" y="0"/>
+          <a:chExt cx="0" cy="0"/>
+        </a:xfrm>
+      </p:grpSpPr>
+      <p:sp>
+        <p:nvSpPr>
+          <p:cNvPr id="4" name="Rectangle 3"/>
+          <p:cNvSpPr/>
+          <p:nvPr/>
+        </p:nvSpPr>
+        <p:spPr>
+          <a:xfrm>
+            <a:off x="1295400" y="1128156"/>
+            <a:ext cx="2421577" cy="3269673"/>
+          </a:xfrm>
+          <a:prstGeom prst="rect">
+            <a:avLst/>
+          </a:prstGeom>
+          <a:ln>
+            <a:solidFill>
+              <a:schemeClr val="accent1"/>
+            </a:solidFill>
+            <a:prstDash val="dashDot"/>
+          </a:ln>
+        </p:spPr>
+        <p:style>
+          <a:lnRef idx="2">
+            <a:schemeClr val="accent1"/>
+          </a:lnRef>
+          <a:fillRef idx="1">
+            <a:schemeClr val="lt1"/>
+          </a:fillRef>
+          <a:effectRef idx="0">
+            <a:schemeClr val="accent1"/>
+          </a:effectRef>
+          <a:fontRef idx="minor">
+            <a:schemeClr val="dk1"/>
+          </a:fontRef>
+        </p:style>
+        <p:txBody>
+          <a:bodyPr rtlCol="0" anchor="ctr"/>
+          <a:lstStyle/>
+          <a:p>
+            <a:pPr algn="ctr"/>
+            <a:endParaRPr lang="en-US"/>
+          </a:p>
+        </p:txBody>
+      </p:sp>
+      <p:sp>
+        <p:nvSpPr>
+          <p:cNvPr id="5" name="Rectangle 4"/>
+          <p:cNvSpPr/>
+          <p:nvPr/>
+        </p:nvSpPr>
+        <p:spPr>
+          <a:xfrm>
+            <a:off x="1644732" y="1471785"/>
+            <a:ext cx="1698172" cy="629392"/>
+          </a:xfrm>
+          <a:prstGeom prst="rect">
+            <a:avLst/>
+          </a:prstGeom>
+        </p:spPr>
+        <p:style>
+          <a:lnRef idx="2">
+            <a:schemeClr val="accent1"/>
+          </a:lnRef>
+          <a:fillRef idx="1">
+            <a:schemeClr val="lt1"/>
+          </a:fillRef>
+          <a:effectRef idx="0">
+            <a:schemeClr val="accent1"/>
+          </a:effectRef>
+          <a:fontRef idx="minor">
+            <a:schemeClr val="dk1"/>
+          </a:fontRef>
+        </p:style>
+        <p:txBody>
+          <a:bodyPr rtlCol="0" anchor="ctr"/>
+          <a:lstStyle/>
+          <a:p>
+            <a:pPr algn="ctr"/>
+            <a:r>
+              <a:rPr lang="en-US" sz="1600" dirty="0" smtClean="0"/>
+              <a:t>Application</a:t>
+            </a:r>
+            <a:endParaRPr lang="en-US" sz="1600" dirty="0"/>
+          </a:p>
+        </p:txBody>
+      </p:sp>
+      <p:sp>
+        <p:nvSpPr>
+          <p:cNvPr id="6" name="Rectangle 5"/>
+          <p:cNvSpPr/>
+          <p:nvPr/>
+        </p:nvSpPr>
+        <p:spPr>
+          <a:xfrm>
+            <a:off x="1644732" y="2505928"/>
+            <a:ext cx="1698172" cy="629392"/>
+          </a:xfrm>
+          <a:prstGeom prst="rect">
+            <a:avLst/>
+          </a:prstGeom>
+        </p:spPr>
+        <p:style>
+          <a:lnRef idx="2">
+            <a:schemeClr val="accent1"/>
+          </a:lnRef>
+          <a:fillRef idx="1">
+            <a:schemeClr val="lt1"/>
+          </a:fillRef>
+          <a:effectRef idx="0">
+            <a:schemeClr val="accent1"/>
+          </a:effectRef>
+          <a:fontRef idx="minor">
+            <a:schemeClr val="dk1"/>
+          </a:fontRef>
+        </p:style>
+        <p:txBody>
+          <a:bodyPr rtlCol="0" anchor="ctr"/>
+          <a:lstStyle/>
+          <a:p>
+            <a:pPr algn="ctr"/>
+            <a:r>
+              <a:rPr lang="en-US" sz="1600" dirty="0" smtClean="0"/>
+              <a:t>TCP/IP stack</a:t>
+            </a:r>
+            <a:endParaRPr lang="en-US" sz="1600" dirty="0"/>
+          </a:p>
+        </p:txBody>
+      </p:sp>
+      <p:sp>
+        <p:nvSpPr>
+          <p:cNvPr id="7" name="Rectangle 6"/>
+          <p:cNvSpPr/>
+          <p:nvPr/>
+        </p:nvSpPr>
+        <p:spPr>
+          <a:xfrm>
+            <a:off x="1644732" y="3540071"/>
+            <a:ext cx="1698172" cy="629392"/>
+          </a:xfrm>
+          <a:prstGeom prst="rect">
+            <a:avLst/>
+          </a:prstGeom>
+        </p:spPr>
+        <p:style>
+          <a:lnRef idx="3">
+            <a:schemeClr val="lt1"/>
+          </a:lnRef>
+          <a:fillRef idx="1">
+            <a:schemeClr val="accent1"/>
+          </a:fillRef>
+          <a:effectRef idx="1">
+            <a:schemeClr val="accent1"/>
+          </a:effectRef>
+          <a:fontRef idx="minor">
+            <a:schemeClr val="lt1"/>
+          </a:fontRef>
+        </p:style>
+        <p:txBody>
+          <a:bodyPr rtlCol="0" anchor="ctr"/>
+          <a:lstStyle/>
+          <a:p>
+            <a:pPr algn="ctr"/>
+            <a:r>
+              <a:rPr lang="en-US" sz="1600" dirty="0" smtClean="0"/>
+              <a:t>Split Device Driver</a:t>
+            </a:r>
+          </a:p>
+          <a:p>
+            <a:pPr algn="ctr"/>
+            <a:r>
+              <a:rPr lang="en-US" sz="1100" dirty="0" smtClean="0"/>
+              <a:t>Front end</a:t>
+            </a:r>
+            <a:endParaRPr lang="en-US" sz="1400" dirty="0"/>
+          </a:p>
+        </p:txBody>
+      </p:sp>
+      <p:cxnSp>
+        <p:nvCxnSpPr>
+          <p:cNvPr id="8" name="Straight Arrow Connector 7"/>
+          <p:cNvCxnSpPr>
+            <a:stCxn id="5" idx="2"/>
+            <a:endCxn id="6" idx="0"/>
+          </p:cNvCxnSpPr>
+          <p:nvPr/>
+        </p:nvCxnSpPr>
+        <p:spPr>
+          <a:xfrm>
+            <a:off x="2493818" y="2101177"/>
+            <a:ext cx="0" cy="404751"/>
+          </a:xfrm>
+          <a:prstGeom prst="straightConnector1">
+            <a:avLst/>
+          </a:prstGeom>
+          <a:ln>
+            <a:tailEnd type="triangle"/>
+          </a:ln>
+        </p:spPr>
+        <p:style>
+          <a:lnRef idx="1">
+            <a:schemeClr val="accent1"/>
+          </a:lnRef>
+          <a:fillRef idx="0">
+            <a:schemeClr val="accent1"/>
+          </a:fillRef>
+          <a:effectRef idx="0">
+            <a:schemeClr val="accent1"/>
+          </a:effectRef>
+          <a:fontRef idx="minor">
+            <a:schemeClr val="tx1"/>
+          </a:fontRef>
+        </p:style>
+      </p:cxnSp>
+      <p:cxnSp>
+        <p:nvCxnSpPr>
+          <p:cNvPr id="9" name="Straight Arrow Connector 8"/>
+          <p:cNvCxnSpPr/>
+          <p:nvPr/>
+        </p:nvCxnSpPr>
+        <p:spPr>
+          <a:xfrm>
+            <a:off x="2491838" y="3135320"/>
+            <a:ext cx="0" cy="404751"/>
+          </a:xfrm>
+          <a:prstGeom prst="straightConnector1">
+            <a:avLst/>
+          </a:prstGeom>
+          <a:ln>
+            <a:tailEnd type="triangle"/>
+          </a:ln>
+        </p:spPr>
+        <p:style>
+          <a:lnRef idx="1">
+            <a:schemeClr val="accent1"/>
+          </a:lnRef>
+          <a:fillRef idx="0">
+            <a:schemeClr val="accent1"/>
+          </a:fillRef>
+          <a:effectRef idx="0">
+            <a:schemeClr val="accent1"/>
+          </a:effectRef>
+          <a:fontRef idx="minor">
+            <a:schemeClr val="tx1"/>
+          </a:fontRef>
+        </p:style>
+      </p:cxnSp>
+      <p:sp>
+        <p:nvSpPr>
+          <p:cNvPr id="10" name="Rectangle 9"/>
+          <p:cNvSpPr/>
+          <p:nvPr/>
+        </p:nvSpPr>
+        <p:spPr>
+          <a:xfrm>
+            <a:off x="1295400" y="4666507"/>
+            <a:ext cx="6969826" cy="914896"/>
+          </a:xfrm>
+          <a:prstGeom prst="rect">
+            <a:avLst/>
+          </a:prstGeom>
+          <a:ln>
+            <a:solidFill>
+              <a:schemeClr val="accent1"/>
+            </a:solidFill>
+            <a:prstDash val="dashDot"/>
+          </a:ln>
+        </p:spPr>
+        <p:style>
+          <a:lnRef idx="2">
+            <a:schemeClr val="accent1"/>
+          </a:lnRef>
+          <a:fillRef idx="1">
+            <a:schemeClr val="lt1"/>
+          </a:fillRef>
+          <a:effectRef idx="0">
+            <a:schemeClr val="accent1"/>
+          </a:effectRef>
+          <a:fontRef idx="minor">
+            <a:schemeClr val="dk1"/>
+          </a:fontRef>
+        </p:style>
+        <p:txBody>
+          <a:bodyPr rtlCol="0" anchor="ctr"/>
+          <a:lstStyle/>
+          <a:p>
+            <a:pPr algn="ctr"/>
+            <a:endParaRPr lang="en-US"/>
+          </a:p>
+        </p:txBody>
+      </p:sp>
+      <p:sp>
+        <p:nvSpPr>
+          <p:cNvPr id="11" name="TextBox 10"/>
+          <p:cNvSpPr txBox="1"/>
+          <p:nvPr/>
+        </p:nvSpPr>
+        <p:spPr>
+          <a:xfrm>
+            <a:off x="1295399" y="4666507"/>
+            <a:ext cx="458587" cy="307777"/>
+          </a:xfrm>
+          <a:prstGeom prst="rect">
+            <a:avLst/>
+          </a:prstGeom>
+          <a:noFill/>
+        </p:spPr>
+        <p:txBody>
+          <a:bodyPr wrap="none" rtlCol="0">
+            <a:spAutoFit/>
+          </a:bodyPr>
+          <a:lstStyle/>
+          <a:p>
+            <a:r>
+              <a:rPr lang="en-US" sz="1400" dirty="0" err="1" smtClean="0"/>
+              <a:t>Xen</a:t>
+            </a:r>
+            <a:endParaRPr lang="en-US" sz="1600" dirty="0"/>
+          </a:p>
+        </p:txBody>
+      </p:sp>
+      <p:sp>
+        <p:nvSpPr>
+          <p:cNvPr id="12" name="Rectangle 11"/>
+          <p:cNvSpPr/>
+          <p:nvPr/>
+        </p:nvSpPr>
+        <p:spPr>
+          <a:xfrm>
+            <a:off x="2493818" y="4792709"/>
+            <a:ext cx="2101933" cy="662491"/>
+          </a:xfrm>
+          <a:prstGeom prst="rect">
+            <a:avLst/>
+          </a:prstGeom>
+        </p:spPr>
+        <p:style>
+          <a:lnRef idx="3">
+            <a:schemeClr val="lt1"/>
+          </a:lnRef>
+          <a:fillRef idx="1">
+            <a:schemeClr val="accent1"/>
+          </a:fillRef>
+          <a:effectRef idx="1">
+            <a:schemeClr val="accent1"/>
+          </a:effectRef>
+          <a:fontRef idx="minor">
+            <a:schemeClr val="lt1"/>
+          </a:fontRef>
+        </p:style>
+        <p:txBody>
+          <a:bodyPr rtlCol="0" anchor="ctr"/>
+          <a:lstStyle/>
+          <a:p>
+            <a:pPr algn="ctr"/>
+            <a:r>
+              <a:rPr lang="en-US" sz="1600" dirty="0" smtClean="0"/>
+              <a:t>Shared Memory Segment</a:t>
+            </a:r>
+            <a:endParaRPr lang="en-US" sz="1600" dirty="0"/>
+          </a:p>
+        </p:txBody>
+      </p:sp>
+      <p:sp>
+        <p:nvSpPr>
+          <p:cNvPr id="13" name="Rectangle 12"/>
+          <p:cNvSpPr/>
+          <p:nvPr/>
+        </p:nvSpPr>
+        <p:spPr>
+          <a:xfrm>
+            <a:off x="3965863" y="1123151"/>
+            <a:ext cx="4286992" cy="3274678"/>
+          </a:xfrm>
+          <a:prstGeom prst="rect">
+            <a:avLst/>
+          </a:prstGeom>
+          <a:ln>
+            <a:solidFill>
+              <a:schemeClr val="accent1"/>
+            </a:solidFill>
+            <a:prstDash val="dashDot"/>
+          </a:ln>
+        </p:spPr>
+        <p:style>
+          <a:lnRef idx="2">
+            <a:schemeClr val="accent1"/>
+          </a:lnRef>
+          <a:fillRef idx="1">
+            <a:schemeClr val="lt1"/>
+          </a:fillRef>
+          <a:effectRef idx="0">
+            <a:schemeClr val="accent1"/>
+          </a:effectRef>
+          <a:fontRef idx="minor">
+            <a:schemeClr val="dk1"/>
+          </a:fontRef>
+        </p:style>
+        <p:txBody>
+          <a:bodyPr rtlCol="0" anchor="ctr"/>
+          <a:lstStyle/>
+          <a:p>
+            <a:pPr algn="ctr"/>
+            <a:endParaRPr lang="en-US"/>
+          </a:p>
+        </p:txBody>
+      </p:sp>
+      <p:sp>
+        <p:nvSpPr>
+          <p:cNvPr id="14" name="Rectangle 13"/>
+          <p:cNvSpPr/>
+          <p:nvPr/>
+        </p:nvSpPr>
+        <p:spPr>
+          <a:xfrm>
+            <a:off x="4249388" y="3552703"/>
+            <a:ext cx="1712025" cy="629392"/>
+          </a:xfrm>
+          <a:prstGeom prst="rect">
+            <a:avLst/>
+          </a:prstGeom>
+        </p:spPr>
+        <p:style>
+          <a:lnRef idx="3">
+            <a:schemeClr val="lt1"/>
+          </a:lnRef>
+          <a:fillRef idx="1">
+            <a:schemeClr val="accent1"/>
+          </a:fillRef>
+          <a:effectRef idx="1">
+            <a:schemeClr val="accent1"/>
+          </a:effectRef>
+          <a:fontRef idx="minor">
+            <a:schemeClr val="lt1"/>
+          </a:fontRef>
+        </p:style>
+        <p:txBody>
+          <a:bodyPr rtlCol="0" anchor="ctr"/>
+          <a:lstStyle/>
+          <a:p>
+            <a:pPr algn="ctr"/>
+            <a:r>
+              <a:rPr lang="en-US" sz="1600" dirty="0" smtClean="0"/>
+              <a:t>Split Device Driver</a:t>
+            </a:r>
+          </a:p>
+          <a:p>
+            <a:pPr algn="ctr"/>
+            <a:r>
+              <a:rPr lang="en-US" sz="1100" dirty="0" smtClean="0"/>
+              <a:t>Back end</a:t>
+            </a:r>
+            <a:endParaRPr lang="en-US" sz="1400" dirty="0"/>
+          </a:p>
+        </p:txBody>
+      </p:sp>
+      <p:sp>
+        <p:nvSpPr>
+          <p:cNvPr id="15" name="Rectangle 14"/>
+          <p:cNvSpPr/>
+          <p:nvPr/>
+        </p:nvSpPr>
+        <p:spPr>
+          <a:xfrm>
+            <a:off x="6232567" y="3552703"/>
+            <a:ext cx="1712025" cy="629392"/>
+          </a:xfrm>
+          <a:prstGeom prst="rect">
+            <a:avLst/>
+          </a:prstGeom>
+        </p:spPr>
+        <p:style>
+          <a:lnRef idx="3">
+            <a:schemeClr val="lt1"/>
+          </a:lnRef>
+          <a:fillRef idx="1">
+            <a:schemeClr val="accent1"/>
+          </a:fillRef>
+          <a:effectRef idx="1">
+            <a:schemeClr val="accent1"/>
+          </a:effectRef>
+          <a:fontRef idx="minor">
+            <a:schemeClr val="lt1"/>
+          </a:fontRef>
+        </p:style>
+        <p:txBody>
+          <a:bodyPr rtlCol="0" anchor="ctr"/>
+          <a:lstStyle/>
+          <a:p>
+            <a:pPr algn="ctr"/>
+            <a:r>
+              <a:rPr lang="en-US" sz="1600" dirty="0" smtClean="0"/>
+              <a:t>Real Device driver</a:t>
+            </a:r>
+            <a:endParaRPr lang="en-US" sz="1600" dirty="0"/>
+          </a:p>
+        </p:txBody>
+      </p:sp>
+      <p:sp>
+        <p:nvSpPr>
+          <p:cNvPr id="16" name="Rectangle 15"/>
+          <p:cNvSpPr/>
+          <p:nvPr/>
+        </p:nvSpPr>
+        <p:spPr>
+          <a:xfrm>
+            <a:off x="1295400" y="5700156"/>
+            <a:ext cx="6969826" cy="878774"/>
+          </a:xfrm>
+          <a:prstGeom prst="rect">
+            <a:avLst/>
+          </a:prstGeom>
+          <a:ln>
+            <a:solidFill>
+              <a:schemeClr val="accent1"/>
+            </a:solidFill>
+            <a:prstDash val="dashDot"/>
+          </a:ln>
+        </p:spPr>
+        <p:style>
+          <a:lnRef idx="2">
+            <a:schemeClr val="accent1"/>
+          </a:lnRef>
+          <a:fillRef idx="1">
+            <a:schemeClr val="lt1"/>
+          </a:fillRef>
+          <a:effectRef idx="0">
+            <a:schemeClr val="accent1"/>
+          </a:effectRef>
+          <a:fontRef idx="minor">
+            <a:schemeClr val="dk1"/>
+          </a:fontRef>
+        </p:style>
+        <p:txBody>
+          <a:bodyPr rtlCol="0" anchor="ctr"/>
+          <a:lstStyle/>
+          <a:p>
+            <a:pPr algn="ctr"/>
+            <a:endParaRPr lang="en-US"/>
+          </a:p>
+        </p:txBody>
+      </p:sp>
+      <p:sp>
+        <p:nvSpPr>
+          <p:cNvPr id="17" name="Rectangle 16"/>
+          <p:cNvSpPr/>
+          <p:nvPr/>
+        </p:nvSpPr>
+        <p:spPr>
+          <a:xfrm>
+            <a:off x="6232566" y="5844637"/>
+            <a:ext cx="1712025" cy="565801"/>
+          </a:xfrm>
+          <a:prstGeom prst="rect">
+            <a:avLst/>
+          </a:prstGeom>
+        </p:spPr>
+        <p:style>
+          <a:lnRef idx="3">
+            <a:schemeClr val="lt1"/>
+          </a:lnRef>
+          <a:fillRef idx="1">
+            <a:schemeClr val="accent1"/>
+          </a:fillRef>
+          <a:effectRef idx="1">
+            <a:schemeClr val="accent1"/>
+          </a:effectRef>
+          <a:fontRef idx="minor">
+            <a:schemeClr val="lt1"/>
+          </a:fontRef>
+        </p:style>
+        <p:txBody>
+          <a:bodyPr rtlCol="0" anchor="ctr"/>
+          <a:lstStyle/>
+          <a:p>
+            <a:pPr algn="ctr"/>
+            <a:r>
+              <a:rPr lang="en-US" sz="1600" dirty="0" smtClean="0"/>
+              <a:t>Physical Device</a:t>
+            </a:r>
+            <a:endParaRPr lang="en-US" sz="1600" dirty="0"/>
+          </a:p>
+        </p:txBody>
+      </p:sp>
+      <p:sp>
+        <p:nvSpPr>
+          <p:cNvPr id="18" name="TextBox 17"/>
+          <p:cNvSpPr txBox="1"/>
+          <p:nvPr/>
+        </p:nvSpPr>
+        <p:spPr>
+          <a:xfrm>
+            <a:off x="1295399" y="5700156"/>
+            <a:ext cx="900824" cy="307777"/>
+          </a:xfrm>
+          <a:prstGeom prst="rect">
+            <a:avLst/>
+          </a:prstGeom>
+          <a:noFill/>
+        </p:spPr>
+        <p:txBody>
+          <a:bodyPr wrap="none" rtlCol="0">
+            <a:spAutoFit/>
+          </a:bodyPr>
+          <a:lstStyle/>
+          <a:p>
+            <a:r>
+              <a:rPr lang="en-US" sz="1400" dirty="0" smtClean="0"/>
+              <a:t>Hardware</a:t>
+            </a:r>
+            <a:endParaRPr lang="en-US" sz="1600" dirty="0"/>
+          </a:p>
+        </p:txBody>
+      </p:sp>
+      <p:cxnSp>
+        <p:nvCxnSpPr>
+          <p:cNvPr id="19" name="Elbow Connector 18"/>
+          <p:cNvCxnSpPr>
+            <a:stCxn id="7" idx="2"/>
+          </p:cNvCxnSpPr>
+          <p:nvPr/>
+        </p:nvCxnSpPr>
+        <p:spPr>
+          <a:xfrm rot="16200000" flipH="1">
+            <a:off x="2407826" y="4255454"/>
+            <a:ext cx="623246" cy="451263"/>
+          </a:xfrm>
+          <a:prstGeom prst="bentConnector3">
+            <a:avLst/>
+          </a:prstGeom>
+          <a:ln>
+            <a:tailEnd type="triangle"/>
+          </a:ln>
+        </p:spPr>
+        <p:style>
+          <a:lnRef idx="1">
+            <a:schemeClr val="accent1"/>
+          </a:lnRef>
+          <a:fillRef idx="0">
+            <a:schemeClr val="accent1"/>
+          </a:fillRef>
+          <a:effectRef idx="0">
+            <a:schemeClr val="accent1"/>
+          </a:effectRef>
+          <a:fontRef idx="minor">
+            <a:schemeClr val="tx1"/>
+          </a:fontRef>
+        </p:style>
+      </p:cxnSp>
+      <p:cxnSp>
+        <p:nvCxnSpPr>
+          <p:cNvPr id="20" name="Elbow Connector 19"/>
+          <p:cNvCxnSpPr/>
+          <p:nvPr/>
+        </p:nvCxnSpPr>
+        <p:spPr>
+          <a:xfrm rot="5400000" flipH="1" flipV="1">
+            <a:off x="4074359" y="4288466"/>
+            <a:ext cx="627765" cy="415024"/>
+          </a:xfrm>
+          <a:prstGeom prst="bentConnector3">
+            <a:avLst>
+              <a:gd name="adj1" fmla="val 46216"/>
+            </a:avLst>
+          </a:prstGeom>
+          <a:ln>
+            <a:tailEnd type="triangle"/>
+          </a:ln>
+        </p:spPr>
+        <p:style>
+          <a:lnRef idx="1">
+            <a:schemeClr val="accent1"/>
+          </a:lnRef>
+          <a:fillRef idx="0">
+            <a:schemeClr val="accent1"/>
+          </a:fillRef>
+          <a:effectRef idx="0">
+            <a:schemeClr val="accent1"/>
+          </a:effectRef>
+          <a:fontRef idx="minor">
+            <a:schemeClr val="tx1"/>
+          </a:fontRef>
+        </p:style>
+      </p:cxnSp>
+      <p:cxnSp>
+        <p:nvCxnSpPr>
+          <p:cNvPr id="21" name="Straight Connector 20"/>
+          <p:cNvCxnSpPr/>
+          <p:nvPr/>
+        </p:nvCxnSpPr>
+        <p:spPr>
+          <a:xfrm>
+            <a:off x="5130141" y="3271393"/>
+            <a:ext cx="1958436" cy="12632"/>
+          </a:xfrm>
+          <a:prstGeom prst="line">
+            <a:avLst/>
+          </a:prstGeom>
+        </p:spPr>
+        <p:style>
+          <a:lnRef idx="1">
+            <a:schemeClr val="accent1"/>
+          </a:lnRef>
+          <a:fillRef idx="0">
+            <a:schemeClr val="accent1"/>
+          </a:fillRef>
+          <a:effectRef idx="0">
+            <a:schemeClr val="accent1"/>
+          </a:effectRef>
+          <a:fontRef idx="minor">
+            <a:schemeClr val="tx1"/>
+          </a:fontRef>
+        </p:style>
+      </p:cxnSp>
+      <p:cxnSp>
+        <p:nvCxnSpPr>
+          <p:cNvPr id="22" name="Straight Arrow Connector 21"/>
+          <p:cNvCxnSpPr/>
+          <p:nvPr/>
+        </p:nvCxnSpPr>
+        <p:spPr>
+          <a:xfrm>
+            <a:off x="7076702" y="3285249"/>
+            <a:ext cx="1" cy="268678"/>
+          </a:xfrm>
+          <a:prstGeom prst="straightConnector1">
+            <a:avLst/>
+          </a:prstGeom>
+          <a:ln>
+            <a:tailEnd type="triangle"/>
+          </a:ln>
+        </p:spPr>
+        <p:style>
+          <a:lnRef idx="1">
+            <a:schemeClr val="accent1"/>
+          </a:lnRef>
+          <a:fillRef idx="0">
+            <a:schemeClr val="accent1"/>
+          </a:fillRef>
+          <a:effectRef idx="0">
+            <a:schemeClr val="accent1"/>
+          </a:effectRef>
+          <a:fontRef idx="minor">
+            <a:schemeClr val="tx1"/>
+          </a:fontRef>
+        </p:style>
+      </p:cxnSp>
+      <p:cxnSp>
+        <p:nvCxnSpPr>
+          <p:cNvPr id="23" name="Straight Arrow Connector 22"/>
+          <p:cNvCxnSpPr>
+            <a:endCxn id="17" idx="0"/>
+          </p:cNvCxnSpPr>
+          <p:nvPr/>
+        </p:nvCxnSpPr>
+        <p:spPr>
+          <a:xfrm>
+            <a:off x="7076702" y="4182095"/>
+            <a:ext cx="11877" cy="1662542"/>
+          </a:xfrm>
+          <a:prstGeom prst="straightConnector1">
+            <a:avLst/>
+          </a:prstGeom>
+          <a:ln>
+            <a:tailEnd type="triangle"/>
+          </a:ln>
+        </p:spPr>
+        <p:style>
+          <a:lnRef idx="1">
+            <a:schemeClr val="accent1"/>
+          </a:lnRef>
+          <a:fillRef idx="0">
+            <a:schemeClr val="accent1"/>
+          </a:fillRef>
+          <a:effectRef idx="0">
+            <a:schemeClr val="accent1"/>
+          </a:effectRef>
+          <a:fontRef idx="minor">
+            <a:schemeClr val="tx1"/>
+          </a:fontRef>
+        </p:style>
+      </p:cxnSp>
+      <p:sp>
+        <p:nvSpPr>
+          <p:cNvPr id="24" name="TextBox 23"/>
+          <p:cNvSpPr txBox="1"/>
+          <p:nvPr/>
+        </p:nvSpPr>
+        <p:spPr>
+          <a:xfrm>
+            <a:off x="3965863" y="1123151"/>
+            <a:ext cx="886781" cy="307777"/>
+          </a:xfrm>
+          <a:prstGeom prst="rect">
+            <a:avLst/>
+          </a:prstGeom>
+          <a:noFill/>
+        </p:spPr>
+        <p:txBody>
+          <a:bodyPr wrap="none" rtlCol="0">
+            <a:spAutoFit/>
+          </a:bodyPr>
+          <a:lstStyle/>
+          <a:p>
+            <a:r>
+              <a:rPr lang="en-US" sz="1400" dirty="0" smtClean="0"/>
+              <a:t>Domain 0</a:t>
+            </a:r>
+            <a:endParaRPr lang="en-US" sz="1400" dirty="0"/>
+          </a:p>
+        </p:txBody>
+      </p:sp>
+      <p:sp>
+        <p:nvSpPr>
+          <p:cNvPr id="25" name="TextBox 24"/>
+          <p:cNvSpPr txBox="1"/>
+          <p:nvPr/>
+        </p:nvSpPr>
+        <p:spPr>
+          <a:xfrm>
+            <a:off x="1295399" y="1123151"/>
+            <a:ext cx="1378519" cy="307777"/>
+          </a:xfrm>
+          <a:prstGeom prst="rect">
+            <a:avLst/>
+          </a:prstGeom>
+          <a:noFill/>
+        </p:spPr>
+        <p:txBody>
+          <a:bodyPr wrap="none" rtlCol="0">
+            <a:spAutoFit/>
+          </a:bodyPr>
+          <a:lstStyle/>
+          <a:p>
+            <a:r>
+              <a:rPr lang="en-US" sz="1400" dirty="0" smtClean="0"/>
+              <a:t>Domain U Guest</a:t>
+            </a:r>
+            <a:endParaRPr lang="en-US" sz="1600" dirty="0"/>
+          </a:p>
+        </p:txBody>
+      </p:sp>
+      <p:cxnSp>
+        <p:nvCxnSpPr>
+          <p:cNvPr id="26" name="Straight Connector 25"/>
+          <p:cNvCxnSpPr/>
+          <p:nvPr/>
+        </p:nvCxnSpPr>
+        <p:spPr>
+          <a:xfrm flipV="1">
+            <a:off x="5130141" y="3271393"/>
+            <a:ext cx="0" cy="268678"/>
+          </a:xfrm>
+          <a:prstGeom prst="line">
+            <a:avLst/>
+          </a:prstGeom>
+        </p:spPr>
+        <p:style>
+          <a:lnRef idx="1">
+            <a:schemeClr val="accent1"/>
+          </a:lnRef>
+          <a:fillRef idx="0">
+            <a:schemeClr val="accent1"/>
+          </a:fillRef>
+          <a:effectRef idx="0">
+            <a:schemeClr val="accent1"/>
+          </a:effectRef>
+          <a:fontRef idx="minor">
+            <a:schemeClr val="tx1"/>
+          </a:fontRef>
+        </p:style>
+      </p:cxnSp>
+    </p:spTree>
+    <p:extLst>
+      <p:ext uri="{BB962C8B-B14F-4D97-AF65-F5344CB8AC3E}">
+        <p14:creationId xmlns:p14="http://schemas.microsoft.com/office/powerpoint/2010/main" val="1410403325"/>
+      </p:ext>
+    </p:extLst>
+  </p:cSld>
+  <p:clrMapOvr>
+    <a:masterClrMapping/>
+  </p:clrMapOvr>
+  <mc:AlternateContent xmlns:mc="http://schemas.openxmlformats.org/markup-compatibility/2006">
+    <mc:Choice xmlns:p14="http://schemas.microsoft.com/office/powerpoint/2010/main" Requires="p14">
+      <p:transition spd="slow" p14:dur="2000"/>
+    </mc:Choice>
+    <mc:Fallback>
+      <p:transition spd="slow"/>
+    </mc:Fallback>
+  </mc:AlternateContent>
+  <p:timing>
+    <p:tnLst>
+      <p:par>
+        <p:cTn id="1" dur="indefinite" restart="never" nodeType="tmRoot"/>
+      </p:par>
+    </p:tnLst>
+  </p:timing>
+</p:sld>
+</file>
+
+<file path=ppt/slides/slide16.xml><?xml version="1.0" encoding="utf-8"?>
+<p:sld xmlns:a="http://schemas.openxmlformats.org/drawingml/2006/main" xmlns:r="http://schemas.openxmlformats.org/officeDocument/2006/relationships" xmlns:p="http://schemas.openxmlformats.org/presentationml/2006/main">
+  <p:cSld>
+    <p:spTree>
+      <p:nvGrpSpPr>
+        <p:cNvPr id="1" name=""/>
+        <p:cNvGrpSpPr/>
+        <p:nvPr/>
+      </p:nvGrpSpPr>
+      <p:grpSpPr>
+        <a:xfrm>
+          <a:off x="0" y="0"/>
+          <a:ext cx="0" cy="0"/>
+          <a:chOff x="0" y="0"/>
+          <a:chExt cx="0" cy="0"/>
+        </a:xfrm>
+      </p:grpSpPr>
+      <p:sp>
+        <p:nvSpPr>
+          <p:cNvPr id="27" name="Rectangle 26"/>
+          <p:cNvSpPr/>
+          <p:nvPr/>
+        </p:nvSpPr>
+        <p:spPr>
+          <a:xfrm>
+            <a:off x="5944457" y="1856689"/>
+            <a:ext cx="2071046" cy="2989715"/>
+          </a:xfrm>
+          <a:prstGeom prst="rect">
+            <a:avLst/>
+          </a:prstGeom>
+          <a:ln>
+            <a:solidFill>
+              <a:schemeClr val="accent1"/>
+            </a:solidFill>
+            <a:prstDash val="dashDot"/>
+          </a:ln>
+        </p:spPr>
+        <p:style>
+          <a:lnRef idx="2">
+            <a:schemeClr val="accent1"/>
+          </a:lnRef>
+          <a:fillRef idx="1">
+            <a:schemeClr val="lt1"/>
+          </a:fillRef>
+          <a:effectRef idx="0">
+            <a:schemeClr val="accent1"/>
+          </a:effectRef>
+          <a:fontRef idx="minor">
+            <a:schemeClr val="dk1"/>
+          </a:fontRef>
+        </p:style>
+        <p:txBody>
+          <a:bodyPr rtlCol="0" anchor="ctr"/>
+          <a:lstStyle/>
+          <a:p>
+            <a:pPr algn="ctr"/>
+            <a:endParaRPr lang="en-US"/>
+          </a:p>
+        </p:txBody>
+      </p:sp>
+      <p:sp>
+        <p:nvSpPr>
+          <p:cNvPr id="28" name="Rectangle 27"/>
+          <p:cNvSpPr/>
+          <p:nvPr/>
+        </p:nvSpPr>
+        <p:spPr>
+          <a:xfrm>
+            <a:off x="6117886" y="2135256"/>
+            <a:ext cx="1520751" cy="629392"/>
+          </a:xfrm>
+          <a:prstGeom prst="rect">
+            <a:avLst/>
+          </a:prstGeom>
+        </p:spPr>
+        <p:style>
+          <a:lnRef idx="2">
+            <a:schemeClr val="accent1"/>
+          </a:lnRef>
+          <a:fillRef idx="1">
+            <a:schemeClr val="lt1"/>
+          </a:fillRef>
+          <a:effectRef idx="0">
+            <a:schemeClr val="accent1"/>
+          </a:effectRef>
+          <a:fontRef idx="minor">
+            <a:schemeClr val="dk1"/>
+          </a:fontRef>
+        </p:style>
+        <p:txBody>
+          <a:bodyPr rtlCol="0" anchor="ctr"/>
+          <a:lstStyle/>
+          <a:p>
+            <a:pPr algn="ctr"/>
+            <a:r>
+              <a:rPr lang="en-US" sz="1600" dirty="0" smtClean="0"/>
+              <a:t>Application</a:t>
+            </a:r>
+            <a:endParaRPr lang="en-US" sz="1600" dirty="0"/>
+          </a:p>
+        </p:txBody>
+      </p:sp>
+      <p:sp>
+        <p:nvSpPr>
+          <p:cNvPr id="29" name="Rectangle 28"/>
+          <p:cNvSpPr/>
+          <p:nvPr/>
+        </p:nvSpPr>
+        <p:spPr>
+          <a:xfrm>
+            <a:off x="6117886" y="3024282"/>
+            <a:ext cx="1520751" cy="629392"/>
+          </a:xfrm>
+          <a:prstGeom prst="rect">
+            <a:avLst/>
+          </a:prstGeom>
+        </p:spPr>
+        <p:style>
+          <a:lnRef idx="2">
+            <a:schemeClr val="accent1"/>
+          </a:lnRef>
+          <a:fillRef idx="1">
+            <a:schemeClr val="lt1"/>
+          </a:fillRef>
+          <a:effectRef idx="0">
+            <a:schemeClr val="accent1"/>
+          </a:effectRef>
+          <a:fontRef idx="minor">
+            <a:schemeClr val="dk1"/>
+          </a:fontRef>
+        </p:style>
+        <p:txBody>
+          <a:bodyPr rtlCol="0" anchor="ctr"/>
+          <a:lstStyle/>
+          <a:p>
+            <a:pPr algn="ctr"/>
+            <a:r>
+              <a:rPr lang="en-US" sz="1600" dirty="0" smtClean="0"/>
+              <a:t>TCP/IP stack</a:t>
+            </a:r>
+            <a:endParaRPr lang="en-US" sz="1600" dirty="0"/>
+          </a:p>
+        </p:txBody>
+      </p:sp>
+      <p:sp>
+        <p:nvSpPr>
+          <p:cNvPr id="30" name="Rectangle 29"/>
+          <p:cNvSpPr/>
+          <p:nvPr/>
+        </p:nvSpPr>
+        <p:spPr>
+          <a:xfrm>
+            <a:off x="6123366" y="3901448"/>
+            <a:ext cx="1515271" cy="629392"/>
+          </a:xfrm>
+          <a:prstGeom prst="rect">
+            <a:avLst/>
+          </a:prstGeom>
+        </p:spPr>
+        <p:style>
+          <a:lnRef idx="3">
+            <a:schemeClr val="lt1"/>
+          </a:lnRef>
+          <a:fillRef idx="1">
+            <a:schemeClr val="accent1"/>
+          </a:fillRef>
+          <a:effectRef idx="1">
+            <a:schemeClr val="accent1"/>
+          </a:effectRef>
+          <a:fontRef idx="minor">
+            <a:schemeClr val="lt1"/>
+          </a:fontRef>
+        </p:style>
+        <p:txBody>
+          <a:bodyPr rtlCol="0" anchor="ctr"/>
+          <a:lstStyle/>
+          <a:p>
+            <a:pPr algn="ctr"/>
+            <a:r>
+              <a:rPr lang="en-US" sz="1400" dirty="0" smtClean="0"/>
+              <a:t>Split Device Driver</a:t>
+            </a:r>
+          </a:p>
+          <a:p>
+            <a:pPr algn="ctr"/>
+            <a:r>
+              <a:rPr lang="en-US" sz="1100" dirty="0" smtClean="0"/>
+              <a:t>Front end</a:t>
+            </a:r>
+            <a:endParaRPr lang="en-US" sz="1400" dirty="0"/>
+          </a:p>
+        </p:txBody>
+      </p:sp>
+      <p:cxnSp>
+        <p:nvCxnSpPr>
+          <p:cNvPr id="31" name="Straight Arrow Connector 30"/>
+          <p:cNvCxnSpPr>
+            <a:stCxn id="28" idx="2"/>
+            <a:endCxn id="29" idx="0"/>
+          </p:cNvCxnSpPr>
+          <p:nvPr/>
+        </p:nvCxnSpPr>
+        <p:spPr>
+          <a:xfrm>
+            <a:off x="6878262" y="2764648"/>
+            <a:ext cx="0" cy="259634"/>
+          </a:xfrm>
+          <a:prstGeom prst="straightConnector1">
+            <a:avLst/>
+          </a:prstGeom>
+          <a:ln>
+            <a:tailEnd type="triangle"/>
+          </a:ln>
+        </p:spPr>
+        <p:style>
+          <a:lnRef idx="1">
+            <a:schemeClr val="accent1"/>
+          </a:lnRef>
+          <a:fillRef idx="0">
+            <a:schemeClr val="accent1"/>
+          </a:fillRef>
+          <a:effectRef idx="0">
+            <a:schemeClr val="accent1"/>
+          </a:effectRef>
+          <a:fontRef idx="minor">
+            <a:schemeClr val="tx1"/>
+          </a:fontRef>
+        </p:style>
+      </p:cxnSp>
+      <p:cxnSp>
+        <p:nvCxnSpPr>
+          <p:cNvPr id="32" name="Straight Arrow Connector 31"/>
+          <p:cNvCxnSpPr>
+            <a:stCxn id="29" idx="2"/>
+          </p:cNvCxnSpPr>
+          <p:nvPr/>
+        </p:nvCxnSpPr>
+        <p:spPr>
+          <a:xfrm>
+            <a:off x="6878262" y="3653674"/>
+            <a:ext cx="0" cy="244976"/>
+          </a:xfrm>
+          <a:prstGeom prst="straightConnector1">
+            <a:avLst/>
+          </a:prstGeom>
+          <a:ln>
+            <a:tailEnd type="triangle"/>
+          </a:ln>
+        </p:spPr>
+        <p:style>
+          <a:lnRef idx="1">
+            <a:schemeClr val="accent1"/>
+          </a:lnRef>
+          <a:fillRef idx="0">
+            <a:schemeClr val="accent1"/>
+          </a:fillRef>
+          <a:effectRef idx="0">
+            <a:schemeClr val="accent1"/>
+          </a:effectRef>
+          <a:fontRef idx="minor">
+            <a:schemeClr val="tx1"/>
+          </a:fontRef>
+        </p:style>
+      </p:cxnSp>
+      <p:sp>
+        <p:nvSpPr>
+          <p:cNvPr id="33" name="Rectangle 32"/>
+          <p:cNvSpPr/>
+          <p:nvPr/>
+        </p:nvSpPr>
+        <p:spPr>
+          <a:xfrm>
+            <a:off x="5949688" y="4949939"/>
+            <a:ext cx="5607596" cy="827926"/>
+          </a:xfrm>
+          <a:prstGeom prst="rect">
+            <a:avLst/>
+          </a:prstGeom>
+          <a:ln>
+            <a:solidFill>
+              <a:schemeClr val="accent1"/>
+            </a:solidFill>
+            <a:prstDash val="dashDot"/>
+          </a:ln>
+        </p:spPr>
+        <p:style>
+          <a:lnRef idx="2">
+            <a:schemeClr val="accent1"/>
+          </a:lnRef>
+          <a:fillRef idx="1">
+            <a:schemeClr val="lt1"/>
+          </a:fillRef>
+          <a:effectRef idx="0">
+            <a:schemeClr val="accent1"/>
+          </a:effectRef>
+          <a:fontRef idx="minor">
+            <a:schemeClr val="dk1"/>
+          </a:fontRef>
+        </p:style>
+        <p:txBody>
+          <a:bodyPr rtlCol="0" anchor="ctr"/>
+          <a:lstStyle/>
+          <a:p>
+            <a:pPr algn="ctr"/>
+            <a:endParaRPr lang="en-US"/>
+          </a:p>
+        </p:txBody>
+      </p:sp>
+      <p:sp>
+        <p:nvSpPr>
+          <p:cNvPr id="34" name="TextBox 33"/>
+          <p:cNvSpPr txBox="1"/>
+          <p:nvPr/>
+        </p:nvSpPr>
+        <p:spPr>
+          <a:xfrm>
+            <a:off x="5971552" y="5042936"/>
+            <a:ext cx="458587" cy="307777"/>
+          </a:xfrm>
+          <a:prstGeom prst="rect">
+            <a:avLst/>
+          </a:prstGeom>
+          <a:noFill/>
+        </p:spPr>
+        <p:txBody>
+          <a:bodyPr wrap="none" rtlCol="0">
+            <a:spAutoFit/>
+          </a:bodyPr>
+          <a:lstStyle/>
+          <a:p>
+            <a:r>
+              <a:rPr lang="en-US" sz="1400" dirty="0" err="1" smtClean="0"/>
+              <a:t>Xen</a:t>
+            </a:r>
+            <a:endParaRPr lang="en-US" sz="1600" dirty="0"/>
+          </a:p>
+        </p:txBody>
+      </p:sp>
+      <p:sp>
+        <p:nvSpPr>
+          <p:cNvPr id="35" name="Rectangle 34"/>
+          <p:cNvSpPr/>
+          <p:nvPr/>
+        </p:nvSpPr>
+        <p:spPr>
+          <a:xfrm>
+            <a:off x="7010086" y="5042936"/>
+            <a:ext cx="1764989" cy="662491"/>
+          </a:xfrm>
+          <a:prstGeom prst="rect">
+            <a:avLst/>
+          </a:prstGeom>
+        </p:spPr>
+        <p:style>
+          <a:lnRef idx="3">
+            <a:schemeClr val="lt1"/>
+          </a:lnRef>
+          <a:fillRef idx="1">
+            <a:schemeClr val="accent1"/>
+          </a:fillRef>
+          <a:effectRef idx="1">
+            <a:schemeClr val="accent1"/>
+          </a:effectRef>
+          <a:fontRef idx="minor">
+            <a:schemeClr val="lt1"/>
+          </a:fontRef>
+        </p:style>
+        <p:txBody>
+          <a:bodyPr rtlCol="0" anchor="ctr"/>
+          <a:lstStyle/>
+          <a:p>
+            <a:pPr algn="ctr"/>
+            <a:r>
+              <a:rPr lang="en-US" sz="1400" dirty="0" smtClean="0"/>
+              <a:t>Shared Memory Segment</a:t>
+            </a:r>
+            <a:endParaRPr lang="en-US" sz="1400" dirty="0"/>
+          </a:p>
+        </p:txBody>
+      </p:sp>
+      <p:sp>
+        <p:nvSpPr>
+          <p:cNvPr id="36" name="Rectangle 35"/>
+          <p:cNvSpPr/>
+          <p:nvPr/>
+        </p:nvSpPr>
+        <p:spPr>
+          <a:xfrm>
+            <a:off x="8157073" y="1840174"/>
+            <a:ext cx="3400211" cy="3006229"/>
+          </a:xfrm>
+          <a:prstGeom prst="rect">
+            <a:avLst/>
+          </a:prstGeom>
+          <a:ln>
+            <a:solidFill>
+              <a:schemeClr val="accent1"/>
+            </a:solidFill>
+            <a:prstDash val="dashDot"/>
+          </a:ln>
+        </p:spPr>
+        <p:style>
+          <a:lnRef idx="2">
+            <a:schemeClr val="accent1"/>
+          </a:lnRef>
+          <a:fillRef idx="1">
+            <a:schemeClr val="lt1"/>
+          </a:fillRef>
+          <a:effectRef idx="0">
+            <a:schemeClr val="accent1"/>
+          </a:effectRef>
+          <a:fontRef idx="minor">
+            <a:schemeClr val="dk1"/>
+          </a:fontRef>
+        </p:style>
+        <p:txBody>
+          <a:bodyPr rtlCol="0" anchor="ctr"/>
+          <a:lstStyle/>
+          <a:p>
+            <a:pPr algn="ctr"/>
+            <a:endParaRPr lang="en-US"/>
+          </a:p>
+        </p:txBody>
+      </p:sp>
+      <p:sp>
+        <p:nvSpPr>
+          <p:cNvPr id="37" name="Rectangle 36"/>
+          <p:cNvSpPr/>
+          <p:nvPr/>
+        </p:nvSpPr>
+        <p:spPr>
+          <a:xfrm>
+            <a:off x="8330902" y="3901448"/>
+            <a:ext cx="1514357" cy="629392"/>
+          </a:xfrm>
+          <a:prstGeom prst="rect">
+            <a:avLst/>
+          </a:prstGeom>
+        </p:spPr>
+        <p:style>
+          <a:lnRef idx="3">
+            <a:schemeClr val="lt1"/>
+          </a:lnRef>
+          <a:fillRef idx="1">
+            <a:schemeClr val="accent1"/>
+          </a:fillRef>
+          <a:effectRef idx="1">
+            <a:schemeClr val="accent1"/>
+          </a:effectRef>
+          <a:fontRef idx="minor">
+            <a:schemeClr val="lt1"/>
+          </a:fontRef>
+        </p:style>
+        <p:txBody>
+          <a:bodyPr rtlCol="0" anchor="ctr"/>
+          <a:lstStyle/>
+          <a:p>
+            <a:pPr algn="ctr"/>
+            <a:r>
+              <a:rPr lang="en-US" sz="1400" dirty="0" smtClean="0"/>
+              <a:t>Split Device Driver</a:t>
+            </a:r>
+          </a:p>
+          <a:p>
+            <a:pPr algn="ctr"/>
+            <a:r>
+              <a:rPr lang="en-US" sz="1100" dirty="0" smtClean="0"/>
+              <a:t>Back end</a:t>
+            </a:r>
+            <a:endParaRPr lang="en-US" sz="1400" dirty="0"/>
+          </a:p>
+        </p:txBody>
+      </p:sp>
+      <p:sp>
+        <p:nvSpPr>
+          <p:cNvPr id="38" name="Rectangle 37"/>
+          <p:cNvSpPr/>
+          <p:nvPr/>
+        </p:nvSpPr>
+        <p:spPr>
+          <a:xfrm>
+            <a:off x="10020731" y="3906918"/>
+            <a:ext cx="1372804" cy="629392"/>
+          </a:xfrm>
+          <a:prstGeom prst="rect">
+            <a:avLst/>
+          </a:prstGeom>
+        </p:spPr>
+        <p:style>
+          <a:lnRef idx="3">
+            <a:schemeClr val="lt1"/>
+          </a:lnRef>
+          <a:fillRef idx="1">
+            <a:schemeClr val="accent1"/>
+          </a:fillRef>
+          <a:effectRef idx="1">
+            <a:schemeClr val="accent1"/>
+          </a:effectRef>
+          <a:fontRef idx="minor">
+            <a:schemeClr val="lt1"/>
+          </a:fontRef>
+        </p:style>
+        <p:txBody>
+          <a:bodyPr rtlCol="0" anchor="ctr"/>
+          <a:lstStyle/>
+          <a:p>
+            <a:pPr algn="ctr"/>
+            <a:r>
+              <a:rPr lang="en-US" sz="1400" dirty="0" smtClean="0"/>
+              <a:t>Real Device driver</a:t>
+            </a:r>
+            <a:endParaRPr lang="en-US" sz="1400" dirty="0"/>
+          </a:p>
+        </p:txBody>
+      </p:sp>
+      <p:sp>
+        <p:nvSpPr>
+          <p:cNvPr id="39" name="Rectangle 38"/>
+          <p:cNvSpPr/>
+          <p:nvPr/>
+        </p:nvSpPr>
+        <p:spPr>
+          <a:xfrm>
+            <a:off x="5949689" y="5870911"/>
+            <a:ext cx="5607596" cy="698201"/>
+          </a:xfrm>
+          <a:prstGeom prst="rect">
+            <a:avLst/>
+          </a:prstGeom>
+          <a:ln>
+            <a:solidFill>
+              <a:schemeClr val="accent1"/>
+            </a:solidFill>
+            <a:prstDash val="dashDot"/>
+          </a:ln>
+        </p:spPr>
+        <p:style>
+          <a:lnRef idx="2">
+            <a:schemeClr val="accent1"/>
+          </a:lnRef>
+          <a:fillRef idx="1">
+            <a:schemeClr val="lt1"/>
+          </a:fillRef>
+          <a:effectRef idx="0">
+            <a:schemeClr val="accent1"/>
+          </a:effectRef>
+          <a:fontRef idx="minor">
+            <a:schemeClr val="dk1"/>
+          </a:fontRef>
+        </p:style>
+        <p:txBody>
+          <a:bodyPr rtlCol="0" anchor="ctr"/>
+          <a:lstStyle/>
+          <a:p>
+            <a:pPr algn="ctr"/>
+            <a:endParaRPr lang="en-US"/>
+          </a:p>
+        </p:txBody>
+      </p:sp>
+      <p:sp>
+        <p:nvSpPr>
+          <p:cNvPr id="40" name="Rectangle 39"/>
+          <p:cNvSpPr/>
+          <p:nvPr/>
+        </p:nvSpPr>
+        <p:spPr>
+          <a:xfrm>
+            <a:off x="10020731" y="5971227"/>
+            <a:ext cx="1372803" cy="565801"/>
+          </a:xfrm>
+          <a:prstGeom prst="rect">
+            <a:avLst/>
+          </a:prstGeom>
+        </p:spPr>
+        <p:style>
+          <a:lnRef idx="3">
+            <a:schemeClr val="lt1"/>
+          </a:lnRef>
+          <a:fillRef idx="1">
+            <a:schemeClr val="accent1"/>
+          </a:fillRef>
+          <a:effectRef idx="1">
+            <a:schemeClr val="accent1"/>
+          </a:effectRef>
+          <a:fontRef idx="minor">
+            <a:schemeClr val="lt1"/>
+          </a:fontRef>
+        </p:style>
+        <p:txBody>
+          <a:bodyPr rtlCol="0" anchor="ctr"/>
+          <a:lstStyle/>
+          <a:p>
+            <a:pPr algn="ctr"/>
+            <a:r>
+              <a:rPr lang="en-US" sz="1400" dirty="0" smtClean="0"/>
+              <a:t>Physical Device</a:t>
+            </a:r>
+            <a:endParaRPr lang="en-US" sz="1400" dirty="0"/>
+          </a:p>
+        </p:txBody>
+      </p:sp>
+      <p:sp>
+        <p:nvSpPr>
+          <p:cNvPr id="41" name="TextBox 40"/>
+          <p:cNvSpPr txBox="1"/>
+          <p:nvPr/>
+        </p:nvSpPr>
+        <p:spPr>
+          <a:xfrm>
+            <a:off x="5949688" y="5912234"/>
+            <a:ext cx="900824" cy="307777"/>
+          </a:xfrm>
+          <a:prstGeom prst="rect">
+            <a:avLst/>
+          </a:prstGeom>
+          <a:noFill/>
+        </p:spPr>
+        <p:txBody>
+          <a:bodyPr wrap="none" rtlCol="0">
+            <a:spAutoFit/>
+          </a:bodyPr>
+          <a:lstStyle/>
+          <a:p>
+            <a:r>
+              <a:rPr lang="en-US" sz="1400" dirty="0" smtClean="0"/>
+              <a:t>Hardware</a:t>
+            </a:r>
+            <a:endParaRPr lang="en-US" sz="1600" dirty="0"/>
+          </a:p>
+        </p:txBody>
+      </p:sp>
+      <p:cxnSp>
+        <p:nvCxnSpPr>
+          <p:cNvPr id="42" name="Elbow Connector 41"/>
+          <p:cNvCxnSpPr/>
+          <p:nvPr/>
+        </p:nvCxnSpPr>
+        <p:spPr>
+          <a:xfrm rot="16200000" flipH="1">
+            <a:off x="6806274" y="4549793"/>
+            <a:ext cx="518201" cy="468086"/>
+          </a:xfrm>
+          <a:prstGeom prst="bentConnector3">
+            <a:avLst/>
+          </a:prstGeom>
+          <a:ln>
+            <a:tailEnd type="triangle"/>
+          </a:ln>
+        </p:spPr>
+        <p:style>
+          <a:lnRef idx="1">
+            <a:schemeClr val="accent1"/>
+          </a:lnRef>
+          <a:fillRef idx="0">
+            <a:schemeClr val="accent1"/>
+          </a:fillRef>
+          <a:effectRef idx="0">
+            <a:schemeClr val="accent1"/>
+          </a:effectRef>
+          <a:fontRef idx="minor">
+            <a:schemeClr val="tx1"/>
+          </a:fontRef>
+        </p:style>
+      </p:cxnSp>
+      <p:cxnSp>
+        <p:nvCxnSpPr>
+          <p:cNvPr id="43" name="Elbow Connector 42"/>
+          <p:cNvCxnSpPr/>
+          <p:nvPr/>
+        </p:nvCxnSpPr>
+        <p:spPr>
+          <a:xfrm rot="5400000" flipH="1" flipV="1">
+            <a:off x="8289280" y="4572463"/>
+            <a:ext cx="527417" cy="444172"/>
+          </a:xfrm>
+          <a:prstGeom prst="bentConnector3">
+            <a:avLst>
+              <a:gd name="adj1" fmla="val 50000"/>
+            </a:avLst>
+          </a:prstGeom>
+          <a:ln>
+            <a:tailEnd type="triangle"/>
+          </a:ln>
+        </p:spPr>
+        <p:style>
+          <a:lnRef idx="1">
+            <a:schemeClr val="accent1"/>
+          </a:lnRef>
+          <a:fillRef idx="0">
+            <a:schemeClr val="accent1"/>
+          </a:fillRef>
+          <a:effectRef idx="0">
+            <a:schemeClr val="accent1"/>
+          </a:effectRef>
+          <a:fontRef idx="minor">
+            <a:schemeClr val="tx1"/>
+          </a:fontRef>
+        </p:style>
+      </p:cxnSp>
+      <p:cxnSp>
+        <p:nvCxnSpPr>
+          <p:cNvPr id="44" name="Straight Connector 43"/>
+          <p:cNvCxnSpPr/>
+          <p:nvPr/>
+        </p:nvCxnSpPr>
+        <p:spPr>
+          <a:xfrm>
+            <a:off x="8775075" y="3653674"/>
+            <a:ext cx="1958436" cy="12632"/>
+          </a:xfrm>
+          <a:prstGeom prst="line">
+            <a:avLst/>
+          </a:prstGeom>
+        </p:spPr>
+        <p:style>
+          <a:lnRef idx="1">
+            <a:schemeClr val="accent1"/>
+          </a:lnRef>
+          <a:fillRef idx="0">
+            <a:schemeClr val="accent1"/>
+          </a:fillRef>
+          <a:effectRef idx="0">
+            <a:schemeClr val="accent1"/>
+          </a:effectRef>
+          <a:fontRef idx="minor">
+            <a:schemeClr val="tx1"/>
+          </a:fontRef>
+        </p:style>
+      </p:cxnSp>
+      <p:cxnSp>
+        <p:nvCxnSpPr>
+          <p:cNvPr id="45" name="Straight Arrow Connector 44"/>
+          <p:cNvCxnSpPr/>
+          <p:nvPr/>
+        </p:nvCxnSpPr>
+        <p:spPr>
+          <a:xfrm>
+            <a:off x="10721636" y="3667530"/>
+            <a:ext cx="1" cy="268678"/>
+          </a:xfrm>
+          <a:prstGeom prst="straightConnector1">
+            <a:avLst/>
+          </a:prstGeom>
+          <a:ln>
+            <a:tailEnd type="triangle"/>
+          </a:ln>
+        </p:spPr>
+        <p:style>
+          <a:lnRef idx="1">
+            <a:schemeClr val="accent1"/>
+          </a:lnRef>
+          <a:fillRef idx="0">
+            <a:schemeClr val="accent1"/>
+          </a:fillRef>
+          <a:effectRef idx="0">
+            <a:schemeClr val="accent1"/>
+          </a:effectRef>
+          <a:fontRef idx="minor">
+            <a:schemeClr val="tx1"/>
+          </a:fontRef>
+        </p:style>
+      </p:cxnSp>
+      <p:cxnSp>
+        <p:nvCxnSpPr>
+          <p:cNvPr id="46" name="Straight Arrow Connector 45"/>
+          <p:cNvCxnSpPr/>
+          <p:nvPr/>
+        </p:nvCxnSpPr>
+        <p:spPr>
+          <a:xfrm>
+            <a:off x="10703775" y="4524735"/>
+            <a:ext cx="25733" cy="1430033"/>
+          </a:xfrm>
+          <a:prstGeom prst="straightConnector1">
+            <a:avLst/>
+          </a:prstGeom>
+          <a:ln>
+            <a:tailEnd type="triangle"/>
+          </a:ln>
+        </p:spPr>
+        <p:style>
+          <a:lnRef idx="1">
+            <a:schemeClr val="accent1"/>
+          </a:lnRef>
+          <a:fillRef idx="0">
+            <a:schemeClr val="accent1"/>
+          </a:fillRef>
+          <a:effectRef idx="0">
+            <a:schemeClr val="accent1"/>
+          </a:effectRef>
+          <a:fontRef idx="minor">
+            <a:schemeClr val="tx1"/>
+          </a:fontRef>
+        </p:style>
+      </p:cxnSp>
+      <p:sp>
+        <p:nvSpPr>
+          <p:cNvPr id="47" name="TextBox 46"/>
+          <p:cNvSpPr txBox="1"/>
+          <p:nvPr/>
+        </p:nvSpPr>
+        <p:spPr>
+          <a:xfrm>
+            <a:off x="8185664" y="1840175"/>
+            <a:ext cx="886781" cy="307777"/>
+          </a:xfrm>
+          <a:prstGeom prst="rect">
+            <a:avLst/>
+          </a:prstGeom>
+          <a:noFill/>
+        </p:spPr>
+        <p:txBody>
+          <a:bodyPr wrap="none" rtlCol="0">
+            <a:spAutoFit/>
+          </a:bodyPr>
+          <a:lstStyle/>
+          <a:p>
+            <a:r>
+              <a:rPr lang="en-US" sz="1400" dirty="0" smtClean="0"/>
+              <a:t>Domain 0</a:t>
+            </a:r>
+            <a:endParaRPr lang="en-US" sz="1400" dirty="0"/>
+          </a:p>
+        </p:txBody>
+      </p:sp>
+      <p:sp>
+        <p:nvSpPr>
+          <p:cNvPr id="48" name="TextBox 47"/>
+          <p:cNvSpPr txBox="1"/>
+          <p:nvPr/>
+        </p:nvSpPr>
+        <p:spPr>
+          <a:xfrm>
+            <a:off x="5947725" y="1840175"/>
+            <a:ext cx="1378519" cy="307777"/>
+          </a:xfrm>
+          <a:prstGeom prst="rect">
+            <a:avLst/>
+          </a:prstGeom>
+          <a:noFill/>
+        </p:spPr>
+        <p:txBody>
+          <a:bodyPr wrap="none" rtlCol="0">
+            <a:spAutoFit/>
+          </a:bodyPr>
+          <a:lstStyle/>
+          <a:p>
+            <a:r>
+              <a:rPr lang="en-US" sz="1400" dirty="0" smtClean="0"/>
+              <a:t>Domain U Guest</a:t>
+            </a:r>
+            <a:endParaRPr lang="en-US" sz="1600" dirty="0"/>
+          </a:p>
+        </p:txBody>
+      </p:sp>
+      <p:cxnSp>
+        <p:nvCxnSpPr>
+          <p:cNvPr id="49" name="Straight Connector 48"/>
+          <p:cNvCxnSpPr/>
+          <p:nvPr/>
+        </p:nvCxnSpPr>
+        <p:spPr>
+          <a:xfrm flipV="1">
+            <a:off x="8775075" y="3653674"/>
+            <a:ext cx="0" cy="268678"/>
+          </a:xfrm>
+          <a:prstGeom prst="line">
+            <a:avLst/>
+          </a:prstGeom>
+        </p:spPr>
+        <p:style>
+          <a:lnRef idx="1">
+            <a:schemeClr val="accent1"/>
+          </a:lnRef>
+          <a:fillRef idx="0">
+            <a:schemeClr val="accent1"/>
+          </a:fillRef>
+          <a:effectRef idx="0">
+            <a:schemeClr val="accent1"/>
+          </a:effectRef>
+          <a:fontRef idx="minor">
+            <a:schemeClr val="tx1"/>
+          </a:fontRef>
+        </p:style>
+      </p:cxnSp>
+    </p:spTree>
+    <p:extLst>
+      <p:ext uri="{BB962C8B-B14F-4D97-AF65-F5344CB8AC3E}">
+        <p14:creationId xmlns:p14="http://schemas.microsoft.com/office/powerpoint/2010/main" val="307191844"/>
+      </p:ext>
+    </p:extLst>
+  </p:cSld>
+  <p:clrMapOvr>
+    <a:masterClrMapping/>
+  </p:clrMapOvr>
+  <p:timing>
+    <p:tnLst>
+      <p:par>
+        <p:cTn id="1" dur="indefinite" restart="never" nodeType="tmRoot"/>
+      </p:par>
+    </p:tnLst>
+  </p:timing>
+</p:sld>
+</file>
+
+<file path=ppt/slides/slide17.xml><?xml version="1.0" encoding="utf-8"?>
 <p:sld xmlns:a="http://schemas.openxmlformats.org/drawingml/2006/main" xmlns:r="http://schemas.openxmlformats.org/officeDocument/2006/relationships" xmlns:p="http://schemas.openxmlformats.org/presentationml/2006/main" show="0">
   <p:cSld>
     <p:spTree>
@@ -6426,30 +11140,875 @@
           </a:p>
         </p:txBody>
       </p:sp>
-      <p:pic>
-        <p:nvPicPr>
-          <p:cNvPr id="52" name="Picture 51"/>
-          <p:cNvPicPr>
-            <a:picLocks noChangeAspect="1"/>
-          </p:cNvPicPr>
-          <p:nvPr/>
-        </p:nvPicPr>
-        <p:blipFill>
-          <a:blip r:embed="rId2"/>
-          <a:stretch>
-            <a:fillRect/>
-          </a:stretch>
-        </p:blipFill>
-        <p:spPr>
-          <a:xfrm>
-            <a:off x="657224" y="2084705"/>
-            <a:ext cx="5719357" cy="4477753"/>
-          </a:xfrm>
-          <a:prstGeom prst="rect">
-            <a:avLst/>
-          </a:prstGeom>
-        </p:spPr>
-      </p:pic>
+      <p:sp>
+        <p:nvSpPr>
+          <p:cNvPr id="53" name="Rectangle 52"/>
+          <p:cNvSpPr/>
+          <p:nvPr/>
+        </p:nvSpPr>
+        <p:spPr>
+          <a:xfrm>
+            <a:off x="657224" y="2012140"/>
+            <a:ext cx="2071046" cy="2989715"/>
+          </a:xfrm>
+          <a:prstGeom prst="rect">
+            <a:avLst/>
+          </a:prstGeom>
+          <a:ln>
+            <a:solidFill>
+              <a:schemeClr val="accent1"/>
+            </a:solidFill>
+            <a:prstDash val="dashDot"/>
+          </a:ln>
+        </p:spPr>
+        <p:style>
+          <a:lnRef idx="2">
+            <a:schemeClr val="accent1"/>
+          </a:lnRef>
+          <a:fillRef idx="1">
+            <a:schemeClr val="lt1"/>
+          </a:fillRef>
+          <a:effectRef idx="0">
+            <a:schemeClr val="accent1"/>
+          </a:effectRef>
+          <a:fontRef idx="minor">
+            <a:schemeClr val="dk1"/>
+          </a:fontRef>
+        </p:style>
+        <p:txBody>
+          <a:bodyPr rtlCol="0" anchor="ctr"/>
+          <a:lstStyle/>
+          <a:p>
+            <a:pPr algn="ctr"/>
+            <a:endParaRPr lang="en-US"/>
+          </a:p>
+        </p:txBody>
+      </p:sp>
+      <p:sp>
+        <p:nvSpPr>
+          <p:cNvPr id="54" name="Rectangle 53"/>
+          <p:cNvSpPr/>
+          <p:nvPr/>
+        </p:nvSpPr>
+        <p:spPr>
+          <a:xfrm>
+            <a:off x="830653" y="2290707"/>
+            <a:ext cx="1520751" cy="629392"/>
+          </a:xfrm>
+          <a:prstGeom prst="rect">
+            <a:avLst/>
+          </a:prstGeom>
+        </p:spPr>
+        <p:style>
+          <a:lnRef idx="2">
+            <a:schemeClr val="accent1"/>
+          </a:lnRef>
+          <a:fillRef idx="1">
+            <a:schemeClr val="lt1"/>
+          </a:fillRef>
+          <a:effectRef idx="0">
+            <a:schemeClr val="accent1"/>
+          </a:effectRef>
+          <a:fontRef idx="minor">
+            <a:schemeClr val="dk1"/>
+          </a:fontRef>
+        </p:style>
+        <p:txBody>
+          <a:bodyPr rtlCol="0" anchor="ctr"/>
+          <a:lstStyle/>
+          <a:p>
+            <a:pPr algn="ctr"/>
+            <a:r>
+              <a:rPr lang="en-US" sz="1600" dirty="0" smtClean="0"/>
+              <a:t>Application</a:t>
+            </a:r>
+            <a:endParaRPr lang="en-US" sz="1600" dirty="0"/>
+          </a:p>
+        </p:txBody>
+      </p:sp>
+      <p:sp>
+        <p:nvSpPr>
+          <p:cNvPr id="55" name="Rectangle 54"/>
+          <p:cNvSpPr/>
+          <p:nvPr/>
+        </p:nvSpPr>
+        <p:spPr>
+          <a:xfrm>
+            <a:off x="830653" y="3179733"/>
+            <a:ext cx="1520751" cy="629392"/>
+          </a:xfrm>
+          <a:prstGeom prst="rect">
+            <a:avLst/>
+          </a:prstGeom>
+        </p:spPr>
+        <p:style>
+          <a:lnRef idx="2">
+            <a:schemeClr val="accent1"/>
+          </a:lnRef>
+          <a:fillRef idx="1">
+            <a:schemeClr val="lt1"/>
+          </a:fillRef>
+          <a:effectRef idx="0">
+            <a:schemeClr val="accent1"/>
+          </a:effectRef>
+          <a:fontRef idx="minor">
+            <a:schemeClr val="dk1"/>
+          </a:fontRef>
+        </p:style>
+        <p:txBody>
+          <a:bodyPr rtlCol="0" anchor="ctr"/>
+          <a:lstStyle/>
+          <a:p>
+            <a:pPr algn="ctr"/>
+            <a:r>
+              <a:rPr lang="en-US" sz="1600" dirty="0" smtClean="0"/>
+              <a:t>TCP/IP stack</a:t>
+            </a:r>
+            <a:endParaRPr lang="en-US" sz="1600" dirty="0"/>
+          </a:p>
+        </p:txBody>
+      </p:sp>
+      <p:sp>
+        <p:nvSpPr>
+          <p:cNvPr id="56" name="Rectangle 55"/>
+          <p:cNvSpPr/>
+          <p:nvPr/>
+        </p:nvSpPr>
+        <p:spPr>
+          <a:xfrm>
+            <a:off x="836133" y="4056899"/>
+            <a:ext cx="1515271" cy="629392"/>
+          </a:xfrm>
+          <a:prstGeom prst="rect">
+            <a:avLst/>
+          </a:prstGeom>
+        </p:spPr>
+        <p:style>
+          <a:lnRef idx="3">
+            <a:schemeClr val="lt1"/>
+          </a:lnRef>
+          <a:fillRef idx="1">
+            <a:schemeClr val="accent1"/>
+          </a:fillRef>
+          <a:effectRef idx="1">
+            <a:schemeClr val="accent1"/>
+          </a:effectRef>
+          <a:fontRef idx="minor">
+            <a:schemeClr val="lt1"/>
+          </a:fontRef>
+        </p:style>
+        <p:txBody>
+          <a:bodyPr rtlCol="0" anchor="ctr"/>
+          <a:lstStyle/>
+          <a:p>
+            <a:pPr algn="ctr"/>
+            <a:r>
+              <a:rPr lang="en-US" sz="1400" dirty="0" smtClean="0"/>
+              <a:t>Split Device Driver</a:t>
+            </a:r>
+          </a:p>
+          <a:p>
+            <a:pPr algn="ctr"/>
+            <a:r>
+              <a:rPr lang="en-US" sz="1100" dirty="0" smtClean="0"/>
+              <a:t>Front end</a:t>
+            </a:r>
+            <a:endParaRPr lang="en-US" sz="1400" dirty="0"/>
+          </a:p>
+        </p:txBody>
+      </p:sp>
+      <p:cxnSp>
+        <p:nvCxnSpPr>
+          <p:cNvPr id="57" name="Straight Arrow Connector 56"/>
+          <p:cNvCxnSpPr>
+            <a:stCxn id="54" idx="2"/>
+            <a:endCxn id="55" idx="0"/>
+          </p:cNvCxnSpPr>
+          <p:nvPr/>
+        </p:nvCxnSpPr>
+        <p:spPr>
+          <a:xfrm>
+            <a:off x="1591029" y="2920099"/>
+            <a:ext cx="0" cy="259634"/>
+          </a:xfrm>
+          <a:prstGeom prst="straightConnector1">
+            <a:avLst/>
+          </a:prstGeom>
+          <a:ln>
+            <a:tailEnd type="triangle"/>
+          </a:ln>
+        </p:spPr>
+        <p:style>
+          <a:lnRef idx="1">
+            <a:schemeClr val="accent1"/>
+          </a:lnRef>
+          <a:fillRef idx="0">
+            <a:schemeClr val="accent1"/>
+          </a:fillRef>
+          <a:effectRef idx="0">
+            <a:schemeClr val="accent1"/>
+          </a:effectRef>
+          <a:fontRef idx="minor">
+            <a:schemeClr val="tx1"/>
+          </a:fontRef>
+        </p:style>
+      </p:cxnSp>
+      <p:cxnSp>
+        <p:nvCxnSpPr>
+          <p:cNvPr id="58" name="Straight Arrow Connector 57"/>
+          <p:cNvCxnSpPr>
+            <a:stCxn id="55" idx="2"/>
+          </p:cNvCxnSpPr>
+          <p:nvPr/>
+        </p:nvCxnSpPr>
+        <p:spPr>
+          <a:xfrm>
+            <a:off x="1591029" y="3809125"/>
+            <a:ext cx="0" cy="244976"/>
+          </a:xfrm>
+          <a:prstGeom prst="straightConnector1">
+            <a:avLst/>
+          </a:prstGeom>
+          <a:ln>
+            <a:tailEnd type="triangle"/>
+          </a:ln>
+        </p:spPr>
+        <p:style>
+          <a:lnRef idx="1">
+            <a:schemeClr val="accent1"/>
+          </a:lnRef>
+          <a:fillRef idx="0">
+            <a:schemeClr val="accent1"/>
+          </a:fillRef>
+          <a:effectRef idx="0">
+            <a:schemeClr val="accent1"/>
+          </a:effectRef>
+          <a:fontRef idx="minor">
+            <a:schemeClr val="tx1"/>
+          </a:fontRef>
+        </p:style>
+      </p:cxnSp>
+      <p:sp>
+        <p:nvSpPr>
+          <p:cNvPr id="59" name="Rectangle 58"/>
+          <p:cNvSpPr/>
+          <p:nvPr/>
+        </p:nvSpPr>
+        <p:spPr>
+          <a:xfrm>
+            <a:off x="662455" y="5105390"/>
+            <a:ext cx="5607596" cy="827926"/>
+          </a:xfrm>
+          <a:prstGeom prst="rect">
+            <a:avLst/>
+          </a:prstGeom>
+          <a:ln>
+            <a:solidFill>
+              <a:schemeClr val="accent1"/>
+            </a:solidFill>
+            <a:prstDash val="dashDot"/>
+          </a:ln>
+        </p:spPr>
+        <p:style>
+          <a:lnRef idx="2">
+            <a:schemeClr val="accent1"/>
+          </a:lnRef>
+          <a:fillRef idx="1">
+            <a:schemeClr val="lt1"/>
+          </a:fillRef>
+          <a:effectRef idx="0">
+            <a:schemeClr val="accent1"/>
+          </a:effectRef>
+          <a:fontRef idx="minor">
+            <a:schemeClr val="dk1"/>
+          </a:fontRef>
+        </p:style>
+        <p:txBody>
+          <a:bodyPr rtlCol="0" anchor="ctr"/>
+          <a:lstStyle/>
+          <a:p>
+            <a:pPr algn="ctr"/>
+            <a:endParaRPr lang="en-US"/>
+          </a:p>
+        </p:txBody>
+      </p:sp>
+      <p:sp>
+        <p:nvSpPr>
+          <p:cNvPr id="60" name="TextBox 59"/>
+          <p:cNvSpPr txBox="1"/>
+          <p:nvPr/>
+        </p:nvSpPr>
+        <p:spPr>
+          <a:xfrm>
+            <a:off x="684319" y="5198387"/>
+            <a:ext cx="458587" cy="307777"/>
+          </a:xfrm>
+          <a:prstGeom prst="rect">
+            <a:avLst/>
+          </a:prstGeom>
+          <a:noFill/>
+        </p:spPr>
+        <p:txBody>
+          <a:bodyPr wrap="none" rtlCol="0">
+            <a:spAutoFit/>
+          </a:bodyPr>
+          <a:lstStyle/>
+          <a:p>
+            <a:r>
+              <a:rPr lang="en-US" sz="1400" dirty="0" err="1" smtClean="0"/>
+              <a:t>Xen</a:t>
+            </a:r>
+            <a:endParaRPr lang="en-US" sz="1600" dirty="0"/>
+          </a:p>
+        </p:txBody>
+      </p:sp>
+      <p:sp>
+        <p:nvSpPr>
+          <p:cNvPr id="61" name="Rectangle 60"/>
+          <p:cNvSpPr/>
+          <p:nvPr/>
+        </p:nvSpPr>
+        <p:spPr>
+          <a:xfrm>
+            <a:off x="1722853" y="5198387"/>
+            <a:ext cx="1764989" cy="662491"/>
+          </a:xfrm>
+          <a:prstGeom prst="rect">
+            <a:avLst/>
+          </a:prstGeom>
+        </p:spPr>
+        <p:style>
+          <a:lnRef idx="3">
+            <a:schemeClr val="lt1"/>
+          </a:lnRef>
+          <a:fillRef idx="1">
+            <a:schemeClr val="accent1"/>
+          </a:fillRef>
+          <a:effectRef idx="1">
+            <a:schemeClr val="accent1"/>
+          </a:effectRef>
+          <a:fontRef idx="minor">
+            <a:schemeClr val="lt1"/>
+          </a:fontRef>
+        </p:style>
+        <p:txBody>
+          <a:bodyPr rtlCol="0" anchor="ctr"/>
+          <a:lstStyle/>
+          <a:p>
+            <a:pPr algn="ctr"/>
+            <a:r>
+              <a:rPr lang="en-US" sz="1400" dirty="0" smtClean="0"/>
+              <a:t>Shared Memory Segment</a:t>
+            </a:r>
+            <a:endParaRPr lang="en-US" sz="1400" dirty="0"/>
+          </a:p>
+        </p:txBody>
+      </p:sp>
+      <p:sp>
+        <p:nvSpPr>
+          <p:cNvPr id="62" name="Rectangle 61"/>
+          <p:cNvSpPr/>
+          <p:nvPr/>
+        </p:nvSpPr>
+        <p:spPr>
+          <a:xfrm>
+            <a:off x="2869840" y="1995625"/>
+            <a:ext cx="3400211" cy="3006229"/>
+          </a:xfrm>
+          <a:prstGeom prst="rect">
+            <a:avLst/>
+          </a:prstGeom>
+          <a:ln>
+            <a:solidFill>
+              <a:schemeClr val="accent1"/>
+            </a:solidFill>
+            <a:prstDash val="dashDot"/>
+          </a:ln>
+        </p:spPr>
+        <p:style>
+          <a:lnRef idx="2">
+            <a:schemeClr val="accent1"/>
+          </a:lnRef>
+          <a:fillRef idx="1">
+            <a:schemeClr val="lt1"/>
+          </a:fillRef>
+          <a:effectRef idx="0">
+            <a:schemeClr val="accent1"/>
+          </a:effectRef>
+          <a:fontRef idx="minor">
+            <a:schemeClr val="dk1"/>
+          </a:fontRef>
+        </p:style>
+        <p:txBody>
+          <a:bodyPr rtlCol="0" anchor="ctr"/>
+          <a:lstStyle/>
+          <a:p>
+            <a:pPr algn="ctr"/>
+            <a:endParaRPr lang="en-US"/>
+          </a:p>
+        </p:txBody>
+      </p:sp>
+      <p:sp>
+        <p:nvSpPr>
+          <p:cNvPr id="63" name="Rectangle 62"/>
+          <p:cNvSpPr/>
+          <p:nvPr/>
+        </p:nvSpPr>
+        <p:spPr>
+          <a:xfrm>
+            <a:off x="3043669" y="4056899"/>
+            <a:ext cx="1514357" cy="629392"/>
+          </a:xfrm>
+          <a:prstGeom prst="rect">
+            <a:avLst/>
+          </a:prstGeom>
+        </p:spPr>
+        <p:style>
+          <a:lnRef idx="3">
+            <a:schemeClr val="lt1"/>
+          </a:lnRef>
+          <a:fillRef idx="1">
+            <a:schemeClr val="accent1"/>
+          </a:fillRef>
+          <a:effectRef idx="1">
+            <a:schemeClr val="accent1"/>
+          </a:effectRef>
+          <a:fontRef idx="minor">
+            <a:schemeClr val="lt1"/>
+          </a:fontRef>
+        </p:style>
+        <p:txBody>
+          <a:bodyPr rtlCol="0" anchor="ctr"/>
+          <a:lstStyle/>
+          <a:p>
+            <a:pPr algn="ctr"/>
+            <a:r>
+              <a:rPr lang="en-US" sz="1400" dirty="0" smtClean="0"/>
+              <a:t>Split Device Driver</a:t>
+            </a:r>
+          </a:p>
+          <a:p>
+            <a:pPr algn="ctr"/>
+            <a:r>
+              <a:rPr lang="en-US" sz="1100" dirty="0" smtClean="0"/>
+              <a:t>Back end</a:t>
+            </a:r>
+            <a:endParaRPr lang="en-US" sz="1400" dirty="0"/>
+          </a:p>
+        </p:txBody>
+      </p:sp>
+      <p:sp>
+        <p:nvSpPr>
+          <p:cNvPr id="64" name="Rectangle 63"/>
+          <p:cNvSpPr/>
+          <p:nvPr/>
+        </p:nvSpPr>
+        <p:spPr>
+          <a:xfrm>
+            <a:off x="4733498" y="4062369"/>
+            <a:ext cx="1372804" cy="629392"/>
+          </a:xfrm>
+          <a:prstGeom prst="rect">
+            <a:avLst/>
+          </a:prstGeom>
+        </p:spPr>
+        <p:style>
+          <a:lnRef idx="3">
+            <a:schemeClr val="lt1"/>
+          </a:lnRef>
+          <a:fillRef idx="1">
+            <a:schemeClr val="accent1"/>
+          </a:fillRef>
+          <a:effectRef idx="1">
+            <a:schemeClr val="accent1"/>
+          </a:effectRef>
+          <a:fontRef idx="minor">
+            <a:schemeClr val="lt1"/>
+          </a:fontRef>
+        </p:style>
+        <p:txBody>
+          <a:bodyPr rtlCol="0" anchor="ctr"/>
+          <a:lstStyle/>
+          <a:p>
+            <a:pPr algn="ctr"/>
+            <a:r>
+              <a:rPr lang="en-US" sz="1400" dirty="0" smtClean="0"/>
+              <a:t>Real Device driver</a:t>
+            </a:r>
+            <a:endParaRPr lang="en-US" sz="1400" dirty="0"/>
+          </a:p>
+        </p:txBody>
+      </p:sp>
+      <p:sp>
+        <p:nvSpPr>
+          <p:cNvPr id="65" name="Rectangle 64"/>
+          <p:cNvSpPr/>
+          <p:nvPr/>
+        </p:nvSpPr>
+        <p:spPr>
+          <a:xfrm>
+            <a:off x="662456" y="6026362"/>
+            <a:ext cx="5607596" cy="698201"/>
+          </a:xfrm>
+          <a:prstGeom prst="rect">
+            <a:avLst/>
+          </a:prstGeom>
+          <a:ln>
+            <a:solidFill>
+              <a:schemeClr val="accent1"/>
+            </a:solidFill>
+            <a:prstDash val="dashDot"/>
+          </a:ln>
+        </p:spPr>
+        <p:style>
+          <a:lnRef idx="2">
+            <a:schemeClr val="accent1"/>
+          </a:lnRef>
+          <a:fillRef idx="1">
+            <a:schemeClr val="lt1"/>
+          </a:fillRef>
+          <a:effectRef idx="0">
+            <a:schemeClr val="accent1"/>
+          </a:effectRef>
+          <a:fontRef idx="minor">
+            <a:schemeClr val="dk1"/>
+          </a:fontRef>
+        </p:style>
+        <p:txBody>
+          <a:bodyPr rtlCol="0" anchor="ctr"/>
+          <a:lstStyle/>
+          <a:p>
+            <a:pPr algn="ctr"/>
+            <a:endParaRPr lang="en-US"/>
+          </a:p>
+        </p:txBody>
+      </p:sp>
+      <p:sp>
+        <p:nvSpPr>
+          <p:cNvPr id="66" name="Rectangle 65"/>
+          <p:cNvSpPr/>
+          <p:nvPr/>
+        </p:nvSpPr>
+        <p:spPr>
+          <a:xfrm>
+            <a:off x="4733498" y="6126678"/>
+            <a:ext cx="1372803" cy="565801"/>
+          </a:xfrm>
+          <a:prstGeom prst="rect">
+            <a:avLst/>
+          </a:prstGeom>
+        </p:spPr>
+        <p:style>
+          <a:lnRef idx="3">
+            <a:schemeClr val="lt1"/>
+          </a:lnRef>
+          <a:fillRef idx="1">
+            <a:schemeClr val="accent1"/>
+          </a:fillRef>
+          <a:effectRef idx="1">
+            <a:schemeClr val="accent1"/>
+          </a:effectRef>
+          <a:fontRef idx="minor">
+            <a:schemeClr val="lt1"/>
+          </a:fontRef>
+        </p:style>
+        <p:txBody>
+          <a:bodyPr rtlCol="0" anchor="ctr"/>
+          <a:lstStyle/>
+          <a:p>
+            <a:pPr algn="ctr"/>
+            <a:r>
+              <a:rPr lang="en-US" sz="1400" dirty="0" smtClean="0"/>
+              <a:t>Physical Device</a:t>
+            </a:r>
+            <a:endParaRPr lang="en-US" sz="1400" dirty="0"/>
+          </a:p>
+        </p:txBody>
+      </p:sp>
+      <p:sp>
+        <p:nvSpPr>
+          <p:cNvPr id="67" name="TextBox 66"/>
+          <p:cNvSpPr txBox="1"/>
+          <p:nvPr/>
+        </p:nvSpPr>
+        <p:spPr>
+          <a:xfrm>
+            <a:off x="662455" y="6067685"/>
+            <a:ext cx="900824" cy="307777"/>
+          </a:xfrm>
+          <a:prstGeom prst="rect">
+            <a:avLst/>
+          </a:prstGeom>
+          <a:noFill/>
+        </p:spPr>
+        <p:txBody>
+          <a:bodyPr wrap="none" rtlCol="0">
+            <a:spAutoFit/>
+          </a:bodyPr>
+          <a:lstStyle/>
+          <a:p>
+            <a:r>
+              <a:rPr lang="en-US" sz="1400" dirty="0" smtClean="0"/>
+              <a:t>Hardware</a:t>
+            </a:r>
+            <a:endParaRPr lang="en-US" sz="1600" dirty="0"/>
+          </a:p>
+        </p:txBody>
+      </p:sp>
+      <p:cxnSp>
+        <p:nvCxnSpPr>
+          <p:cNvPr id="68" name="Elbow Connector 67"/>
+          <p:cNvCxnSpPr/>
+          <p:nvPr/>
+        </p:nvCxnSpPr>
+        <p:spPr>
+          <a:xfrm rot="16200000" flipH="1">
+            <a:off x="1519041" y="4705244"/>
+            <a:ext cx="518201" cy="468086"/>
+          </a:xfrm>
+          <a:prstGeom prst="bentConnector3">
+            <a:avLst/>
+          </a:prstGeom>
+          <a:ln>
+            <a:tailEnd type="triangle"/>
+          </a:ln>
+        </p:spPr>
+        <p:style>
+          <a:lnRef idx="1">
+            <a:schemeClr val="accent1"/>
+          </a:lnRef>
+          <a:fillRef idx="0">
+            <a:schemeClr val="accent1"/>
+          </a:fillRef>
+          <a:effectRef idx="0">
+            <a:schemeClr val="accent1"/>
+          </a:effectRef>
+          <a:fontRef idx="minor">
+            <a:schemeClr val="tx1"/>
+          </a:fontRef>
+        </p:style>
+      </p:cxnSp>
+      <p:cxnSp>
+        <p:nvCxnSpPr>
+          <p:cNvPr id="69" name="Elbow Connector 68"/>
+          <p:cNvCxnSpPr/>
+          <p:nvPr/>
+        </p:nvCxnSpPr>
+        <p:spPr>
+          <a:xfrm rot="5400000" flipH="1" flipV="1">
+            <a:off x="3002047" y="4727914"/>
+            <a:ext cx="527417" cy="444172"/>
+          </a:xfrm>
+          <a:prstGeom prst="bentConnector3">
+            <a:avLst>
+              <a:gd name="adj1" fmla="val 50000"/>
+            </a:avLst>
+          </a:prstGeom>
+          <a:ln>
+            <a:tailEnd type="triangle"/>
+          </a:ln>
+        </p:spPr>
+        <p:style>
+          <a:lnRef idx="1">
+            <a:schemeClr val="accent1"/>
+          </a:lnRef>
+          <a:fillRef idx="0">
+            <a:schemeClr val="accent1"/>
+          </a:fillRef>
+          <a:effectRef idx="0">
+            <a:schemeClr val="accent1"/>
+          </a:effectRef>
+          <a:fontRef idx="minor">
+            <a:schemeClr val="tx1"/>
+          </a:fontRef>
+        </p:style>
+      </p:cxnSp>
+      <p:cxnSp>
+        <p:nvCxnSpPr>
+          <p:cNvPr id="70" name="Straight Connector 69"/>
+          <p:cNvCxnSpPr/>
+          <p:nvPr/>
+        </p:nvCxnSpPr>
+        <p:spPr>
+          <a:xfrm>
+            <a:off x="3487842" y="3809125"/>
+            <a:ext cx="1958436" cy="12632"/>
+          </a:xfrm>
+          <a:prstGeom prst="line">
+            <a:avLst/>
+          </a:prstGeom>
+        </p:spPr>
+        <p:style>
+          <a:lnRef idx="1">
+            <a:schemeClr val="accent1"/>
+          </a:lnRef>
+          <a:fillRef idx="0">
+            <a:schemeClr val="accent1"/>
+          </a:fillRef>
+          <a:effectRef idx="0">
+            <a:schemeClr val="accent1"/>
+          </a:effectRef>
+          <a:fontRef idx="minor">
+            <a:schemeClr val="tx1"/>
+          </a:fontRef>
+        </p:style>
+      </p:cxnSp>
+      <p:cxnSp>
+        <p:nvCxnSpPr>
+          <p:cNvPr id="71" name="Straight Arrow Connector 70"/>
+          <p:cNvCxnSpPr/>
+          <p:nvPr/>
+        </p:nvCxnSpPr>
+        <p:spPr>
+          <a:xfrm>
+            <a:off x="5434403" y="3822981"/>
+            <a:ext cx="1" cy="268678"/>
+          </a:xfrm>
+          <a:prstGeom prst="straightConnector1">
+            <a:avLst/>
+          </a:prstGeom>
+          <a:ln>
+            <a:tailEnd type="triangle"/>
+          </a:ln>
+        </p:spPr>
+        <p:style>
+          <a:lnRef idx="1">
+            <a:schemeClr val="accent1"/>
+          </a:lnRef>
+          <a:fillRef idx="0">
+            <a:schemeClr val="accent1"/>
+          </a:fillRef>
+          <a:effectRef idx="0">
+            <a:schemeClr val="accent1"/>
+          </a:effectRef>
+          <a:fontRef idx="minor">
+            <a:schemeClr val="tx1"/>
+          </a:fontRef>
+        </p:style>
+      </p:cxnSp>
+      <p:cxnSp>
+        <p:nvCxnSpPr>
+          <p:cNvPr id="72" name="Straight Arrow Connector 71"/>
+          <p:cNvCxnSpPr/>
+          <p:nvPr/>
+        </p:nvCxnSpPr>
+        <p:spPr>
+          <a:xfrm>
+            <a:off x="5416542" y="4680186"/>
+            <a:ext cx="25733" cy="1430033"/>
+          </a:xfrm>
+          <a:prstGeom prst="straightConnector1">
+            <a:avLst/>
+          </a:prstGeom>
+          <a:ln>
+            <a:tailEnd type="triangle"/>
+          </a:ln>
+        </p:spPr>
+        <p:style>
+          <a:lnRef idx="1">
+            <a:schemeClr val="accent1"/>
+          </a:lnRef>
+          <a:fillRef idx="0">
+            <a:schemeClr val="accent1"/>
+          </a:fillRef>
+          <a:effectRef idx="0">
+            <a:schemeClr val="accent1"/>
+          </a:effectRef>
+          <a:fontRef idx="minor">
+            <a:schemeClr val="tx1"/>
+          </a:fontRef>
+        </p:style>
+      </p:cxnSp>
+      <p:sp>
+        <p:nvSpPr>
+          <p:cNvPr id="73" name="TextBox 72"/>
+          <p:cNvSpPr txBox="1"/>
+          <p:nvPr/>
+        </p:nvSpPr>
+        <p:spPr>
+          <a:xfrm>
+            <a:off x="2898431" y="1995626"/>
+            <a:ext cx="886781" cy="307777"/>
+          </a:xfrm>
+          <a:prstGeom prst="rect">
+            <a:avLst/>
+          </a:prstGeom>
+          <a:noFill/>
+        </p:spPr>
+        <p:txBody>
+          <a:bodyPr wrap="none" rtlCol="0">
+            <a:spAutoFit/>
+          </a:bodyPr>
+          <a:lstStyle/>
+          <a:p>
+            <a:r>
+              <a:rPr lang="en-US" sz="1400" dirty="0" smtClean="0"/>
+              <a:t>Domain 0</a:t>
+            </a:r>
+            <a:endParaRPr lang="en-US" sz="1400" dirty="0"/>
+          </a:p>
+        </p:txBody>
+      </p:sp>
+      <p:sp>
+        <p:nvSpPr>
+          <p:cNvPr id="74" name="TextBox 73"/>
+          <p:cNvSpPr txBox="1"/>
+          <p:nvPr/>
+        </p:nvSpPr>
+        <p:spPr>
+          <a:xfrm>
+            <a:off x="660492" y="1995626"/>
+            <a:ext cx="1378519" cy="307777"/>
+          </a:xfrm>
+          <a:prstGeom prst="rect">
+            <a:avLst/>
+          </a:prstGeom>
+          <a:noFill/>
+        </p:spPr>
+        <p:txBody>
+          <a:bodyPr wrap="none" rtlCol="0">
+            <a:spAutoFit/>
+          </a:bodyPr>
+          <a:lstStyle/>
+          <a:p>
+            <a:r>
+              <a:rPr lang="en-US" sz="1400" dirty="0" smtClean="0"/>
+              <a:t>Domain U Guest</a:t>
+            </a:r>
+            <a:endParaRPr lang="en-US" sz="1600" dirty="0"/>
+          </a:p>
+        </p:txBody>
+      </p:sp>
+      <p:cxnSp>
+        <p:nvCxnSpPr>
+          <p:cNvPr id="75" name="Straight Connector 74"/>
+          <p:cNvCxnSpPr/>
+          <p:nvPr/>
+        </p:nvCxnSpPr>
+        <p:spPr>
+          <a:xfrm flipV="1">
+            <a:off x="3487842" y="3809125"/>
+            <a:ext cx="0" cy="268678"/>
+          </a:xfrm>
+          <a:prstGeom prst="line">
+            <a:avLst/>
+          </a:prstGeom>
+        </p:spPr>
+        <p:style>
+          <a:lnRef idx="1">
+            <a:schemeClr val="accent1"/>
+          </a:lnRef>
+          <a:fillRef idx="0">
+            <a:schemeClr val="accent1"/>
+          </a:fillRef>
+          <a:effectRef idx="0">
+            <a:schemeClr val="accent1"/>
+          </a:effectRef>
+          <a:fontRef idx="minor">
+            <a:schemeClr val="tx1"/>
+          </a:fontRef>
+        </p:style>
+      </p:cxnSp>
     </p:spTree>
     <p:extLst>
       <p:ext uri="{BB962C8B-B14F-4D97-AF65-F5344CB8AC3E}">

--- a/doc/presentation/IDDR.pptx
+++ b/doc/presentation/IDDR.pptx
@@ -15013,7 +15013,7 @@
           <a:p>
             <a:r>
               <a:rPr lang="en-US" dirty="0" smtClean="0"/>
-              <a:t>Implementation overview</a:t>
+              <a:t>New IDDR system</a:t>
             </a:r>
             <a:endParaRPr lang="en-US" dirty="0"/>
           </a:p>
@@ -16243,24 +16243,19 @@
           <a:prstGeom prst="rect">
             <a:avLst/>
           </a:prstGeom>
-          <a:solidFill>
-            <a:srgbClr val="CC0000"/>
-          </a:solidFill>
         </p:spPr>
         <p:style>
           <a:lnRef idx="2">
-            <a:schemeClr val="accent4">
-              <a:shade val="50000"/>
-            </a:schemeClr>
+            <a:schemeClr val="dk1"/>
           </a:lnRef>
           <a:fillRef idx="1">
-            <a:schemeClr val="accent4"/>
-          </a:fillRef>
-          <a:effectRef idx="0">
-            <a:schemeClr val="accent4"/>
-          </a:effectRef>
-          <a:fontRef idx="minor">
-            <a:schemeClr val="lt1"/>
+            <a:schemeClr val="lt1"/>
+          </a:fillRef>
+          <a:effectRef idx="0">
+            <a:schemeClr val="dk1"/>
+          </a:effectRef>
+          <a:fontRef idx="minor">
+            <a:schemeClr val="dk1"/>
           </a:fontRef>
         </p:style>
         <p:txBody>
@@ -16745,8 +16740,8 @@
           <a:lstStyle/>
           <a:p>
             <a:r>
-              <a:rPr lang="en-US" dirty="0" smtClean="0"/>
-              <a:t>Implementation</a:t>
+              <a:rPr lang="en-US" dirty="0"/>
+              <a:t>New IDDR system</a:t>
             </a:r>
             <a:endParaRPr lang="en-US" dirty="0"/>
           </a:p>
@@ -17771,36 +17766,6 @@
       </p:sp>
       <p:sp>
         <p:nvSpPr>
-          <p:cNvPr id="12" name="TextBox 11"/>
-          <p:cNvSpPr txBox="1"/>
-          <p:nvPr/>
-        </p:nvSpPr>
-        <p:spPr>
-          <a:xfrm>
-            <a:off x="10733842" y="1712046"/>
-            <a:ext cx="1033809" cy="276999"/>
-          </a:xfrm>
-          <a:prstGeom prst="rect">
-            <a:avLst/>
-          </a:prstGeom>
-          <a:noFill/>
-        </p:spPr>
-        <p:txBody>
-          <a:bodyPr wrap="none" rtlCol="0">
-            <a:spAutoFit/>
-          </a:bodyPr>
-          <a:lstStyle/>
-          <a:p>
-            <a:r>
-              <a:rPr lang="en-US" sz="1200" dirty="0" smtClean="0"/>
-              <a:t>Write request</a:t>
-            </a:r>
-            <a:endParaRPr lang="en-US" sz="1200" dirty="0"/>
-          </a:p>
-        </p:txBody>
-      </p:sp>
-      <p:sp>
-        <p:nvSpPr>
           <p:cNvPr id="17" name="Cloud Callout 16"/>
           <p:cNvSpPr/>
           <p:nvPr/>
@@ -17972,53 +17937,6 @@
           <a:p>
             <a:pPr algn="ctr"/>
             <a:endParaRPr lang="en-US"/>
-          </a:p>
-        </p:txBody>
-      </p:sp>
-      <p:sp>
-        <p:nvSpPr>
-          <p:cNvPr id="50" name="Rectangle 49"/>
-          <p:cNvSpPr/>
-          <p:nvPr/>
-        </p:nvSpPr>
-        <p:spPr>
-          <a:xfrm>
-            <a:off x="11138673" y="2364503"/>
-            <a:ext cx="457132" cy="408378"/>
-          </a:xfrm>
-          <a:prstGeom prst="rect">
-            <a:avLst/>
-          </a:prstGeom>
-          <a:solidFill>
-            <a:srgbClr val="CC0000"/>
-          </a:solidFill>
-        </p:spPr>
-        <p:style>
-          <a:lnRef idx="2">
-            <a:schemeClr val="accent4">
-              <a:shade val="50000"/>
-            </a:schemeClr>
-          </a:lnRef>
-          <a:fillRef idx="1">
-            <a:schemeClr val="accent4"/>
-          </a:fillRef>
-          <a:effectRef idx="0">
-            <a:schemeClr val="accent4"/>
-          </a:effectRef>
-          <a:fontRef idx="minor">
-            <a:schemeClr val="lt1"/>
-          </a:fontRef>
-        </p:style>
-        <p:txBody>
-          <a:bodyPr rtlCol="0" anchor="ctr"/>
-          <a:lstStyle/>
-          <a:p>
-            <a:pPr algn="ctr"/>
-            <a:r>
-              <a:rPr lang="en-US" sz="1200" dirty="0" smtClean="0"/>
-              <a:t>Buffer</a:t>
-            </a:r>
-            <a:endParaRPr lang="en-US" sz="1200" dirty="0"/>
           </a:p>
         </p:txBody>
       </p:sp>
@@ -18346,6 +18264,78 @@
               </a:rPr>
               <a:t>pages</a:t>
             </a:r>
+          </a:p>
+        </p:txBody>
+      </p:sp>
+      <p:sp>
+        <p:nvSpPr>
+          <p:cNvPr id="55" name="Rectangle 54"/>
+          <p:cNvSpPr/>
+          <p:nvPr/>
+        </p:nvSpPr>
+        <p:spPr>
+          <a:xfrm>
+            <a:off x="11138673" y="2364503"/>
+            <a:ext cx="457132" cy="408378"/>
+          </a:xfrm>
+          <a:prstGeom prst="rect">
+            <a:avLst/>
+          </a:prstGeom>
+        </p:spPr>
+        <p:style>
+          <a:lnRef idx="2">
+            <a:schemeClr val="dk1"/>
+          </a:lnRef>
+          <a:fillRef idx="1">
+            <a:schemeClr val="lt1"/>
+          </a:fillRef>
+          <a:effectRef idx="0">
+            <a:schemeClr val="dk1"/>
+          </a:effectRef>
+          <a:fontRef idx="minor">
+            <a:schemeClr val="dk1"/>
+          </a:fontRef>
+        </p:style>
+        <p:txBody>
+          <a:bodyPr rtlCol="0" anchor="ctr"/>
+          <a:lstStyle/>
+          <a:p>
+            <a:pPr algn="ctr"/>
+            <a:r>
+              <a:rPr lang="en-US" sz="1200" dirty="0" smtClean="0"/>
+              <a:t>Buffer</a:t>
+            </a:r>
+            <a:endParaRPr lang="en-US" sz="1200" dirty="0"/>
+          </a:p>
+        </p:txBody>
+      </p:sp>
+      <p:sp>
+        <p:nvSpPr>
+          <p:cNvPr id="56" name="TextBox 55"/>
+          <p:cNvSpPr txBox="1"/>
+          <p:nvPr/>
+        </p:nvSpPr>
+        <p:spPr>
+          <a:xfrm>
+            <a:off x="10733842" y="1712046"/>
+            <a:ext cx="996683" cy="276999"/>
+          </a:xfrm>
+          <a:prstGeom prst="rect">
+            <a:avLst/>
+          </a:prstGeom>
+          <a:noFill/>
+        </p:spPr>
+        <p:txBody>
+          <a:bodyPr wrap="none" rtlCol="0">
+            <a:spAutoFit/>
+          </a:bodyPr>
+          <a:lstStyle/>
+          <a:p>
+            <a:r>
+              <a:rPr lang="en-US" sz="1200" dirty="0" smtClean="0"/>
+              <a:t>Read request</a:t>
+            </a:r>
+            <a:endParaRPr lang="en-US" sz="1200" dirty="0"/>
           </a:p>
         </p:txBody>
       </p:sp>
@@ -18601,8 +18591,8 @@
           <a:lstStyle/>
           <a:p>
             <a:r>
-              <a:rPr lang="en-US" dirty="0" smtClean="0"/>
-              <a:t>Implementation</a:t>
+              <a:rPr lang="en-US" dirty="0"/>
+              <a:t>New IDDR system</a:t>
             </a:r>
             <a:endParaRPr lang="en-US" dirty="0"/>
           </a:p>
@@ -19589,36 +19579,6 @@
       </p:sp>
       <p:sp>
         <p:nvSpPr>
-          <p:cNvPr id="12" name="TextBox 11"/>
-          <p:cNvSpPr txBox="1"/>
-          <p:nvPr/>
-        </p:nvSpPr>
-        <p:spPr>
-          <a:xfrm>
-            <a:off x="10733842" y="1712046"/>
-            <a:ext cx="1033809" cy="276999"/>
-          </a:xfrm>
-          <a:prstGeom prst="rect">
-            <a:avLst/>
-          </a:prstGeom>
-          <a:noFill/>
-        </p:spPr>
-        <p:txBody>
-          <a:bodyPr wrap="none" rtlCol="0">
-            <a:spAutoFit/>
-          </a:bodyPr>
-          <a:lstStyle/>
-          <a:p>
-            <a:r>
-              <a:rPr lang="en-US" sz="1200" dirty="0" smtClean="0"/>
-              <a:t>Write request</a:t>
-            </a:r>
-            <a:endParaRPr lang="en-US" sz="1200" dirty="0"/>
-          </a:p>
-        </p:txBody>
-      </p:sp>
-      <p:sp>
-        <p:nvSpPr>
           <p:cNvPr id="17" name="Cloud Callout 16"/>
           <p:cNvSpPr/>
           <p:nvPr/>
@@ -19793,53 +19753,6 @@
           <a:p>
             <a:pPr algn="ctr"/>
             <a:endParaRPr lang="en-US"/>
-          </a:p>
-        </p:txBody>
-      </p:sp>
-      <p:sp>
-        <p:nvSpPr>
-          <p:cNvPr id="44" name="Rectangle 43"/>
-          <p:cNvSpPr/>
-          <p:nvPr/>
-        </p:nvSpPr>
-        <p:spPr>
-          <a:xfrm>
-            <a:off x="11138673" y="2364503"/>
-            <a:ext cx="457132" cy="408378"/>
-          </a:xfrm>
-          <a:prstGeom prst="rect">
-            <a:avLst/>
-          </a:prstGeom>
-          <a:solidFill>
-            <a:srgbClr val="CC0000"/>
-          </a:solidFill>
-        </p:spPr>
-        <p:style>
-          <a:lnRef idx="2">
-            <a:schemeClr val="accent4">
-              <a:shade val="50000"/>
-            </a:schemeClr>
-          </a:lnRef>
-          <a:fillRef idx="1">
-            <a:schemeClr val="accent4"/>
-          </a:fillRef>
-          <a:effectRef idx="0">
-            <a:schemeClr val="accent4"/>
-          </a:effectRef>
-          <a:fontRef idx="minor">
-            <a:schemeClr val="lt1"/>
-          </a:fontRef>
-        </p:style>
-        <p:txBody>
-          <a:bodyPr rtlCol="0" anchor="ctr"/>
-          <a:lstStyle/>
-          <a:p>
-            <a:pPr algn="ctr"/>
-            <a:r>
-              <a:rPr lang="en-US" sz="1200" dirty="0" smtClean="0"/>
-              <a:t>Buffer</a:t>
-            </a:r>
-            <a:endParaRPr lang="en-US" sz="1200" dirty="0"/>
           </a:p>
         </p:txBody>
       </p:sp>
@@ -20216,6 +20129,78 @@
               </a:rPr>
               <a:t>pages</a:t>
             </a:r>
+          </a:p>
+        </p:txBody>
+      </p:sp>
+      <p:sp>
+        <p:nvSpPr>
+          <p:cNvPr id="57" name="Rectangle 56"/>
+          <p:cNvSpPr/>
+          <p:nvPr/>
+        </p:nvSpPr>
+        <p:spPr>
+          <a:xfrm>
+            <a:off x="11138673" y="2364503"/>
+            <a:ext cx="457132" cy="408378"/>
+          </a:xfrm>
+          <a:prstGeom prst="rect">
+            <a:avLst/>
+          </a:prstGeom>
+        </p:spPr>
+        <p:style>
+          <a:lnRef idx="2">
+            <a:schemeClr val="dk1"/>
+          </a:lnRef>
+          <a:fillRef idx="1">
+            <a:schemeClr val="lt1"/>
+          </a:fillRef>
+          <a:effectRef idx="0">
+            <a:schemeClr val="dk1"/>
+          </a:effectRef>
+          <a:fontRef idx="minor">
+            <a:schemeClr val="dk1"/>
+          </a:fontRef>
+        </p:style>
+        <p:txBody>
+          <a:bodyPr rtlCol="0" anchor="ctr"/>
+          <a:lstStyle/>
+          <a:p>
+            <a:pPr algn="ctr"/>
+            <a:r>
+              <a:rPr lang="en-US" sz="1200" dirty="0" smtClean="0"/>
+              <a:t>Buffer</a:t>
+            </a:r>
+            <a:endParaRPr lang="en-US" sz="1200" dirty="0"/>
+          </a:p>
+        </p:txBody>
+      </p:sp>
+      <p:sp>
+        <p:nvSpPr>
+          <p:cNvPr id="58" name="TextBox 57"/>
+          <p:cNvSpPr txBox="1"/>
+          <p:nvPr/>
+        </p:nvSpPr>
+        <p:spPr>
+          <a:xfrm>
+            <a:off x="10733842" y="1712046"/>
+            <a:ext cx="996683" cy="276999"/>
+          </a:xfrm>
+          <a:prstGeom prst="rect">
+            <a:avLst/>
+          </a:prstGeom>
+          <a:noFill/>
+        </p:spPr>
+        <p:txBody>
+          <a:bodyPr wrap="none" rtlCol="0">
+            <a:spAutoFit/>
+          </a:bodyPr>
+          <a:lstStyle/>
+          <a:p>
+            <a:r>
+              <a:rPr lang="en-US" sz="1200" dirty="0" smtClean="0"/>
+              <a:t>Read request</a:t>
+            </a:r>
+            <a:endParaRPr lang="en-US" sz="1200" dirty="0"/>
           </a:p>
         </p:txBody>
       </p:sp>
@@ -20510,8 +20495,8 @@
           <a:lstStyle/>
           <a:p>
             <a:r>
-              <a:rPr lang="en-US" dirty="0" smtClean="0"/>
-              <a:t>Implementation</a:t>
+              <a:rPr lang="en-US" dirty="0"/>
+              <a:t>New IDDR system</a:t>
             </a:r>
             <a:endParaRPr lang="en-US" dirty="0"/>
           </a:p>
@@ -21536,36 +21521,6 @@
       </p:sp>
       <p:sp>
         <p:nvSpPr>
-          <p:cNvPr id="12" name="TextBox 11"/>
-          <p:cNvSpPr txBox="1"/>
-          <p:nvPr/>
-        </p:nvSpPr>
-        <p:spPr>
-          <a:xfrm>
-            <a:off x="10733842" y="1712046"/>
-            <a:ext cx="1033809" cy="276999"/>
-          </a:xfrm>
-          <a:prstGeom prst="rect">
-            <a:avLst/>
-          </a:prstGeom>
-          <a:noFill/>
-        </p:spPr>
-        <p:txBody>
-          <a:bodyPr wrap="none" rtlCol="0">
-            <a:spAutoFit/>
-          </a:bodyPr>
-          <a:lstStyle/>
-          <a:p>
-            <a:r>
-              <a:rPr lang="en-US" sz="1200" dirty="0" smtClean="0"/>
-              <a:t>Write request</a:t>
-            </a:r>
-            <a:endParaRPr lang="en-US" sz="1200" dirty="0"/>
-          </a:p>
-        </p:txBody>
-      </p:sp>
-      <p:sp>
-        <p:nvSpPr>
           <p:cNvPr id="19" name="TextBox 18"/>
           <p:cNvSpPr txBox="1"/>
           <p:nvPr/>
@@ -21686,53 +21641,6 @@
               <a:t>Is backend thread running ?</a:t>
             </a:r>
             <a:endParaRPr lang="en-US" sz="1100" dirty="0"/>
-          </a:p>
-        </p:txBody>
-      </p:sp>
-      <p:sp>
-        <p:nvSpPr>
-          <p:cNvPr id="49" name="Rectangle 48"/>
-          <p:cNvSpPr/>
-          <p:nvPr/>
-        </p:nvSpPr>
-        <p:spPr>
-          <a:xfrm>
-            <a:off x="11138673" y="2364503"/>
-            <a:ext cx="457132" cy="408378"/>
-          </a:xfrm>
-          <a:prstGeom prst="rect">
-            <a:avLst/>
-          </a:prstGeom>
-          <a:solidFill>
-            <a:srgbClr val="CC0000"/>
-          </a:solidFill>
-        </p:spPr>
-        <p:style>
-          <a:lnRef idx="2">
-            <a:schemeClr val="accent4">
-              <a:shade val="50000"/>
-            </a:schemeClr>
-          </a:lnRef>
-          <a:fillRef idx="1">
-            <a:schemeClr val="accent4"/>
-          </a:fillRef>
-          <a:effectRef idx="0">
-            <a:schemeClr val="accent4"/>
-          </a:effectRef>
-          <a:fontRef idx="minor">
-            <a:schemeClr val="lt1"/>
-          </a:fontRef>
-        </p:style>
-        <p:txBody>
-          <a:bodyPr rtlCol="0" anchor="ctr"/>
-          <a:lstStyle/>
-          <a:p>
-            <a:pPr algn="ctr"/>
-            <a:r>
-              <a:rPr lang="en-US" sz="1200" dirty="0" smtClean="0"/>
-              <a:t>Buffer</a:t>
-            </a:r>
-            <a:endParaRPr lang="en-US" sz="1200" dirty="0"/>
           </a:p>
         </p:txBody>
       </p:sp>
@@ -22116,6 +22024,78 @@
               </a:rPr>
               <a:t>pages</a:t>
             </a:r>
+          </a:p>
+        </p:txBody>
+      </p:sp>
+      <p:sp>
+        <p:nvSpPr>
+          <p:cNvPr id="57" name="Rectangle 56"/>
+          <p:cNvSpPr/>
+          <p:nvPr/>
+        </p:nvSpPr>
+        <p:spPr>
+          <a:xfrm>
+            <a:off x="11138673" y="2364503"/>
+            <a:ext cx="457132" cy="408378"/>
+          </a:xfrm>
+          <a:prstGeom prst="rect">
+            <a:avLst/>
+          </a:prstGeom>
+        </p:spPr>
+        <p:style>
+          <a:lnRef idx="2">
+            <a:schemeClr val="dk1"/>
+          </a:lnRef>
+          <a:fillRef idx="1">
+            <a:schemeClr val="lt1"/>
+          </a:fillRef>
+          <a:effectRef idx="0">
+            <a:schemeClr val="dk1"/>
+          </a:effectRef>
+          <a:fontRef idx="minor">
+            <a:schemeClr val="dk1"/>
+          </a:fontRef>
+        </p:style>
+        <p:txBody>
+          <a:bodyPr rtlCol="0" anchor="ctr"/>
+          <a:lstStyle/>
+          <a:p>
+            <a:pPr algn="ctr"/>
+            <a:r>
+              <a:rPr lang="en-US" sz="1200" dirty="0" smtClean="0"/>
+              <a:t>Buffer</a:t>
+            </a:r>
+            <a:endParaRPr lang="en-US" sz="1200" dirty="0"/>
+          </a:p>
+        </p:txBody>
+      </p:sp>
+      <p:sp>
+        <p:nvSpPr>
+          <p:cNvPr id="58" name="TextBox 57"/>
+          <p:cNvSpPr txBox="1"/>
+          <p:nvPr/>
+        </p:nvSpPr>
+        <p:spPr>
+          <a:xfrm>
+            <a:off x="10733842" y="1712046"/>
+            <a:ext cx="996683" cy="276999"/>
+          </a:xfrm>
+          <a:prstGeom prst="rect">
+            <a:avLst/>
+          </a:prstGeom>
+          <a:noFill/>
+        </p:spPr>
+        <p:txBody>
+          <a:bodyPr wrap="none" rtlCol="0">
+            <a:spAutoFit/>
+          </a:bodyPr>
+          <a:lstStyle/>
+          <a:p>
+            <a:r>
+              <a:rPr lang="en-US" sz="1200" dirty="0" smtClean="0"/>
+              <a:t>Read request</a:t>
+            </a:r>
+            <a:endParaRPr lang="en-US" sz="1200" dirty="0"/>
           </a:p>
         </p:txBody>
       </p:sp>
@@ -22254,8 +22234,8 @@
           <a:lstStyle/>
           <a:p>
             <a:r>
-              <a:rPr lang="en-US" dirty="0" smtClean="0"/>
-              <a:t>Implementation</a:t>
+              <a:rPr lang="en-US" dirty="0"/>
+              <a:t>New IDDR system</a:t>
             </a:r>
             <a:endParaRPr lang="en-US" dirty="0"/>
           </a:p>
@@ -23280,36 +23260,6 @@
       </p:sp>
       <p:sp>
         <p:nvSpPr>
-          <p:cNvPr id="12" name="TextBox 11"/>
-          <p:cNvSpPr txBox="1"/>
-          <p:nvPr/>
-        </p:nvSpPr>
-        <p:spPr>
-          <a:xfrm>
-            <a:off x="10733842" y="1712046"/>
-            <a:ext cx="1033809" cy="276999"/>
-          </a:xfrm>
-          <a:prstGeom prst="rect">
-            <a:avLst/>
-          </a:prstGeom>
-          <a:noFill/>
-        </p:spPr>
-        <p:txBody>
-          <a:bodyPr wrap="none" rtlCol="0">
-            <a:spAutoFit/>
-          </a:bodyPr>
-          <a:lstStyle/>
-          <a:p>
-            <a:r>
-              <a:rPr lang="en-US" sz="1200" dirty="0" smtClean="0"/>
-              <a:t>Write request</a:t>
-            </a:r>
-            <a:endParaRPr lang="en-US" sz="1200" dirty="0"/>
-          </a:p>
-        </p:txBody>
-      </p:sp>
-      <p:sp>
-        <p:nvSpPr>
           <p:cNvPr id="19" name="TextBox 18"/>
           <p:cNvSpPr txBox="1"/>
           <p:nvPr/>
@@ -23486,53 +23436,6 @@
               <a:t>NO</a:t>
             </a:r>
             <a:endParaRPr lang="en-US" sz="1100" b="1" dirty="0"/>
-          </a:p>
-        </p:txBody>
-      </p:sp>
-      <p:sp>
-        <p:nvSpPr>
-          <p:cNvPr id="49" name="Rectangle 48"/>
-          <p:cNvSpPr/>
-          <p:nvPr/>
-        </p:nvSpPr>
-        <p:spPr>
-          <a:xfrm>
-            <a:off x="11138673" y="2364503"/>
-            <a:ext cx="457132" cy="408378"/>
-          </a:xfrm>
-          <a:prstGeom prst="rect">
-            <a:avLst/>
-          </a:prstGeom>
-          <a:solidFill>
-            <a:srgbClr val="CC0000"/>
-          </a:solidFill>
-        </p:spPr>
-        <p:style>
-          <a:lnRef idx="2">
-            <a:schemeClr val="accent4">
-              <a:shade val="50000"/>
-            </a:schemeClr>
-          </a:lnRef>
-          <a:fillRef idx="1">
-            <a:schemeClr val="accent4"/>
-          </a:fillRef>
-          <a:effectRef idx="0">
-            <a:schemeClr val="accent4"/>
-          </a:effectRef>
-          <a:fontRef idx="minor">
-            <a:schemeClr val="lt1"/>
-          </a:fontRef>
-        </p:style>
-        <p:txBody>
-          <a:bodyPr rtlCol="0" anchor="ctr"/>
-          <a:lstStyle/>
-          <a:p>
-            <a:pPr algn="ctr"/>
-            <a:r>
-              <a:rPr lang="en-US" sz="1200" dirty="0" smtClean="0"/>
-              <a:t>Buffer</a:t>
-            </a:r>
-            <a:endParaRPr lang="en-US" sz="1200" dirty="0"/>
           </a:p>
         </p:txBody>
       </p:sp>
@@ -23860,6 +23763,78 @@
               </a:rPr>
               <a:t>pages</a:t>
             </a:r>
+          </a:p>
+        </p:txBody>
+      </p:sp>
+      <p:sp>
+        <p:nvSpPr>
+          <p:cNvPr id="56" name="Rectangle 55"/>
+          <p:cNvSpPr/>
+          <p:nvPr/>
+        </p:nvSpPr>
+        <p:spPr>
+          <a:xfrm>
+            <a:off x="11138673" y="2364503"/>
+            <a:ext cx="457132" cy="408378"/>
+          </a:xfrm>
+          <a:prstGeom prst="rect">
+            <a:avLst/>
+          </a:prstGeom>
+        </p:spPr>
+        <p:style>
+          <a:lnRef idx="2">
+            <a:schemeClr val="dk1"/>
+          </a:lnRef>
+          <a:fillRef idx="1">
+            <a:schemeClr val="lt1"/>
+          </a:fillRef>
+          <a:effectRef idx="0">
+            <a:schemeClr val="dk1"/>
+          </a:effectRef>
+          <a:fontRef idx="minor">
+            <a:schemeClr val="dk1"/>
+          </a:fontRef>
+        </p:style>
+        <p:txBody>
+          <a:bodyPr rtlCol="0" anchor="ctr"/>
+          <a:lstStyle/>
+          <a:p>
+            <a:pPr algn="ctr"/>
+            <a:r>
+              <a:rPr lang="en-US" sz="1200" dirty="0" smtClean="0"/>
+              <a:t>Buffer</a:t>
+            </a:r>
+            <a:endParaRPr lang="en-US" sz="1200" dirty="0"/>
+          </a:p>
+        </p:txBody>
+      </p:sp>
+      <p:sp>
+        <p:nvSpPr>
+          <p:cNvPr id="57" name="TextBox 56"/>
+          <p:cNvSpPr txBox="1"/>
+          <p:nvPr/>
+        </p:nvSpPr>
+        <p:spPr>
+          <a:xfrm>
+            <a:off x="10733842" y="1712046"/>
+            <a:ext cx="996683" cy="276999"/>
+          </a:xfrm>
+          <a:prstGeom prst="rect">
+            <a:avLst/>
+          </a:prstGeom>
+          <a:noFill/>
+        </p:spPr>
+        <p:txBody>
+          <a:bodyPr wrap="none" rtlCol="0">
+            <a:spAutoFit/>
+          </a:bodyPr>
+          <a:lstStyle/>
+          <a:p>
+            <a:r>
+              <a:rPr lang="en-US" sz="1200" dirty="0" smtClean="0"/>
+              <a:t>Read request</a:t>
+            </a:r>
+            <a:endParaRPr lang="en-US" sz="1200" dirty="0"/>
           </a:p>
         </p:txBody>
       </p:sp>
@@ -24038,8 +24013,8 @@
           <a:lstStyle/>
           <a:p>
             <a:r>
-              <a:rPr lang="en-US" dirty="0" smtClean="0"/>
-              <a:t>Implementation</a:t>
+              <a:rPr lang="en-US" dirty="0"/>
+              <a:t>New IDDR system</a:t>
             </a:r>
             <a:endParaRPr lang="en-US" dirty="0"/>
           </a:p>
@@ -25064,36 +25039,6 @@
       </p:sp>
       <p:sp>
         <p:nvSpPr>
-          <p:cNvPr id="12" name="TextBox 11"/>
-          <p:cNvSpPr txBox="1"/>
-          <p:nvPr/>
-        </p:nvSpPr>
-        <p:spPr>
-          <a:xfrm>
-            <a:off x="10733842" y="1712046"/>
-            <a:ext cx="1033809" cy="276999"/>
-          </a:xfrm>
-          <a:prstGeom prst="rect">
-            <a:avLst/>
-          </a:prstGeom>
-          <a:noFill/>
-        </p:spPr>
-        <p:txBody>
-          <a:bodyPr wrap="none" rtlCol="0">
-            <a:spAutoFit/>
-          </a:bodyPr>
-          <a:lstStyle/>
-          <a:p>
-            <a:r>
-              <a:rPr lang="en-US" sz="1200" dirty="0" smtClean="0"/>
-              <a:t>Write request</a:t>
-            </a:r>
-            <a:endParaRPr lang="en-US" sz="1200" dirty="0"/>
-          </a:p>
-        </p:txBody>
-      </p:sp>
-      <p:sp>
-        <p:nvSpPr>
           <p:cNvPr id="19" name="TextBox 18"/>
           <p:cNvSpPr txBox="1"/>
           <p:nvPr/>
@@ -25214,53 +25159,6 @@
               <a:t>Yes: Copy/get request.</a:t>
             </a:r>
             <a:endParaRPr lang="en-US" sz="1100" b="1" dirty="0"/>
-          </a:p>
-        </p:txBody>
-      </p:sp>
-      <p:sp>
-        <p:nvSpPr>
-          <p:cNvPr id="49" name="Rectangle 48"/>
-          <p:cNvSpPr/>
-          <p:nvPr/>
-        </p:nvSpPr>
-        <p:spPr>
-          <a:xfrm>
-            <a:off x="11138673" y="2364503"/>
-            <a:ext cx="457132" cy="408378"/>
-          </a:xfrm>
-          <a:prstGeom prst="rect">
-            <a:avLst/>
-          </a:prstGeom>
-          <a:solidFill>
-            <a:srgbClr val="CC0000"/>
-          </a:solidFill>
-        </p:spPr>
-        <p:style>
-          <a:lnRef idx="2">
-            <a:schemeClr val="accent4">
-              <a:shade val="50000"/>
-            </a:schemeClr>
-          </a:lnRef>
-          <a:fillRef idx="1">
-            <a:schemeClr val="accent4"/>
-          </a:fillRef>
-          <a:effectRef idx="0">
-            <a:schemeClr val="accent4"/>
-          </a:effectRef>
-          <a:fontRef idx="minor">
-            <a:schemeClr val="lt1"/>
-          </a:fontRef>
-        </p:style>
-        <p:txBody>
-          <a:bodyPr rtlCol="0" anchor="ctr"/>
-          <a:lstStyle/>
-          <a:p>
-            <a:pPr algn="ctr"/>
-            <a:r>
-              <a:rPr lang="en-US" sz="1200" dirty="0" smtClean="0"/>
-              <a:t>Buffer</a:t>
-            </a:r>
-            <a:endParaRPr lang="en-US" sz="1200" dirty="0"/>
           </a:p>
         </p:txBody>
       </p:sp>
@@ -25588,6 +25486,78 @@
               </a:rPr>
               <a:t>pages</a:t>
             </a:r>
+          </a:p>
+        </p:txBody>
+      </p:sp>
+      <p:sp>
+        <p:nvSpPr>
+          <p:cNvPr id="55" name="Rectangle 54"/>
+          <p:cNvSpPr/>
+          <p:nvPr/>
+        </p:nvSpPr>
+        <p:spPr>
+          <a:xfrm>
+            <a:off x="11138673" y="2364503"/>
+            <a:ext cx="457132" cy="408378"/>
+          </a:xfrm>
+          <a:prstGeom prst="rect">
+            <a:avLst/>
+          </a:prstGeom>
+        </p:spPr>
+        <p:style>
+          <a:lnRef idx="2">
+            <a:schemeClr val="dk1"/>
+          </a:lnRef>
+          <a:fillRef idx="1">
+            <a:schemeClr val="lt1"/>
+          </a:fillRef>
+          <a:effectRef idx="0">
+            <a:schemeClr val="dk1"/>
+          </a:effectRef>
+          <a:fontRef idx="minor">
+            <a:schemeClr val="dk1"/>
+          </a:fontRef>
+        </p:style>
+        <p:txBody>
+          <a:bodyPr rtlCol="0" anchor="ctr"/>
+          <a:lstStyle/>
+          <a:p>
+            <a:pPr algn="ctr"/>
+            <a:r>
+              <a:rPr lang="en-US" sz="1200" dirty="0" smtClean="0"/>
+              <a:t>Buffer</a:t>
+            </a:r>
+            <a:endParaRPr lang="en-US" sz="1200" dirty="0"/>
+          </a:p>
+        </p:txBody>
+      </p:sp>
+      <p:sp>
+        <p:nvSpPr>
+          <p:cNvPr id="56" name="TextBox 55"/>
+          <p:cNvSpPr txBox="1"/>
+          <p:nvPr/>
+        </p:nvSpPr>
+        <p:spPr>
+          <a:xfrm>
+            <a:off x="10733842" y="1712046"/>
+            <a:ext cx="996683" cy="276999"/>
+          </a:xfrm>
+          <a:prstGeom prst="rect">
+            <a:avLst/>
+          </a:prstGeom>
+          <a:noFill/>
+        </p:spPr>
+        <p:txBody>
+          <a:bodyPr wrap="none" rtlCol="0">
+            <a:spAutoFit/>
+          </a:bodyPr>
+          <a:lstStyle/>
+          <a:p>
+            <a:r>
+              <a:rPr lang="en-US" sz="1200" dirty="0" smtClean="0"/>
+              <a:t>Read request</a:t>
+            </a:r>
+            <a:endParaRPr lang="en-US" sz="1200" dirty="0"/>
           </a:p>
         </p:txBody>
       </p:sp>
@@ -25764,8 +25734,8 @@
           <a:lstStyle/>
           <a:p>
             <a:r>
-              <a:rPr lang="en-US" dirty="0" smtClean="0"/>
-              <a:t>Implementation</a:t>
+              <a:rPr lang="en-US" dirty="0"/>
+              <a:t>New IDDR system</a:t>
             </a:r>
             <a:endParaRPr lang="en-US" dirty="0"/>
           </a:p>
@@ -26790,36 +26760,6 @@
       </p:sp>
       <p:sp>
         <p:nvSpPr>
-          <p:cNvPr id="12" name="TextBox 11"/>
-          <p:cNvSpPr txBox="1"/>
-          <p:nvPr/>
-        </p:nvSpPr>
-        <p:spPr>
-          <a:xfrm>
-            <a:off x="10733842" y="1712046"/>
-            <a:ext cx="1033809" cy="276999"/>
-          </a:xfrm>
-          <a:prstGeom prst="rect">
-            <a:avLst/>
-          </a:prstGeom>
-          <a:noFill/>
-        </p:spPr>
-        <p:txBody>
-          <a:bodyPr wrap="none" rtlCol="0">
-            <a:spAutoFit/>
-          </a:bodyPr>
-          <a:lstStyle/>
-          <a:p>
-            <a:r>
-              <a:rPr lang="en-US" sz="1200" dirty="0" smtClean="0"/>
-              <a:t>Write request</a:t>
-            </a:r>
-            <a:endParaRPr lang="en-US" sz="1200" dirty="0"/>
-          </a:p>
-        </p:txBody>
-      </p:sp>
-      <p:sp>
-        <p:nvSpPr>
           <p:cNvPr id="19" name="TextBox 18"/>
           <p:cNvSpPr txBox="1"/>
           <p:nvPr/>
@@ -26895,53 +26835,6 @@
                 <a:srgbClr val="FF0000"/>
               </a:solidFill>
             </a:endParaRPr>
-          </a:p>
-        </p:txBody>
-      </p:sp>
-      <p:sp>
-        <p:nvSpPr>
-          <p:cNvPr id="49" name="Rectangle 48"/>
-          <p:cNvSpPr/>
-          <p:nvPr/>
-        </p:nvSpPr>
-        <p:spPr>
-          <a:xfrm>
-            <a:off x="11138673" y="2364503"/>
-            <a:ext cx="457132" cy="408378"/>
-          </a:xfrm>
-          <a:prstGeom prst="rect">
-            <a:avLst/>
-          </a:prstGeom>
-          <a:solidFill>
-            <a:srgbClr val="CC0000"/>
-          </a:solidFill>
-        </p:spPr>
-        <p:style>
-          <a:lnRef idx="2">
-            <a:schemeClr val="accent4">
-              <a:shade val="50000"/>
-            </a:schemeClr>
-          </a:lnRef>
-          <a:fillRef idx="1">
-            <a:schemeClr val="accent4"/>
-          </a:fillRef>
-          <a:effectRef idx="0">
-            <a:schemeClr val="accent4"/>
-          </a:effectRef>
-          <a:fontRef idx="minor">
-            <a:schemeClr val="lt1"/>
-          </a:fontRef>
-        </p:style>
-        <p:txBody>
-          <a:bodyPr rtlCol="0" anchor="ctr"/>
-          <a:lstStyle/>
-          <a:p>
-            <a:pPr algn="ctr"/>
-            <a:r>
-              <a:rPr lang="en-US" sz="1200" dirty="0" smtClean="0"/>
-              <a:t>Buffer</a:t>
-            </a:r>
-            <a:endParaRPr lang="en-US" sz="1200" dirty="0"/>
           </a:p>
         </p:txBody>
       </p:sp>
@@ -27269,6 +27162,78 @@
               </a:rPr>
               <a:t>pages</a:t>
             </a:r>
+          </a:p>
+        </p:txBody>
+      </p:sp>
+      <p:sp>
+        <p:nvSpPr>
+          <p:cNvPr id="54" name="Rectangle 53"/>
+          <p:cNvSpPr/>
+          <p:nvPr/>
+        </p:nvSpPr>
+        <p:spPr>
+          <a:xfrm>
+            <a:off x="11138673" y="2364503"/>
+            <a:ext cx="457132" cy="408378"/>
+          </a:xfrm>
+          <a:prstGeom prst="rect">
+            <a:avLst/>
+          </a:prstGeom>
+        </p:spPr>
+        <p:style>
+          <a:lnRef idx="2">
+            <a:schemeClr val="dk1"/>
+          </a:lnRef>
+          <a:fillRef idx="1">
+            <a:schemeClr val="lt1"/>
+          </a:fillRef>
+          <a:effectRef idx="0">
+            <a:schemeClr val="dk1"/>
+          </a:effectRef>
+          <a:fontRef idx="minor">
+            <a:schemeClr val="dk1"/>
+          </a:fontRef>
+        </p:style>
+        <p:txBody>
+          <a:bodyPr rtlCol="0" anchor="ctr"/>
+          <a:lstStyle/>
+          <a:p>
+            <a:pPr algn="ctr"/>
+            <a:r>
+              <a:rPr lang="en-US" sz="1200" dirty="0" smtClean="0"/>
+              <a:t>Buffer</a:t>
+            </a:r>
+            <a:endParaRPr lang="en-US" sz="1200" dirty="0"/>
+          </a:p>
+        </p:txBody>
+      </p:sp>
+      <p:sp>
+        <p:nvSpPr>
+          <p:cNvPr id="55" name="TextBox 54"/>
+          <p:cNvSpPr txBox="1"/>
+          <p:nvPr/>
+        </p:nvSpPr>
+        <p:spPr>
+          <a:xfrm>
+            <a:off x="10733842" y="1712046"/>
+            <a:ext cx="996683" cy="276999"/>
+          </a:xfrm>
+          <a:prstGeom prst="rect">
+            <a:avLst/>
+          </a:prstGeom>
+          <a:noFill/>
+        </p:spPr>
+        <p:txBody>
+          <a:bodyPr wrap="none" rtlCol="0">
+            <a:spAutoFit/>
+          </a:bodyPr>
+          <a:lstStyle/>
+          <a:p>
+            <a:r>
+              <a:rPr lang="en-US" sz="1200" dirty="0" smtClean="0"/>
+              <a:t>Read request</a:t>
+            </a:r>
+            <a:endParaRPr lang="en-US" sz="1200" dirty="0"/>
           </a:p>
         </p:txBody>
       </p:sp>
@@ -27434,8 +27399,8 @@
           <a:lstStyle/>
           <a:p>
             <a:r>
-              <a:rPr lang="en-US" dirty="0" smtClean="0"/>
-              <a:t>Implementation</a:t>
+              <a:rPr lang="en-US" dirty="0"/>
+              <a:t>New IDDR system</a:t>
             </a:r>
             <a:endParaRPr lang="en-US" dirty="0"/>
           </a:p>
@@ -28460,36 +28425,6 @@
       </p:sp>
       <p:sp>
         <p:nvSpPr>
-          <p:cNvPr id="12" name="TextBox 11"/>
-          <p:cNvSpPr txBox="1"/>
-          <p:nvPr/>
-        </p:nvSpPr>
-        <p:spPr>
-          <a:xfrm>
-            <a:off x="10733842" y="1712046"/>
-            <a:ext cx="1033809" cy="276999"/>
-          </a:xfrm>
-          <a:prstGeom prst="rect">
-            <a:avLst/>
-          </a:prstGeom>
-          <a:noFill/>
-        </p:spPr>
-        <p:txBody>
-          <a:bodyPr wrap="none" rtlCol="0">
-            <a:spAutoFit/>
-          </a:bodyPr>
-          <a:lstStyle/>
-          <a:p>
-            <a:r>
-              <a:rPr lang="en-US" sz="1200" dirty="0" smtClean="0"/>
-              <a:t>Write request</a:t>
-            </a:r>
-            <a:endParaRPr lang="en-US" sz="1200" dirty="0"/>
-          </a:p>
-        </p:txBody>
-      </p:sp>
-      <p:sp>
-        <p:nvSpPr>
           <p:cNvPr id="19" name="TextBox 18"/>
           <p:cNvSpPr txBox="1"/>
           <p:nvPr/>
@@ -28610,53 +28545,6 @@
               <a:t>Is frontend thread running ?</a:t>
             </a:r>
             <a:endParaRPr lang="en-US" sz="1100" dirty="0"/>
-          </a:p>
-        </p:txBody>
-      </p:sp>
-      <p:sp>
-        <p:nvSpPr>
-          <p:cNvPr id="49" name="Rectangle 48"/>
-          <p:cNvSpPr/>
-          <p:nvPr/>
-        </p:nvSpPr>
-        <p:spPr>
-          <a:xfrm>
-            <a:off x="11138673" y="2364503"/>
-            <a:ext cx="457132" cy="408378"/>
-          </a:xfrm>
-          <a:prstGeom prst="rect">
-            <a:avLst/>
-          </a:prstGeom>
-          <a:solidFill>
-            <a:srgbClr val="CC0000"/>
-          </a:solidFill>
-        </p:spPr>
-        <p:style>
-          <a:lnRef idx="2">
-            <a:schemeClr val="accent4">
-              <a:shade val="50000"/>
-            </a:schemeClr>
-          </a:lnRef>
-          <a:fillRef idx="1">
-            <a:schemeClr val="accent4"/>
-          </a:fillRef>
-          <a:effectRef idx="0">
-            <a:schemeClr val="accent4"/>
-          </a:effectRef>
-          <a:fontRef idx="minor">
-            <a:schemeClr val="lt1"/>
-          </a:fontRef>
-        </p:style>
-        <p:txBody>
-          <a:bodyPr rtlCol="0" anchor="ctr"/>
-          <a:lstStyle/>
-          <a:p>
-            <a:pPr algn="ctr"/>
-            <a:r>
-              <a:rPr lang="en-US" sz="1200" dirty="0" smtClean="0"/>
-              <a:t>Buffer</a:t>
-            </a:r>
-            <a:endParaRPr lang="en-US" sz="1200" dirty="0"/>
           </a:p>
         </p:txBody>
       </p:sp>
@@ -28984,6 +28872,48 @@
               </a:rPr>
               <a:t>pages</a:t>
             </a:r>
+          </a:p>
+        </p:txBody>
+      </p:sp>
+      <p:sp>
+        <p:nvSpPr>
+          <p:cNvPr id="55" name="Rectangle 54"/>
+          <p:cNvSpPr/>
+          <p:nvPr/>
+        </p:nvSpPr>
+        <p:spPr>
+          <a:xfrm>
+            <a:off x="11138673" y="2364503"/>
+            <a:ext cx="457132" cy="408378"/>
+          </a:xfrm>
+          <a:prstGeom prst="rect">
+            <a:avLst/>
+          </a:prstGeom>
+        </p:spPr>
+        <p:style>
+          <a:lnRef idx="2">
+            <a:schemeClr val="dk1"/>
+          </a:lnRef>
+          <a:fillRef idx="1">
+            <a:schemeClr val="lt1"/>
+          </a:fillRef>
+          <a:effectRef idx="0">
+            <a:schemeClr val="dk1"/>
+          </a:effectRef>
+          <a:fontRef idx="minor">
+            <a:schemeClr val="dk1"/>
+          </a:fontRef>
+        </p:style>
+        <p:txBody>
+          <a:bodyPr rtlCol="0" anchor="ctr"/>
+          <a:lstStyle/>
+          <a:p>
+            <a:pPr algn="ctr"/>
+            <a:r>
+              <a:rPr lang="en-US" sz="1200" dirty="0" smtClean="0"/>
+              <a:t>Buffer</a:t>
+            </a:r>
+            <a:endParaRPr lang="en-US" sz="1200" dirty="0"/>
           </a:p>
         </p:txBody>
       </p:sp>
@@ -29225,8 +29155,8 @@
           <a:lstStyle/>
           <a:p>
             <a:r>
-              <a:rPr lang="en-US" dirty="0" smtClean="0"/>
-              <a:t>Implementation</a:t>
+              <a:rPr lang="en-US" dirty="0"/>
+              <a:t>New IDDR system</a:t>
             </a:r>
             <a:endParaRPr lang="en-US" dirty="0"/>
           </a:p>
@@ -30213,36 +30143,6 @@
       </p:sp>
       <p:sp>
         <p:nvSpPr>
-          <p:cNvPr id="12" name="TextBox 11"/>
-          <p:cNvSpPr txBox="1"/>
-          <p:nvPr/>
-        </p:nvSpPr>
-        <p:spPr>
-          <a:xfrm>
-            <a:off x="10733842" y="1712046"/>
-            <a:ext cx="1033809" cy="276999"/>
-          </a:xfrm>
-          <a:prstGeom prst="rect">
-            <a:avLst/>
-          </a:prstGeom>
-          <a:noFill/>
-        </p:spPr>
-        <p:txBody>
-          <a:bodyPr wrap="none" rtlCol="0">
-            <a:spAutoFit/>
-          </a:bodyPr>
-          <a:lstStyle/>
-          <a:p>
-            <a:r>
-              <a:rPr lang="en-US" sz="1200" dirty="0" smtClean="0"/>
-              <a:t>Write request</a:t>
-            </a:r>
-            <a:endParaRPr lang="en-US" sz="1200" dirty="0"/>
-          </a:p>
-        </p:txBody>
-      </p:sp>
-      <p:sp>
-        <p:nvSpPr>
           <p:cNvPr id="19" name="TextBox 18"/>
           <p:cNvSpPr txBox="1"/>
           <p:nvPr/>
@@ -30406,53 +30306,6 @@
           <a:p>
             <a:pPr algn="ctr"/>
             <a:endParaRPr lang="en-US"/>
-          </a:p>
-        </p:txBody>
-      </p:sp>
-      <p:sp>
-        <p:nvSpPr>
-          <p:cNvPr id="51" name="Rectangle 50"/>
-          <p:cNvSpPr/>
-          <p:nvPr/>
-        </p:nvSpPr>
-        <p:spPr>
-          <a:xfrm>
-            <a:off x="11138673" y="2364503"/>
-            <a:ext cx="457132" cy="408378"/>
-          </a:xfrm>
-          <a:prstGeom prst="rect">
-            <a:avLst/>
-          </a:prstGeom>
-          <a:solidFill>
-            <a:srgbClr val="CC0000"/>
-          </a:solidFill>
-        </p:spPr>
-        <p:style>
-          <a:lnRef idx="2">
-            <a:schemeClr val="accent4">
-              <a:shade val="50000"/>
-            </a:schemeClr>
-          </a:lnRef>
-          <a:fillRef idx="1">
-            <a:schemeClr val="accent4"/>
-          </a:fillRef>
-          <a:effectRef idx="0">
-            <a:schemeClr val="accent4"/>
-          </a:effectRef>
-          <a:fontRef idx="minor">
-            <a:schemeClr val="lt1"/>
-          </a:fontRef>
-        </p:style>
-        <p:txBody>
-          <a:bodyPr rtlCol="0" anchor="ctr"/>
-          <a:lstStyle/>
-          <a:p>
-            <a:pPr algn="ctr"/>
-            <a:r>
-              <a:rPr lang="en-US" sz="1200" dirty="0" smtClean="0"/>
-              <a:t>Buffer</a:t>
-            </a:r>
-            <a:endParaRPr lang="en-US" sz="1200" dirty="0"/>
           </a:p>
         </p:txBody>
       </p:sp>
@@ -30829,6 +30682,78 @@
               </a:rPr>
               <a:t>pages</a:t>
             </a:r>
+          </a:p>
+        </p:txBody>
+      </p:sp>
+      <p:sp>
+        <p:nvSpPr>
+          <p:cNvPr id="60" name="Rectangle 59"/>
+          <p:cNvSpPr/>
+          <p:nvPr/>
+        </p:nvSpPr>
+        <p:spPr>
+          <a:xfrm>
+            <a:off x="11138673" y="2364503"/>
+            <a:ext cx="457132" cy="408378"/>
+          </a:xfrm>
+          <a:prstGeom prst="rect">
+            <a:avLst/>
+          </a:prstGeom>
+        </p:spPr>
+        <p:style>
+          <a:lnRef idx="2">
+            <a:schemeClr val="dk1"/>
+          </a:lnRef>
+          <a:fillRef idx="1">
+            <a:schemeClr val="lt1"/>
+          </a:fillRef>
+          <a:effectRef idx="0">
+            <a:schemeClr val="dk1"/>
+          </a:effectRef>
+          <a:fontRef idx="minor">
+            <a:schemeClr val="dk1"/>
+          </a:fontRef>
+        </p:style>
+        <p:txBody>
+          <a:bodyPr rtlCol="0" anchor="ctr"/>
+          <a:lstStyle/>
+          <a:p>
+            <a:pPr algn="ctr"/>
+            <a:r>
+              <a:rPr lang="en-US" sz="1200" dirty="0" smtClean="0"/>
+              <a:t>Buffer</a:t>
+            </a:r>
+            <a:endParaRPr lang="en-US" sz="1200" dirty="0"/>
+          </a:p>
+        </p:txBody>
+      </p:sp>
+      <p:sp>
+        <p:nvSpPr>
+          <p:cNvPr id="61" name="TextBox 60"/>
+          <p:cNvSpPr txBox="1"/>
+          <p:nvPr/>
+        </p:nvSpPr>
+        <p:spPr>
+          <a:xfrm>
+            <a:off x="10733842" y="1712046"/>
+            <a:ext cx="996683" cy="276999"/>
+          </a:xfrm>
+          <a:prstGeom prst="rect">
+            <a:avLst/>
+          </a:prstGeom>
+          <a:noFill/>
+        </p:spPr>
+        <p:txBody>
+          <a:bodyPr wrap="none" rtlCol="0">
+            <a:spAutoFit/>
+          </a:bodyPr>
+          <a:lstStyle/>
+          <a:p>
+            <a:r>
+              <a:rPr lang="en-US" sz="1200" dirty="0" smtClean="0"/>
+              <a:t>Read request</a:t>
+            </a:r>
+            <a:endParaRPr lang="en-US" sz="1200" dirty="0"/>
           </a:p>
         </p:txBody>
       </p:sp>
@@ -31797,8 +31722,8 @@
           <a:lstStyle/>
           <a:p>
             <a:r>
-              <a:rPr lang="en-US" dirty="0" smtClean="0"/>
-              <a:t>Implementation</a:t>
+              <a:rPr lang="en-US" dirty="0"/>
+              <a:t>New IDDR system</a:t>
             </a:r>
             <a:endParaRPr lang="en-US" dirty="0"/>
           </a:p>
@@ -32823,36 +32748,6 @@
       </p:sp>
       <p:sp>
         <p:nvSpPr>
-          <p:cNvPr id="12" name="TextBox 11"/>
-          <p:cNvSpPr txBox="1"/>
-          <p:nvPr/>
-        </p:nvSpPr>
-        <p:spPr>
-          <a:xfrm>
-            <a:off x="10733842" y="1712046"/>
-            <a:ext cx="1033809" cy="276999"/>
-          </a:xfrm>
-          <a:prstGeom prst="rect">
-            <a:avLst/>
-          </a:prstGeom>
-          <a:noFill/>
-        </p:spPr>
-        <p:txBody>
-          <a:bodyPr wrap="none" rtlCol="0">
-            <a:spAutoFit/>
-          </a:bodyPr>
-          <a:lstStyle/>
-          <a:p>
-            <a:r>
-              <a:rPr lang="en-US" sz="1200" dirty="0" smtClean="0"/>
-              <a:t>Write request</a:t>
-            </a:r>
-            <a:endParaRPr lang="en-US" sz="1200" dirty="0"/>
-          </a:p>
-        </p:txBody>
-      </p:sp>
-      <p:sp>
-        <p:nvSpPr>
           <p:cNvPr id="19" name="TextBox 18"/>
           <p:cNvSpPr txBox="1"/>
           <p:nvPr/>
@@ -33019,53 +32914,6 @@
           <a:p>
             <a:pPr algn="ctr"/>
             <a:endParaRPr lang="en-US"/>
-          </a:p>
-        </p:txBody>
-      </p:sp>
-      <p:sp>
-        <p:nvSpPr>
-          <p:cNvPr id="50" name="Rectangle 49"/>
-          <p:cNvSpPr/>
-          <p:nvPr/>
-        </p:nvSpPr>
-        <p:spPr>
-          <a:xfrm>
-            <a:off x="11138673" y="2364503"/>
-            <a:ext cx="457132" cy="408378"/>
-          </a:xfrm>
-          <a:prstGeom prst="rect">
-            <a:avLst/>
-          </a:prstGeom>
-          <a:solidFill>
-            <a:srgbClr val="CC0000"/>
-          </a:solidFill>
-        </p:spPr>
-        <p:style>
-          <a:lnRef idx="2">
-            <a:schemeClr val="accent4">
-              <a:shade val="50000"/>
-            </a:schemeClr>
-          </a:lnRef>
-          <a:fillRef idx="1">
-            <a:schemeClr val="accent4"/>
-          </a:fillRef>
-          <a:effectRef idx="0">
-            <a:schemeClr val="accent4"/>
-          </a:effectRef>
-          <a:fontRef idx="minor">
-            <a:schemeClr val="lt1"/>
-          </a:fontRef>
-        </p:style>
-        <p:txBody>
-          <a:bodyPr rtlCol="0" anchor="ctr"/>
-          <a:lstStyle/>
-          <a:p>
-            <a:pPr algn="ctr"/>
-            <a:r>
-              <a:rPr lang="en-US" sz="1200" dirty="0" smtClean="0"/>
-              <a:t>Buffer</a:t>
-            </a:r>
-            <a:endParaRPr lang="en-US" sz="1200" dirty="0"/>
           </a:p>
         </p:txBody>
       </p:sp>
@@ -33393,6 +33241,78 @@
               </a:rPr>
               <a:t>pages</a:t>
             </a:r>
+          </a:p>
+        </p:txBody>
+      </p:sp>
+      <p:sp>
+        <p:nvSpPr>
+          <p:cNvPr id="57" name="Rectangle 56"/>
+          <p:cNvSpPr/>
+          <p:nvPr/>
+        </p:nvSpPr>
+        <p:spPr>
+          <a:xfrm>
+            <a:off x="11138673" y="2364503"/>
+            <a:ext cx="457132" cy="408378"/>
+          </a:xfrm>
+          <a:prstGeom prst="rect">
+            <a:avLst/>
+          </a:prstGeom>
+        </p:spPr>
+        <p:style>
+          <a:lnRef idx="2">
+            <a:schemeClr val="dk1"/>
+          </a:lnRef>
+          <a:fillRef idx="1">
+            <a:schemeClr val="lt1"/>
+          </a:fillRef>
+          <a:effectRef idx="0">
+            <a:schemeClr val="dk1"/>
+          </a:effectRef>
+          <a:fontRef idx="minor">
+            <a:schemeClr val="dk1"/>
+          </a:fontRef>
+        </p:style>
+        <p:txBody>
+          <a:bodyPr rtlCol="0" anchor="ctr"/>
+          <a:lstStyle/>
+          <a:p>
+            <a:pPr algn="ctr"/>
+            <a:r>
+              <a:rPr lang="en-US" sz="1200" dirty="0" smtClean="0"/>
+              <a:t>Buffer</a:t>
+            </a:r>
+            <a:endParaRPr lang="en-US" sz="1200" dirty="0"/>
+          </a:p>
+        </p:txBody>
+      </p:sp>
+      <p:sp>
+        <p:nvSpPr>
+          <p:cNvPr id="58" name="TextBox 57"/>
+          <p:cNvSpPr txBox="1"/>
+          <p:nvPr/>
+        </p:nvSpPr>
+        <p:spPr>
+          <a:xfrm>
+            <a:off x="10733842" y="1712046"/>
+            <a:ext cx="996683" cy="276999"/>
+          </a:xfrm>
+          <a:prstGeom prst="rect">
+            <a:avLst/>
+          </a:prstGeom>
+          <a:noFill/>
+        </p:spPr>
+        <p:txBody>
+          <a:bodyPr wrap="none" rtlCol="0">
+            <a:spAutoFit/>
+          </a:bodyPr>
+          <a:lstStyle/>
+          <a:p>
+            <a:r>
+              <a:rPr lang="en-US" sz="1200" dirty="0" smtClean="0"/>
+              <a:t>Read request</a:t>
+            </a:r>
+            <a:endParaRPr lang="en-US" sz="1200" dirty="0"/>
           </a:p>
         </p:txBody>
       </p:sp>
@@ -33517,8 +33437,8 @@
           <a:lstStyle/>
           <a:p>
             <a:r>
-              <a:rPr lang="en-US" dirty="0" smtClean="0"/>
-              <a:t>Implementation</a:t>
+              <a:rPr lang="en-US" dirty="0"/>
+              <a:t>New IDDR system</a:t>
             </a:r>
             <a:endParaRPr lang="en-US" dirty="0"/>
           </a:p>
@@ -34538,36 +34458,6 @@
           <a:p>
             <a:pPr algn="ctr"/>
             <a:endParaRPr lang="en-US"/>
-          </a:p>
-        </p:txBody>
-      </p:sp>
-      <p:sp>
-        <p:nvSpPr>
-          <p:cNvPr id="12" name="TextBox 11"/>
-          <p:cNvSpPr txBox="1"/>
-          <p:nvPr/>
-        </p:nvSpPr>
-        <p:spPr>
-          <a:xfrm>
-            <a:off x="10733842" y="1712046"/>
-            <a:ext cx="1033809" cy="276999"/>
-          </a:xfrm>
-          <a:prstGeom prst="rect">
-            <a:avLst/>
-          </a:prstGeom>
-          <a:noFill/>
-        </p:spPr>
-        <p:txBody>
-          <a:bodyPr wrap="none" rtlCol="0">
-            <a:spAutoFit/>
-          </a:bodyPr>
-          <a:lstStyle/>
-          <a:p>
-            <a:r>
-              <a:rPr lang="en-US" sz="1200" dirty="0" smtClean="0"/>
-              <a:t>Write request</a:t>
-            </a:r>
-            <a:endParaRPr lang="en-US" sz="1200" dirty="0"/>
           </a:p>
         </p:txBody>
       </p:sp>
@@ -35157,6 +35047,36 @@
               </a:rPr>
               <a:t>pages</a:t>
             </a:r>
+          </a:p>
+        </p:txBody>
+      </p:sp>
+      <p:sp>
+        <p:nvSpPr>
+          <p:cNvPr id="58" name="TextBox 57"/>
+          <p:cNvSpPr txBox="1"/>
+          <p:nvPr/>
+        </p:nvSpPr>
+        <p:spPr>
+          <a:xfrm>
+            <a:off x="10733842" y="1712046"/>
+            <a:ext cx="996683" cy="276999"/>
+          </a:xfrm>
+          <a:prstGeom prst="rect">
+            <a:avLst/>
+          </a:prstGeom>
+          <a:noFill/>
+        </p:spPr>
+        <p:txBody>
+          <a:bodyPr wrap="none" rtlCol="0">
+            <a:spAutoFit/>
+          </a:bodyPr>
+          <a:lstStyle/>
+          <a:p>
+            <a:r>
+              <a:rPr lang="en-US" sz="1200" dirty="0" smtClean="0"/>
+              <a:t>Read request</a:t>
+            </a:r>
+            <a:endParaRPr lang="en-US" sz="1200" dirty="0"/>
           </a:p>
         </p:txBody>
       </p:sp>

--- a/doc/presentation/IDDR.pptx
+++ b/doc/presentation/IDDR.pptx
@@ -11171,7 +11171,7 @@
                                     <p:cond delay="0"/>
                                   </p:stCondLst>
                                   <p:childTnLst>
-                                    <p:animMotion origin="layout" path="M -0.31042 0.3588 L -0.31042 0.35903 C -0.31536 0.35834 -0.32031 0.35811 -0.32513 0.35718 C -0.32604 0.35695 -0.32695 0.35556 -0.32786 0.35556 C -0.34401 0.3544 -0.36015 0.3544 -0.3763 0.35394 C -0.38841 0.34954 -0.3737 0.3544 -0.39922 0.3507 C -0.40052 0.35047 -0.40169 0.34954 -0.40286 0.34908 C -0.40443 0.34838 -0.40599 0.34792 -0.40742 0.34746 C -0.40872 0.34699 -0.40989 0.3463 -0.41107 0.34584 C -0.41289 0.34514 -0.41471 0.34468 -0.41653 0.34422 C -0.422 0.34237 -0.42669 0.34005 -0.43216 0.33936 C -0.43672 0.33843 -0.44127 0.3382 -0.44583 0.33774 C -0.45247 0.3338 -0.44987 0.33473 -0.46237 0.33426 L -0.54375 0.33287 C -0.5582 0.3294 -0.54049 0.33287 -0.56302 0.33287 C -0.57213 0.33287 -0.58125 0.33195 -0.59036 0.33125 C -0.60989 0.32755 -0.58528 0.33195 -0.62057 0.32801 C -0.62305 0.32778 -0.62552 0.32686 -0.62786 0.32639 C -0.63216 0.3257 -0.63646 0.32524 -0.64075 0.32477 C -0.64987 0.32408 -0.65898 0.32385 -0.66823 0.32315 C -0.67747 0.31899 -0.66719 0.32315 -0.68646 0.31991 C -0.68802 0.31968 -0.68958 0.31899 -0.69101 0.31829 C -0.69193 0.31783 -0.69284 0.3169 -0.69375 0.31667 C -0.70377 0.31574 -0.71393 0.31551 -0.72396 0.31505 C -0.73151 0.31181 -0.72539 0.31412 -0.73854 0.31181 C -0.7414 0.31135 -0.74414 0.31065 -0.74687 0.31019 C -0.75078 0.31065 -0.75768 0.30533 -0.75872 0.31181 C -0.76211 0.33519 -0.75794 0.36019 -0.75781 0.38449 C -0.75768 0.40973 -0.75781 0.43496 -0.75781 0.46042 " pathEditMode="relative" rAng="0" ptsTypes="AAAAAAAAAAAAAAAAAAAAAAAAAAAAA">
+                                    <p:animMotion origin="layout" path="M -0.31041 0.35879 L -0.65195 0.30578 L -0.76146 0.30416 L -0.76146 0.45809 " pathEditMode="relative" ptsTypes="AAAA">
                                       <p:cBhvr>
                                         <p:cTn id="31" dur="2000" fill="hold"/>
                                         <p:tgtEl>
@@ -11182,7 +11182,6 @@
                                           <p:attrName>ppt_y</p:attrName>
                                         </p:attrNameLst>
                                       </p:cBhvr>
-                                      <p:rCtr x="-22487" y="2569"/>
                                     </p:animMotion>
                                   </p:childTnLst>
                                 </p:cTn>
@@ -11211,7 +11210,7 @@
                                     <p:cond delay="0"/>
                                   </p:stCondLst>
                                   <p:childTnLst>
-                                    <p:animMotion origin="layout" path="M -0.28737 0.42847 L -0.28737 0.42847 C -0.29049 0.42732 -0.29362 0.42685 -0.29661 0.42523 C -0.29857 0.42407 -0.30026 0.42176 -0.30208 0.42037 C -0.30299 0.41968 -0.3039 0.41945 -0.30482 0.41875 C -0.30612 0.41782 -0.30716 0.41644 -0.30846 0.41551 C -0.30937 0.41482 -0.31028 0.41435 -0.3112 0.41389 C -0.31276 0.41273 -0.31419 0.41157 -0.31575 0.41065 C -0.32448 0.40486 -0.3181 0.40926 -0.32591 0.40579 C -0.32682 0.40532 -0.3276 0.40463 -0.32864 0.40394 C -0.32982 0.40347 -0.33099 0.40301 -0.33229 0.40232 C -0.33411 0.40139 -0.3358 0.39954 -0.33776 0.39907 L -0.34596 0.39745 C -0.34713 0.39699 -0.34844 0.39653 -0.34961 0.39583 C -0.35052 0.39537 -0.35143 0.39468 -0.35234 0.39421 C -0.3556 0.39306 -0.36419 0.39167 -0.36705 0.39097 C -0.36966 0.38982 -0.37252 0.38843 -0.37526 0.38773 C -0.37799 0.38704 -0.38073 0.38657 -0.38346 0.38611 C -0.3858 0.38472 -0.38737 0.3838 -0.38984 0.38287 C -0.39883 0.38009 -0.4039 0.38079 -0.41458 0.37963 L -0.42825 0.37801 C -0.42982 0.37755 -0.43138 0.37708 -0.43281 0.37639 C -0.43411 0.37593 -0.43528 0.37523 -0.43646 0.37477 C -0.43828 0.37407 -0.44023 0.37361 -0.44205 0.37315 C -0.44349 0.37269 -0.44505 0.37199 -0.44661 0.37153 C -0.46237 0.36644 -0.45234 0.36991 -0.46393 0.36667 C -0.48385 0.36111 -0.4569 0.36852 -0.47396 0.36343 C -0.47617 0.36273 -0.47825 0.36227 -0.48047 0.36181 C -0.48646 0.3581 -0.4858 0.35833 -0.49232 0.35509 C -0.49349 0.35463 -0.49479 0.35417 -0.49596 0.35347 C -0.49778 0.35255 -0.49961 0.35116 -0.50143 0.35023 C -0.50325 0.34954 -0.50508 0.34931 -0.5069 0.34861 C -0.50846 0.34815 -0.51002 0.34745 -0.51146 0.34699 C -0.51614 0.3456 -0.51966 0.34468 -0.52435 0.34375 C -0.53515 0.34167 -0.5362 0.34213 -0.54804 0.34051 L -0.55911 0.33889 C -0.56549 0.33796 -0.57187 0.33634 -0.57825 0.33565 L -0.59388 0.33403 C -0.59883 0.33195 -0.60299 0.32986 -0.60846 0.32917 L -0.62304 0.32755 C -0.62812 0.32454 -0.62448 0.32639 -0.63229 0.32431 C -0.63411 0.32384 -0.63594 0.32292 -0.63776 0.32269 C -0.64323 0.32153 -0.6608 0.31968 -0.66523 0.31945 L -0.71549 0.3162 C -0.72474 0.31065 -0.71041 0.31898 -0.72187 0.31296 C -0.7237 0.31181 -0.72552 0.31065 -0.72734 0.30972 L -0.73008 0.3081 C -0.7388 0.3132 -0.73372 0.30857 -0.73372 0.34375 C -0.73372 0.36667 -0.73333 0.38935 -0.73281 0.41227 C -0.73151 0.4757 -0.7319 0.36482 -0.7319 0.45301 " pathEditMode="relative" ptsTypes="AAAAAAAAAAAAAAAAAAAAAAAAAAAAAAAAAAAAAAAAAAAAAAAAAA">
+                                    <p:animMotion origin="layout" path="M -0.28737 0.42848 L -0.62487 0.30371 L -0.73542 0.30371 L -0.73542 0.4507 " pathEditMode="relative" ptsTypes="AAAA">
                                       <p:cBhvr>
                                         <p:cTn id="35" dur="2000" fill="hold"/>
                                         <p:tgtEl>
@@ -11250,7 +11249,7 @@
                                     <p:cond delay="0"/>
                                   </p:stCondLst>
                                   <p:childTnLst>
-                                    <p:animMotion origin="layout" path="M -0.37174 0.49028 L -0.37174 0.49028 C -0.37642 0.4875 -0.38111 0.48542 -0.38554 0.48195 C -0.38749 0.48056 -0.38919 0.47755 -0.39101 0.47546 C -0.41002 0.45486 -0.37968 0.49005 -0.40833 0.45602 C -0.41028 0.45394 -0.41184 0.45116 -0.41392 0.44954 C -0.41874 0.4456 -0.42395 0.44306 -0.42851 0.4382 C -0.43098 0.43542 -0.4332 0.43218 -0.4358 0.43009 C -0.44036 0.42593 -0.44778 0.42292 -0.45234 0.42014 C -0.46327 0.41366 -0.45598 0.41667 -0.46783 0.41042 C -0.47265 0.40787 -0.47682 0.40695 -0.4815 0.40394 C -0.48372 0.40255 -0.4858 0.40046 -0.48801 0.39907 C -0.4901 0.39769 -0.49218 0.39699 -0.49439 0.39583 C -0.49713 0.39421 -0.49986 0.39282 -0.5026 0.39097 C -0.52174 0.37824 -0.49517 0.39445 -0.51627 0.38125 C -0.51991 0.37894 -0.52343 0.3757 -0.52734 0.37477 C -0.52942 0.37407 -0.5315 0.37361 -0.53372 0.37315 C -0.53528 0.37269 -0.53671 0.37176 -0.53827 0.37153 C -0.54257 0.3706 -0.54674 0.37037 -0.55103 0.36991 C -0.56093 0.3669 -0.55481 0.36898 -0.56939 0.36157 C -0.57148 0.36065 -0.57369 0.35995 -0.57577 0.35833 C -0.57734 0.35741 -0.57877 0.35602 -0.58033 0.35509 C -0.58398 0.35278 -0.58788 0.35162 -0.59127 0.34861 C -0.59413 0.34607 -0.59648 0.34375 -0.5996 0.34213 C -0.60195 0.34074 -0.60442 0.34005 -0.60689 0.33889 C -0.60807 0.33843 -0.60924 0.33773 -0.61054 0.33727 C -0.61523 0.33588 -0.62109 0.33426 -0.62603 0.33241 C -0.62734 0.33195 -0.62851 0.33148 -0.62968 0.33079 C -0.64166 0.32361 -0.62708 0.33079 -0.63892 0.32593 C -0.64127 0.32477 -0.64361 0.32269 -0.64622 0.32269 L -0.67825 0.32107 C -0.68241 0.32037 -0.68671 0.3206 -0.69101 0.31945 C -0.70169 0.31644 -0.69192 0.3169 -0.70012 0.31296 C -0.70221 0.31181 -0.70442 0.31181 -0.7065 0.31134 C -0.70741 0.31065 -0.70833 0.30995 -0.70924 0.30972 C -0.71679 0.30671 -0.72447 0.30718 -0.73215 0.30648 L -0.77057 0.3081 C -0.77239 0.3081 -0.77421 0.30926 -0.77603 0.30972 C -0.78033 0.31042 -0.78463 0.31065 -0.78879 0.31134 C -0.78853 0.32801 -0.7884 0.34491 -0.78788 0.36157 C -0.78697 0.39398 -0.78671 0.3419 -0.78606 0.38611 C -0.78593 0.40602 -0.78606 0.42616 -0.78606 0.4463 " pathEditMode="relative" ptsTypes="AAAAAAAAAAAAAAAAAAAAAAAAAAAAAAAAAAAAAAAAAA">
+                                    <p:animMotion origin="layout" path="M -0.37174 0.49028 L -0.67656 0.30556 L -0.78906 0.30718 L -0.78906 0.44236 " pathEditMode="relative" ptsTypes="AAAA">
                                       <p:cBhvr>
                                         <p:cTn id="39" dur="2000" fill="hold"/>
                                         <p:tgtEl>
@@ -15114,7 +15113,7 @@
         <p:spPr>
           <a:xfrm>
             <a:off x="9092541" y="2154697"/>
-            <a:ext cx="2628524" cy="4411630"/>
+            <a:ext cx="2621511" cy="4411630"/>
           </a:xfrm>
           <a:prstGeom prst="rect">
             <a:avLst/>
@@ -15253,8 +15252,8 @@
         </p:nvSpPr>
         <p:spPr>
           <a:xfrm>
-            <a:off x="235537" y="3089826"/>
-            <a:ext cx="2628524" cy="3476501"/>
+            <a:off x="367928" y="3089826"/>
+            <a:ext cx="2424956" cy="3476501"/>
           </a:xfrm>
           <a:prstGeom prst="rect">
             <a:avLst/>
@@ -15321,8 +15320,8 @@
         </p:nvSpPr>
         <p:spPr>
           <a:xfrm>
-            <a:off x="740483" y="5464861"/>
-            <a:ext cx="1661545" cy="550718"/>
+            <a:off x="734420" y="5464861"/>
+            <a:ext cx="1645960" cy="550718"/>
           </a:xfrm>
           <a:prstGeom prst="rect">
             <a:avLst/>
@@ -15363,7 +15362,7 @@
         </p:nvSpPr>
         <p:spPr>
           <a:xfrm>
-            <a:off x="9596998" y="3434533"/>
+            <a:off x="9589202" y="3434533"/>
             <a:ext cx="1645959" cy="542693"/>
           </a:xfrm>
           <a:prstGeom prst="rect">
@@ -15589,7 +15588,7 @@
         <p:spPr>
           <a:xfrm>
             <a:off x="3463636" y="2396836"/>
-            <a:ext cx="5140037" cy="3990109"/>
+            <a:ext cx="5140037" cy="4166457"/>
           </a:xfrm>
           <a:prstGeom prst="rect">
             <a:avLst/>
@@ -17514,30 +17513,21 @@
                             </p:childTnLst>
                           </p:cTn>
                         </p:par>
-                      </p:childTnLst>
-                    </p:cTn>
-                  </p:par>
-                  <p:par>
-                    <p:cTn id="16" fill="hold">
-                      <p:stCondLst>
-                        <p:cond delay="indefinite"/>
-                      </p:stCondLst>
-                      <p:childTnLst>
                         <p:par>
-                          <p:cTn id="17" fill="hold">
+                          <p:cTn id="16" fill="hold">
                             <p:stCondLst>
                               <p:cond delay="0"/>
                             </p:stCondLst>
                             <p:childTnLst>
                               <p:par>
-                                <p:cTn id="18" presetID="10" presetClass="entr" presetSubtype="0" fill="hold" grpId="0" nodeType="clickEffect">
+                                <p:cTn id="17" presetID="10" presetClass="entr" presetSubtype="0" fill="hold" grpId="0" nodeType="afterEffect">
                                   <p:stCondLst>
                                     <p:cond delay="0"/>
                                   </p:stCondLst>
                                   <p:childTnLst>
                                     <p:set>
                                       <p:cBhvr>
-                                        <p:cTn id="19" dur="1" fill="hold">
+                                        <p:cTn id="18" dur="1" fill="hold">
                                           <p:stCondLst>
                                             <p:cond delay="0"/>
                                           </p:stCondLst>
@@ -17555,7 +17545,7 @@
                                     </p:set>
                                     <p:animEffect transition="in" filter="fade">
                                       <p:cBhvr>
-                                        <p:cTn id="20" dur="500"/>
+                                        <p:cTn id="19" dur="500"/>
                                         <p:tgtEl>
                                           <p:spTgt spid="55"/>
                                         </p:tgtEl>
@@ -17571,26 +17561,26 @@
                     </p:cTn>
                   </p:par>
                   <p:par>
-                    <p:cTn id="21" fill="hold">
+                    <p:cTn id="20" fill="hold">
                       <p:stCondLst>
                         <p:cond delay="indefinite"/>
                       </p:stCondLst>
                       <p:childTnLst>
                         <p:par>
-                          <p:cTn id="22" fill="hold">
+                          <p:cTn id="21" fill="hold">
                             <p:stCondLst>
                               <p:cond delay="0"/>
                             </p:stCondLst>
                             <p:childTnLst>
                               <p:par>
-                                <p:cTn id="23" presetID="1" presetClass="entr" presetSubtype="0" fill="hold" grpId="1" nodeType="clickEffect">
+                                <p:cTn id="22" presetID="1" presetClass="entr" presetSubtype="0" fill="hold" grpId="1" nodeType="clickEffect">
                                   <p:stCondLst>
                                     <p:cond delay="0"/>
                                   </p:stCondLst>
                                   <p:childTnLst>
                                     <p:set>
                                       <p:cBhvr>
-                                        <p:cTn id="24" dur="1" fill="hold">
+                                        <p:cTn id="23" dur="1" fill="hold">
                                           <p:stCondLst>
                                             <p:cond delay="0"/>
                                           </p:stCondLst>
@@ -17612,30 +17602,21 @@
                             </p:childTnLst>
                           </p:cTn>
                         </p:par>
-                      </p:childTnLst>
-                    </p:cTn>
-                  </p:par>
-                  <p:par>
-                    <p:cTn id="25" fill="hold">
-                      <p:stCondLst>
-                        <p:cond delay="indefinite"/>
-                      </p:stCondLst>
-                      <p:childTnLst>
                         <p:par>
-                          <p:cTn id="26" fill="hold">
+                          <p:cTn id="24" fill="hold">
                             <p:stCondLst>
                               <p:cond delay="0"/>
                             </p:stCondLst>
                             <p:childTnLst>
                               <p:par>
-                                <p:cTn id="27" presetID="0" presetClass="path" presetSubtype="0" accel="50000" decel="50000" fill="hold" grpId="0" nodeType="clickEffect">
+                                <p:cTn id="25" presetID="0" presetClass="path" presetSubtype="0" accel="50000" decel="50000" fill="hold" grpId="0" nodeType="afterEffect">
                                   <p:stCondLst>
                                     <p:cond delay="0"/>
                                   </p:stCondLst>
                                   <p:childTnLst>
                                     <p:animMotion origin="layout" path="M 0 0 L -0.21888 -0.26644 L -0.37955 -0.26644 L -0.59557 0.01111 C -0.59804 0.01342 -0.60039 0.01574 -0.60273 0.01759 C -0.60455 0.01875 -0.60807 0.02083 -0.60807 0.02083 C -0.60872 0.01967 -0.6095 0.01898 -0.60989 0.01759 C -0.6108 0.01458 -0.60976 0.0081 -0.61172 0.0081 L -0.61432 0.0081 " pathEditMode="relative" ptsTypes="AAAAAAAAA">
                                       <p:cBhvr>
-                                        <p:cTn id="28" dur="2000" fill="hold"/>
+                                        <p:cTn id="26" dur="2000" fill="hold"/>
                                         <p:tgtEl>
                                           <p:spTgt spid="57"/>
                                         </p:tgtEl>
@@ -17651,30 +17632,21 @@
                             </p:childTnLst>
                           </p:cTn>
                         </p:par>
-                      </p:childTnLst>
-                    </p:cTn>
-                  </p:par>
-                  <p:par>
-                    <p:cTn id="29" fill="hold">
-                      <p:stCondLst>
-                        <p:cond delay="indefinite"/>
-                      </p:stCondLst>
-                      <p:childTnLst>
                         <p:par>
-                          <p:cTn id="30" fill="hold">
+                          <p:cTn id="27" fill="hold">
                             <p:stCondLst>
-                              <p:cond delay="0"/>
+                              <p:cond delay="2000"/>
                             </p:stCondLst>
                             <p:childTnLst>
                               <p:par>
-                                <p:cTn id="31" presetID="1" presetClass="exit" presetSubtype="0" fill="hold" grpId="0" nodeType="clickEffect">
+                                <p:cTn id="28" presetID="1" presetClass="exit" presetSubtype="0" fill="hold" grpId="0" nodeType="afterEffect">
                                   <p:stCondLst>
                                     <p:cond delay="0"/>
                                   </p:stCondLst>
                                   <p:childTnLst>
                                     <p:set>
                                       <p:cBhvr>
-                                        <p:cTn id="32" dur="1" fill="hold">
+                                        <p:cTn id="29" dur="1" fill="hold">
                                           <p:stCondLst>
                                             <p:cond delay="0"/>
                                           </p:stCondLst>
@@ -17693,33 +17665,15 @@
                                   </p:childTnLst>
                                 </p:cTn>
                               </p:par>
-                            </p:childTnLst>
-                          </p:cTn>
-                        </p:par>
-                      </p:childTnLst>
-                    </p:cTn>
-                  </p:par>
-                  <p:par>
-                    <p:cTn id="33" fill="hold">
-                      <p:stCondLst>
-                        <p:cond delay="indefinite"/>
-                      </p:stCondLst>
-                      <p:childTnLst>
-                        <p:par>
-                          <p:cTn id="34" fill="hold">
-                            <p:stCondLst>
-                              <p:cond delay="0"/>
-                            </p:stCondLst>
-                            <p:childTnLst>
                               <p:par>
-                                <p:cTn id="35" presetID="1" presetClass="entr" presetSubtype="0" fill="hold" grpId="0" nodeType="clickEffect">
+                                <p:cTn id="30" presetID="1" presetClass="entr" presetSubtype="0" fill="hold" grpId="0" nodeType="withEffect">
                                   <p:stCondLst>
                                     <p:cond delay="0"/>
                                   </p:stCondLst>
                                   <p:childTnLst>
                                     <p:set>
                                       <p:cBhvr>
-                                        <p:cTn id="36" dur="1" fill="hold">
+                                        <p:cTn id="31" dur="1" fill="hold">
                                           <p:stCondLst>
                                             <p:cond delay="0"/>
                                           </p:stCondLst>
@@ -17741,30 +17695,21 @@
                             </p:childTnLst>
                           </p:cTn>
                         </p:par>
-                      </p:childTnLst>
-                    </p:cTn>
-                  </p:par>
-                  <p:par>
-                    <p:cTn id="37" fill="hold">
-                      <p:stCondLst>
-                        <p:cond delay="indefinite"/>
-                      </p:stCondLst>
-                      <p:childTnLst>
                         <p:par>
-                          <p:cTn id="38" fill="hold">
+                          <p:cTn id="32" fill="hold">
                             <p:stCondLst>
-                              <p:cond delay="0"/>
+                              <p:cond delay="2000"/>
                             </p:stCondLst>
                             <p:childTnLst>
                               <p:par>
-                                <p:cTn id="39" presetID="1" presetClass="exit" presetSubtype="0" fill="hold" grpId="2" nodeType="clickEffect">
+                                <p:cTn id="33" presetID="1" presetClass="exit" presetSubtype="0" fill="hold" grpId="2" nodeType="afterEffect">
                                   <p:stCondLst>
                                     <p:cond delay="0"/>
                                   </p:stCondLst>
                                   <p:childTnLst>
                                     <p:set>
                                       <p:cBhvr>
-                                        <p:cTn id="40" dur="1" fill="hold">
+                                        <p:cTn id="34" dur="1" fill="hold">
                                           <p:stCondLst>
                                             <p:cond delay="0"/>
                                           </p:stCondLst>
@@ -17783,33 +17728,15 @@
                                   </p:childTnLst>
                                 </p:cTn>
                               </p:par>
-                            </p:childTnLst>
-                          </p:cTn>
-                        </p:par>
-                      </p:childTnLst>
-                    </p:cTn>
-                  </p:par>
-                  <p:par>
-                    <p:cTn id="41" fill="hold">
-                      <p:stCondLst>
-                        <p:cond delay="indefinite"/>
-                      </p:stCondLst>
-                      <p:childTnLst>
-                        <p:par>
-                          <p:cTn id="42" fill="hold">
-                            <p:stCondLst>
-                              <p:cond delay="0"/>
-                            </p:stCondLst>
-                            <p:childTnLst>
                               <p:par>
-                                <p:cTn id="43" presetID="1" presetClass="exit" presetSubtype="0" fill="hold" grpId="1" nodeType="clickEffect">
+                                <p:cTn id="35" presetID="1" presetClass="exit" presetSubtype="0" fill="hold" grpId="1" nodeType="withEffect">
                                   <p:stCondLst>
                                     <p:cond delay="0"/>
                                   </p:stCondLst>
                                   <p:childTnLst>
                                     <p:set>
                                       <p:cBhvr>
-                                        <p:cTn id="44" dur="1" fill="hold">
+                                        <p:cTn id="36" dur="1" fill="hold">
                                           <p:stCondLst>
                                             <p:cond delay="0"/>
                                           </p:stCondLst>
@@ -17835,26 +17762,26 @@
                     </p:cTn>
                   </p:par>
                   <p:par>
-                    <p:cTn id="45" fill="hold">
+                    <p:cTn id="37" fill="hold">
                       <p:stCondLst>
                         <p:cond delay="indefinite"/>
                       </p:stCondLst>
                       <p:childTnLst>
                         <p:par>
-                          <p:cTn id="46" fill="hold">
+                          <p:cTn id="38" fill="hold">
                             <p:stCondLst>
                               <p:cond delay="0"/>
                             </p:stCondLst>
                             <p:childTnLst>
                               <p:par>
-                                <p:cTn id="47" presetID="10" presetClass="entr" presetSubtype="0" fill="hold" grpId="0" nodeType="clickEffect">
+                                <p:cTn id="39" presetID="10" presetClass="entr" presetSubtype="0" fill="hold" grpId="0" nodeType="clickEffect">
                                   <p:stCondLst>
                                     <p:cond delay="0"/>
                                   </p:stCondLst>
                                   <p:childTnLst>
                                     <p:set>
                                       <p:cBhvr>
-                                        <p:cTn id="48" dur="1" fill="hold">
+                                        <p:cTn id="40" dur="1" fill="hold">
                                           <p:stCondLst>
                                             <p:cond delay="0"/>
                                           </p:stCondLst>
@@ -17872,7 +17799,7 @@
                                     </p:set>
                                     <p:animEffect transition="in" filter="fade">
                                       <p:cBhvr>
-                                        <p:cTn id="49" dur="500"/>
+                                        <p:cTn id="41" dur="500"/>
                                         <p:tgtEl>
                                           <p:spTgt spid="60"/>
                                         </p:tgtEl>
@@ -17881,33 +17808,15 @@
                                   </p:childTnLst>
                                 </p:cTn>
                               </p:par>
-                            </p:childTnLst>
-                          </p:cTn>
-                        </p:par>
-                      </p:childTnLst>
-                    </p:cTn>
-                  </p:par>
-                  <p:par>
-                    <p:cTn id="50" fill="hold">
-                      <p:stCondLst>
-                        <p:cond delay="indefinite"/>
-                      </p:stCondLst>
-                      <p:childTnLst>
-                        <p:par>
-                          <p:cTn id="51" fill="hold">
-                            <p:stCondLst>
-                              <p:cond delay="0"/>
-                            </p:stCondLst>
-                            <p:childTnLst>
                               <p:par>
-                                <p:cTn id="52" presetID="1" presetClass="entr" presetSubtype="0" fill="hold" grpId="2" nodeType="clickEffect">
+                                <p:cTn id="42" presetID="1" presetClass="entr" presetSubtype="0" fill="hold" grpId="2" nodeType="withEffect">
                                   <p:stCondLst>
                                     <p:cond delay="0"/>
                                   </p:stCondLst>
                                   <p:childTnLst>
                                     <p:set>
                                       <p:cBhvr>
-                                        <p:cTn id="53" dur="1" fill="hold">
+                                        <p:cTn id="43" dur="1" fill="hold">
                                           <p:stCondLst>
                                             <p:cond delay="0"/>
                                           </p:stCondLst>
@@ -17926,15 +17835,60 @@
                                   </p:childTnLst>
                                 </p:cTn>
                               </p:par>
+                            </p:childTnLst>
+                          </p:cTn>
+                        </p:par>
+                      </p:childTnLst>
+                    </p:cTn>
+                  </p:par>
+                  <p:par>
+                    <p:cTn id="44" fill="hold">
+                      <p:stCondLst>
+                        <p:cond delay="indefinite"/>
+                      </p:stCondLst>
+                      <p:childTnLst>
+                        <p:par>
+                          <p:cTn id="45" fill="hold">
+                            <p:stCondLst>
+                              <p:cond delay="0"/>
+                            </p:stCondLst>
+                            <p:childTnLst>
                               <p:par>
-                                <p:cTn id="54" presetID="10" presetClass="entr" presetSubtype="0" fill="hold" grpId="0" nodeType="withEffect">
+                                <p:cTn id="46" presetID="1" presetClass="exit" presetSubtype="0" fill="hold" grpId="3" nodeType="clickEffect">
                                   <p:stCondLst>
                                     <p:cond delay="0"/>
                                   </p:stCondLst>
                                   <p:childTnLst>
                                     <p:set>
                                       <p:cBhvr>
-                                        <p:cTn id="55" dur="1" fill="hold">
+                                        <p:cTn id="47" dur="1" fill="hold">
+                                          <p:stCondLst>
+                                            <p:cond delay="0"/>
+                                          </p:stCondLst>
+                                        </p:cTn>
+                                        <p:tgtEl>
+                                          <p:spTgt spid="17"/>
+                                        </p:tgtEl>
+                                        <p:attrNameLst>
+                                          <p:attrName>style.visibility</p:attrName>
+                                        </p:attrNameLst>
+                                      </p:cBhvr>
+                                      <p:to>
+                                        <p:strVal val="hidden"/>
+                                      </p:to>
+                                    </p:set>
+                                  </p:childTnLst>
+                                </p:cTn>
+                              </p:par>
+                              <p:par>
+                                <p:cTn id="48" presetID="10" presetClass="entr" presetSubtype="0" fill="hold" grpId="0" nodeType="withEffect">
+                                  <p:stCondLst>
+                                    <p:cond delay="0"/>
+                                  </p:stCondLst>
+                                  <p:childTnLst>
+                                    <p:set>
+                                      <p:cBhvr>
+                                        <p:cTn id="49" dur="1" fill="hold">
                                           <p:stCondLst>
                                             <p:cond delay="0"/>
                                           </p:stCondLst>
@@ -17952,7 +17906,7 @@
                                     </p:set>
                                     <p:animEffect transition="in" filter="fade">
                                       <p:cBhvr>
-                                        <p:cTn id="56" dur="500"/>
+                                        <p:cTn id="50" dur="500"/>
                                         <p:tgtEl>
                                           <p:spTgt spid="66"/>
                                         </p:tgtEl>
@@ -17968,26 +17922,26 @@
                     </p:cTn>
                   </p:par>
                   <p:par>
-                    <p:cTn id="57" fill="hold">
+                    <p:cTn id="51" fill="hold">
                       <p:stCondLst>
                         <p:cond delay="indefinite"/>
                       </p:stCondLst>
                       <p:childTnLst>
                         <p:par>
-                          <p:cTn id="58" fill="hold">
+                          <p:cTn id="52" fill="hold">
                             <p:stCondLst>
                               <p:cond delay="0"/>
                             </p:stCondLst>
                             <p:childTnLst>
                               <p:par>
-                                <p:cTn id="59" presetID="1" presetClass="exit" presetSubtype="0" fill="hold" grpId="1" nodeType="clickEffect">
+                                <p:cTn id="53" presetID="1" presetClass="exit" presetSubtype="0" fill="hold" grpId="1" nodeType="clickEffect">
                                   <p:stCondLst>
                                     <p:cond delay="0"/>
                                   </p:stCondLst>
                                   <p:childTnLst>
                                     <p:set>
                                       <p:cBhvr>
-                                        <p:cTn id="60" dur="1" fill="hold">
+                                        <p:cTn id="54" dur="1" fill="hold">
                                           <p:stCondLst>
                                             <p:cond delay="0"/>
                                           </p:stCondLst>
@@ -18013,26 +17967,26 @@
                     </p:cTn>
                   </p:par>
                   <p:par>
-                    <p:cTn id="61" fill="hold">
+                    <p:cTn id="55" fill="hold">
                       <p:stCondLst>
                         <p:cond delay="indefinite"/>
                       </p:stCondLst>
                       <p:childTnLst>
                         <p:par>
-                          <p:cTn id="62" fill="hold">
+                          <p:cTn id="56" fill="hold">
                             <p:stCondLst>
                               <p:cond delay="0"/>
                             </p:stCondLst>
                             <p:childTnLst>
                               <p:par>
-                                <p:cTn id="63" presetID="35" presetClass="path" presetSubtype="0" accel="50000" decel="50000" fill="hold" grpId="1" nodeType="clickEffect">
+                                <p:cTn id="57" presetID="35" presetClass="path" presetSubtype="0" accel="50000" decel="50000" fill="hold" grpId="1" nodeType="clickEffect">
                                   <p:stCondLst>
                                     <p:cond delay="0"/>
                                   </p:stCondLst>
                                   <p:childTnLst>
                                     <p:animMotion origin="layout" path="M 1.45833E-6 0.31922 L -0.34831 0.30602 " pathEditMode="relative" rAng="0" ptsTypes="AA">
                                       <p:cBhvr>
-                                        <p:cTn id="64" dur="2000" fill="hold"/>
+                                        <p:cTn id="58" dur="2000" fill="hold"/>
                                         <p:tgtEl>
                                           <p:spTgt spid="8"/>
                                         </p:tgtEl>
@@ -18053,26 +18007,26 @@
                     </p:cTn>
                   </p:par>
                   <p:par>
-                    <p:cTn id="65" fill="hold">
+                    <p:cTn id="59" fill="hold">
                       <p:stCondLst>
                         <p:cond delay="indefinite"/>
                       </p:stCondLst>
                       <p:childTnLst>
                         <p:par>
-                          <p:cTn id="66" fill="hold">
+                          <p:cTn id="60" fill="hold">
                             <p:stCondLst>
                               <p:cond delay="0"/>
                             </p:stCondLst>
                             <p:childTnLst>
                               <p:par>
-                                <p:cTn id="67" presetID="1" presetClass="exit" presetSubtype="0" fill="hold" grpId="1" nodeType="clickEffect">
+                                <p:cTn id="61" presetID="1" presetClass="exit" presetSubtype="0" fill="hold" grpId="1" nodeType="clickEffect">
                                   <p:stCondLst>
                                     <p:cond delay="0"/>
                                   </p:stCondLst>
                                   <p:childTnLst>
                                     <p:set>
                                       <p:cBhvr>
-                                        <p:cTn id="68" dur="1" fill="hold">
+                                        <p:cTn id="62" dur="1" fill="hold">
                                           <p:stCondLst>
                                             <p:cond delay="0"/>
                                           </p:stCondLst>
@@ -18094,30 +18048,21 @@
                             </p:childTnLst>
                           </p:cTn>
                         </p:par>
-                      </p:childTnLst>
-                    </p:cTn>
-                  </p:par>
-                  <p:par>
-                    <p:cTn id="69" fill="hold">
-                      <p:stCondLst>
-                        <p:cond delay="indefinite"/>
-                      </p:stCondLst>
-                      <p:childTnLst>
                         <p:par>
-                          <p:cTn id="70" fill="hold">
+                          <p:cTn id="63" fill="hold">
                             <p:stCondLst>
                               <p:cond delay="0"/>
                             </p:stCondLst>
                             <p:childTnLst>
                               <p:par>
-                                <p:cTn id="71" presetID="10" presetClass="entr" presetSubtype="0" fill="hold" grpId="0" nodeType="clickEffect">
+                                <p:cTn id="64" presetID="10" presetClass="entr" presetSubtype="0" fill="hold" grpId="0" nodeType="afterEffect">
                                   <p:stCondLst>
                                     <p:cond delay="0"/>
                                   </p:stCondLst>
                                   <p:childTnLst>
                                     <p:set>
                                       <p:cBhvr>
-                                        <p:cTn id="72" dur="1" fill="hold">
+                                        <p:cTn id="65" dur="1" fill="hold">
                                           <p:stCondLst>
                                             <p:cond delay="0"/>
                                           </p:stCondLst>
@@ -18135,7 +18080,7 @@
                                     </p:set>
                                     <p:animEffect transition="in" filter="fade">
                                       <p:cBhvr>
-                                        <p:cTn id="73" dur="500"/>
+                                        <p:cTn id="66" dur="500"/>
                                         <p:tgtEl>
                                           <p:spTgt spid="67"/>
                                         </p:tgtEl>
@@ -18144,33 +18089,15 @@
                                   </p:childTnLst>
                                 </p:cTn>
                               </p:par>
-                            </p:childTnLst>
-                          </p:cTn>
-                        </p:par>
-                      </p:childTnLst>
-                    </p:cTn>
-                  </p:par>
-                  <p:par>
-                    <p:cTn id="74" fill="hold">
-                      <p:stCondLst>
-                        <p:cond delay="indefinite"/>
-                      </p:stCondLst>
-                      <p:childTnLst>
-                        <p:par>
-                          <p:cTn id="75" fill="hold">
-                            <p:stCondLst>
-                              <p:cond delay="0"/>
-                            </p:stCondLst>
-                            <p:childTnLst>
                               <p:par>
-                                <p:cTn id="76" presetID="1" presetClass="entr" presetSubtype="0" fill="hold" grpId="1" nodeType="clickEffect">
+                                <p:cTn id="67" presetID="1" presetClass="entr" presetSubtype="0" fill="hold" grpId="1" nodeType="withEffect">
                                   <p:stCondLst>
                                     <p:cond delay="0"/>
                                   </p:stCondLst>
                                   <p:childTnLst>
                                     <p:set>
                                       <p:cBhvr>
-                                        <p:cTn id="77" dur="1" fill="hold">
+                                        <p:cTn id="68" dur="1" fill="hold">
                                           <p:stCondLst>
                                             <p:cond delay="0"/>
                                           </p:stCondLst>
@@ -18196,26 +18123,26 @@
                     </p:cTn>
                   </p:par>
                   <p:par>
-                    <p:cTn id="78" fill="hold">
+                    <p:cTn id="69" fill="hold">
                       <p:stCondLst>
                         <p:cond delay="indefinite"/>
                       </p:stCondLst>
                       <p:childTnLst>
                         <p:par>
-                          <p:cTn id="79" fill="hold">
+                          <p:cTn id="70" fill="hold">
                             <p:stCondLst>
                               <p:cond delay="0"/>
                             </p:stCondLst>
                             <p:childTnLst>
                               <p:par>
-                                <p:cTn id="80" presetID="0" presetClass="path" presetSubtype="0" accel="50000" decel="50000" fill="hold" grpId="2" nodeType="clickEffect">
+                                <p:cTn id="71" presetID="0" presetClass="path" presetSubtype="0" accel="50000" decel="50000" fill="hold" grpId="2" nodeType="clickEffect">
                                   <p:stCondLst>
                                     <p:cond delay="0"/>
                                   </p:stCondLst>
                                   <p:childTnLst>
                                     <p:animMotion origin="layout" path="M -0.3483 0.30602 L -0.77812 0.31783 L -0.77721 0.45996 " pathEditMode="relative" ptsTypes="AAA">
                                       <p:cBhvr>
-                                        <p:cTn id="81" dur="2000" fill="hold"/>
+                                        <p:cTn id="72" dur="2000" fill="hold"/>
                                         <p:tgtEl>
                                           <p:spTgt spid="8"/>
                                         </p:tgtEl>
@@ -18228,33 +18155,15 @@
                                   </p:childTnLst>
                                 </p:cTn>
                               </p:par>
-                            </p:childTnLst>
-                          </p:cTn>
-                        </p:par>
-                      </p:childTnLst>
-                    </p:cTn>
-                  </p:par>
-                  <p:par>
-                    <p:cTn id="82" fill="hold">
-                      <p:stCondLst>
-                        <p:cond delay="indefinite"/>
-                      </p:stCondLst>
-                      <p:childTnLst>
-                        <p:par>
-                          <p:cTn id="83" fill="hold">
-                            <p:stCondLst>
-                              <p:cond delay="0"/>
-                            </p:stCondLst>
-                            <p:childTnLst>
                               <p:par>
-                                <p:cTn id="84" presetID="1" presetClass="exit" presetSubtype="0" fill="hold" grpId="2" nodeType="clickEffect">
+                                <p:cTn id="73" presetID="1" presetClass="exit" presetSubtype="0" fill="hold" grpId="2" nodeType="withEffect">
                                   <p:stCondLst>
                                     <p:cond delay="0"/>
                                   </p:stCondLst>
                                   <p:childTnLst>
                                     <p:set>
                                       <p:cBhvr>
-                                        <p:cTn id="85" dur="1" fill="hold">
+                                        <p:cTn id="74" dur="1" fill="hold">
                                           <p:stCondLst>
                                             <p:cond delay="0"/>
                                           </p:stCondLst>
@@ -18276,74 +18185,95 @@
                             </p:childTnLst>
                           </p:cTn>
                         </p:par>
-                      </p:childTnLst>
-                    </p:cTn>
-                  </p:par>
-                  <p:par>
-                    <p:cTn id="86" fill="hold">
-                      <p:stCondLst>
-                        <p:cond delay="indefinite"/>
-                      </p:stCondLst>
-                      <p:childTnLst>
                         <p:par>
-                          <p:cTn id="87" fill="hold">
+                          <p:cTn id="75" fill="hold">
                             <p:stCondLst>
-                              <p:cond delay="0"/>
+                              <p:cond delay="2000"/>
                             </p:stCondLst>
                             <p:childTnLst>
                               <p:par>
-                                <p:cTn id="88" presetID="26" presetClass="emph" presetSubtype="0" fill="hold" grpId="3" nodeType="clickEffect">
+                                <p:cTn id="76" presetID="27" presetClass="emph" presetSubtype="0" repeatCount="3000" fill="remove" grpId="3" nodeType="afterEffect">
                                   <p:stCondLst>
                                     <p:cond delay="0"/>
                                   </p:stCondLst>
                                   <p:childTnLst>
-                                    <p:animEffect transition="out" filter="fade">
-                                      <p:cBhvr>
-                                        <p:cTn id="89" dur="500" tmFilter="0, 0; .2, .5; .8, .5; 1, 0"/>
+                                    <p:animClr clrSpc="rgb" dir="cw">
+                                      <p:cBhvr override="childStyle">
+                                        <p:cTn id="77" dur="250" autoRev="1" fill="remove"/>
                                         <p:tgtEl>
                                           <p:spTgt spid="8"/>
                                         </p:tgtEl>
+                                        <p:attrNameLst>
+                                          <p:attrName>style.color</p:attrName>
+                                        </p:attrNameLst>
                                       </p:cBhvr>
-                                    </p:animEffect>
-                                    <p:animScale>
+                                      <p:to>
+                                        <a:srgbClr val="FFFF00"/>
+                                      </p:to>
+                                    </p:animClr>
+                                    <p:animClr clrSpc="rgb" dir="cw">
                                       <p:cBhvr>
-                                        <p:cTn id="90" dur="250" autoRev="1" fill="hold"/>
+                                        <p:cTn id="78" dur="250" autoRev="1" fill="remove"/>
                                         <p:tgtEl>
                                           <p:spTgt spid="8"/>
                                         </p:tgtEl>
+                                        <p:attrNameLst>
+                                          <p:attrName>fillcolor</p:attrName>
+                                        </p:attrNameLst>
                                       </p:cBhvr>
-                                      <p:by x="105000" y="105000"/>
-                                    </p:animScale>
+                                      <p:to>
+                                        <a:srgbClr val="FFFF00"/>
+                                      </p:to>
+                                    </p:animClr>
+                                    <p:set>
+                                      <p:cBhvr>
+                                        <p:cTn id="79" dur="250" autoRev="1" fill="remove"/>
+                                        <p:tgtEl>
+                                          <p:spTgt spid="8"/>
+                                        </p:tgtEl>
+                                        <p:attrNameLst>
+                                          <p:attrName>fill.type</p:attrName>
+                                        </p:attrNameLst>
+                                      </p:cBhvr>
+                                      <p:to>
+                                        <p:strVal val="solid"/>
+                                      </p:to>
+                                    </p:set>
+                                    <p:set>
+                                      <p:cBhvr>
+                                        <p:cTn id="80" dur="250" autoRev="1" fill="remove"/>
+                                        <p:tgtEl>
+                                          <p:spTgt spid="8"/>
+                                        </p:tgtEl>
+                                        <p:attrNameLst>
+                                          <p:attrName>fill.on</p:attrName>
+                                        </p:attrNameLst>
+                                      </p:cBhvr>
+                                      <p:to>
+                                        <p:strVal val="true"/>
+                                      </p:to>
+                                    </p:set>
                                   </p:childTnLst>
                                 </p:cTn>
                               </p:par>
                             </p:childTnLst>
                           </p:cTn>
                         </p:par>
-                      </p:childTnLst>
-                    </p:cTn>
-                  </p:par>
-                  <p:par>
-                    <p:cTn id="91" fill="hold">
-                      <p:stCondLst>
-                        <p:cond delay="indefinite"/>
-                      </p:stCondLst>
-                      <p:childTnLst>
                         <p:par>
-                          <p:cTn id="92" fill="hold">
+                          <p:cTn id="81" fill="hold">
                             <p:stCondLst>
-                              <p:cond delay="0"/>
+                              <p:cond delay="3500"/>
                             </p:stCondLst>
                             <p:childTnLst>
                               <p:par>
-                                <p:cTn id="93" presetID="1" presetClass="exit" presetSubtype="0" fill="hold" grpId="4" nodeType="clickEffect">
+                                <p:cTn id="82" presetID="1" presetClass="exit" presetSubtype="0" fill="hold" grpId="4" nodeType="afterEffect">
                                   <p:stCondLst>
                                     <p:cond delay="0"/>
                                   </p:stCondLst>
                                   <p:childTnLst>
                                     <p:set>
                                       <p:cBhvr>
-                                        <p:cTn id="94" dur="1" fill="hold">
+                                        <p:cTn id="83" dur="1" fill="hold">
                                           <p:stCondLst>
                                             <p:cond delay="0"/>
                                           </p:stCondLst>
@@ -18365,30 +18295,21 @@
                             </p:childTnLst>
                           </p:cTn>
                         </p:par>
-                      </p:childTnLst>
-                    </p:cTn>
-                  </p:par>
-                  <p:par>
-                    <p:cTn id="95" fill="hold">
-                      <p:stCondLst>
-                        <p:cond delay="indefinite"/>
-                      </p:stCondLst>
-                      <p:childTnLst>
                         <p:par>
-                          <p:cTn id="96" fill="hold">
+                          <p:cTn id="84" fill="hold">
                             <p:stCondLst>
-                              <p:cond delay="0"/>
+                              <p:cond delay="3500"/>
                             </p:stCondLst>
                             <p:childTnLst>
                               <p:par>
-                                <p:cTn id="97" presetID="1" presetClass="entr" presetSubtype="0" fill="hold" grpId="1" nodeType="clickEffect">
+                                <p:cTn id="85" presetID="1" presetClass="entr" presetSubtype="0" fill="hold" grpId="1" nodeType="afterEffect">
                                   <p:stCondLst>
                                     <p:cond delay="0"/>
                                   </p:stCondLst>
                                   <p:childTnLst>
                                     <p:set>
                                       <p:cBhvr>
-                                        <p:cTn id="98" dur="1" fill="hold">
+                                        <p:cTn id="86" dur="1" fill="hold">
                                           <p:stCondLst>
                                             <p:cond delay="0"/>
                                           </p:stCondLst>
@@ -18414,26 +18335,26 @@
                     </p:cTn>
                   </p:par>
                   <p:par>
-                    <p:cTn id="99" fill="hold">
+                    <p:cTn id="87" fill="hold">
                       <p:stCondLst>
                         <p:cond delay="indefinite"/>
                       </p:stCondLst>
                       <p:childTnLst>
                         <p:par>
-                          <p:cTn id="100" fill="hold">
+                          <p:cTn id="88" fill="hold">
                             <p:stCondLst>
                               <p:cond delay="0"/>
                             </p:stCondLst>
                             <p:childTnLst>
                               <p:par>
-                                <p:cTn id="101" presetID="0" presetClass="path" presetSubtype="0" accel="50000" decel="50000" fill="hold" grpId="0" nodeType="clickEffect">
+                                <p:cTn id="89" presetID="0" presetClass="path" presetSubtype="0" accel="50000" decel="50000" fill="hold" grpId="0" nodeType="clickEffect">
                                   <p:stCondLst>
                                     <p:cond delay="0"/>
                                   </p:stCondLst>
                                   <p:childTnLst>
                                     <p:animMotion origin="layout" path="M 4.375E-6 -1.11111E-6 L 0.00091 -0.14444 " pathEditMode="relative" rAng="0" ptsTypes="AA">
                                       <p:cBhvr>
-                                        <p:cTn id="102" dur="2000" fill="hold"/>
+                                        <p:cTn id="90" dur="2000" fill="hold"/>
                                         <p:tgtEl>
                                           <p:spTgt spid="68"/>
                                         </p:tgtEl>
@@ -18450,30 +18371,21 @@
                             </p:childTnLst>
                           </p:cTn>
                         </p:par>
-                      </p:childTnLst>
-                    </p:cTn>
-                  </p:par>
-                  <p:par>
-                    <p:cTn id="103" fill="hold">
-                      <p:stCondLst>
-                        <p:cond delay="indefinite"/>
-                      </p:stCondLst>
-                      <p:childTnLst>
                         <p:par>
-                          <p:cTn id="104" fill="hold">
+                          <p:cTn id="91" fill="hold">
                             <p:stCondLst>
-                              <p:cond delay="0"/>
+                              <p:cond delay="2000"/>
                             </p:stCondLst>
                             <p:childTnLst>
                               <p:par>
-                                <p:cTn id="105" presetID="1" presetClass="exit" presetSubtype="0" fill="hold" grpId="0" nodeType="clickEffect">
+                                <p:cTn id="92" presetID="1" presetClass="exit" presetSubtype="0" fill="hold" grpId="0" nodeType="afterEffect">
                                   <p:stCondLst>
                                     <p:cond delay="0"/>
                                   </p:stCondLst>
                                   <p:childTnLst>
                                     <p:set>
                                       <p:cBhvr>
-                                        <p:cTn id="106" dur="1" fill="hold">
+                                        <p:cTn id="93" dur="1" fill="hold">
                                           <p:stCondLst>
                                             <p:cond delay="0"/>
                                           </p:stCondLst>
@@ -18492,33 +18404,15 @@
                                   </p:childTnLst>
                                 </p:cTn>
                               </p:par>
-                            </p:childTnLst>
-                          </p:cTn>
-                        </p:par>
-                      </p:childTnLst>
-                    </p:cTn>
-                  </p:par>
-                  <p:par>
-                    <p:cTn id="107" fill="hold">
-                      <p:stCondLst>
-                        <p:cond delay="indefinite"/>
-                      </p:stCondLst>
-                      <p:childTnLst>
-                        <p:par>
-                          <p:cTn id="108" fill="hold">
-                            <p:stCondLst>
-                              <p:cond delay="0"/>
-                            </p:stCondLst>
-                            <p:childTnLst>
                               <p:par>
-                                <p:cTn id="109" presetID="1" presetClass="entr" presetSubtype="0" fill="hold" grpId="0" nodeType="clickEffect">
+                                <p:cTn id="94" presetID="1" presetClass="entr" presetSubtype="0" fill="hold" grpId="0" nodeType="withEffect">
                                   <p:stCondLst>
                                     <p:cond delay="0"/>
                                   </p:stCondLst>
                                   <p:childTnLst>
                                     <p:set>
                                       <p:cBhvr>
-                                        <p:cTn id="110" dur="1" fill="hold">
+                                        <p:cTn id="95" dur="1" fill="hold">
                                           <p:stCondLst>
                                             <p:cond delay="0"/>
                                           </p:stCondLst>
@@ -18544,26 +18438,26 @@
                     </p:cTn>
                   </p:par>
                   <p:par>
-                    <p:cTn id="111" fill="hold">
+                    <p:cTn id="96" fill="hold">
                       <p:stCondLst>
                         <p:cond delay="indefinite"/>
                       </p:stCondLst>
                       <p:childTnLst>
                         <p:par>
-                          <p:cTn id="112" fill="hold">
+                          <p:cTn id="97" fill="hold">
                             <p:stCondLst>
                               <p:cond delay="0"/>
                             </p:stCondLst>
                             <p:childTnLst>
                               <p:par>
-                                <p:cTn id="113" presetID="1" presetClass="entr" presetSubtype="0" fill="hold" grpId="0" nodeType="clickEffect">
+                                <p:cTn id="98" presetID="1" presetClass="entr" presetSubtype="0" fill="hold" grpId="0" nodeType="clickEffect">
                                   <p:stCondLst>
                                     <p:cond delay="0"/>
                                   </p:stCondLst>
                                   <p:childTnLst>
                                     <p:set>
                                       <p:cBhvr>
-                                        <p:cTn id="114" dur="1" fill="hold">
+                                        <p:cTn id="99" dur="1" fill="hold">
                                           <p:stCondLst>
                                             <p:cond delay="0"/>
                                           </p:stCondLst>
@@ -18589,26 +18483,26 @@
                     </p:cTn>
                   </p:par>
                   <p:par>
-                    <p:cTn id="115" fill="hold">
+                    <p:cTn id="100" fill="hold">
                       <p:stCondLst>
                         <p:cond delay="indefinite"/>
                       </p:stCondLst>
                       <p:childTnLst>
                         <p:par>
-                          <p:cTn id="116" fill="hold">
+                          <p:cTn id="101" fill="hold">
                             <p:stCondLst>
                               <p:cond delay="0"/>
                             </p:stCondLst>
                             <p:childTnLst>
                               <p:par>
-                                <p:cTn id="117" presetID="1" presetClass="exit" presetSubtype="0" fill="hold" grpId="1" nodeType="clickEffect">
+                                <p:cTn id="102" presetID="1" presetClass="exit" presetSubtype="0" fill="hold" grpId="1" nodeType="clickEffect">
                                   <p:stCondLst>
                                     <p:cond delay="0"/>
                                   </p:stCondLst>
                                   <p:childTnLst>
                                     <p:set>
                                       <p:cBhvr>
-                                        <p:cTn id="118" dur="1" fill="hold">
+                                        <p:cTn id="103" dur="1" fill="hold">
                                           <p:stCondLst>
                                             <p:cond delay="0"/>
                                           </p:stCondLst>
@@ -18627,33 +18521,15 @@
                                   </p:childTnLst>
                                 </p:cTn>
                               </p:par>
-                            </p:childTnLst>
-                          </p:cTn>
-                        </p:par>
-                      </p:childTnLst>
-                    </p:cTn>
-                  </p:par>
-                  <p:par>
-                    <p:cTn id="119" fill="hold">
-                      <p:stCondLst>
-                        <p:cond delay="indefinite"/>
-                      </p:stCondLst>
-                      <p:childTnLst>
-                        <p:par>
-                          <p:cTn id="120" fill="hold">
-                            <p:stCondLst>
-                              <p:cond delay="0"/>
-                            </p:stCondLst>
-                            <p:childTnLst>
                               <p:par>
-                                <p:cTn id="121" presetID="1" presetClass="entr" presetSubtype="0" fill="hold" grpId="1" nodeType="clickEffect">
+                                <p:cTn id="104" presetID="1" presetClass="entr" presetSubtype="0" fill="hold" grpId="1" nodeType="withEffect">
                                   <p:stCondLst>
                                     <p:cond delay="0"/>
                                   </p:stCondLst>
                                   <p:childTnLst>
                                     <p:set>
                                       <p:cBhvr>
-                                        <p:cTn id="122" dur="1" fill="hold">
+                                        <p:cTn id="105" dur="1" fill="hold">
                                           <p:stCondLst>
                                             <p:cond delay="0"/>
                                           </p:stCondLst>
@@ -18679,26 +18555,26 @@
                     </p:cTn>
                   </p:par>
                   <p:par>
-                    <p:cTn id="123" fill="hold">
+                    <p:cTn id="106" fill="hold">
                       <p:stCondLst>
                         <p:cond delay="indefinite"/>
                       </p:stCondLst>
                       <p:childTnLst>
                         <p:par>
-                          <p:cTn id="124" fill="hold">
+                          <p:cTn id="107" fill="hold">
                             <p:stCondLst>
                               <p:cond delay="0"/>
                             </p:stCondLst>
                             <p:childTnLst>
                               <p:par>
-                                <p:cTn id="125" presetID="1" presetClass="exit" presetSubtype="0" fill="hold" grpId="0" nodeType="clickEffect">
+                                <p:cTn id="108" presetID="1" presetClass="exit" presetSubtype="0" fill="hold" grpId="0" nodeType="clickEffect">
                                   <p:stCondLst>
                                     <p:cond delay="0"/>
                                   </p:stCondLst>
                                   <p:childTnLst>
                                     <p:set>
                                       <p:cBhvr>
-                                        <p:cTn id="126" dur="1" fill="hold">
+                                        <p:cTn id="109" dur="1" fill="hold">
                                           <p:stCondLst>
                                             <p:cond delay="0"/>
                                           </p:stCondLst>
@@ -18717,33 +18593,15 @@
                                   </p:childTnLst>
                                 </p:cTn>
                               </p:par>
-                            </p:childTnLst>
-                          </p:cTn>
-                        </p:par>
-                      </p:childTnLst>
-                    </p:cTn>
-                  </p:par>
-                  <p:par>
-                    <p:cTn id="127" fill="hold">
-                      <p:stCondLst>
-                        <p:cond delay="indefinite"/>
-                      </p:stCondLst>
-                      <p:childTnLst>
-                        <p:par>
-                          <p:cTn id="128" fill="hold">
-                            <p:stCondLst>
-                              <p:cond delay="0"/>
-                            </p:stCondLst>
-                            <p:childTnLst>
                               <p:par>
-                                <p:cTn id="129" presetID="1" presetClass="entr" presetSubtype="0" fill="hold" grpId="1" nodeType="clickEffect">
+                                <p:cTn id="110" presetID="1" presetClass="entr" presetSubtype="0" fill="hold" grpId="1" nodeType="withEffect">
                                   <p:stCondLst>
                                     <p:cond delay="0"/>
                                   </p:stCondLst>
                                   <p:childTnLst>
                                     <p:set>
                                       <p:cBhvr>
-                                        <p:cTn id="130" dur="1" fill="hold">
+                                        <p:cTn id="111" dur="1" fill="hold">
                                           <p:stCondLst>
                                             <p:cond delay="0"/>
                                           </p:stCondLst>
@@ -18765,30 +18623,21 @@
                             </p:childTnLst>
                           </p:cTn>
                         </p:par>
-                      </p:childTnLst>
-                    </p:cTn>
-                  </p:par>
-                  <p:par>
-                    <p:cTn id="131" fill="hold">
-                      <p:stCondLst>
-                        <p:cond delay="indefinite"/>
-                      </p:stCondLst>
-                      <p:childTnLst>
                         <p:par>
-                          <p:cTn id="132" fill="hold">
+                          <p:cTn id="112" fill="hold">
                             <p:stCondLst>
                               <p:cond delay="0"/>
                             </p:stCondLst>
                             <p:childTnLst>
                               <p:par>
-                                <p:cTn id="133" presetID="0" presetClass="path" presetSubtype="0" accel="50000" decel="50000" fill="hold" grpId="0" nodeType="clickEffect">
+                                <p:cTn id="113" presetID="0" presetClass="path" presetSubtype="0" accel="50000" decel="50000" fill="hold" grpId="0" nodeType="afterEffect">
                                   <p:stCondLst>
                                     <p:cond delay="0"/>
                                   </p:stCondLst>
                                   <p:childTnLst>
                                     <p:animMotion origin="layout" path="M 0.00092 -0.0007 L 0.23178 -0.28264 L 0.39206 -0.28403 L 0.62891 -0.01135 " pathEditMode="relative" ptsTypes="AAAA">
                                       <p:cBhvr>
-                                        <p:cTn id="134" dur="2000" fill="hold"/>
+                                        <p:cTn id="114" dur="2000" fill="hold"/>
                                         <p:tgtEl>
                                           <p:spTgt spid="70"/>
                                         </p:tgtEl>
@@ -18804,30 +18653,21 @@
                             </p:childTnLst>
                           </p:cTn>
                         </p:par>
-                      </p:childTnLst>
-                    </p:cTn>
-                  </p:par>
-                  <p:par>
-                    <p:cTn id="135" fill="hold">
-                      <p:stCondLst>
-                        <p:cond delay="indefinite"/>
-                      </p:stCondLst>
-                      <p:childTnLst>
                         <p:par>
-                          <p:cTn id="136" fill="hold">
+                          <p:cTn id="115" fill="hold">
                             <p:stCondLst>
-                              <p:cond delay="0"/>
+                              <p:cond delay="2000"/>
                             </p:stCondLst>
                             <p:childTnLst>
                               <p:par>
-                                <p:cTn id="137" presetID="1" presetClass="exit" presetSubtype="0" fill="hold" grpId="0" nodeType="clickEffect">
+                                <p:cTn id="116" presetID="1" presetClass="exit" presetSubtype="0" fill="hold" grpId="0" nodeType="afterEffect">
                                   <p:stCondLst>
                                     <p:cond delay="0"/>
                                   </p:stCondLst>
                                   <p:childTnLst>
                                     <p:set>
                                       <p:cBhvr>
-                                        <p:cTn id="138" dur="1" fill="hold">
+                                        <p:cTn id="117" dur="1" fill="hold">
                                           <p:stCondLst>
                                             <p:cond delay="0"/>
                                           </p:stCondLst>
@@ -18846,33 +18686,15 @@
                                   </p:childTnLst>
                                 </p:cTn>
                               </p:par>
-                            </p:childTnLst>
-                          </p:cTn>
-                        </p:par>
-                      </p:childTnLst>
-                    </p:cTn>
-                  </p:par>
-                  <p:par>
-                    <p:cTn id="139" fill="hold">
-                      <p:stCondLst>
-                        <p:cond delay="indefinite"/>
-                      </p:stCondLst>
-                      <p:childTnLst>
-                        <p:par>
-                          <p:cTn id="140" fill="hold">
-                            <p:stCondLst>
-                              <p:cond delay="0"/>
-                            </p:stCondLst>
-                            <p:childTnLst>
                               <p:par>
-                                <p:cTn id="141" presetID="1" presetClass="entr" presetSubtype="0" fill="hold" grpId="1" nodeType="clickEffect">
+                                <p:cTn id="118" presetID="1" presetClass="entr" presetSubtype="0" fill="hold" grpId="1" nodeType="withEffect">
                                   <p:stCondLst>
                                     <p:cond delay="0"/>
                                   </p:stCondLst>
                                   <p:childTnLst>
                                     <p:set>
                                       <p:cBhvr>
-                                        <p:cTn id="142" dur="1" fill="hold">
+                                        <p:cTn id="119" dur="1" fill="hold">
                                           <p:stCondLst>
                                             <p:cond delay="0"/>
                                           </p:stCondLst>
@@ -18898,26 +18720,26 @@
                     </p:cTn>
                   </p:par>
                   <p:par>
-                    <p:cTn id="143" fill="hold">
+                    <p:cTn id="120" fill="hold">
                       <p:stCondLst>
                         <p:cond delay="indefinite"/>
                       </p:stCondLst>
                       <p:childTnLst>
                         <p:par>
-                          <p:cTn id="144" fill="hold">
+                          <p:cTn id="121" fill="hold">
                             <p:stCondLst>
                               <p:cond delay="0"/>
                             </p:stCondLst>
                             <p:childTnLst>
                               <p:par>
-                                <p:cTn id="145" presetID="1" presetClass="entr" presetSubtype="0" fill="hold" grpId="0" nodeType="clickEffect">
+                                <p:cTn id="122" presetID="1" presetClass="entr" presetSubtype="0" fill="hold" grpId="0" nodeType="clickEffect">
                                   <p:stCondLst>
                                     <p:cond delay="0"/>
                                   </p:stCondLst>
                                   <p:childTnLst>
                                     <p:set>
                                       <p:cBhvr>
-                                        <p:cTn id="146" dur="1" fill="hold">
+                                        <p:cTn id="123" dur="1" fill="hold">
                                           <p:stCondLst>
                                             <p:cond delay="0"/>
                                           </p:stCondLst>
@@ -18943,26 +18765,26 @@
                     </p:cTn>
                   </p:par>
                   <p:par>
-                    <p:cTn id="147" fill="hold">
+                    <p:cTn id="124" fill="hold">
                       <p:stCondLst>
                         <p:cond delay="indefinite"/>
                       </p:stCondLst>
                       <p:childTnLst>
                         <p:par>
-                          <p:cTn id="148" fill="hold">
+                          <p:cTn id="125" fill="hold">
                             <p:stCondLst>
                               <p:cond delay="0"/>
                             </p:stCondLst>
                             <p:childTnLst>
                               <p:par>
-                                <p:cTn id="149" presetID="63" presetClass="path" presetSubtype="0" accel="50000" decel="50000" fill="hold" grpId="2" nodeType="clickEffect">
+                                <p:cTn id="126" presetID="63" presetClass="path" presetSubtype="0" accel="50000" decel="50000" fill="hold" grpId="2" nodeType="clickEffect">
                                   <p:stCondLst>
                                     <p:cond delay="0"/>
                                   </p:stCondLst>
                                   <p:childTnLst>
                                     <p:animMotion origin="layout" path="M 0.00091 -0.1463 L 0.38945 -0.15417 " pathEditMode="relative" rAng="0" ptsTypes="AA">
                                       <p:cBhvr>
-                                        <p:cTn id="150" dur="2000" fill="hold"/>
+                                        <p:cTn id="127" dur="2000" fill="hold"/>
                                         <p:tgtEl>
                                           <p:spTgt spid="68"/>
                                         </p:tgtEl>
@@ -18983,26 +18805,26 @@
                     </p:cTn>
                   </p:par>
                   <p:par>
-                    <p:cTn id="151" fill="hold">
+                    <p:cTn id="128" fill="hold">
                       <p:stCondLst>
                         <p:cond delay="indefinite"/>
                       </p:stCondLst>
                       <p:childTnLst>
                         <p:par>
-                          <p:cTn id="152" fill="hold">
+                          <p:cTn id="129" fill="hold">
                             <p:stCondLst>
                               <p:cond delay="0"/>
                             </p:stCondLst>
                             <p:childTnLst>
                               <p:par>
-                                <p:cTn id="153" presetID="1" presetClass="exit" presetSubtype="0" fill="hold" grpId="1" nodeType="clickEffect">
+                                <p:cTn id="130" presetID="1" presetClass="exit" presetSubtype="0" fill="hold" grpId="1" nodeType="clickEffect">
                                   <p:stCondLst>
                                     <p:cond delay="0"/>
                                   </p:stCondLst>
                                   <p:childTnLst>
                                     <p:set>
                                       <p:cBhvr>
-                                        <p:cTn id="154" dur="1" fill="hold">
+                                        <p:cTn id="131" dur="1" fill="hold">
                                           <p:stCondLst>
                                             <p:cond delay="0"/>
                                           </p:stCondLst>
@@ -19024,30 +18846,21 @@
                             </p:childTnLst>
                           </p:cTn>
                         </p:par>
-                      </p:childTnLst>
-                    </p:cTn>
-                  </p:par>
-                  <p:par>
-                    <p:cTn id="155" fill="hold">
-                      <p:stCondLst>
-                        <p:cond delay="indefinite"/>
-                      </p:stCondLst>
-                      <p:childTnLst>
                         <p:par>
-                          <p:cTn id="156" fill="hold">
+                          <p:cTn id="132" fill="hold">
                             <p:stCondLst>
                               <p:cond delay="0"/>
                             </p:stCondLst>
                             <p:childTnLst>
                               <p:par>
-                                <p:cTn id="157" presetID="1" presetClass="entr" presetSubtype="0" fill="hold" grpId="1" nodeType="clickEffect">
+                                <p:cTn id="133" presetID="1" presetClass="entr" presetSubtype="0" fill="hold" grpId="1" nodeType="afterEffect">
                                   <p:stCondLst>
                                     <p:cond delay="0"/>
                                   </p:stCondLst>
                                   <p:childTnLst>
                                     <p:set>
                                       <p:cBhvr>
-                                        <p:cTn id="158" dur="1" fill="hold">
+                                        <p:cTn id="134" dur="1" fill="hold">
                                           <p:stCondLst>
                                             <p:cond delay="0"/>
                                           </p:stCondLst>
@@ -19073,26 +18886,26 @@
                     </p:cTn>
                   </p:par>
                   <p:par>
-                    <p:cTn id="159" fill="hold">
+                    <p:cTn id="135" fill="hold">
                       <p:stCondLst>
                         <p:cond delay="indefinite"/>
                       </p:stCondLst>
                       <p:childTnLst>
                         <p:par>
-                          <p:cTn id="160" fill="hold">
+                          <p:cTn id="136" fill="hold">
                             <p:stCondLst>
                               <p:cond delay="0"/>
                             </p:stCondLst>
                             <p:childTnLst>
                               <p:par>
-                                <p:cTn id="161" presetID="0" presetClass="path" presetSubtype="0" accel="50000" decel="50000" fill="hold" grpId="3" nodeType="clickEffect">
+                                <p:cTn id="137" presetID="0" presetClass="path" presetSubtype="0" accel="50000" decel="50000" fill="hold" grpId="3" nodeType="clickEffect">
                                   <p:stCondLst>
                                     <p:cond delay="0"/>
                                   </p:stCondLst>
                                   <p:childTnLst>
                                     <p:animMotion origin="layout" path="M 0.38945 -0.15416 L 0.7789 -0.15602 L 0.77695 -0.4618 " pathEditMode="relative" ptsTypes="AAA">
                                       <p:cBhvr>
-                                        <p:cTn id="162" dur="2000" fill="hold"/>
+                                        <p:cTn id="138" dur="2000" fill="hold"/>
                                         <p:tgtEl>
                                           <p:spTgt spid="68"/>
                                         </p:tgtEl>
@@ -19112,26 +18925,26 @@
                     </p:cTn>
                   </p:par>
                   <p:par>
-                    <p:cTn id="163" fill="hold">
+                    <p:cTn id="139" fill="hold">
                       <p:stCondLst>
                         <p:cond delay="indefinite"/>
                       </p:stCondLst>
                       <p:childTnLst>
                         <p:par>
-                          <p:cTn id="164" fill="hold">
+                          <p:cTn id="140" fill="hold">
                             <p:stCondLst>
                               <p:cond delay="0"/>
                             </p:stCondLst>
                             <p:childTnLst>
                               <p:par>
-                                <p:cTn id="165" presetID="1" presetClass="exit" presetSubtype="0" fill="hold" grpId="0" nodeType="clickEffect">
+                                <p:cTn id="141" presetID="1" presetClass="exit" presetSubtype="0" fill="hold" grpId="0" nodeType="clickEffect">
                                   <p:stCondLst>
                                     <p:cond delay="0"/>
                                   </p:stCondLst>
                                   <p:childTnLst>
                                     <p:set>
                                       <p:cBhvr>
-                                        <p:cTn id="166" dur="1" fill="hold">
+                                        <p:cTn id="142" dur="1" fill="hold">
                                           <p:stCondLst>
                                             <p:cond delay="0"/>
                                           </p:stCondLst>
@@ -19151,14 +18964,14 @@
                                 </p:cTn>
                               </p:par>
                               <p:par>
-                                <p:cTn id="167" presetID="1" presetClass="entr" presetSubtype="0" fill="hold" grpId="0" nodeType="withEffect">
+                                <p:cTn id="143" presetID="1" presetClass="entr" presetSubtype="0" fill="hold" grpId="0" nodeType="withEffect">
                                   <p:stCondLst>
                                     <p:cond delay="0"/>
                                   </p:stCondLst>
                                   <p:childTnLst>
                                     <p:set>
                                       <p:cBhvr>
-                                        <p:cTn id="168" dur="1" fill="hold">
+                                        <p:cTn id="144" dur="1" fill="hold">
                                           <p:stCondLst>
                                             <p:cond delay="0"/>
                                           </p:stCondLst>
@@ -19177,33 +18990,15 @@
                                   </p:childTnLst>
                                 </p:cTn>
                               </p:par>
-                            </p:childTnLst>
-                          </p:cTn>
-                        </p:par>
-                      </p:childTnLst>
-                    </p:cTn>
-                  </p:par>
-                  <p:par>
-                    <p:cTn id="169" fill="hold">
-                      <p:stCondLst>
-                        <p:cond delay="indefinite"/>
-                      </p:stCondLst>
-                      <p:childTnLst>
-                        <p:par>
-                          <p:cTn id="170" fill="hold">
-                            <p:stCondLst>
-                              <p:cond delay="0"/>
-                            </p:stCondLst>
-                            <p:childTnLst>
                               <p:par>
-                                <p:cTn id="171" presetID="1" presetClass="exit" presetSubtype="0" fill="hold" grpId="2" nodeType="clickEffect">
+                                <p:cTn id="145" presetID="1" presetClass="exit" presetSubtype="0" fill="hold" grpId="2" nodeType="withEffect">
                                   <p:stCondLst>
                                     <p:cond delay="0"/>
                                   </p:stCondLst>
                                   <p:childTnLst>
                                     <p:set>
                                       <p:cBhvr>
-                                        <p:cTn id="172" dur="1" fill="hold">
+                                        <p:cTn id="146" dur="1" fill="hold">
                                           <p:stCondLst>
                                             <p:cond delay="0"/>
                                           </p:stCondLst>
@@ -19222,33 +19017,15 @@
                                   </p:childTnLst>
                                 </p:cTn>
                               </p:par>
-                            </p:childTnLst>
-                          </p:cTn>
-                        </p:par>
-                      </p:childTnLst>
-                    </p:cTn>
-                  </p:par>
-                  <p:par>
-                    <p:cTn id="173" fill="hold">
-                      <p:stCondLst>
-                        <p:cond delay="indefinite"/>
-                      </p:stCondLst>
-                      <p:childTnLst>
-                        <p:par>
-                          <p:cTn id="174" fill="hold">
-                            <p:stCondLst>
-                              <p:cond delay="0"/>
-                            </p:stCondLst>
-                            <p:childTnLst>
                               <p:par>
-                                <p:cTn id="175" presetID="1" presetClass="entr" presetSubtype="0" fill="hold" grpId="1" nodeType="clickEffect">
+                                <p:cTn id="147" presetID="1" presetClass="entr" presetSubtype="0" fill="hold" grpId="1" nodeType="withEffect">
                                   <p:stCondLst>
                                     <p:cond delay="0"/>
                                   </p:stCondLst>
                                   <p:childTnLst>
                                     <p:set>
                                       <p:cBhvr>
-                                        <p:cTn id="176" dur="1" fill="hold">
+                                        <p:cTn id="148" dur="1" fill="hold">
                                           <p:stCondLst>
                                             <p:cond delay="0"/>
                                           </p:stCondLst>
@@ -19267,33 +19044,15 @@
                                   </p:childTnLst>
                                 </p:cTn>
                               </p:par>
-                            </p:childTnLst>
-                          </p:cTn>
-                        </p:par>
-                      </p:childTnLst>
-                    </p:cTn>
-                  </p:par>
-                  <p:par>
-                    <p:cTn id="177" fill="hold">
-                      <p:stCondLst>
-                        <p:cond delay="indefinite"/>
-                      </p:stCondLst>
-                      <p:childTnLst>
-                        <p:par>
-                          <p:cTn id="178" fill="hold">
-                            <p:stCondLst>
-                              <p:cond delay="0"/>
-                            </p:stCondLst>
-                            <p:childTnLst>
                               <p:par>
-                                <p:cTn id="179" presetID="1" presetClass="exit" presetSubtype="0" fill="hold" grpId="0" nodeType="clickEffect">
+                                <p:cTn id="149" presetID="1" presetClass="exit" presetSubtype="0" fill="hold" grpId="0" nodeType="withEffect">
                                   <p:stCondLst>
                                     <p:cond delay="0"/>
                                   </p:stCondLst>
                                   <p:childTnLst>
                                     <p:set>
                                       <p:cBhvr>
-                                        <p:cTn id="180" dur="1" fill="hold">
+                                        <p:cTn id="150" dur="1" fill="hold">
                                           <p:stCondLst>
                                             <p:cond delay="0"/>
                                           </p:stCondLst>
@@ -19348,6 +19107,7 @@
       <p:bldP spid="17" grpId="0" animBg="1"/>
       <p:bldP spid="17" grpId="1" animBg="1"/>
       <p:bldP spid="17" grpId="2" animBg="1"/>
+      <p:bldP spid="17" grpId="3" animBg="1"/>
       <p:bldP spid="19" grpId="0"/>
       <p:bldP spid="42" grpId="0"/>
       <p:bldP spid="44" grpId="0" animBg="1"/>
@@ -19509,7 +19269,7 @@
         </p:blipFill>
         <p:spPr>
           <a:xfrm>
-            <a:off x="6096000" y="2051681"/>
+            <a:off x="6096000" y="2051678"/>
             <a:ext cx="6096000" cy="3686175"/>
           </a:xfrm>
           <a:prstGeom prst="rect">

--- a/doc/presentation/IDDR.pptx
+++ b/doc/presentation/IDDR.pptx
@@ -5,7 +5,7 @@
     <p:sldMasterId id="2147483660" r:id="rId1"/>
   </p:sldMasterIdLst>
   <p:notesMasterIdLst>
-    <p:notesMasterId r:id="rId28"/>
+    <p:notesMasterId r:id="rId30"/>
   </p:notesMasterIdLst>
   <p:sldIdLst>
     <p:sldId id="256" r:id="rId2"/>
@@ -28,12 +28,14 @@
     <p:sldId id="296" r:id="rId19"/>
     <p:sldId id="297" r:id="rId20"/>
     <p:sldId id="298" r:id="rId21"/>
-    <p:sldId id="282" r:id="rId22"/>
-    <p:sldId id="299" r:id="rId23"/>
-    <p:sldId id="300" r:id="rId24"/>
-    <p:sldId id="268" r:id="rId25"/>
-    <p:sldId id="272" r:id="rId26"/>
-    <p:sldId id="264" r:id="rId27"/>
+    <p:sldId id="301" r:id="rId22"/>
+    <p:sldId id="302" r:id="rId23"/>
+    <p:sldId id="282" r:id="rId24"/>
+    <p:sldId id="299" r:id="rId25"/>
+    <p:sldId id="300" r:id="rId26"/>
+    <p:sldId id="268" r:id="rId27"/>
+    <p:sldId id="272" r:id="rId28"/>
+    <p:sldId id="264" r:id="rId29"/>
   </p:sldIdLst>
   <p:sldSz cx="12192000" cy="6858000"/>
   <p:notesSz cx="6858000" cy="9144000"/>
@@ -165,6 +167,8 @@
             <p14:sldId id="296"/>
             <p14:sldId id="297"/>
             <p14:sldId id="298"/>
+            <p14:sldId id="301"/>
+            <p14:sldId id="302"/>
             <p14:sldId id="282"/>
           </p14:sldIdLst>
         </p14:section>
@@ -272,7 +276,7 @@
           <a:p>
             <a:fld id="{C6AFE97B-C4B1-41BF-AE6B-8CBC991743C2}" type="datetimeFigureOut">
               <a:rPr lang="en-US" smtClean="0"/>
-              <a:t>3/30/2014</a:t>
+              <a:t>4/10/2014</a:t>
             </a:fld>
             <a:endParaRPr lang="en-US"/>
           </a:p>
@@ -609,7 +613,7 @@
           <a:p>
             <a:fld id="{F5367C5B-A18A-4DC2-9096-D6D33224FBB5}" type="slidenum">
               <a:rPr lang="en-US" smtClean="0"/>
-              <a:t>21</a:t>
+              <a:t>23</a:t>
             </a:fld>
             <a:endParaRPr lang="en-US"/>
           </a:p>
@@ -828,7 +832,7 @@
           <a:p>
             <a:fld id="{993ACEB1-2F95-4730-9A80-DEA31051A5DE}" type="datetimeFigureOut">
               <a:rPr lang="en-US" smtClean="0"/>
-              <a:t>3/30/2014</a:t>
+              <a:t>4/10/2014</a:t>
             </a:fld>
             <a:endParaRPr lang="en-US"/>
           </a:p>
@@ -1018,7 +1022,7 @@
           <a:p>
             <a:fld id="{993ACEB1-2F95-4730-9A80-DEA31051A5DE}" type="datetimeFigureOut">
               <a:rPr lang="en-US" smtClean="0"/>
-              <a:t>3/30/2014</a:t>
+              <a:t>4/10/2014</a:t>
             </a:fld>
             <a:endParaRPr lang="en-US"/>
           </a:p>
@@ -1198,7 +1202,7 @@
           <a:p>
             <a:fld id="{993ACEB1-2F95-4730-9A80-DEA31051A5DE}" type="datetimeFigureOut">
               <a:rPr lang="en-US" smtClean="0"/>
-              <a:t>3/30/2014</a:t>
+              <a:t>4/10/2014</a:t>
             </a:fld>
             <a:endParaRPr lang="en-US"/>
           </a:p>
@@ -1368,7 +1372,7 @@
           <a:p>
             <a:fld id="{993ACEB1-2F95-4730-9A80-DEA31051A5DE}" type="datetimeFigureOut">
               <a:rPr lang="en-US" smtClean="0"/>
-              <a:t>3/30/2014</a:t>
+              <a:t>4/10/2014</a:t>
             </a:fld>
             <a:endParaRPr lang="en-US"/>
           </a:p>
@@ -1624,7 +1628,7 @@
           <a:p>
             <a:fld id="{993ACEB1-2F95-4730-9A80-DEA31051A5DE}" type="datetimeFigureOut">
               <a:rPr lang="en-US" smtClean="0"/>
-              <a:t>3/30/2014</a:t>
+              <a:t>4/10/2014</a:t>
             </a:fld>
             <a:endParaRPr lang="en-US"/>
           </a:p>
@@ -1912,7 +1916,7 @@
           <a:p>
             <a:fld id="{993ACEB1-2F95-4730-9A80-DEA31051A5DE}" type="datetimeFigureOut">
               <a:rPr lang="en-US" smtClean="0"/>
-              <a:t>3/30/2014</a:t>
+              <a:t>4/10/2014</a:t>
             </a:fld>
             <a:endParaRPr lang="en-US"/>
           </a:p>
@@ -2350,7 +2354,7 @@
           <a:p>
             <a:fld id="{993ACEB1-2F95-4730-9A80-DEA31051A5DE}" type="datetimeFigureOut">
               <a:rPr lang="en-US" smtClean="0"/>
-              <a:t>3/30/2014</a:t>
+              <a:t>4/10/2014</a:t>
             </a:fld>
             <a:endParaRPr lang="en-US"/>
           </a:p>
@@ -2468,7 +2472,7 @@
           <a:p>
             <a:fld id="{993ACEB1-2F95-4730-9A80-DEA31051A5DE}" type="datetimeFigureOut">
               <a:rPr lang="en-US" smtClean="0"/>
-              <a:t>3/30/2014</a:t>
+              <a:t>4/10/2014</a:t>
             </a:fld>
             <a:endParaRPr lang="en-US"/>
           </a:p>
@@ -2563,7 +2567,7 @@
           <a:p>
             <a:fld id="{993ACEB1-2F95-4730-9A80-DEA31051A5DE}" type="datetimeFigureOut">
               <a:rPr lang="en-US" smtClean="0"/>
-              <a:t>3/30/2014</a:t>
+              <a:t>4/10/2014</a:t>
             </a:fld>
             <a:endParaRPr lang="en-US"/>
           </a:p>
@@ -2919,7 +2923,7 @@
           <a:p>
             <a:fld id="{993ACEB1-2F95-4730-9A80-DEA31051A5DE}" type="datetimeFigureOut">
               <a:rPr lang="en-US" smtClean="0"/>
-              <a:t>3/30/2014</a:t>
+              <a:t>4/10/2014</a:t>
             </a:fld>
             <a:endParaRPr lang="en-US"/>
           </a:p>
@@ -3235,7 +3239,7 @@
           <a:p>
             <a:fld id="{993ACEB1-2F95-4730-9A80-DEA31051A5DE}" type="datetimeFigureOut">
               <a:rPr lang="en-US" smtClean="0"/>
-              <a:t>3/30/2014</a:t>
+              <a:t>4/10/2014</a:t>
             </a:fld>
             <a:endParaRPr lang="en-US"/>
           </a:p>
@@ -3468,7 +3472,7 @@
           <a:p>
             <a:fld id="{993ACEB1-2F95-4730-9A80-DEA31051A5DE}" type="datetimeFigureOut">
               <a:rPr lang="en-US" smtClean="0"/>
-              <a:t>3/30/2014</a:t>
+              <a:t>4/10/2014</a:t>
             </a:fld>
             <a:endParaRPr lang="en-US"/>
           </a:p>
@@ -3921,27 +3925,7 @@
           <a:p>
             <a:r>
               <a:rPr lang="en-US" sz="7200" dirty="0"/>
-              <a:t>I</a:t>
-            </a:r>
-            <a:r>
-              <a:rPr lang="en-US" sz="7200" dirty="0" smtClean="0"/>
-              <a:t>solated </a:t>
-            </a:r>
-            <a:r>
-              <a:rPr lang="en-US" sz="7200" dirty="0"/>
-              <a:t>D</a:t>
-            </a:r>
-            <a:r>
-              <a:rPr lang="en-US" sz="7200" dirty="0" smtClean="0"/>
-              <a:t>evice </a:t>
-            </a:r>
-            <a:r>
-              <a:rPr lang="en-US" sz="7200" dirty="0"/>
-              <a:t>D</a:t>
-            </a:r>
-            <a:r>
-              <a:rPr lang="en-US" sz="7200" dirty="0" smtClean="0"/>
-              <a:t>river</a:t>
+              <a:t>Performance Optimization for Isolated Driver Domains.</a:t>
             </a:r>
             <a:endParaRPr lang="en-US" sz="7200" dirty="0"/>
           </a:p>
@@ -7176,11 +7160,7 @@
             <a:pPr algn="ctr"/>
             <a:r>
               <a:rPr lang="en-US" sz="1200" dirty="0" smtClean="0"/>
-              <a:t>Share </a:t>
-            </a:r>
-            <a:r>
-              <a:rPr lang="en-US" sz="1200" dirty="0" smtClean="0"/>
-              <a:t>read write data</a:t>
+              <a:t>Share read write data</a:t>
             </a:r>
             <a:endParaRPr lang="en-US" sz="1200" dirty="0"/>
           </a:p>
@@ -11524,13 +11504,8 @@
           <a:p>
             <a:r>
               <a:rPr lang="en-US" dirty="0" smtClean="0"/>
-              <a:t>Operations such as page table updates (memory management) takes more time in guest operating system due to hypervisor layer</a:t>
-            </a:r>
-            <a:r>
-              <a:rPr lang="en-US" dirty="0" smtClean="0"/>
-              <a:t>.</a:t>
-            </a:r>
-            <a:endParaRPr lang="en-US" dirty="0" smtClean="0"/>
+              <a:t>Operations such as page table updates (memory management) takes more time in guest operating system due to hypervisor layer.</a:t>
+            </a:r>
           </a:p>
         </p:txBody>
       </p:sp>
@@ -15098,6 +15073,164 @@
           <a:p>
             <a:r>
               <a:rPr lang="en-US" dirty="0" smtClean="0"/>
+              <a:t>Cost of Context Switch</a:t>
+            </a:r>
+            <a:endParaRPr lang="en-US" dirty="0"/>
+          </a:p>
+        </p:txBody>
+      </p:sp>
+      <p:sp>
+        <p:nvSpPr>
+          <p:cNvPr id="3" name="Content Placeholder 2"/>
+          <p:cNvSpPr>
+            <a:spLocks noGrp="1"/>
+          </p:cNvSpPr>
+          <p:nvPr>
+            <p:ph idx="1"/>
+          </p:nvPr>
+        </p:nvSpPr>
+        <p:spPr/>
+        <p:txBody>
+          <a:bodyPr/>
+          <a:lstStyle/>
+          <a:p>
+            <a:r>
+              <a:rPr lang="en-US" dirty="0" smtClean="0"/>
+              <a:t>Direct cost</a:t>
+            </a:r>
+          </a:p>
+          <a:p>
+            <a:r>
+              <a:rPr lang="en-US" dirty="0" smtClean="0"/>
+              <a:t>Indirect cost</a:t>
+            </a:r>
+            <a:endParaRPr lang="en-US" dirty="0"/>
+          </a:p>
+        </p:txBody>
+      </p:sp>
+    </p:spTree>
+    <p:extLst>
+      <p:ext uri="{BB962C8B-B14F-4D97-AF65-F5344CB8AC3E}">
+        <p14:creationId xmlns:p14="http://schemas.microsoft.com/office/powerpoint/2010/main" val="954560489"/>
+      </p:ext>
+    </p:extLst>
+  </p:cSld>
+  <p:clrMapOvr>
+    <a:masterClrMapping/>
+  </p:clrMapOvr>
+</p:sld>
+</file>
+
+<file path=ppt/slides/slide22.xml><?xml version="1.0" encoding="utf-8"?>
+<p:sld xmlns:a="http://schemas.openxmlformats.org/drawingml/2006/main" xmlns:r="http://schemas.openxmlformats.org/officeDocument/2006/relationships" xmlns:p="http://schemas.openxmlformats.org/presentationml/2006/main">
+  <p:cSld>
+    <p:spTree>
+      <p:nvGrpSpPr>
+        <p:cNvPr id="1" name=""/>
+        <p:cNvGrpSpPr/>
+        <p:nvPr/>
+      </p:nvGrpSpPr>
+      <p:grpSpPr>
+        <a:xfrm>
+          <a:off x="0" y="0"/>
+          <a:ext cx="0" cy="0"/>
+          <a:chOff x="0" y="0"/>
+          <a:chExt cx="0" cy="0"/>
+        </a:xfrm>
+      </p:grpSpPr>
+      <p:sp>
+        <p:nvSpPr>
+          <p:cNvPr id="2" name="Title 1"/>
+          <p:cNvSpPr>
+            <a:spLocks noGrp="1"/>
+          </p:cNvSpPr>
+          <p:nvPr>
+            <p:ph type="title"/>
+          </p:nvPr>
+        </p:nvSpPr>
+        <p:spPr/>
+        <p:txBody>
+          <a:bodyPr/>
+          <a:lstStyle/>
+          <a:p>
+            <a:r>
+              <a:rPr lang="en-US" dirty="0" smtClean="0"/>
+              <a:t>Solution</a:t>
+            </a:r>
+            <a:endParaRPr lang="en-US" dirty="0"/>
+          </a:p>
+        </p:txBody>
+      </p:sp>
+      <p:sp>
+        <p:nvSpPr>
+          <p:cNvPr id="3" name="Content Placeholder 2"/>
+          <p:cNvSpPr>
+            <a:spLocks noGrp="1"/>
+          </p:cNvSpPr>
+          <p:nvPr>
+            <p:ph idx="1"/>
+          </p:nvPr>
+        </p:nvSpPr>
+        <p:spPr/>
+        <p:txBody>
+          <a:bodyPr/>
+          <a:lstStyle/>
+          <a:p>
+            <a:r>
+              <a:rPr lang="en-US" dirty="0" smtClean="0"/>
+              <a:t>Spinning</a:t>
+            </a:r>
+            <a:endParaRPr lang="en-US" dirty="0"/>
+          </a:p>
+        </p:txBody>
+      </p:sp>
+    </p:spTree>
+    <p:extLst>
+      <p:ext uri="{BB962C8B-B14F-4D97-AF65-F5344CB8AC3E}">
+        <p14:creationId xmlns:p14="http://schemas.microsoft.com/office/powerpoint/2010/main" val="4084729325"/>
+      </p:ext>
+    </p:extLst>
+  </p:cSld>
+  <p:clrMapOvr>
+    <a:masterClrMapping/>
+  </p:clrMapOvr>
+</p:sld>
+</file>
+
+<file path=ppt/slides/slide23.xml><?xml version="1.0" encoding="utf-8"?>
+<p:sld xmlns:a="http://schemas.openxmlformats.org/drawingml/2006/main" xmlns:r="http://schemas.openxmlformats.org/officeDocument/2006/relationships" xmlns:p="http://schemas.openxmlformats.org/presentationml/2006/main">
+  <p:cSld>
+    <p:spTree>
+      <p:nvGrpSpPr>
+        <p:cNvPr id="1" name=""/>
+        <p:cNvGrpSpPr/>
+        <p:nvPr/>
+      </p:nvGrpSpPr>
+      <p:grpSpPr>
+        <a:xfrm>
+          <a:off x="0" y="0"/>
+          <a:ext cx="0" cy="0"/>
+          <a:chOff x="0" y="0"/>
+          <a:chExt cx="0" cy="0"/>
+        </a:xfrm>
+      </p:grpSpPr>
+      <p:sp>
+        <p:nvSpPr>
+          <p:cNvPr id="2" name="Title 1"/>
+          <p:cNvSpPr>
+            <a:spLocks noGrp="1"/>
+          </p:cNvSpPr>
+          <p:nvPr>
+            <p:ph type="title"/>
+          </p:nvPr>
+        </p:nvSpPr>
+        <p:spPr/>
+        <p:txBody>
+          <a:bodyPr/>
+          <a:lstStyle/>
+          <a:p>
+            <a:r>
+              <a:rPr lang="en-US" dirty="0" smtClean="0"/>
               <a:t>New IDDR system</a:t>
             </a:r>
             <a:endParaRPr lang="en-US" dirty="0"/>
@@ -15150,8 +15283,8 @@
         </p:nvSpPr>
         <p:spPr>
           <a:xfrm>
-            <a:off x="9589202" y="6193961"/>
-            <a:ext cx="1661545" cy="369332"/>
+            <a:off x="9445982" y="6196995"/>
+            <a:ext cx="1914627" cy="369332"/>
           </a:xfrm>
           <a:prstGeom prst="rect">
             <a:avLst/>
@@ -15165,8 +15298,12 @@
           <a:lstStyle/>
           <a:p>
             <a:r>
+              <a:rPr lang="en-US" dirty="0" err="1" smtClean="0"/>
+              <a:t>Apllication</a:t>
+            </a:r>
+            <a:r>
               <a:rPr lang="en-US" dirty="0" smtClean="0"/>
-              <a:t>Primary domain</a:t>
+              <a:t> domain</a:t>
             </a:r>
             <a:endParaRPr lang="en-US" dirty="0"/>
           </a:p>
@@ -15290,8 +15427,8 @@
         </p:nvSpPr>
         <p:spPr>
           <a:xfrm>
-            <a:off x="726628" y="6198130"/>
-            <a:ext cx="1644617" cy="369332"/>
+            <a:off x="827956" y="6196995"/>
+            <a:ext cx="1504899" cy="369332"/>
           </a:xfrm>
           <a:prstGeom prst="rect">
             <a:avLst/>
@@ -15306,7 +15443,7 @@
           <a:p>
             <a:r>
               <a:rPr lang="en-US" dirty="0" smtClean="0"/>
-              <a:t>Storage domain</a:t>
+              <a:t>Driver domain</a:t>
             </a:r>
             <a:endParaRPr lang="en-US" dirty="0"/>
           </a:p>
@@ -15851,16 +15988,14 @@
           </a:prstGeom>
         </p:spPr>
         <p:style>
-          <a:lnRef idx="2">
-            <a:schemeClr val="dk1">
-              <a:shade val="50000"/>
-            </a:schemeClr>
+          <a:lnRef idx="0">
+            <a:schemeClr val="accent2"/>
           </a:lnRef>
-          <a:fillRef idx="1">
-            <a:schemeClr val="dk1"/>
+          <a:fillRef idx="3">
+            <a:schemeClr val="accent2"/>
           </a:fillRef>
-          <a:effectRef idx="0">
-            <a:schemeClr val="dk1"/>
+          <a:effectRef idx="3">
+            <a:schemeClr val="accent2"/>
           </a:effectRef>
           <a:fontRef idx="minor">
             <a:schemeClr val="lt1"/>
@@ -15895,16 +16030,14 @@
           </a:prstGeom>
         </p:spPr>
         <p:style>
-          <a:lnRef idx="2">
-            <a:schemeClr val="dk1">
-              <a:shade val="50000"/>
-            </a:schemeClr>
+          <a:lnRef idx="0">
+            <a:schemeClr val="accent2"/>
           </a:lnRef>
-          <a:fillRef idx="1">
-            <a:schemeClr val="dk1"/>
+          <a:fillRef idx="3">
+            <a:schemeClr val="accent2"/>
           </a:fillRef>
-          <a:effectRef idx="0">
-            <a:schemeClr val="dk1"/>
+          <a:effectRef idx="3">
+            <a:schemeClr val="accent2"/>
           </a:effectRef>
           <a:fontRef idx="minor">
             <a:schemeClr val="lt1"/>
@@ -15939,16 +16072,14 @@
           </a:prstGeom>
         </p:spPr>
         <p:style>
-          <a:lnRef idx="2">
-            <a:schemeClr val="dk1">
-              <a:shade val="50000"/>
-            </a:schemeClr>
+          <a:lnRef idx="0">
+            <a:schemeClr val="accent2"/>
           </a:lnRef>
-          <a:fillRef idx="1">
-            <a:schemeClr val="dk1"/>
+          <a:fillRef idx="3">
+            <a:schemeClr val="accent2"/>
           </a:fillRef>
-          <a:effectRef idx="0">
-            <a:schemeClr val="dk1"/>
+          <a:effectRef idx="3">
+            <a:schemeClr val="accent2"/>
           </a:effectRef>
           <a:fontRef idx="minor">
             <a:schemeClr val="lt1"/>
@@ -15983,16 +16114,14 @@
           </a:prstGeom>
         </p:spPr>
         <p:style>
-          <a:lnRef idx="2">
-            <a:schemeClr val="dk1">
-              <a:shade val="50000"/>
-            </a:schemeClr>
+          <a:lnRef idx="0">
+            <a:schemeClr val="accent2"/>
           </a:lnRef>
-          <a:fillRef idx="1">
-            <a:schemeClr val="dk1"/>
+          <a:fillRef idx="3">
+            <a:schemeClr val="accent2"/>
           </a:fillRef>
-          <a:effectRef idx="0">
-            <a:schemeClr val="dk1"/>
+          <a:effectRef idx="3">
+            <a:schemeClr val="accent2"/>
           </a:effectRef>
           <a:fontRef idx="minor">
             <a:schemeClr val="lt1"/>
@@ -19149,7 +19278,7 @@
 </p:sld>
 </file>
 
-<file path=ppt/slides/slide22.xml><?xml version="1.0" encoding="utf-8"?>
+<file path=ppt/slides/slide24.xml><?xml version="1.0" encoding="utf-8"?>
 <p:sld xmlns:a="http://schemas.openxmlformats.org/drawingml/2006/main" xmlns:r="http://schemas.openxmlformats.org/officeDocument/2006/relationships" xmlns:p="http://schemas.openxmlformats.org/presentationml/2006/main">
   <p:cSld>
     <p:spTree>
@@ -19321,7 +19450,7 @@
 </p:sld>
 </file>
 
-<file path=ppt/slides/slide23.xml><?xml version="1.0" encoding="utf-8"?>
+<file path=ppt/slides/slide25.xml><?xml version="1.0" encoding="utf-8"?>
 <p:sld xmlns:a="http://schemas.openxmlformats.org/drawingml/2006/main" xmlns:r="http://schemas.openxmlformats.org/officeDocument/2006/relationships" xmlns:p="http://schemas.openxmlformats.org/presentationml/2006/main">
   <p:cSld>
     <p:spTree>
@@ -19493,7 +19622,7 @@
 </p:sld>
 </file>
 
-<file path=ppt/slides/slide24.xml><?xml version="1.0" encoding="utf-8"?>
+<file path=ppt/slides/slide26.xml><?xml version="1.0" encoding="utf-8"?>
 <p:sld xmlns:a="http://schemas.openxmlformats.org/drawingml/2006/main" xmlns:r="http://schemas.openxmlformats.org/officeDocument/2006/relationships" xmlns:p="http://schemas.openxmlformats.org/presentationml/2006/main" show="0">
   <p:cSld>
     <p:spTree>
@@ -20409,7 +20538,7 @@
 </p:sld>
 </file>
 
-<file path=ppt/slides/slide25.xml><?xml version="1.0" encoding="utf-8"?>
+<file path=ppt/slides/slide27.xml><?xml version="1.0" encoding="utf-8"?>
 <p:sld xmlns:a="http://schemas.openxmlformats.org/drawingml/2006/main" xmlns:r="http://schemas.openxmlformats.org/officeDocument/2006/relationships" xmlns:p="http://schemas.openxmlformats.org/presentationml/2006/main" show="0">
   <p:cSld>
     <p:spTree>
@@ -21305,11 +21434,11 @@
   <p:clrMapOvr>
     <a:masterClrMapping/>
   </p:clrMapOvr>
-  <mc:AlternateContent xmlns:mc="http://schemas.openxmlformats.org/markup-compatibility/2006">
-    <mc:Choice xmlns:p14="http://schemas.microsoft.com/office/powerpoint/2010/main" Requires="p14">
+  <mc:AlternateContent xmlns:mc="http://schemas.openxmlformats.org/markup-compatibility/2006" xmlns:p14="http://schemas.microsoft.com/office/powerpoint/2010/main">
+    <mc:Choice Requires="p14">
       <p:transition spd="slow" p14:dur="2000"/>
     </mc:Choice>
-    <mc:Fallback>
+    <mc:Fallback xmlns="">
       <p:transition spd="slow"/>
     </mc:Fallback>
   </mc:AlternateContent>
@@ -21323,7 +21452,7 @@
 </p:sld>
 </file>
 
-<file path=ppt/slides/slide26.xml><?xml version="1.0" encoding="utf-8"?>
+<file path=ppt/slides/slide28.xml><?xml version="1.0" encoding="utf-8"?>
 <p:sld xmlns:a="http://schemas.openxmlformats.org/drawingml/2006/main" xmlns:r="http://schemas.openxmlformats.org/officeDocument/2006/relationships" xmlns:p="http://schemas.openxmlformats.org/presentationml/2006/main" show="0">
   <p:cSld>
     <p:spTree>

--- a/doc/presentation/IDDR.pptx
+++ b/doc/presentation/IDDR.pptx
@@ -5,7 +5,7 @@
     <p:sldMasterId id="2147483660" r:id="rId1"/>
   </p:sldMasterIdLst>
   <p:notesMasterIdLst>
-    <p:notesMasterId r:id="rId30"/>
+    <p:notesMasterId r:id="rId35"/>
   </p:notesMasterIdLst>
   <p:sldIdLst>
     <p:sldId id="256" r:id="rId2"/>
@@ -31,11 +31,16 @@
     <p:sldId id="301" r:id="rId22"/>
     <p:sldId id="302" r:id="rId23"/>
     <p:sldId id="282" r:id="rId24"/>
-    <p:sldId id="299" r:id="rId25"/>
+    <p:sldId id="303" r:id="rId25"/>
     <p:sldId id="300" r:id="rId26"/>
-    <p:sldId id="268" r:id="rId27"/>
-    <p:sldId id="272" r:id="rId28"/>
-    <p:sldId id="264" r:id="rId29"/>
+    <p:sldId id="305" r:id="rId27"/>
+    <p:sldId id="304" r:id="rId28"/>
+    <p:sldId id="306" r:id="rId29"/>
+    <p:sldId id="307" r:id="rId30"/>
+    <p:sldId id="308" r:id="rId31"/>
+    <p:sldId id="268" r:id="rId32"/>
+    <p:sldId id="272" r:id="rId33"/>
+    <p:sldId id="264" r:id="rId34"/>
   </p:sldIdLst>
   <p:sldSz cx="12192000" cy="6858000"/>
   <p:notesSz cx="6858000" cy="9144000"/>
@@ -174,8 +179,13 @@
         </p14:section>
         <p14:section name="Evaluation" id="{E878A1F0-F25C-412E-8475-16F472CD1F0C}">
           <p14:sldIdLst>
-            <p14:sldId id="299"/>
+            <p14:sldId id="303"/>
             <p14:sldId id="300"/>
+            <p14:sldId id="305"/>
+            <p14:sldId id="304"/>
+            <p14:sldId id="306"/>
+            <p14:sldId id="307"/>
+            <p14:sldId id="308"/>
           </p14:sldIdLst>
         </p14:section>
         <p14:section name="Figures" id="{E2334729-6C61-4C52-B79C-4CB92910D7A9}">
@@ -3927,7 +3937,6 @@
               <a:rPr lang="en-US" sz="7200" dirty="0"/>
               <a:t>Performance Optimization for Isolated Driver Domains.</a:t>
             </a:r>
-            <a:endParaRPr lang="en-US" sz="7200" dirty="0"/>
           </a:p>
         </p:txBody>
       </p:sp>
@@ -6376,22 +6385,50 @@
           <a:lstStyle/>
           <a:p>
             <a:r>
+              <a:rPr lang="en-US" b="1" dirty="0" smtClean="0"/>
+              <a:t>Frontend Driver </a:t>
+            </a:r>
+            <a:endParaRPr lang="en-US" b="1" dirty="0"/>
+          </a:p>
+          <a:p>
+            <a:pPr lvl="1"/>
+            <a:r>
               <a:rPr lang="en-US" dirty="0" smtClean="0"/>
-              <a:t>Frontend Driver – Provides an interface for applications</a:t>
-            </a:r>
-          </a:p>
-          <a:p>
+              <a:t>Provides </a:t>
+            </a:r>
             <a:r>
               <a:rPr lang="en-US" dirty="0" smtClean="0"/>
-              <a:t>Backend Driver – Accepts the requests and sends back responses</a:t>
-            </a:r>
-          </a:p>
-          <a:p>
+              <a:t>an interface for applications</a:t>
+            </a:r>
+          </a:p>
+          <a:p>
+            <a:r>
+              <a:rPr lang="en-US" b="1" dirty="0" smtClean="0"/>
+              <a:t>Backend Driver </a:t>
+            </a:r>
+            <a:endParaRPr lang="en-US" b="1" dirty="0"/>
+          </a:p>
+          <a:p>
+            <a:pPr lvl="1"/>
             <a:r>
               <a:rPr lang="en-US" dirty="0" smtClean="0"/>
-              <a:t>Communication Module – </a:t>
-            </a:r>
-            <a:endParaRPr lang="en-US" dirty="0"/>
+              <a:t>Accepts </a:t>
+            </a:r>
+            <a:r>
+              <a:rPr lang="en-US" dirty="0" smtClean="0"/>
+              <a:t>the requests and sends back responses</a:t>
+            </a:r>
+          </a:p>
+          <a:p>
+            <a:r>
+              <a:rPr lang="en-US" b="1" dirty="0" smtClean="0"/>
+              <a:t>Communication Module </a:t>
+            </a:r>
+            <a:r>
+              <a:rPr lang="en-US" b="1" dirty="0" smtClean="0"/>
+              <a:t> </a:t>
+            </a:r>
+            <a:endParaRPr lang="en-US" b="1" dirty="0"/>
           </a:p>
         </p:txBody>
       </p:sp>
@@ -10674,7 +10711,7 @@
             <a:avLst/>
           </a:prstGeom>
           <a:solidFill>
-            <a:srgbClr val="FF9900"/>
+            <a:schemeClr val="bg1"/>
           </a:solidFill>
           <a:ln>
             <a:solidFill>
@@ -10722,7 +10759,7 @@
             <a:avLst/>
           </a:prstGeom>
           <a:solidFill>
-            <a:srgbClr val="FF9900"/>
+            <a:schemeClr val="bg1"/>
           </a:solidFill>
           <a:ln>
             <a:solidFill>
@@ -10763,14 +10800,14 @@
         </p:nvSpPr>
         <p:spPr>
           <a:xfrm>
-            <a:off x="10414849" y="2500743"/>
+            <a:off x="10414849" y="2523603"/>
             <a:ext cx="222244" cy="222244"/>
           </a:xfrm>
           <a:prstGeom prst="star7">
             <a:avLst/>
           </a:prstGeom>
           <a:solidFill>
-            <a:srgbClr val="FF9900"/>
+            <a:schemeClr val="bg1"/>
           </a:solidFill>
           <a:ln>
             <a:solidFill>
@@ -10880,7 +10917,7 @@
                                     <p:cond delay="0"/>
                                   </p:stCondLst>
                                   <p:childTnLst>
-                                    <p:animMotion origin="layout" path="M -1.45833E-6 2.96296E-6 L -1.45833E-6 0.18449 C -1.45833E-6 0.26736 0.01172 0.36944 0.02162 0.36944 L 0.04323 0.36944 " pathEditMode="relative" rAng="0" ptsTypes="AAAA">
+                                    <p:animMotion origin="layout" path="M -1.45833E-6 7.40741E-7 L -1.45833E-6 0.18449 C -1.45833E-6 0.26736 0.01172 0.36944 0.02162 0.36944 L 0.04323 0.36944 " pathEditMode="relative" rAng="0" ptsTypes="AAAA">
                                       <p:cBhvr>
                                         <p:cTn id="6" dur="2000" fill="hold"/>
                                         <p:tgtEl>
@@ -10964,7 +11001,7 @@
                                     <p:cond delay="0"/>
                                   </p:stCondLst>
                                   <p:childTnLst>
-                                    <p:animMotion origin="layout" path="M 0.03958 0.36944 L -0.31042 0.35879 " pathEditMode="relative" rAng="0" ptsTypes="AA">
+                                    <p:animMotion origin="layout" path="M 0.03958 0.36944 L -0.31042 0.3588 " pathEditMode="relative" rAng="0" ptsTypes="AA">
                                       <p:cBhvr>
                                         <p:cTn id="14" dur="2000" fill="hold"/>
                                         <p:tgtEl>
@@ -11151,7 +11188,7 @@
                                     <p:cond delay="0"/>
                                   </p:stCondLst>
                                   <p:childTnLst>
-                                    <p:animMotion origin="layout" path="M -0.31041 0.35879 L -0.65195 0.30578 L -0.76146 0.30416 L -0.76146 0.45809 " pathEditMode="relative" ptsTypes="AAAA">
+                                    <p:animMotion origin="layout" path="M -0.31042 0.3588 L -0.65195 0.30579 L -0.76146 0.30417 L -0.76146 0.4581 " pathEditMode="relative" rAng="0" ptsTypes="AAAA">
                                       <p:cBhvr>
                                         <p:cTn id="31" dur="2000" fill="hold"/>
                                         <p:tgtEl>
@@ -11162,6 +11199,7 @@
                                           <p:attrName>ppt_y</p:attrName>
                                         </p:attrNameLst>
                                       </p:cBhvr>
+                                      <p:rCtr x="-22552" y="2222"/>
                                     </p:animMotion>
                                   </p:childTnLst>
                                 </p:cTn>
@@ -15091,19 +15129,119 @@
         </p:nvSpPr>
         <p:spPr/>
         <p:txBody>
-          <a:bodyPr/>
-          <a:lstStyle/>
-          <a:p>
+          <a:bodyPr>
+            <a:normAutofit/>
+          </a:bodyPr>
+          <a:lstStyle/>
+          <a:p>
+            <a:r>
+              <a:rPr lang="en-US" b="1" dirty="0" smtClean="0"/>
+              <a:t>Direct </a:t>
+            </a:r>
+            <a:r>
+              <a:rPr lang="en-US" b="1" dirty="0" smtClean="0"/>
+              <a:t>cost :</a:t>
+            </a:r>
             <a:r>
               <a:rPr lang="en-US" dirty="0" smtClean="0"/>
-              <a:t>Direct cost</a:t>
-            </a:r>
-          </a:p>
-          <a:p>
+              <a:t> </a:t>
+            </a:r>
             <a:r>
               <a:rPr lang="en-US" dirty="0" smtClean="0"/>
+              <a:t>Cost required to </a:t>
+            </a:r>
+          </a:p>
+          <a:p>
+            <a:pPr lvl="1"/>
+            <a:r>
+              <a:rPr lang="en-US" dirty="0" smtClean="0"/>
+              <a:t>save </a:t>
+            </a:r>
+            <a:r>
+              <a:rPr lang="en-US" dirty="0"/>
+              <a:t>and </a:t>
+            </a:r>
+            <a:r>
+              <a:rPr lang="en-US" dirty="0" smtClean="0"/>
+              <a:t>restore </a:t>
+            </a:r>
+            <a:r>
+              <a:rPr lang="en-US" dirty="0"/>
+              <a:t>processor </a:t>
+            </a:r>
+            <a:r>
+              <a:rPr lang="en-US" dirty="0" smtClean="0"/>
+              <a:t>registers</a:t>
+            </a:r>
+          </a:p>
+          <a:p>
+            <a:pPr lvl="1"/>
+            <a:r>
+              <a:rPr lang="en-US" dirty="0" smtClean="0"/>
+              <a:t>execute scheduler code</a:t>
+            </a:r>
+          </a:p>
+          <a:p>
+            <a:pPr lvl="1"/>
+            <a:r>
+              <a:rPr lang="en-US" dirty="0" smtClean="0"/>
+              <a:t>reload the </a:t>
+            </a:r>
+            <a:r>
+              <a:rPr lang="en-US" dirty="0"/>
+              <a:t>TLB </a:t>
+            </a:r>
+            <a:r>
+              <a:rPr lang="en-US" dirty="0" smtClean="0"/>
+              <a:t>entries</a:t>
+            </a:r>
+          </a:p>
+          <a:p>
+            <a:pPr lvl="1"/>
+            <a:r>
+              <a:rPr lang="en-US" dirty="0" smtClean="0"/>
+              <a:t>flush pipeline</a:t>
+            </a:r>
+          </a:p>
+          <a:p>
+            <a:r>
+              <a:rPr lang="en-US" b="1" dirty="0" smtClean="0"/>
               <a:t>Indirect cost</a:t>
             </a:r>
+          </a:p>
+          <a:p>
+            <a:pPr lvl="1"/>
+            <a:r>
+              <a:rPr lang="en-IN" dirty="0" smtClean="0"/>
+              <a:t>Processor pollution: </a:t>
+            </a:r>
+            <a:r>
+              <a:rPr lang="en-IN" dirty="0"/>
+              <a:t>cached entries are removed/ updated from </a:t>
+            </a:r>
+            <a:r>
+              <a:rPr lang="en-IN" dirty="0" err="1"/>
+              <a:t>i</a:t>
+            </a:r>
+            <a:r>
+              <a:rPr lang="en-IN" dirty="0"/>
+              <a:t>, d, L2, L3 cache, TLB, etc.</a:t>
+            </a:r>
+          </a:p>
+          <a:p>
+            <a:pPr lvl="1"/>
+            <a:r>
+              <a:rPr lang="en-IN" dirty="0" smtClean="0"/>
+              <a:t>Cache </a:t>
+            </a:r>
+            <a:r>
+              <a:rPr lang="en-IN" dirty="0"/>
+              <a:t>interference</a:t>
+            </a:r>
+            <a:endParaRPr lang="en-IN" dirty="0" smtClean="0"/>
+          </a:p>
+          <a:p>
+            <a:pPr lvl="1"/>
             <a:endParaRPr lang="en-US" dirty="0"/>
           </a:p>
         </p:txBody>
@@ -15118,6 +15256,13 @@
   <p:clrMapOvr>
     <a:masterClrMapping/>
   </p:clrMapOvr>
+  <p:timing>
+    <p:tnLst>
+      <p:par>
+        <p:cTn id="1" dur="indefinite" restart="never" nodeType="tmRoot"/>
+      </p:par>
+    </p:tnLst>
+  </p:timing>
 </p:sld>
 </file>
 
@@ -15177,9 +15322,63 @@
           <a:lstStyle/>
           <a:p>
             <a:r>
+              <a:rPr lang="en-US" b="1" dirty="0" smtClean="0"/>
+              <a:t>Spinning</a:t>
+            </a:r>
+          </a:p>
+          <a:p>
+            <a:pPr lvl="1"/>
+            <a:endParaRPr lang="en-US" dirty="0" smtClean="0"/>
+          </a:p>
+          <a:p>
+            <a:pPr lvl="1"/>
+            <a:r>
               <a:rPr lang="en-US" dirty="0" smtClean="0"/>
-              <a:t>Spinning</a:t>
-            </a:r>
+              <a:t>Read request thread - Frontend</a:t>
+            </a:r>
+          </a:p>
+          <a:p>
+            <a:pPr lvl="2"/>
+            <a:r>
+              <a:rPr lang="en-US" dirty="0" smtClean="0"/>
+              <a:t>Thread runs in the backend driver</a:t>
+            </a:r>
+          </a:p>
+          <a:p>
+            <a:pPr lvl="2"/>
+            <a:r>
+              <a:rPr lang="en-US" dirty="0" smtClean="0"/>
+              <a:t>Spins for some time waiting for requests</a:t>
+            </a:r>
+            <a:endParaRPr lang="en-US" dirty="0" smtClean="0"/>
+          </a:p>
+          <a:p>
+            <a:pPr lvl="1"/>
+            <a:endParaRPr lang="en-US" dirty="0" smtClean="0"/>
+          </a:p>
+          <a:p>
+            <a:pPr lvl="1"/>
+            <a:r>
+              <a:rPr lang="en-US" dirty="0" smtClean="0"/>
+              <a:t>Read response thread - Backend</a:t>
+            </a:r>
+          </a:p>
+          <a:p>
+            <a:pPr lvl="2"/>
+            <a:r>
+              <a:rPr lang="en-US" dirty="0" smtClean="0"/>
+              <a:t>Thread runs in the frontend driver </a:t>
+            </a:r>
+          </a:p>
+          <a:p>
+            <a:pPr lvl="2"/>
+            <a:r>
+              <a:rPr lang="en-US" dirty="0" smtClean="0"/>
+              <a:t>Spins for some time waiting for responses</a:t>
+            </a:r>
+          </a:p>
+          <a:p>
+            <a:pPr lvl="1"/>
             <a:endParaRPr lang="en-US" dirty="0"/>
           </a:p>
         </p:txBody>
@@ -15194,6 +15393,13 @@
   <p:clrMapOvr>
     <a:masterClrMapping/>
   </p:clrMapOvr>
+  <p:timing>
+    <p:tnLst>
+      <p:par>
+        <p:cTn id="1" dur="indefinite" restart="never" nodeType="tmRoot"/>
+      </p:par>
+    </p:tnLst>
+  </p:timing>
 </p:sld>
 </file>
 
@@ -15284,7 +15490,7 @@
         <p:spPr>
           <a:xfrm>
             <a:off x="9445982" y="6196995"/>
-            <a:ext cx="1914627" cy="369332"/>
+            <a:ext cx="1983556" cy="369332"/>
           </a:xfrm>
           <a:prstGeom prst="rect">
             <a:avLst/>
@@ -15298,12 +15504,12 @@
           <a:lstStyle/>
           <a:p>
             <a:r>
-              <a:rPr lang="en-US" dirty="0" err="1" smtClean="0"/>
-              <a:t>Apllication</a:t>
-            </a:r>
-            <a:r>
               <a:rPr lang="en-US" dirty="0" smtClean="0"/>
-              <a:t> domain</a:t>
+              <a:t>Application </a:t>
+            </a:r>
+            <a:r>
+              <a:rPr lang="en-US" dirty="0" smtClean="0"/>
+              <a:t>domain</a:t>
             </a:r>
             <a:endParaRPr lang="en-US" dirty="0"/>
           </a:p>
@@ -16199,11 +16405,11 @@
             <a:avLst/>
           </a:prstGeom>
           <a:solidFill>
-            <a:srgbClr val="CC0000"/>
+            <a:schemeClr val="bg1"/>
           </a:solidFill>
           <a:ln>
             <a:solidFill>
-              <a:srgbClr val="CC0000"/>
+              <a:srgbClr val="FF0000"/>
             </a:solidFill>
           </a:ln>
         </p:spPr>
@@ -16247,11 +16453,11 @@
             <a:avLst/>
           </a:prstGeom>
           <a:solidFill>
-            <a:srgbClr val="CC0000"/>
+            <a:schemeClr val="bg1"/>
           </a:solidFill>
           <a:ln>
             <a:solidFill>
-              <a:srgbClr val="CC0000"/>
+              <a:srgbClr val="FF0000"/>
             </a:solidFill>
           </a:ln>
         </p:spPr>
@@ -16493,8 +16699,8 @@
         </p:nvSpPr>
         <p:spPr>
           <a:xfrm>
-            <a:off x="5521105" y="3303804"/>
-            <a:ext cx="457132" cy="408378"/>
+            <a:off x="5531664" y="3295648"/>
+            <a:ext cx="457567" cy="402038"/>
           </a:xfrm>
           <a:prstGeom prst="rect">
             <a:avLst/>
@@ -16556,8 +16762,8 @@
         </p:nvSpPr>
         <p:spPr>
           <a:xfrm>
-            <a:off x="5978237" y="3304550"/>
-            <a:ext cx="457132" cy="408378"/>
+            <a:off x="5987807" y="3295648"/>
+            <a:ext cx="451964" cy="405403"/>
           </a:xfrm>
           <a:prstGeom prst="rect">
             <a:avLst/>
@@ -16619,8 +16825,8 @@
         </p:nvSpPr>
         <p:spPr>
           <a:xfrm>
-            <a:off x="5521100" y="3706326"/>
-            <a:ext cx="457132" cy="408378"/>
+            <a:off x="5530867" y="3697261"/>
+            <a:ext cx="456748" cy="408378"/>
           </a:xfrm>
           <a:prstGeom prst="rect">
             <a:avLst/>
@@ -16682,8 +16888,8 @@
         </p:nvSpPr>
         <p:spPr>
           <a:xfrm>
-            <a:off x="5978232" y="3706326"/>
-            <a:ext cx="457132" cy="408378"/>
+            <a:off x="5985894" y="3701051"/>
+            <a:ext cx="452141" cy="404588"/>
           </a:xfrm>
           <a:prstGeom prst="rect">
             <a:avLst/>
@@ -17284,114 +17490,6 @@
       </p:sp>
       <p:sp>
         <p:nvSpPr>
-          <p:cNvPr id="74" name="Rectangle 73"/>
-          <p:cNvSpPr/>
-          <p:nvPr/>
-        </p:nvSpPr>
-        <p:spPr>
-          <a:xfrm>
-            <a:off x="5521106" y="3303805"/>
-            <a:ext cx="457132" cy="408378"/>
-          </a:xfrm>
-          <a:prstGeom prst="rect">
-            <a:avLst/>
-          </a:prstGeom>
-          <a:solidFill>
-            <a:srgbClr val="FFC000"/>
-          </a:solidFill>
-          <a:ln w="12700" cap="flat" cmpd="sng" algn="ctr">
-            <a:solidFill>
-              <a:srgbClr val="657689">
-                <a:shade val="50000"/>
-              </a:srgbClr>
-            </a:solidFill>
-            <a:prstDash val="solid"/>
-          </a:ln>
-          <a:effectLst/>
-        </p:spPr>
-        <p:txBody>
-          <a:bodyPr rtlCol="0" anchor="ctr"/>
-          <a:lstStyle/>
-          <a:p>
-            <a:pPr marL="0" marR="0" lvl="0" indent="0" algn="ctr" defTabSz="914400" eaLnBrk="1" fontAlgn="auto" latinLnBrk="0" hangingPunct="1">
-              <a:lnSpc>
-                <a:spcPct val="100000"/>
-              </a:lnSpc>
-              <a:spcBef>
-                <a:spcPts val="0"/>
-              </a:spcBef>
-              <a:spcAft>
-                <a:spcPts val="0"/>
-              </a:spcAft>
-              <a:buClrTx/>
-              <a:buSzTx/>
-              <a:buFontTx/>
-              <a:buNone/>
-              <a:tabLst/>
-              <a:defRPr/>
-            </a:pPr>
-            <a:endParaRPr kumimoji="0" lang="en-US" sz="1800" b="0" i="0" u="none" strike="noStrike" kern="0" cap="none" spc="0" normalizeH="0" baseline="0" noProof="0" dirty="0">
-              <a:ln>
-                <a:noFill/>
-              </a:ln>
-              <a:solidFill>
-                <a:prstClr val="white"/>
-              </a:solidFill>
-              <a:effectLst/>
-              <a:uLnTx/>
-              <a:uFillTx/>
-              <a:latin typeface="Calibri Light" panose="020F0302020204030204"/>
-            </a:endParaRPr>
-          </a:p>
-        </p:txBody>
-      </p:sp>
-      <p:sp>
-        <p:nvSpPr>
-          <p:cNvPr id="53" name="TextBox 52"/>
-          <p:cNvSpPr txBox="1"/>
-          <p:nvPr/>
-        </p:nvSpPr>
-        <p:spPr>
-          <a:xfrm>
-            <a:off x="5634832" y="3459907"/>
-            <a:ext cx="725455" cy="523220"/>
-          </a:xfrm>
-          <a:prstGeom prst="rect">
-            <a:avLst/>
-          </a:prstGeom>
-          <a:noFill/>
-        </p:spPr>
-        <p:txBody>
-          <a:bodyPr wrap="none" rtlCol="0">
-            <a:spAutoFit/>
-          </a:bodyPr>
-          <a:lstStyle/>
-          <a:p>
-            <a:r>
-              <a:rPr lang="en-US" sz="1400" dirty="0">
-                <a:solidFill>
-                  <a:prstClr val="white"/>
-                </a:solidFill>
-                <a:latin typeface="Calibri Light" panose="020F0302020204030204"/>
-              </a:rPr>
-              <a:t>Shared </a:t>
-            </a:r>
-          </a:p>
-          <a:p>
-            <a:r>
-              <a:rPr lang="en-US" sz="1400" dirty="0">
-                <a:solidFill>
-                  <a:prstClr val="white"/>
-                </a:solidFill>
-                <a:latin typeface="Calibri Light" panose="020F0302020204030204"/>
-              </a:rPr>
-              <a:t>pages</a:t>
-            </a:r>
-          </a:p>
-        </p:txBody>
-      </p:sp>
-      <p:sp>
-        <p:nvSpPr>
           <p:cNvPr id="75" name="Rectangle 74"/>
           <p:cNvSpPr/>
           <p:nvPr/>
@@ -17487,6 +17585,170 @@
               <a:t>Yes. Response is available. Copy data to user buffer.</a:t>
             </a:r>
             <a:endParaRPr lang="en-US" sz="1100" dirty="0"/>
+          </a:p>
+        </p:txBody>
+      </p:sp>
+      <p:sp>
+        <p:nvSpPr>
+          <p:cNvPr id="62" name="Rectangle 61"/>
+          <p:cNvSpPr/>
+          <p:nvPr/>
+        </p:nvSpPr>
+        <p:spPr>
+          <a:xfrm>
+            <a:off x="5531691" y="3295647"/>
+            <a:ext cx="454011" cy="405403"/>
+          </a:xfrm>
+          <a:prstGeom prst="rect">
+            <a:avLst/>
+          </a:prstGeom>
+          <a:solidFill>
+            <a:srgbClr val="FFC000"/>
+          </a:solidFill>
+        </p:spPr>
+        <p:style>
+          <a:lnRef idx="2">
+            <a:schemeClr val="accent4">
+              <a:shade val="50000"/>
+            </a:schemeClr>
+          </a:lnRef>
+          <a:fillRef idx="1">
+            <a:schemeClr val="accent4"/>
+          </a:fillRef>
+          <a:effectRef idx="0">
+            <a:schemeClr val="accent4"/>
+          </a:effectRef>
+          <a:fontRef idx="minor">
+            <a:schemeClr val="lt1"/>
+          </a:fontRef>
+        </p:style>
+        <p:txBody>
+          <a:bodyPr rtlCol="0" anchor="ctr"/>
+          <a:lstStyle/>
+          <a:p>
+            <a:pPr algn="ctr"/>
+            <a:endParaRPr lang="en-US" sz="1200" dirty="0">
+              <a:solidFill>
+                <a:schemeClr val="bg1"/>
+              </a:solidFill>
+            </a:endParaRPr>
+          </a:p>
+        </p:txBody>
+      </p:sp>
+      <p:sp>
+        <p:nvSpPr>
+          <p:cNvPr id="53" name="TextBox 52"/>
+          <p:cNvSpPr txBox="1"/>
+          <p:nvPr/>
+        </p:nvSpPr>
+        <p:spPr>
+          <a:xfrm>
+            <a:off x="5677506" y="3478007"/>
+            <a:ext cx="725455" cy="523220"/>
+          </a:xfrm>
+          <a:prstGeom prst="rect">
+            <a:avLst/>
+          </a:prstGeom>
+          <a:noFill/>
+        </p:spPr>
+        <p:txBody>
+          <a:bodyPr wrap="none" rtlCol="0">
+            <a:spAutoFit/>
+          </a:bodyPr>
+          <a:lstStyle/>
+          <a:p>
+            <a:r>
+              <a:rPr lang="en-US" sz="1400" dirty="0">
+                <a:solidFill>
+                  <a:prstClr val="white"/>
+                </a:solidFill>
+                <a:latin typeface="Calibri Light" panose="020F0302020204030204"/>
+              </a:rPr>
+              <a:t>Shared </a:t>
+            </a:r>
+          </a:p>
+          <a:p>
+            <a:r>
+              <a:rPr lang="en-US" sz="1400" dirty="0">
+                <a:solidFill>
+                  <a:prstClr val="white"/>
+                </a:solidFill>
+                <a:latin typeface="Calibri Light" panose="020F0302020204030204"/>
+              </a:rPr>
+              <a:t>pages</a:t>
+            </a:r>
+          </a:p>
+        </p:txBody>
+      </p:sp>
+      <p:sp>
+        <p:nvSpPr>
+          <p:cNvPr id="6" name="TextBox 5"/>
+          <p:cNvSpPr txBox="1"/>
+          <p:nvPr/>
+        </p:nvSpPr>
+        <p:spPr>
+          <a:xfrm>
+            <a:off x="3761912" y="4032201"/>
+            <a:ext cx="1276568" cy="523220"/>
+          </a:xfrm>
+          <a:prstGeom prst="rect">
+            <a:avLst/>
+          </a:prstGeom>
+          <a:noFill/>
+        </p:spPr>
+        <p:txBody>
+          <a:bodyPr wrap="none" rtlCol="0">
+            <a:spAutoFit/>
+          </a:bodyPr>
+          <a:lstStyle/>
+          <a:p>
+            <a:r>
+              <a:rPr lang="en-US" sz="1400" dirty="0" smtClean="0"/>
+              <a:t>Read response </a:t>
+            </a:r>
+          </a:p>
+          <a:p>
+            <a:r>
+              <a:rPr lang="en-US" sz="1400" dirty="0" smtClean="0"/>
+              <a:t>thread</a:t>
+            </a:r>
+            <a:endParaRPr lang="en-US" sz="1400" dirty="0"/>
+          </a:p>
+        </p:txBody>
+      </p:sp>
+      <p:sp>
+        <p:nvSpPr>
+          <p:cNvPr id="63" name="TextBox 62"/>
+          <p:cNvSpPr txBox="1"/>
+          <p:nvPr/>
+        </p:nvSpPr>
+        <p:spPr>
+          <a:xfrm>
+            <a:off x="7263641" y="4034786"/>
+            <a:ext cx="1131720" cy="523220"/>
+          </a:xfrm>
+          <a:prstGeom prst="rect">
+            <a:avLst/>
+          </a:prstGeom>
+          <a:noFill/>
+        </p:spPr>
+        <p:txBody>
+          <a:bodyPr wrap="none" rtlCol="0">
+            <a:spAutoFit/>
+          </a:bodyPr>
+          <a:lstStyle/>
+          <a:p>
+            <a:r>
+              <a:rPr lang="en-US" sz="1400" dirty="0" smtClean="0"/>
+              <a:t>Read request</a:t>
+            </a:r>
+          </a:p>
+          <a:p>
+            <a:r>
+              <a:rPr lang="en-US" sz="1400" dirty="0" smtClean="0"/>
+              <a:t>thread</a:t>
+            </a:r>
+            <a:endParaRPr lang="en-US" sz="1400" dirty="0"/>
           </a:p>
         </p:txBody>
       </p:sp>
@@ -18533,21 +18795,30 @@
                                   </p:childTnLst>
                                 </p:cTn>
                               </p:par>
+                            </p:childTnLst>
+                          </p:cTn>
+                        </p:par>
+                        <p:par>
+                          <p:cTn id="94" fill="hold">
+                            <p:stCondLst>
+                              <p:cond delay="2000"/>
+                            </p:stCondLst>
+                            <p:childTnLst>
                               <p:par>
-                                <p:cTn id="94" presetID="1" presetClass="entr" presetSubtype="0" fill="hold" grpId="0" nodeType="withEffect">
+                                <p:cTn id="95" presetID="1" presetClass="entr" presetSubtype="0" fill="hold" grpId="0" nodeType="afterEffect">
                                   <p:stCondLst>
                                     <p:cond delay="0"/>
                                   </p:stCondLst>
                                   <p:childTnLst>
                                     <p:set>
                                       <p:cBhvr>
-                                        <p:cTn id="95" dur="1" fill="hold">
+                                        <p:cTn id="96" dur="1" fill="hold">
                                           <p:stCondLst>
                                             <p:cond delay="0"/>
                                           </p:stCondLst>
                                         </p:cTn>
                                         <p:tgtEl>
-                                          <p:spTgt spid="74"/>
+                                          <p:spTgt spid="62"/>
                                         </p:tgtEl>
                                         <p:attrNameLst>
                                           <p:attrName>style.visibility</p:attrName>
@@ -18567,26 +18838,26 @@
                     </p:cTn>
                   </p:par>
                   <p:par>
-                    <p:cTn id="96" fill="hold">
+                    <p:cTn id="97" fill="hold">
                       <p:stCondLst>
                         <p:cond delay="indefinite"/>
                       </p:stCondLst>
                       <p:childTnLst>
                         <p:par>
-                          <p:cTn id="97" fill="hold">
+                          <p:cTn id="98" fill="hold">
                             <p:stCondLst>
                               <p:cond delay="0"/>
                             </p:stCondLst>
                             <p:childTnLst>
                               <p:par>
-                                <p:cTn id="98" presetID="1" presetClass="entr" presetSubtype="0" fill="hold" grpId="0" nodeType="clickEffect">
+                                <p:cTn id="99" presetID="1" presetClass="entr" presetSubtype="0" fill="hold" grpId="0" nodeType="clickEffect">
                                   <p:stCondLst>
                                     <p:cond delay="0"/>
                                   </p:stCondLst>
                                   <p:childTnLst>
                                     <p:set>
                                       <p:cBhvr>
-                                        <p:cTn id="99" dur="1" fill="hold">
+                                        <p:cTn id="100" dur="1" fill="hold">
                                           <p:stCondLst>
                                             <p:cond delay="0"/>
                                           </p:stCondLst>
@@ -18612,26 +18883,26 @@
                     </p:cTn>
                   </p:par>
                   <p:par>
-                    <p:cTn id="100" fill="hold">
+                    <p:cTn id="101" fill="hold">
                       <p:stCondLst>
                         <p:cond delay="indefinite"/>
                       </p:stCondLst>
                       <p:childTnLst>
                         <p:par>
-                          <p:cTn id="101" fill="hold">
+                          <p:cTn id="102" fill="hold">
                             <p:stCondLst>
                               <p:cond delay="0"/>
                             </p:stCondLst>
                             <p:childTnLst>
                               <p:par>
-                                <p:cTn id="102" presetID="1" presetClass="exit" presetSubtype="0" fill="hold" grpId="1" nodeType="clickEffect">
+                                <p:cTn id="103" presetID="1" presetClass="exit" presetSubtype="0" fill="hold" grpId="1" nodeType="clickEffect">
                                   <p:stCondLst>
                                     <p:cond delay="0"/>
                                   </p:stCondLst>
                                   <p:childTnLst>
                                     <p:set>
                                       <p:cBhvr>
-                                        <p:cTn id="103" dur="1" fill="hold">
+                                        <p:cTn id="104" dur="1" fill="hold">
                                           <p:stCondLst>
                                             <p:cond delay="0"/>
                                           </p:stCondLst>
@@ -18651,14 +18922,14 @@
                                 </p:cTn>
                               </p:par>
                               <p:par>
-                                <p:cTn id="104" presetID="1" presetClass="entr" presetSubtype="0" fill="hold" grpId="1" nodeType="withEffect">
+                                <p:cTn id="105" presetID="1" presetClass="entr" presetSubtype="0" fill="hold" grpId="1" nodeType="withEffect">
                                   <p:stCondLst>
                                     <p:cond delay="0"/>
                                   </p:stCondLst>
                                   <p:childTnLst>
                                     <p:set>
                                       <p:cBhvr>
-                                        <p:cTn id="105" dur="1" fill="hold">
+                                        <p:cTn id="106" dur="1" fill="hold">
                                           <p:stCondLst>
                                             <p:cond delay="0"/>
                                           </p:stCondLst>
@@ -18684,26 +18955,26 @@
                     </p:cTn>
                   </p:par>
                   <p:par>
-                    <p:cTn id="106" fill="hold">
+                    <p:cTn id="107" fill="hold">
                       <p:stCondLst>
                         <p:cond delay="indefinite"/>
                       </p:stCondLst>
                       <p:childTnLst>
                         <p:par>
-                          <p:cTn id="107" fill="hold">
+                          <p:cTn id="108" fill="hold">
                             <p:stCondLst>
                               <p:cond delay="0"/>
                             </p:stCondLst>
                             <p:childTnLst>
                               <p:par>
-                                <p:cTn id="108" presetID="1" presetClass="exit" presetSubtype="0" fill="hold" grpId="0" nodeType="clickEffect">
+                                <p:cTn id="109" presetID="1" presetClass="exit" presetSubtype="0" fill="hold" grpId="0" nodeType="clickEffect">
                                   <p:stCondLst>
                                     <p:cond delay="0"/>
                                   </p:stCondLst>
                                   <p:childTnLst>
                                     <p:set>
                                       <p:cBhvr>
-                                        <p:cTn id="109" dur="1" fill="hold">
+                                        <p:cTn id="110" dur="1" fill="hold">
                                           <p:stCondLst>
                                             <p:cond delay="0"/>
                                           </p:stCondLst>
@@ -18723,14 +18994,14 @@
                                 </p:cTn>
                               </p:par>
                               <p:par>
-                                <p:cTn id="110" presetID="1" presetClass="entr" presetSubtype="0" fill="hold" grpId="1" nodeType="withEffect">
+                                <p:cTn id="111" presetID="1" presetClass="entr" presetSubtype="0" fill="hold" grpId="1" nodeType="withEffect">
                                   <p:stCondLst>
                                     <p:cond delay="0"/>
                                   </p:stCondLst>
                                   <p:childTnLst>
                                     <p:set>
                                       <p:cBhvr>
-                                        <p:cTn id="111" dur="1" fill="hold">
+                                        <p:cTn id="112" dur="1" fill="hold">
                                           <p:stCondLst>
                                             <p:cond delay="0"/>
                                           </p:stCondLst>
@@ -18753,20 +19024,20 @@
                           </p:cTn>
                         </p:par>
                         <p:par>
-                          <p:cTn id="112" fill="hold">
+                          <p:cTn id="113" fill="hold">
                             <p:stCondLst>
                               <p:cond delay="0"/>
                             </p:stCondLst>
                             <p:childTnLst>
                               <p:par>
-                                <p:cTn id="113" presetID="0" presetClass="path" presetSubtype="0" accel="50000" decel="50000" fill="hold" grpId="0" nodeType="afterEffect">
+                                <p:cTn id="114" presetID="0" presetClass="path" presetSubtype="0" accel="50000" decel="50000" fill="hold" grpId="0" nodeType="afterEffect">
                                   <p:stCondLst>
                                     <p:cond delay="0"/>
                                   </p:stCondLst>
                                   <p:childTnLst>
                                     <p:animMotion origin="layout" path="M 0.00092 -0.0007 L 0.23178 -0.28264 L 0.39206 -0.28403 L 0.62891 -0.01135 " pathEditMode="relative" ptsTypes="AAAA">
                                       <p:cBhvr>
-                                        <p:cTn id="114" dur="2000" fill="hold"/>
+                                        <p:cTn id="115" dur="2000" fill="hold"/>
                                         <p:tgtEl>
                                           <p:spTgt spid="70"/>
                                         </p:tgtEl>
@@ -18783,20 +19054,20 @@
                           </p:cTn>
                         </p:par>
                         <p:par>
-                          <p:cTn id="115" fill="hold">
+                          <p:cTn id="116" fill="hold">
                             <p:stCondLst>
                               <p:cond delay="2000"/>
                             </p:stCondLst>
                             <p:childTnLst>
                               <p:par>
-                                <p:cTn id="116" presetID="1" presetClass="exit" presetSubtype="0" fill="hold" grpId="0" nodeType="afterEffect">
+                                <p:cTn id="117" presetID="1" presetClass="exit" presetSubtype="0" fill="hold" grpId="0" nodeType="afterEffect">
                                   <p:stCondLst>
                                     <p:cond delay="0"/>
                                   </p:stCondLst>
                                   <p:childTnLst>
                                     <p:set>
                                       <p:cBhvr>
-                                        <p:cTn id="117" dur="1" fill="hold">
+                                        <p:cTn id="118" dur="1" fill="hold">
                                           <p:stCondLst>
                                             <p:cond delay="0"/>
                                           </p:stCondLst>
@@ -18816,14 +19087,14 @@
                                 </p:cTn>
                               </p:par>
                               <p:par>
-                                <p:cTn id="118" presetID="1" presetClass="entr" presetSubtype="0" fill="hold" grpId="1" nodeType="withEffect">
+                                <p:cTn id="119" presetID="1" presetClass="entr" presetSubtype="0" fill="hold" grpId="1" nodeType="withEffect">
                                   <p:stCondLst>
                                     <p:cond delay="0"/>
                                   </p:stCondLst>
                                   <p:childTnLst>
                                     <p:set>
                                       <p:cBhvr>
-                                        <p:cTn id="119" dur="1" fill="hold">
+                                        <p:cTn id="120" dur="1" fill="hold">
                                           <p:stCondLst>
                                             <p:cond delay="0"/>
                                           </p:stCondLst>
@@ -18849,26 +19120,26 @@
                     </p:cTn>
                   </p:par>
                   <p:par>
-                    <p:cTn id="120" fill="hold">
+                    <p:cTn id="121" fill="hold">
                       <p:stCondLst>
                         <p:cond delay="indefinite"/>
                       </p:stCondLst>
                       <p:childTnLst>
                         <p:par>
-                          <p:cTn id="121" fill="hold">
+                          <p:cTn id="122" fill="hold">
                             <p:stCondLst>
                               <p:cond delay="0"/>
                             </p:stCondLst>
                             <p:childTnLst>
                               <p:par>
-                                <p:cTn id="122" presetID="1" presetClass="entr" presetSubtype="0" fill="hold" grpId="0" nodeType="clickEffect">
+                                <p:cTn id="123" presetID="1" presetClass="entr" presetSubtype="0" fill="hold" grpId="0" nodeType="clickEffect">
                                   <p:stCondLst>
                                     <p:cond delay="0"/>
                                   </p:stCondLst>
                                   <p:childTnLst>
                                     <p:set>
                                       <p:cBhvr>
-                                        <p:cTn id="123" dur="1" fill="hold">
+                                        <p:cTn id="124" dur="1" fill="hold">
                                           <p:stCondLst>
                                             <p:cond delay="0"/>
                                           </p:stCondLst>
@@ -18894,26 +19165,26 @@
                     </p:cTn>
                   </p:par>
                   <p:par>
-                    <p:cTn id="124" fill="hold">
+                    <p:cTn id="125" fill="hold">
                       <p:stCondLst>
                         <p:cond delay="indefinite"/>
                       </p:stCondLst>
                       <p:childTnLst>
                         <p:par>
-                          <p:cTn id="125" fill="hold">
+                          <p:cTn id="126" fill="hold">
                             <p:stCondLst>
                               <p:cond delay="0"/>
                             </p:stCondLst>
                             <p:childTnLst>
                               <p:par>
-                                <p:cTn id="126" presetID="63" presetClass="path" presetSubtype="0" accel="50000" decel="50000" fill="hold" grpId="2" nodeType="clickEffect">
+                                <p:cTn id="127" presetID="63" presetClass="path" presetSubtype="0" accel="50000" decel="50000" fill="hold" grpId="2" nodeType="clickEffect">
                                   <p:stCondLst>
                                     <p:cond delay="0"/>
                                   </p:stCondLst>
                                   <p:childTnLst>
                                     <p:animMotion origin="layout" path="M 0.00091 -0.1463 L 0.38945 -0.15417 " pathEditMode="relative" rAng="0" ptsTypes="AA">
                                       <p:cBhvr>
-                                        <p:cTn id="127" dur="2000" fill="hold"/>
+                                        <p:cTn id="128" dur="2000" fill="hold"/>
                                         <p:tgtEl>
                                           <p:spTgt spid="68"/>
                                         </p:tgtEl>
@@ -18934,26 +19205,26 @@
                     </p:cTn>
                   </p:par>
                   <p:par>
-                    <p:cTn id="128" fill="hold">
+                    <p:cTn id="129" fill="hold">
                       <p:stCondLst>
                         <p:cond delay="indefinite"/>
                       </p:stCondLst>
                       <p:childTnLst>
                         <p:par>
-                          <p:cTn id="129" fill="hold">
+                          <p:cTn id="130" fill="hold">
                             <p:stCondLst>
                               <p:cond delay="0"/>
                             </p:stCondLst>
                             <p:childTnLst>
                               <p:par>
-                                <p:cTn id="130" presetID="1" presetClass="exit" presetSubtype="0" fill="hold" grpId="1" nodeType="clickEffect">
+                                <p:cTn id="131" presetID="1" presetClass="exit" presetSubtype="0" fill="hold" grpId="1" nodeType="clickEffect">
                                   <p:stCondLst>
                                     <p:cond delay="0"/>
                                   </p:stCondLst>
                                   <p:childTnLst>
                                     <p:set>
                                       <p:cBhvr>
-                                        <p:cTn id="131" dur="1" fill="hold">
+                                        <p:cTn id="132" dur="1" fill="hold">
                                           <p:stCondLst>
                                             <p:cond delay="0"/>
                                           </p:stCondLst>
@@ -18976,20 +19247,20 @@
                           </p:cTn>
                         </p:par>
                         <p:par>
-                          <p:cTn id="132" fill="hold">
+                          <p:cTn id="133" fill="hold">
                             <p:stCondLst>
                               <p:cond delay="0"/>
                             </p:stCondLst>
                             <p:childTnLst>
                               <p:par>
-                                <p:cTn id="133" presetID="1" presetClass="entr" presetSubtype="0" fill="hold" grpId="1" nodeType="afterEffect">
+                                <p:cTn id="134" presetID="1" presetClass="entr" presetSubtype="0" fill="hold" grpId="1" nodeType="afterEffect">
                                   <p:stCondLst>
                                     <p:cond delay="0"/>
                                   </p:stCondLst>
                                   <p:childTnLst>
                                     <p:set>
                                       <p:cBhvr>
-                                        <p:cTn id="134" dur="1" fill="hold">
+                                        <p:cTn id="135" dur="1" fill="hold">
                                           <p:stCondLst>
                                             <p:cond delay="0"/>
                                           </p:stCondLst>
@@ -19015,26 +19286,26 @@
                     </p:cTn>
                   </p:par>
                   <p:par>
-                    <p:cTn id="135" fill="hold">
+                    <p:cTn id="136" fill="hold">
                       <p:stCondLst>
                         <p:cond delay="indefinite"/>
                       </p:stCondLst>
                       <p:childTnLst>
                         <p:par>
-                          <p:cTn id="136" fill="hold">
+                          <p:cTn id="137" fill="hold">
                             <p:stCondLst>
                               <p:cond delay="0"/>
                             </p:stCondLst>
                             <p:childTnLst>
                               <p:par>
-                                <p:cTn id="137" presetID="0" presetClass="path" presetSubtype="0" accel="50000" decel="50000" fill="hold" grpId="3" nodeType="clickEffect">
+                                <p:cTn id="138" presetID="0" presetClass="path" presetSubtype="0" accel="50000" decel="50000" fill="hold" grpId="3" nodeType="clickEffect">
                                   <p:stCondLst>
                                     <p:cond delay="0"/>
                                   </p:stCondLst>
                                   <p:childTnLst>
                                     <p:animMotion origin="layout" path="M 0.38945 -0.15416 L 0.7789 -0.15602 L 0.77695 -0.4618 " pathEditMode="relative" ptsTypes="AAA">
                                       <p:cBhvr>
-                                        <p:cTn id="138" dur="2000" fill="hold"/>
+                                        <p:cTn id="139" dur="2000" fill="hold"/>
                                         <p:tgtEl>
                                           <p:spTgt spid="68"/>
                                         </p:tgtEl>
@@ -19054,26 +19325,26 @@
                     </p:cTn>
                   </p:par>
                   <p:par>
-                    <p:cTn id="139" fill="hold">
+                    <p:cTn id="140" fill="hold">
                       <p:stCondLst>
                         <p:cond delay="indefinite"/>
                       </p:stCondLst>
                       <p:childTnLst>
                         <p:par>
-                          <p:cTn id="140" fill="hold">
+                          <p:cTn id="141" fill="hold">
                             <p:stCondLst>
                               <p:cond delay="0"/>
                             </p:stCondLst>
                             <p:childTnLst>
                               <p:par>
-                                <p:cTn id="141" presetID="1" presetClass="exit" presetSubtype="0" fill="hold" grpId="0" nodeType="clickEffect">
+                                <p:cTn id="142" presetID="1" presetClass="exit" presetSubtype="0" fill="hold" grpId="0" nodeType="clickEffect">
                                   <p:stCondLst>
                                     <p:cond delay="0"/>
                                   </p:stCondLst>
                                   <p:childTnLst>
                                     <p:set>
                                       <p:cBhvr>
-                                        <p:cTn id="142" dur="1" fill="hold">
+                                        <p:cTn id="143" dur="1" fill="hold">
                                           <p:stCondLst>
                                             <p:cond delay="0"/>
                                           </p:stCondLst>
@@ -19093,14 +19364,14 @@
                                 </p:cTn>
                               </p:par>
                               <p:par>
-                                <p:cTn id="143" presetID="1" presetClass="entr" presetSubtype="0" fill="hold" grpId="0" nodeType="withEffect">
+                                <p:cTn id="144" presetID="1" presetClass="entr" presetSubtype="0" fill="hold" grpId="0" nodeType="withEffect">
                                   <p:stCondLst>
                                     <p:cond delay="0"/>
                                   </p:stCondLst>
                                   <p:childTnLst>
                                     <p:set>
                                       <p:cBhvr>
-                                        <p:cTn id="144" dur="1" fill="hold">
+                                        <p:cTn id="145" dur="1" fill="hold">
                                           <p:stCondLst>
                                             <p:cond delay="0"/>
                                           </p:stCondLst>
@@ -19120,14 +19391,14 @@
                                 </p:cTn>
                               </p:par>
                               <p:par>
-                                <p:cTn id="145" presetID="1" presetClass="exit" presetSubtype="0" fill="hold" grpId="2" nodeType="withEffect">
+                                <p:cTn id="146" presetID="1" presetClass="exit" presetSubtype="0" fill="hold" grpId="2" nodeType="withEffect">
                                   <p:stCondLst>
                                     <p:cond delay="0"/>
                                   </p:stCondLst>
                                   <p:childTnLst>
                                     <p:set>
                                       <p:cBhvr>
-                                        <p:cTn id="146" dur="1" fill="hold">
+                                        <p:cTn id="147" dur="1" fill="hold">
                                           <p:stCondLst>
                                             <p:cond delay="0"/>
                                           </p:stCondLst>
@@ -19147,14 +19418,14 @@
                                 </p:cTn>
                               </p:par>
                               <p:par>
-                                <p:cTn id="147" presetID="1" presetClass="entr" presetSubtype="0" fill="hold" grpId="1" nodeType="withEffect">
+                                <p:cTn id="148" presetID="1" presetClass="entr" presetSubtype="0" fill="hold" grpId="1" nodeType="withEffect">
                                   <p:stCondLst>
                                     <p:cond delay="0"/>
                                   </p:stCondLst>
                                   <p:childTnLst>
                                     <p:set>
                                       <p:cBhvr>
-                                        <p:cTn id="148" dur="1" fill="hold">
+                                        <p:cTn id="149" dur="1" fill="hold">
                                           <p:stCondLst>
                                             <p:cond delay="0"/>
                                           </p:stCondLst>
@@ -19174,14 +19445,14 @@
                                 </p:cTn>
                               </p:par>
                               <p:par>
-                                <p:cTn id="149" presetID="1" presetClass="exit" presetSubtype="0" fill="hold" grpId="0" nodeType="withEffect">
+                                <p:cTn id="150" presetID="1" presetClass="exit" presetSubtype="0" fill="hold" grpId="0" nodeType="withEffect">
                                   <p:stCondLst>
                                     <p:cond delay="0"/>
                                   </p:stCondLst>
                                   <p:childTnLst>
                                     <p:set>
                                       <p:cBhvr>
-                                        <p:cTn id="150" dur="1" fill="hold">
+                                        <p:cTn id="151" dur="1" fill="hold">
                                           <p:stCondLst>
                                             <p:cond delay="0"/>
                                           </p:stCondLst>
@@ -19267,12 +19538,12 @@
       <p:bldP spid="72" grpId="1"/>
       <p:bldP spid="73" grpId="0" animBg="1"/>
       <p:bldP spid="73" grpId="1" animBg="1"/>
-      <p:bldP spid="74" grpId="0" animBg="1"/>
       <p:bldP spid="75" grpId="0" animBg="1"/>
       <p:bldP spid="75" grpId="1" animBg="1"/>
       <p:bldP spid="76" grpId="0" animBg="1"/>
       <p:bldP spid="76" grpId="1" animBg="1"/>
       <p:bldP spid="76" grpId="2" animBg="1"/>
+      <p:bldP spid="62" grpId="0" animBg="1"/>
     </p:bldLst>
   </p:timing>
 </p:sld>
@@ -19433,7 +19704,7 @@
     </p:spTree>
     <p:extLst>
       <p:ext uri="{BB962C8B-B14F-4D97-AF65-F5344CB8AC3E}">
-        <p14:creationId xmlns:p14="http://schemas.microsoft.com/office/powerpoint/2010/main" val="4000142849"/>
+        <p14:creationId xmlns:p14="http://schemas.microsoft.com/office/powerpoint/2010/main" val="1417659025"/>
       </p:ext>
     </p:extLst>
   </p:cSld>
@@ -19498,8 +19769,8 @@
         </p:nvSpPr>
         <p:spPr>
           <a:xfrm>
-            <a:off x="1887415" y="6083588"/>
-            <a:ext cx="2838726" cy="369332"/>
+            <a:off x="1887415" y="6049298"/>
+            <a:ext cx="3009927" cy="369332"/>
           </a:xfrm>
           <a:prstGeom prst="rect">
             <a:avLst/>
@@ -19514,11 +19785,19 @@
           <a:p>
             <a:r>
               <a:rPr lang="en-US" dirty="0" smtClean="0"/>
-              <a:t>Random read writes </a:t>
+              <a:t>Random read </a:t>
+            </a:r>
+            <a:r>
+              <a:rPr lang="en-US" dirty="0" smtClean="0"/>
+              <a:t>writes - </a:t>
+            </a:r>
+            <a:r>
+              <a:rPr lang="en-US" dirty="0" err="1"/>
+              <a:t>R</a:t>
             </a:r>
             <a:r>
               <a:rPr lang="en-US" dirty="0" err="1" smtClean="0"/>
-              <a:t>ramdisk</a:t>
+              <a:t>amdisk</a:t>
             </a:r>
             <a:endParaRPr lang="en-US" dirty="0"/>
           </a:p>
@@ -19532,8 +19811,8 @@
         </p:nvSpPr>
         <p:spPr>
           <a:xfrm>
-            <a:off x="8135816" y="6083588"/>
-            <a:ext cx="2637517" cy="369332"/>
+            <a:off x="8135816" y="6049298"/>
+            <a:ext cx="2476768" cy="369332"/>
           </a:xfrm>
           <a:prstGeom prst="rect">
             <a:avLst/>
@@ -19548,7 +19827,15 @@
           <a:p>
             <a:r>
               <a:rPr lang="en-US" dirty="0" smtClean="0"/>
-              <a:t>Random reads loop device</a:t>
+              <a:t>Random reads </a:t>
+            </a:r>
+            <a:r>
+              <a:rPr lang="en-US" dirty="0" smtClean="0"/>
+              <a:t>- </a:t>
+            </a:r>
+            <a:r>
+              <a:rPr lang="en-US" dirty="0" err="1" smtClean="0"/>
+              <a:t>Ramdisk</a:t>
             </a:r>
             <a:endParaRPr lang="en-US" dirty="0"/>
           </a:p>
@@ -19556,7 +19843,7 @@
       </p:sp>
       <p:pic>
         <p:nvPicPr>
-          <p:cNvPr id="8" name="Picture 7"/>
+          <p:cNvPr id="9" name="Picture 8"/>
           <p:cNvPicPr>
             <a:picLocks noChangeAspect="1"/>
           </p:cNvPicPr>
@@ -19570,7 +19857,7 @@
         </p:blipFill>
         <p:spPr>
           <a:xfrm>
-            <a:off x="6043611" y="2277571"/>
+            <a:off x="0" y="2243281"/>
             <a:ext cx="6096000" cy="3686175"/>
           </a:xfrm>
           <a:prstGeom prst="rect">
@@ -19580,7 +19867,7 @@
       </p:pic>
       <p:pic>
         <p:nvPicPr>
-          <p:cNvPr id="9" name="Picture 8"/>
+          <p:cNvPr id="3" name="Picture 2"/>
           <p:cNvPicPr>
             <a:picLocks noChangeAspect="1"/>
           </p:cNvPicPr>
@@ -19594,7 +19881,7 @@
         </p:blipFill>
         <p:spPr>
           <a:xfrm>
-            <a:off x="0" y="2277571"/>
+            <a:off x="6043611" y="2243281"/>
             <a:ext cx="6096000" cy="3686175"/>
           </a:xfrm>
           <a:prstGeom prst="rect">
@@ -19623,6 +19910,1304 @@
 </file>
 
 <file path=ppt/slides/slide26.xml><?xml version="1.0" encoding="utf-8"?>
+<p:sld xmlns:a="http://schemas.openxmlformats.org/drawingml/2006/main" xmlns:r="http://schemas.openxmlformats.org/officeDocument/2006/relationships" xmlns:p="http://schemas.openxmlformats.org/presentationml/2006/main">
+  <p:cSld>
+    <p:spTree>
+      <p:nvGrpSpPr>
+        <p:cNvPr id="1" name=""/>
+        <p:cNvGrpSpPr/>
+        <p:nvPr/>
+      </p:nvGrpSpPr>
+      <p:grpSpPr>
+        <a:xfrm>
+          <a:off x="0" y="0"/>
+          <a:ext cx="0" cy="0"/>
+          <a:chOff x="0" y="0"/>
+          <a:chExt cx="0" cy="0"/>
+        </a:xfrm>
+      </p:grpSpPr>
+      <p:sp>
+        <p:nvSpPr>
+          <p:cNvPr id="2" name="Title 1"/>
+          <p:cNvSpPr>
+            <a:spLocks noGrp="1"/>
+          </p:cNvSpPr>
+          <p:nvPr>
+            <p:ph type="title"/>
+          </p:nvPr>
+        </p:nvSpPr>
+        <p:spPr/>
+        <p:txBody>
+          <a:bodyPr/>
+          <a:lstStyle/>
+          <a:p>
+            <a:r>
+              <a:rPr lang="en-US" dirty="0" smtClean="0"/>
+              <a:t>Base IDDR vs New IDDR</a:t>
+            </a:r>
+            <a:endParaRPr lang="en-US" dirty="0"/>
+          </a:p>
+        </p:txBody>
+      </p:sp>
+      <p:sp>
+        <p:nvSpPr>
+          <p:cNvPr id="6" name="TextBox 5"/>
+          <p:cNvSpPr txBox="1"/>
+          <p:nvPr/>
+        </p:nvSpPr>
+        <p:spPr>
+          <a:xfrm>
+            <a:off x="1779383" y="5993007"/>
+            <a:ext cx="2537233" cy="369332"/>
+          </a:xfrm>
+          <a:prstGeom prst="rect">
+            <a:avLst/>
+          </a:prstGeom>
+          <a:noFill/>
+        </p:spPr>
+        <p:txBody>
+          <a:bodyPr wrap="none" rtlCol="0">
+            <a:spAutoFit/>
+          </a:bodyPr>
+          <a:lstStyle/>
+          <a:p>
+            <a:r>
+              <a:rPr lang="en-US" dirty="0" smtClean="0"/>
+              <a:t>Random </a:t>
+            </a:r>
+            <a:r>
+              <a:rPr lang="en-US" dirty="0" smtClean="0"/>
+              <a:t>writes - </a:t>
+            </a:r>
+            <a:r>
+              <a:rPr lang="en-US" dirty="0" err="1"/>
+              <a:t>R</a:t>
+            </a:r>
+            <a:r>
+              <a:rPr lang="en-US" dirty="0" err="1" smtClean="0"/>
+              <a:t>amdisk</a:t>
+            </a:r>
+            <a:endParaRPr lang="en-US" dirty="0"/>
+          </a:p>
+        </p:txBody>
+      </p:sp>
+      <p:pic>
+        <p:nvPicPr>
+          <p:cNvPr id="4" name="Picture 3"/>
+          <p:cNvPicPr>
+            <a:picLocks noChangeAspect="1"/>
+          </p:cNvPicPr>
+          <p:nvPr/>
+        </p:nvPicPr>
+        <p:blipFill>
+          <a:blip r:embed="rId2"/>
+          <a:stretch>
+            <a:fillRect/>
+          </a:stretch>
+        </p:blipFill>
+        <p:spPr>
+          <a:xfrm>
+            <a:off x="0" y="2157730"/>
+            <a:ext cx="6096000" cy="3686175"/>
+          </a:xfrm>
+          <a:prstGeom prst="rect">
+            <a:avLst/>
+          </a:prstGeom>
+        </p:spPr>
+      </p:pic>
+      <p:pic>
+        <p:nvPicPr>
+          <p:cNvPr id="5" name="Picture 4"/>
+          <p:cNvPicPr>
+            <a:picLocks noChangeAspect="1"/>
+          </p:cNvPicPr>
+          <p:nvPr/>
+        </p:nvPicPr>
+        <p:blipFill>
+          <a:blip r:embed="rId3"/>
+          <a:stretch>
+            <a:fillRect/>
+          </a:stretch>
+        </p:blipFill>
+        <p:spPr>
+          <a:xfrm>
+            <a:off x="6096000" y="2157730"/>
+            <a:ext cx="6096000" cy="3686175"/>
+          </a:xfrm>
+          <a:prstGeom prst="rect">
+            <a:avLst/>
+          </a:prstGeom>
+        </p:spPr>
+      </p:pic>
+      <p:sp>
+        <p:nvSpPr>
+          <p:cNvPr id="10" name="TextBox 9"/>
+          <p:cNvSpPr txBox="1"/>
+          <p:nvPr/>
+        </p:nvSpPr>
+        <p:spPr>
+          <a:xfrm>
+            <a:off x="8147246" y="5993007"/>
+            <a:ext cx="2805833" cy="369332"/>
+          </a:xfrm>
+          <a:prstGeom prst="rect">
+            <a:avLst/>
+          </a:prstGeom>
+          <a:noFill/>
+        </p:spPr>
+        <p:txBody>
+          <a:bodyPr wrap="none" rtlCol="0">
+            <a:spAutoFit/>
+          </a:bodyPr>
+          <a:lstStyle/>
+          <a:p>
+            <a:r>
+              <a:rPr lang="en-US" dirty="0" smtClean="0"/>
+              <a:t>Random </a:t>
+            </a:r>
+            <a:r>
+              <a:rPr lang="en-US" dirty="0" smtClean="0"/>
+              <a:t>reads - </a:t>
+            </a:r>
+            <a:r>
+              <a:rPr lang="en-US" dirty="0"/>
+              <a:t>L</a:t>
+            </a:r>
+            <a:r>
+              <a:rPr lang="en-US" dirty="0" smtClean="0"/>
+              <a:t>oop </a:t>
+            </a:r>
+            <a:r>
+              <a:rPr lang="en-US" dirty="0" smtClean="0"/>
+              <a:t>device</a:t>
+            </a:r>
+            <a:endParaRPr lang="en-US" dirty="0"/>
+          </a:p>
+        </p:txBody>
+      </p:sp>
+    </p:spTree>
+    <p:extLst>
+      <p:ext uri="{BB962C8B-B14F-4D97-AF65-F5344CB8AC3E}">
+        <p14:creationId xmlns:p14="http://schemas.microsoft.com/office/powerpoint/2010/main" val="3310944158"/>
+      </p:ext>
+    </p:extLst>
+  </p:cSld>
+  <p:clrMapOvr>
+    <a:masterClrMapping/>
+  </p:clrMapOvr>
+  <p:timing>
+    <p:tnLst>
+      <p:par>
+        <p:cTn id="1" dur="indefinite" restart="never" nodeType="tmRoot"/>
+      </p:par>
+    </p:tnLst>
+  </p:timing>
+</p:sld>
+</file>
+
+<file path=ppt/slides/slide27.xml><?xml version="1.0" encoding="utf-8"?>
+<p:sld xmlns:a="http://schemas.openxmlformats.org/drawingml/2006/main" xmlns:r="http://schemas.openxmlformats.org/officeDocument/2006/relationships" xmlns:p="http://schemas.openxmlformats.org/presentationml/2006/main">
+  <p:cSld>
+    <p:spTree>
+      <p:nvGrpSpPr>
+        <p:cNvPr id="1" name=""/>
+        <p:cNvGrpSpPr/>
+        <p:nvPr/>
+      </p:nvGrpSpPr>
+      <p:grpSpPr>
+        <a:xfrm>
+          <a:off x="0" y="0"/>
+          <a:ext cx="0" cy="0"/>
+          <a:chOff x="0" y="0"/>
+          <a:chExt cx="0" cy="0"/>
+        </a:xfrm>
+      </p:grpSpPr>
+      <p:sp>
+        <p:nvSpPr>
+          <p:cNvPr id="2" name="Title 1"/>
+          <p:cNvSpPr>
+            <a:spLocks noGrp="1"/>
+          </p:cNvSpPr>
+          <p:nvPr>
+            <p:ph type="title"/>
+          </p:nvPr>
+        </p:nvSpPr>
+        <p:spPr/>
+        <p:txBody>
+          <a:bodyPr/>
+          <a:lstStyle/>
+          <a:p>
+            <a:r>
+              <a:rPr lang="en-US" dirty="0" smtClean="0"/>
+              <a:t>Base IDDR vs New IDDR</a:t>
+            </a:r>
+            <a:endParaRPr lang="en-US" dirty="0"/>
+          </a:p>
+        </p:txBody>
+      </p:sp>
+      <p:sp>
+        <p:nvSpPr>
+          <p:cNvPr id="6" name="TextBox 5"/>
+          <p:cNvSpPr txBox="1"/>
+          <p:nvPr/>
+        </p:nvSpPr>
+        <p:spPr>
+          <a:xfrm>
+            <a:off x="1887415" y="6083588"/>
+            <a:ext cx="2911182" cy="369332"/>
+          </a:xfrm>
+          <a:prstGeom prst="rect">
+            <a:avLst/>
+          </a:prstGeom>
+          <a:noFill/>
+        </p:spPr>
+        <p:txBody>
+          <a:bodyPr wrap="none" rtlCol="0">
+            <a:spAutoFit/>
+          </a:bodyPr>
+          <a:lstStyle/>
+          <a:p>
+            <a:r>
+              <a:rPr lang="en-US" dirty="0" smtClean="0"/>
+              <a:t>Random </a:t>
+            </a:r>
+            <a:r>
+              <a:rPr lang="en-US" dirty="0" smtClean="0"/>
+              <a:t>writes – Loop device</a:t>
+            </a:r>
+            <a:endParaRPr lang="en-US" dirty="0"/>
+          </a:p>
+        </p:txBody>
+      </p:sp>
+      <p:sp>
+        <p:nvSpPr>
+          <p:cNvPr id="7" name="TextBox 6"/>
+          <p:cNvSpPr txBox="1"/>
+          <p:nvPr/>
+        </p:nvSpPr>
+        <p:spPr>
+          <a:xfrm>
+            <a:off x="7918646" y="6083586"/>
+            <a:ext cx="3322961" cy="369332"/>
+          </a:xfrm>
+          <a:prstGeom prst="rect">
+            <a:avLst/>
+          </a:prstGeom>
+          <a:noFill/>
+        </p:spPr>
+        <p:txBody>
+          <a:bodyPr wrap="none" rtlCol="0">
+            <a:spAutoFit/>
+          </a:bodyPr>
+          <a:lstStyle/>
+          <a:p>
+            <a:r>
+              <a:rPr lang="en-US" dirty="0" smtClean="0"/>
+              <a:t>Random </a:t>
+            </a:r>
+            <a:r>
+              <a:rPr lang="en-US" dirty="0" err="1" smtClean="0"/>
+              <a:t>reads+writes</a:t>
+            </a:r>
+            <a:r>
+              <a:rPr lang="en-US" dirty="0" smtClean="0"/>
+              <a:t> </a:t>
+            </a:r>
+            <a:r>
+              <a:rPr lang="en-US" dirty="0" smtClean="0"/>
+              <a:t>loop device</a:t>
+            </a:r>
+            <a:endParaRPr lang="en-US" dirty="0"/>
+          </a:p>
+        </p:txBody>
+      </p:sp>
+      <p:pic>
+        <p:nvPicPr>
+          <p:cNvPr id="3" name="Picture 2"/>
+          <p:cNvPicPr>
+            <a:picLocks noChangeAspect="1"/>
+          </p:cNvPicPr>
+          <p:nvPr/>
+        </p:nvPicPr>
+        <p:blipFill>
+          <a:blip r:embed="rId2"/>
+          <a:stretch>
+            <a:fillRect/>
+          </a:stretch>
+        </p:blipFill>
+        <p:spPr>
+          <a:xfrm>
+            <a:off x="0" y="2277570"/>
+            <a:ext cx="6096000" cy="3686175"/>
+          </a:xfrm>
+          <a:prstGeom prst="rect">
+            <a:avLst/>
+          </a:prstGeom>
+        </p:spPr>
+      </p:pic>
+      <p:pic>
+        <p:nvPicPr>
+          <p:cNvPr id="4" name="Picture 3"/>
+          <p:cNvPicPr>
+            <a:picLocks noChangeAspect="1"/>
+          </p:cNvPicPr>
+          <p:nvPr/>
+        </p:nvPicPr>
+        <p:blipFill>
+          <a:blip r:embed="rId3"/>
+          <a:stretch>
+            <a:fillRect/>
+          </a:stretch>
+        </p:blipFill>
+        <p:spPr>
+          <a:xfrm>
+            <a:off x="6043611" y="2277570"/>
+            <a:ext cx="6096000" cy="3686175"/>
+          </a:xfrm>
+          <a:prstGeom prst="rect">
+            <a:avLst/>
+          </a:prstGeom>
+        </p:spPr>
+      </p:pic>
+    </p:spTree>
+    <p:extLst>
+      <p:ext uri="{BB962C8B-B14F-4D97-AF65-F5344CB8AC3E}">
+        <p14:creationId xmlns:p14="http://schemas.microsoft.com/office/powerpoint/2010/main" val="2455382888"/>
+      </p:ext>
+    </p:extLst>
+  </p:cSld>
+  <p:clrMapOvr>
+    <a:masterClrMapping/>
+  </p:clrMapOvr>
+  <p:timing>
+    <p:tnLst>
+      <p:par>
+        <p:cTn id="1" dur="indefinite" restart="never" nodeType="tmRoot"/>
+      </p:par>
+    </p:tnLst>
+  </p:timing>
+</p:sld>
+</file>
+
+<file path=ppt/slides/slide28.xml><?xml version="1.0" encoding="utf-8"?>
+<p:sld xmlns:a="http://schemas.openxmlformats.org/drawingml/2006/main" xmlns:r="http://schemas.openxmlformats.org/officeDocument/2006/relationships" xmlns:p="http://schemas.openxmlformats.org/presentationml/2006/main">
+  <p:cSld>
+    <p:spTree>
+      <p:nvGrpSpPr>
+        <p:cNvPr id="1" name=""/>
+        <p:cNvGrpSpPr/>
+        <p:nvPr/>
+      </p:nvGrpSpPr>
+      <p:grpSpPr>
+        <a:xfrm>
+          <a:off x="0" y="0"/>
+          <a:ext cx="0" cy="0"/>
+          <a:chOff x="0" y="0"/>
+          <a:chExt cx="0" cy="0"/>
+        </a:xfrm>
+      </p:grpSpPr>
+      <p:sp>
+        <p:nvSpPr>
+          <p:cNvPr id="2" name="Title 1"/>
+          <p:cNvSpPr>
+            <a:spLocks noGrp="1"/>
+          </p:cNvSpPr>
+          <p:nvPr>
+            <p:ph type="title"/>
+          </p:nvPr>
+        </p:nvSpPr>
+        <p:spPr/>
+        <p:txBody>
+          <a:bodyPr/>
+          <a:lstStyle/>
+          <a:p>
+            <a:r>
+              <a:rPr lang="en-US" dirty="0" smtClean="0"/>
+              <a:t>Trade-off</a:t>
+            </a:r>
+            <a:endParaRPr lang="en-US" dirty="0"/>
+          </a:p>
+        </p:txBody>
+      </p:sp>
+      <p:sp>
+        <p:nvSpPr>
+          <p:cNvPr id="3" name="Content Placeholder 2"/>
+          <p:cNvSpPr>
+            <a:spLocks noGrp="1"/>
+          </p:cNvSpPr>
+          <p:nvPr>
+            <p:ph idx="1"/>
+          </p:nvPr>
+        </p:nvSpPr>
+        <p:spPr/>
+        <p:txBody>
+          <a:bodyPr/>
+          <a:lstStyle/>
+          <a:p>
+            <a:endParaRPr lang="en-US"/>
+          </a:p>
+        </p:txBody>
+      </p:sp>
+    </p:spTree>
+    <p:extLst>
+      <p:ext uri="{BB962C8B-B14F-4D97-AF65-F5344CB8AC3E}">
+        <p14:creationId xmlns:p14="http://schemas.microsoft.com/office/powerpoint/2010/main" val="1326127052"/>
+      </p:ext>
+    </p:extLst>
+  </p:cSld>
+  <p:clrMapOvr>
+    <a:masterClrMapping/>
+  </p:clrMapOvr>
+  <p:timing>
+    <p:tnLst>
+      <p:par>
+        <p:cTn id="1" dur="indefinite" restart="never" nodeType="tmRoot"/>
+      </p:par>
+    </p:tnLst>
+  </p:timing>
+</p:sld>
+</file>
+
+<file path=ppt/slides/slide29.xml><?xml version="1.0" encoding="utf-8"?>
+<p:sld xmlns:a="http://schemas.openxmlformats.org/drawingml/2006/main" xmlns:r="http://schemas.openxmlformats.org/officeDocument/2006/relationships" xmlns:p="http://schemas.openxmlformats.org/presentationml/2006/main">
+  <p:cSld>
+    <p:spTree>
+      <p:nvGrpSpPr>
+        <p:cNvPr id="1" name=""/>
+        <p:cNvGrpSpPr/>
+        <p:nvPr/>
+      </p:nvGrpSpPr>
+      <p:grpSpPr>
+        <a:xfrm>
+          <a:off x="0" y="0"/>
+          <a:ext cx="0" cy="0"/>
+          <a:chOff x="0" y="0"/>
+          <a:chExt cx="0" cy="0"/>
+        </a:xfrm>
+      </p:grpSpPr>
+      <p:sp>
+        <p:nvSpPr>
+          <p:cNvPr id="2" name="Title 1"/>
+          <p:cNvSpPr>
+            <a:spLocks noGrp="1"/>
+          </p:cNvSpPr>
+          <p:nvPr>
+            <p:ph type="title"/>
+          </p:nvPr>
+        </p:nvSpPr>
+        <p:spPr/>
+        <p:txBody>
+          <a:bodyPr/>
+          <a:lstStyle/>
+          <a:p>
+            <a:r>
+              <a:rPr lang="en-US" dirty="0" smtClean="0"/>
+              <a:t>Conclusion</a:t>
+            </a:r>
+            <a:endParaRPr lang="en-US" dirty="0"/>
+          </a:p>
+        </p:txBody>
+      </p:sp>
+      <p:sp>
+        <p:nvSpPr>
+          <p:cNvPr id="3" name="Content Placeholder 2"/>
+          <p:cNvSpPr>
+            <a:spLocks noGrp="1"/>
+          </p:cNvSpPr>
+          <p:nvPr>
+            <p:ph idx="1"/>
+          </p:nvPr>
+        </p:nvSpPr>
+        <p:spPr/>
+        <p:txBody>
+          <a:bodyPr/>
+          <a:lstStyle/>
+          <a:p>
+            <a:endParaRPr lang="en-US"/>
+          </a:p>
+        </p:txBody>
+      </p:sp>
+    </p:spTree>
+    <p:extLst>
+      <p:ext uri="{BB962C8B-B14F-4D97-AF65-F5344CB8AC3E}">
+        <p14:creationId xmlns:p14="http://schemas.microsoft.com/office/powerpoint/2010/main" val="211084371"/>
+      </p:ext>
+    </p:extLst>
+  </p:cSld>
+  <p:clrMapOvr>
+    <a:masterClrMapping/>
+  </p:clrMapOvr>
+  <p:timing>
+    <p:tnLst>
+      <p:par>
+        <p:cTn id="1" dur="indefinite" restart="never" nodeType="tmRoot"/>
+      </p:par>
+    </p:tnLst>
+  </p:timing>
+</p:sld>
+</file>
+
+<file path=ppt/slides/slide3.xml><?xml version="1.0" encoding="utf-8"?>
+<p:sld xmlns:a="http://schemas.openxmlformats.org/drawingml/2006/main" xmlns:r="http://schemas.openxmlformats.org/officeDocument/2006/relationships" xmlns:p="http://schemas.openxmlformats.org/presentationml/2006/main">
+  <p:cSld>
+    <p:spTree>
+      <p:nvGrpSpPr>
+        <p:cNvPr id="1" name=""/>
+        <p:cNvGrpSpPr/>
+        <p:nvPr/>
+      </p:nvGrpSpPr>
+      <p:grpSpPr>
+        <a:xfrm>
+          <a:off x="0" y="0"/>
+          <a:ext cx="0" cy="0"/>
+          <a:chOff x="0" y="0"/>
+          <a:chExt cx="0" cy="0"/>
+        </a:xfrm>
+      </p:grpSpPr>
+      <p:sp>
+        <p:nvSpPr>
+          <p:cNvPr id="2" name="Title 1"/>
+          <p:cNvSpPr>
+            <a:spLocks noGrp="1"/>
+          </p:cNvSpPr>
+          <p:nvPr>
+            <p:ph type="title"/>
+          </p:nvPr>
+        </p:nvSpPr>
+        <p:spPr/>
+        <p:txBody>
+          <a:bodyPr/>
+          <a:lstStyle/>
+          <a:p>
+            <a:r>
+              <a:rPr lang="en-US" dirty="0" smtClean="0"/>
+              <a:t>Device Driver</a:t>
+            </a:r>
+            <a:endParaRPr lang="en-US" dirty="0"/>
+          </a:p>
+        </p:txBody>
+      </p:sp>
+      <p:cxnSp>
+        <p:nvCxnSpPr>
+          <p:cNvPr id="4" name="Straight Connector 3"/>
+          <p:cNvCxnSpPr/>
+          <p:nvPr/>
+        </p:nvCxnSpPr>
+        <p:spPr>
+          <a:xfrm flipV="1">
+            <a:off x="6421581" y="3053893"/>
+            <a:ext cx="5008418" cy="0"/>
+          </a:xfrm>
+          <a:prstGeom prst="line">
+            <a:avLst/>
+          </a:prstGeom>
+        </p:spPr>
+        <p:style>
+          <a:lnRef idx="1">
+            <a:schemeClr val="accent1"/>
+          </a:lnRef>
+          <a:fillRef idx="0">
+            <a:schemeClr val="accent1"/>
+          </a:fillRef>
+          <a:effectRef idx="0">
+            <a:schemeClr val="accent1"/>
+          </a:effectRef>
+          <a:fontRef idx="minor">
+            <a:schemeClr val="tx1"/>
+          </a:fontRef>
+        </p:style>
+      </p:cxnSp>
+      <p:sp>
+        <p:nvSpPr>
+          <p:cNvPr id="5" name="Rounded Rectangle 4"/>
+          <p:cNvSpPr/>
+          <p:nvPr/>
+        </p:nvSpPr>
+        <p:spPr>
+          <a:xfrm>
+            <a:off x="6421581" y="3292389"/>
+            <a:ext cx="5008418" cy="1693718"/>
+          </a:xfrm>
+          <a:prstGeom prst="roundRect">
+            <a:avLst/>
+          </a:prstGeom>
+        </p:spPr>
+        <p:style>
+          <a:lnRef idx="2">
+            <a:schemeClr val="accent1"/>
+          </a:lnRef>
+          <a:fillRef idx="1">
+            <a:schemeClr val="lt1"/>
+          </a:fillRef>
+          <a:effectRef idx="0">
+            <a:schemeClr val="accent1"/>
+          </a:effectRef>
+          <a:fontRef idx="minor">
+            <a:schemeClr val="dk1"/>
+          </a:fontRef>
+        </p:style>
+        <p:txBody>
+          <a:bodyPr rtlCol="0" anchor="ctr"/>
+          <a:lstStyle/>
+          <a:p>
+            <a:pPr algn="ctr"/>
+            <a:r>
+              <a:rPr lang="en-US" dirty="0" smtClean="0"/>
+              <a:t>Operating System</a:t>
+            </a:r>
+            <a:endParaRPr lang="en-US" dirty="0"/>
+          </a:p>
+        </p:txBody>
+      </p:sp>
+      <p:sp>
+        <p:nvSpPr>
+          <p:cNvPr id="6" name="Rectangle 5"/>
+          <p:cNvSpPr/>
+          <p:nvPr/>
+        </p:nvSpPr>
+        <p:spPr>
+          <a:xfrm>
+            <a:off x="6421581" y="5246374"/>
+            <a:ext cx="5008418" cy="610821"/>
+          </a:xfrm>
+          <a:prstGeom prst="rect">
+            <a:avLst/>
+          </a:prstGeom>
+        </p:spPr>
+        <p:style>
+          <a:lnRef idx="2">
+            <a:schemeClr val="accent1"/>
+          </a:lnRef>
+          <a:fillRef idx="1">
+            <a:schemeClr val="lt1"/>
+          </a:fillRef>
+          <a:effectRef idx="0">
+            <a:schemeClr val="accent1"/>
+          </a:effectRef>
+          <a:fontRef idx="minor">
+            <a:schemeClr val="dk1"/>
+          </a:fontRef>
+        </p:style>
+        <p:txBody>
+          <a:bodyPr rtlCol="0" anchor="ctr"/>
+          <a:lstStyle/>
+          <a:p>
+            <a:pPr algn="ctr"/>
+            <a:r>
+              <a:rPr lang="en-US" dirty="0" smtClean="0"/>
+              <a:t>Hardware</a:t>
+            </a:r>
+          </a:p>
+        </p:txBody>
+      </p:sp>
+      <p:sp>
+        <p:nvSpPr>
+          <p:cNvPr id="7" name="Rectangle 6"/>
+          <p:cNvSpPr/>
+          <p:nvPr/>
+        </p:nvSpPr>
+        <p:spPr>
+          <a:xfrm>
+            <a:off x="6557798" y="2215545"/>
+            <a:ext cx="1340427" cy="602673"/>
+          </a:xfrm>
+          <a:prstGeom prst="rect">
+            <a:avLst/>
+          </a:prstGeom>
+          <a:ln/>
+        </p:spPr>
+        <p:style>
+          <a:lnRef idx="2">
+            <a:schemeClr val="accent1"/>
+          </a:lnRef>
+          <a:fillRef idx="1">
+            <a:schemeClr val="lt1"/>
+          </a:fillRef>
+          <a:effectRef idx="0">
+            <a:schemeClr val="accent1"/>
+          </a:effectRef>
+          <a:fontRef idx="minor">
+            <a:schemeClr val="dk1"/>
+          </a:fontRef>
+        </p:style>
+        <p:txBody>
+          <a:bodyPr rtlCol="0" anchor="ctr"/>
+          <a:lstStyle/>
+          <a:p>
+            <a:pPr algn="ctr"/>
+            <a:r>
+              <a:rPr lang="en-US" sz="1400" dirty="0" smtClean="0"/>
+              <a:t>User 	</a:t>
+            </a:r>
+          </a:p>
+          <a:p>
+            <a:pPr algn="ctr"/>
+            <a:r>
+              <a:rPr lang="en-US" sz="1400" dirty="0" smtClean="0"/>
+              <a:t>Process	</a:t>
+            </a:r>
+          </a:p>
+        </p:txBody>
+      </p:sp>
+      <p:pic>
+        <p:nvPicPr>
+          <p:cNvPr id="8" name="Picture 8" descr="http://socialfixer.com/includes/img/chrome-256.png"/>
+          <p:cNvPicPr>
+            <a:picLocks noChangeAspect="1" noChangeArrowheads="1"/>
+          </p:cNvPicPr>
+          <p:nvPr/>
+        </p:nvPicPr>
+        <p:blipFill>
+          <a:blip r:embed="rId2" cstate="print">
+            <a:extLst>
+              <a:ext uri="{28A0092B-C50C-407E-A947-70E740481C1C}">
+                <a14:useLocalDpi xmlns:a14="http://schemas.microsoft.com/office/drawing/2010/main" val="0"/>
+              </a:ext>
+            </a:extLst>
+          </a:blip>
+          <a:srcRect/>
+          <a:stretch>
+            <a:fillRect/>
+          </a:stretch>
+        </p:blipFill>
+        <p:spPr bwMode="auto">
+          <a:xfrm>
+            <a:off x="7373910" y="2288165"/>
+            <a:ext cx="485126" cy="485126"/>
+          </a:xfrm>
+          <a:prstGeom prst="rect">
+            <a:avLst/>
+          </a:prstGeom>
+          <a:noFill/>
+          <a:extLst>
+            <a:ext uri="{909E8E84-426E-40DD-AFC4-6F175D3DCCD1}">
+              <a14:hiddenFill xmlns:a14="http://schemas.microsoft.com/office/drawing/2010/main">
+                <a:solidFill>
+                  <a:srgbClr val="FFFFFF"/>
+                </a:solidFill>
+              </a14:hiddenFill>
+            </a:ext>
+          </a:extLst>
+        </p:spPr>
+      </p:pic>
+      <p:sp>
+        <p:nvSpPr>
+          <p:cNvPr id="9" name="Rectangle 8"/>
+          <p:cNvSpPr/>
+          <p:nvPr/>
+        </p:nvSpPr>
+        <p:spPr>
+          <a:xfrm>
+            <a:off x="8268835" y="2215544"/>
+            <a:ext cx="1340427" cy="602673"/>
+          </a:xfrm>
+          <a:prstGeom prst="rect">
+            <a:avLst/>
+          </a:prstGeom>
+          <a:ln/>
+        </p:spPr>
+        <p:style>
+          <a:lnRef idx="2">
+            <a:schemeClr val="accent1"/>
+          </a:lnRef>
+          <a:fillRef idx="1">
+            <a:schemeClr val="lt1"/>
+          </a:fillRef>
+          <a:effectRef idx="0">
+            <a:schemeClr val="accent1"/>
+          </a:effectRef>
+          <a:fontRef idx="minor">
+            <a:schemeClr val="dk1"/>
+          </a:fontRef>
+        </p:style>
+        <p:txBody>
+          <a:bodyPr rtlCol="0" anchor="ctr"/>
+          <a:lstStyle/>
+          <a:p>
+            <a:pPr algn="ctr"/>
+            <a:r>
+              <a:rPr lang="en-US" sz="1400" dirty="0" smtClean="0"/>
+              <a:t>User 	</a:t>
+            </a:r>
+          </a:p>
+          <a:p>
+            <a:pPr algn="ctr"/>
+            <a:r>
+              <a:rPr lang="en-US" sz="1400" dirty="0" smtClean="0"/>
+              <a:t>Process	</a:t>
+            </a:r>
+          </a:p>
+        </p:txBody>
+      </p:sp>
+      <p:pic>
+        <p:nvPicPr>
+          <p:cNvPr id="10" name="Picture 10" descr="http://www.mswordhelp.com/wp-content/uploads/2011/04/word-logo.png"/>
+          <p:cNvPicPr>
+            <a:picLocks noChangeAspect="1" noChangeArrowheads="1"/>
+          </p:cNvPicPr>
+          <p:nvPr/>
+        </p:nvPicPr>
+        <p:blipFill>
+          <a:blip r:embed="rId3" cstate="print">
+            <a:extLst>
+              <a:ext uri="{28A0092B-C50C-407E-A947-70E740481C1C}">
+                <a14:useLocalDpi xmlns:a14="http://schemas.microsoft.com/office/drawing/2010/main" val="0"/>
+              </a:ext>
+            </a:extLst>
+          </a:blip>
+          <a:srcRect/>
+          <a:stretch>
+            <a:fillRect/>
+          </a:stretch>
+        </p:blipFill>
+        <p:spPr bwMode="auto">
+          <a:xfrm>
+            <a:off x="9070369" y="2244211"/>
+            <a:ext cx="501649" cy="501649"/>
+          </a:xfrm>
+          <a:prstGeom prst="rect">
+            <a:avLst/>
+          </a:prstGeom>
+          <a:noFill/>
+          <a:extLst>
+            <a:ext uri="{909E8E84-426E-40DD-AFC4-6F175D3DCCD1}">
+              <a14:hiddenFill xmlns:a14="http://schemas.microsoft.com/office/drawing/2010/main">
+                <a:solidFill>
+                  <a:srgbClr val="FFFFFF"/>
+                </a:solidFill>
+              </a14:hiddenFill>
+            </a:ext>
+          </a:extLst>
+        </p:spPr>
+      </p:pic>
+      <p:sp>
+        <p:nvSpPr>
+          <p:cNvPr id="11" name="Rectangle 10"/>
+          <p:cNvSpPr/>
+          <p:nvPr/>
+        </p:nvSpPr>
+        <p:spPr>
+          <a:xfrm>
+            <a:off x="9979872" y="2212237"/>
+            <a:ext cx="1340427" cy="602673"/>
+          </a:xfrm>
+          <a:prstGeom prst="rect">
+            <a:avLst/>
+          </a:prstGeom>
+          <a:ln/>
+        </p:spPr>
+        <p:style>
+          <a:lnRef idx="2">
+            <a:schemeClr val="accent1"/>
+          </a:lnRef>
+          <a:fillRef idx="1">
+            <a:schemeClr val="lt1"/>
+          </a:fillRef>
+          <a:effectRef idx="0">
+            <a:schemeClr val="accent1"/>
+          </a:effectRef>
+          <a:fontRef idx="minor">
+            <a:schemeClr val="dk1"/>
+          </a:fontRef>
+        </p:style>
+        <p:txBody>
+          <a:bodyPr rtlCol="0" anchor="ctr"/>
+          <a:lstStyle/>
+          <a:p>
+            <a:pPr algn="ctr"/>
+            <a:r>
+              <a:rPr lang="en-US" sz="1400" dirty="0" smtClean="0"/>
+              <a:t>User 	</a:t>
+            </a:r>
+          </a:p>
+          <a:p>
+            <a:pPr algn="ctr"/>
+            <a:r>
+              <a:rPr lang="en-US" sz="1400" dirty="0" smtClean="0"/>
+              <a:t>Process	</a:t>
+            </a:r>
+          </a:p>
+        </p:txBody>
+      </p:sp>
+      <p:pic>
+        <p:nvPicPr>
+          <p:cNvPr id="12" name="Picture 12" descr="http://icons.iconarchive.com/icons/musett/adobe-folders/256/Acrobat-Reader-icon.png"/>
+          <p:cNvPicPr>
+            <a:picLocks noChangeAspect="1" noChangeArrowheads="1"/>
+          </p:cNvPicPr>
+          <p:nvPr/>
+        </p:nvPicPr>
+        <p:blipFill>
+          <a:blip r:embed="rId4" cstate="print">
+            <a:extLst>
+              <a:ext uri="{28A0092B-C50C-407E-A947-70E740481C1C}">
+                <a14:useLocalDpi xmlns:a14="http://schemas.microsoft.com/office/drawing/2010/main" val="0"/>
+              </a:ext>
+            </a:extLst>
+          </a:blip>
+          <a:srcRect/>
+          <a:stretch>
+            <a:fillRect/>
+          </a:stretch>
+        </p:blipFill>
+        <p:spPr bwMode="auto">
+          <a:xfrm>
+            <a:off x="10779461" y="2262748"/>
+            <a:ext cx="501649" cy="501649"/>
+          </a:xfrm>
+          <a:prstGeom prst="rect">
+            <a:avLst/>
+          </a:prstGeom>
+          <a:noFill/>
+          <a:extLst>
+            <a:ext uri="{909E8E84-426E-40DD-AFC4-6F175D3DCCD1}">
+              <a14:hiddenFill xmlns:a14="http://schemas.microsoft.com/office/drawing/2010/main">
+                <a:solidFill>
+                  <a:srgbClr val="FFFFFF"/>
+                </a:solidFill>
+              </a14:hiddenFill>
+            </a:ext>
+          </a:extLst>
+        </p:spPr>
+      </p:pic>
+      <p:pic>
+        <p:nvPicPr>
+          <p:cNvPr id="13" name="Picture 2" descr="http://getstrip.com/assets/windows_logo.png"/>
+          <p:cNvPicPr>
+            <a:picLocks noChangeAspect="1" noChangeArrowheads="1"/>
+          </p:cNvPicPr>
+          <p:nvPr/>
+        </p:nvPicPr>
+        <p:blipFill>
+          <a:blip r:embed="rId5">
+            <a:extLst>
+              <a:ext uri="{28A0092B-C50C-407E-A947-70E740481C1C}">
+                <a14:useLocalDpi xmlns:a14="http://schemas.microsoft.com/office/drawing/2010/main" val="0"/>
+              </a:ext>
+            </a:extLst>
+          </a:blip>
+          <a:srcRect/>
+          <a:stretch>
+            <a:fillRect/>
+          </a:stretch>
+        </p:blipFill>
+        <p:spPr bwMode="auto">
+          <a:xfrm>
+            <a:off x="10411960" y="3912009"/>
+            <a:ext cx="476250" cy="476250"/>
+          </a:xfrm>
+          <a:prstGeom prst="rect">
+            <a:avLst/>
+          </a:prstGeom>
+          <a:noFill/>
+          <a:extLst>
+            <a:ext uri="{909E8E84-426E-40DD-AFC4-6F175D3DCCD1}">
+              <a14:hiddenFill xmlns:a14="http://schemas.microsoft.com/office/drawing/2010/main">
+                <a:solidFill>
+                  <a:srgbClr val="FFFFFF"/>
+                </a:solidFill>
+              </a14:hiddenFill>
+            </a:ext>
+          </a:extLst>
+        </p:spPr>
+      </p:pic>
+      <p:pic>
+        <p:nvPicPr>
+          <p:cNvPr id="14" name="Picture 4" descr="http://getdesign.org/wp-content/uploads/2013/04/intel-company-logo-png-hd-sk.png"/>
+          <p:cNvPicPr>
+            <a:picLocks noChangeAspect="1" noChangeArrowheads="1"/>
+          </p:cNvPicPr>
+          <p:nvPr/>
+        </p:nvPicPr>
+        <p:blipFill>
+          <a:blip r:embed="rId6" cstate="print">
+            <a:extLst>
+              <a:ext uri="{28A0092B-C50C-407E-A947-70E740481C1C}">
+                <a14:useLocalDpi xmlns:a14="http://schemas.microsoft.com/office/drawing/2010/main" val="0"/>
+              </a:ext>
+            </a:extLst>
+          </a:blip>
+          <a:srcRect/>
+          <a:stretch>
+            <a:fillRect/>
+          </a:stretch>
+        </p:blipFill>
+        <p:spPr bwMode="auto">
+          <a:xfrm>
+            <a:off x="10524333" y="5192586"/>
+            <a:ext cx="905666" cy="753808"/>
+          </a:xfrm>
+          <a:prstGeom prst="rect">
+            <a:avLst/>
+          </a:prstGeom>
+          <a:noFill/>
+          <a:extLst>
+            <a:ext uri="{909E8E84-426E-40DD-AFC4-6F175D3DCCD1}">
+              <a14:hiddenFill xmlns:a14="http://schemas.microsoft.com/office/drawing/2010/main">
+                <a:solidFill>
+                  <a:srgbClr val="FFFFFF"/>
+                </a:solidFill>
+              </a14:hiddenFill>
+            </a:ext>
+          </a:extLst>
+        </p:spPr>
+      </p:pic>
+      <p:sp>
+        <p:nvSpPr>
+          <p:cNvPr id="15" name="Rectangle 14"/>
+          <p:cNvSpPr/>
+          <p:nvPr/>
+        </p:nvSpPr>
+        <p:spPr>
+          <a:xfrm>
+            <a:off x="7675117" y="4388259"/>
+            <a:ext cx="1044382" cy="500372"/>
+          </a:xfrm>
+          <a:prstGeom prst="rect">
+            <a:avLst/>
+          </a:prstGeom>
+        </p:spPr>
+        <p:style>
+          <a:lnRef idx="3">
+            <a:schemeClr val="lt1"/>
+          </a:lnRef>
+          <a:fillRef idx="1">
+            <a:schemeClr val="accent1"/>
+          </a:fillRef>
+          <a:effectRef idx="1">
+            <a:schemeClr val="accent1"/>
+          </a:effectRef>
+          <a:fontRef idx="minor">
+            <a:schemeClr val="lt1"/>
+          </a:fontRef>
+        </p:style>
+        <p:txBody>
+          <a:bodyPr rtlCol="0" anchor="ctr"/>
+          <a:lstStyle/>
+          <a:p>
+            <a:pPr algn="ctr"/>
+            <a:r>
+              <a:rPr lang="en-US" dirty="0" smtClean="0"/>
+              <a:t>Network</a:t>
+            </a:r>
+            <a:endParaRPr lang="en-US" dirty="0"/>
+          </a:p>
+        </p:txBody>
+      </p:sp>
+      <p:sp>
+        <p:nvSpPr>
+          <p:cNvPr id="16" name="Rectangle 15"/>
+          <p:cNvSpPr/>
+          <p:nvPr/>
+        </p:nvSpPr>
+        <p:spPr>
+          <a:xfrm>
+            <a:off x="9208992" y="4388259"/>
+            <a:ext cx="1044382" cy="500372"/>
+          </a:xfrm>
+          <a:prstGeom prst="rect">
+            <a:avLst/>
+          </a:prstGeom>
+        </p:spPr>
+        <p:style>
+          <a:lnRef idx="3">
+            <a:schemeClr val="lt1"/>
+          </a:lnRef>
+          <a:fillRef idx="1">
+            <a:schemeClr val="accent1"/>
+          </a:fillRef>
+          <a:effectRef idx="1">
+            <a:schemeClr val="accent1"/>
+          </a:effectRef>
+          <a:fontRef idx="minor">
+            <a:schemeClr val="lt1"/>
+          </a:fontRef>
+        </p:style>
+        <p:txBody>
+          <a:bodyPr rtlCol="0" anchor="ctr"/>
+          <a:lstStyle/>
+          <a:p>
+            <a:pPr algn="ctr"/>
+            <a:r>
+              <a:rPr lang="en-US" dirty="0" smtClean="0"/>
+              <a:t>SATA</a:t>
+            </a:r>
+            <a:endParaRPr lang="en-US" dirty="0"/>
+          </a:p>
+        </p:txBody>
+      </p:sp>
+      <p:sp>
+        <p:nvSpPr>
+          <p:cNvPr id="17" name="TextBox 16"/>
+          <p:cNvSpPr txBox="1"/>
+          <p:nvPr/>
+        </p:nvSpPr>
+        <p:spPr>
+          <a:xfrm>
+            <a:off x="657224" y="2211519"/>
+            <a:ext cx="5112205" cy="1631216"/>
+          </a:xfrm>
+          <a:prstGeom prst="rect">
+            <a:avLst/>
+          </a:prstGeom>
+          <a:noFill/>
+        </p:spPr>
+        <p:txBody>
+          <a:bodyPr wrap="square" rtlCol="0">
+            <a:spAutoFit/>
+          </a:bodyPr>
+          <a:lstStyle/>
+          <a:p>
+            <a:pPr marL="342900" indent="-342900" algn="just">
+              <a:buFont typeface="Arial" panose="020B0604020202020204" pitchFamily="34" charset="0"/>
+              <a:buChar char="•"/>
+            </a:pPr>
+            <a:r>
+              <a:rPr lang="en-US" sz="2000" dirty="0" smtClean="0"/>
+              <a:t>A </a:t>
+            </a:r>
+            <a:r>
+              <a:rPr lang="en-US" sz="2000" dirty="0"/>
+              <a:t>device driver is a computer program </a:t>
+            </a:r>
+            <a:r>
+              <a:rPr lang="en-US" sz="2000" dirty="0" smtClean="0"/>
+              <a:t>which </a:t>
+            </a:r>
+            <a:r>
+              <a:rPr lang="en-US" sz="2000" dirty="0"/>
+              <a:t>acts as a translator between </a:t>
+            </a:r>
+            <a:r>
+              <a:rPr lang="en-US" sz="2000" dirty="0" smtClean="0"/>
+              <a:t>the hardware device </a:t>
+            </a:r>
+            <a:r>
+              <a:rPr lang="en-US" sz="2000" dirty="0"/>
+              <a:t>and the application or </a:t>
+            </a:r>
+            <a:r>
+              <a:rPr lang="en-US" sz="2000" dirty="0" smtClean="0"/>
+              <a:t>the </a:t>
+            </a:r>
+            <a:r>
+              <a:rPr lang="en-US" sz="2000" dirty="0"/>
+              <a:t>operating </a:t>
+            </a:r>
+            <a:r>
+              <a:rPr lang="en-US" sz="2000" dirty="0" smtClean="0"/>
+              <a:t>system</a:t>
+            </a:r>
+            <a:r>
+              <a:rPr lang="en-US" sz="2000" dirty="0"/>
+              <a:t>.</a:t>
+            </a:r>
+          </a:p>
+          <a:p>
+            <a:endParaRPr lang="en-US" sz="2000" dirty="0"/>
+          </a:p>
+        </p:txBody>
+      </p:sp>
+    </p:spTree>
+    <p:extLst>
+      <p:ext uri="{BB962C8B-B14F-4D97-AF65-F5344CB8AC3E}">
+        <p14:creationId xmlns:p14="http://schemas.microsoft.com/office/powerpoint/2010/main" val="2445854525"/>
+      </p:ext>
+    </p:extLst>
+  </p:cSld>
+  <p:clrMapOvr>
+    <a:masterClrMapping/>
+  </p:clrMapOvr>
+  <p:timing>
+    <p:tnLst>
+      <p:par>
+        <p:cTn id="1" dur="indefinite" restart="never" nodeType="tmRoot"/>
+      </p:par>
+    </p:tnLst>
+  </p:timing>
+</p:sld>
+</file>
+
+<file path=ppt/slides/slide30.xml><?xml version="1.0" encoding="utf-8"?>
+<p:sld xmlns:a="http://schemas.openxmlformats.org/drawingml/2006/main" xmlns:r="http://schemas.openxmlformats.org/officeDocument/2006/relationships" xmlns:p="http://schemas.openxmlformats.org/presentationml/2006/main">
+  <p:cSld>
+    <p:spTree>
+      <p:nvGrpSpPr>
+        <p:cNvPr id="1" name=""/>
+        <p:cNvGrpSpPr/>
+        <p:nvPr/>
+      </p:nvGrpSpPr>
+      <p:grpSpPr>
+        <a:xfrm>
+          <a:off x="0" y="0"/>
+          <a:ext cx="0" cy="0"/>
+          <a:chOff x="0" y="0"/>
+          <a:chExt cx="0" cy="0"/>
+        </a:xfrm>
+      </p:grpSpPr>
+      <p:sp>
+        <p:nvSpPr>
+          <p:cNvPr id="2" name="Title 1"/>
+          <p:cNvSpPr>
+            <a:spLocks noGrp="1"/>
+          </p:cNvSpPr>
+          <p:nvPr>
+            <p:ph type="title"/>
+          </p:nvPr>
+        </p:nvSpPr>
+        <p:spPr/>
+        <p:txBody>
+          <a:bodyPr/>
+          <a:lstStyle/>
+          <a:p>
+            <a:r>
+              <a:rPr lang="en-US" dirty="0" smtClean="0"/>
+              <a:t>Questions ?</a:t>
+            </a:r>
+            <a:endParaRPr lang="en-US" dirty="0"/>
+          </a:p>
+        </p:txBody>
+      </p:sp>
+      <p:sp>
+        <p:nvSpPr>
+          <p:cNvPr id="3" name="Content Placeholder 2"/>
+          <p:cNvSpPr>
+            <a:spLocks noGrp="1"/>
+          </p:cNvSpPr>
+          <p:nvPr>
+            <p:ph idx="1"/>
+          </p:nvPr>
+        </p:nvSpPr>
+        <p:spPr/>
+        <p:txBody>
+          <a:bodyPr/>
+          <a:lstStyle/>
+          <a:p>
+            <a:endParaRPr lang="en-US" dirty="0"/>
+          </a:p>
+        </p:txBody>
+      </p:sp>
+    </p:spTree>
+    <p:extLst>
+      <p:ext uri="{BB962C8B-B14F-4D97-AF65-F5344CB8AC3E}">
+        <p14:creationId xmlns:p14="http://schemas.microsoft.com/office/powerpoint/2010/main" val="2662984763"/>
+      </p:ext>
+    </p:extLst>
+  </p:cSld>
+  <p:clrMapOvr>
+    <a:masterClrMapping/>
+  </p:clrMapOvr>
+  <p:timing>
+    <p:tnLst>
+      <p:par>
+        <p:cTn id="1" dur="indefinite" restart="never" nodeType="tmRoot"/>
+      </p:par>
+    </p:tnLst>
+  </p:timing>
+</p:sld>
+</file>
+
+<file path=ppt/slides/slide31.xml><?xml version="1.0" encoding="utf-8"?>
 <p:sld xmlns:a="http://schemas.openxmlformats.org/drawingml/2006/main" xmlns:r="http://schemas.openxmlformats.org/officeDocument/2006/relationships" xmlns:p="http://schemas.openxmlformats.org/presentationml/2006/main" show="0">
   <p:cSld>
     <p:spTree>
@@ -20538,7 +22123,7 @@
 </p:sld>
 </file>
 
-<file path=ppt/slides/slide27.xml><?xml version="1.0" encoding="utf-8"?>
+<file path=ppt/slides/slide32.xml><?xml version="1.0" encoding="utf-8"?>
 <p:sld xmlns:a="http://schemas.openxmlformats.org/drawingml/2006/main" xmlns:r="http://schemas.openxmlformats.org/officeDocument/2006/relationships" xmlns:p="http://schemas.openxmlformats.org/presentationml/2006/main" show="0">
   <p:cSld>
     <p:spTree>
@@ -21452,7 +23037,7 @@
 </p:sld>
 </file>
 
-<file path=ppt/slides/slide28.xml><?xml version="1.0" encoding="utf-8"?>
+<file path=ppt/slides/slide33.xml><?xml version="1.0" encoding="utf-8"?>
 <p:sld xmlns:a="http://schemas.openxmlformats.org/drawingml/2006/main" xmlns:r="http://schemas.openxmlformats.org/officeDocument/2006/relationships" xmlns:p="http://schemas.openxmlformats.org/presentationml/2006/main" show="0">
   <p:cSld>
     <p:spTree>
@@ -22744,687 +24329,6 @@
 </p:sld>
 </file>
 
-<file path=ppt/slides/slide3.xml><?xml version="1.0" encoding="utf-8"?>
-<p:sld xmlns:a="http://schemas.openxmlformats.org/drawingml/2006/main" xmlns:r="http://schemas.openxmlformats.org/officeDocument/2006/relationships" xmlns:p="http://schemas.openxmlformats.org/presentationml/2006/main">
-  <p:cSld>
-    <p:spTree>
-      <p:nvGrpSpPr>
-        <p:cNvPr id="1" name=""/>
-        <p:cNvGrpSpPr/>
-        <p:nvPr/>
-      </p:nvGrpSpPr>
-      <p:grpSpPr>
-        <a:xfrm>
-          <a:off x="0" y="0"/>
-          <a:ext cx="0" cy="0"/>
-          <a:chOff x="0" y="0"/>
-          <a:chExt cx="0" cy="0"/>
-        </a:xfrm>
-      </p:grpSpPr>
-      <p:sp>
-        <p:nvSpPr>
-          <p:cNvPr id="2" name="Title 1"/>
-          <p:cNvSpPr>
-            <a:spLocks noGrp="1"/>
-          </p:cNvSpPr>
-          <p:nvPr>
-            <p:ph type="title"/>
-          </p:nvPr>
-        </p:nvSpPr>
-        <p:spPr/>
-        <p:txBody>
-          <a:bodyPr/>
-          <a:lstStyle/>
-          <a:p>
-            <a:r>
-              <a:rPr lang="en-US" dirty="0" smtClean="0"/>
-              <a:t>Device Driver</a:t>
-            </a:r>
-            <a:endParaRPr lang="en-US" dirty="0"/>
-          </a:p>
-        </p:txBody>
-      </p:sp>
-      <p:cxnSp>
-        <p:nvCxnSpPr>
-          <p:cNvPr id="4" name="Straight Connector 3"/>
-          <p:cNvCxnSpPr/>
-          <p:nvPr/>
-        </p:nvCxnSpPr>
-        <p:spPr>
-          <a:xfrm flipV="1">
-            <a:off x="6421581" y="3053893"/>
-            <a:ext cx="5008418" cy="0"/>
-          </a:xfrm>
-          <a:prstGeom prst="line">
-            <a:avLst/>
-          </a:prstGeom>
-        </p:spPr>
-        <p:style>
-          <a:lnRef idx="1">
-            <a:schemeClr val="accent1"/>
-          </a:lnRef>
-          <a:fillRef idx="0">
-            <a:schemeClr val="accent1"/>
-          </a:fillRef>
-          <a:effectRef idx="0">
-            <a:schemeClr val="accent1"/>
-          </a:effectRef>
-          <a:fontRef idx="minor">
-            <a:schemeClr val="tx1"/>
-          </a:fontRef>
-        </p:style>
-      </p:cxnSp>
-      <p:sp>
-        <p:nvSpPr>
-          <p:cNvPr id="5" name="Rounded Rectangle 4"/>
-          <p:cNvSpPr/>
-          <p:nvPr/>
-        </p:nvSpPr>
-        <p:spPr>
-          <a:xfrm>
-            <a:off x="6421581" y="3292389"/>
-            <a:ext cx="5008418" cy="1693718"/>
-          </a:xfrm>
-          <a:prstGeom prst="roundRect">
-            <a:avLst/>
-          </a:prstGeom>
-        </p:spPr>
-        <p:style>
-          <a:lnRef idx="2">
-            <a:schemeClr val="accent1"/>
-          </a:lnRef>
-          <a:fillRef idx="1">
-            <a:schemeClr val="lt1"/>
-          </a:fillRef>
-          <a:effectRef idx="0">
-            <a:schemeClr val="accent1"/>
-          </a:effectRef>
-          <a:fontRef idx="minor">
-            <a:schemeClr val="dk1"/>
-          </a:fontRef>
-        </p:style>
-        <p:txBody>
-          <a:bodyPr rtlCol="0" anchor="ctr"/>
-          <a:lstStyle/>
-          <a:p>
-            <a:pPr algn="ctr"/>
-            <a:r>
-              <a:rPr lang="en-US" dirty="0" smtClean="0"/>
-              <a:t>Operating System</a:t>
-            </a:r>
-            <a:endParaRPr lang="en-US" dirty="0"/>
-          </a:p>
-        </p:txBody>
-      </p:sp>
-      <p:sp>
-        <p:nvSpPr>
-          <p:cNvPr id="6" name="Rectangle 5"/>
-          <p:cNvSpPr/>
-          <p:nvPr/>
-        </p:nvSpPr>
-        <p:spPr>
-          <a:xfrm>
-            <a:off x="6421581" y="5246374"/>
-            <a:ext cx="5008418" cy="610821"/>
-          </a:xfrm>
-          <a:prstGeom prst="rect">
-            <a:avLst/>
-          </a:prstGeom>
-        </p:spPr>
-        <p:style>
-          <a:lnRef idx="2">
-            <a:schemeClr val="accent1"/>
-          </a:lnRef>
-          <a:fillRef idx="1">
-            <a:schemeClr val="lt1"/>
-          </a:fillRef>
-          <a:effectRef idx="0">
-            <a:schemeClr val="accent1"/>
-          </a:effectRef>
-          <a:fontRef idx="minor">
-            <a:schemeClr val="dk1"/>
-          </a:fontRef>
-        </p:style>
-        <p:txBody>
-          <a:bodyPr rtlCol="0" anchor="ctr"/>
-          <a:lstStyle/>
-          <a:p>
-            <a:pPr algn="ctr"/>
-            <a:r>
-              <a:rPr lang="en-US" dirty="0" smtClean="0"/>
-              <a:t>Hardware</a:t>
-            </a:r>
-          </a:p>
-        </p:txBody>
-      </p:sp>
-      <p:sp>
-        <p:nvSpPr>
-          <p:cNvPr id="7" name="Rectangle 6"/>
-          <p:cNvSpPr/>
-          <p:nvPr/>
-        </p:nvSpPr>
-        <p:spPr>
-          <a:xfrm>
-            <a:off x="6557798" y="2215545"/>
-            <a:ext cx="1340427" cy="602673"/>
-          </a:xfrm>
-          <a:prstGeom prst="rect">
-            <a:avLst/>
-          </a:prstGeom>
-          <a:ln/>
-        </p:spPr>
-        <p:style>
-          <a:lnRef idx="2">
-            <a:schemeClr val="accent1"/>
-          </a:lnRef>
-          <a:fillRef idx="1">
-            <a:schemeClr val="lt1"/>
-          </a:fillRef>
-          <a:effectRef idx="0">
-            <a:schemeClr val="accent1"/>
-          </a:effectRef>
-          <a:fontRef idx="minor">
-            <a:schemeClr val="dk1"/>
-          </a:fontRef>
-        </p:style>
-        <p:txBody>
-          <a:bodyPr rtlCol="0" anchor="ctr"/>
-          <a:lstStyle/>
-          <a:p>
-            <a:pPr algn="ctr"/>
-            <a:r>
-              <a:rPr lang="en-US" sz="1400" dirty="0" smtClean="0"/>
-              <a:t>User 	</a:t>
-            </a:r>
-          </a:p>
-          <a:p>
-            <a:pPr algn="ctr"/>
-            <a:r>
-              <a:rPr lang="en-US" sz="1400" dirty="0" smtClean="0"/>
-              <a:t>Process	</a:t>
-            </a:r>
-          </a:p>
-        </p:txBody>
-      </p:sp>
-      <p:pic>
-        <p:nvPicPr>
-          <p:cNvPr id="8" name="Picture 8" descr="http://socialfixer.com/includes/img/chrome-256.png"/>
-          <p:cNvPicPr>
-            <a:picLocks noChangeAspect="1" noChangeArrowheads="1"/>
-          </p:cNvPicPr>
-          <p:nvPr/>
-        </p:nvPicPr>
-        <p:blipFill>
-          <a:blip r:embed="rId2" cstate="print">
-            <a:extLst>
-              <a:ext uri="{28A0092B-C50C-407E-A947-70E740481C1C}">
-                <a14:useLocalDpi xmlns:a14="http://schemas.microsoft.com/office/drawing/2010/main" val="0"/>
-              </a:ext>
-            </a:extLst>
-          </a:blip>
-          <a:srcRect/>
-          <a:stretch>
-            <a:fillRect/>
-          </a:stretch>
-        </p:blipFill>
-        <p:spPr bwMode="auto">
-          <a:xfrm>
-            <a:off x="7373910" y="2288165"/>
-            <a:ext cx="485126" cy="485126"/>
-          </a:xfrm>
-          <a:prstGeom prst="rect">
-            <a:avLst/>
-          </a:prstGeom>
-          <a:noFill/>
-          <a:extLst>
-            <a:ext uri="{909E8E84-426E-40DD-AFC4-6F175D3DCCD1}">
-              <a14:hiddenFill xmlns:a14="http://schemas.microsoft.com/office/drawing/2010/main">
-                <a:solidFill>
-                  <a:srgbClr val="FFFFFF"/>
-                </a:solidFill>
-              </a14:hiddenFill>
-            </a:ext>
-          </a:extLst>
-        </p:spPr>
-      </p:pic>
-      <p:sp>
-        <p:nvSpPr>
-          <p:cNvPr id="9" name="Rectangle 8"/>
-          <p:cNvSpPr/>
-          <p:nvPr/>
-        </p:nvSpPr>
-        <p:spPr>
-          <a:xfrm>
-            <a:off x="8268835" y="2215544"/>
-            <a:ext cx="1340427" cy="602673"/>
-          </a:xfrm>
-          <a:prstGeom prst="rect">
-            <a:avLst/>
-          </a:prstGeom>
-          <a:ln/>
-        </p:spPr>
-        <p:style>
-          <a:lnRef idx="2">
-            <a:schemeClr val="accent1"/>
-          </a:lnRef>
-          <a:fillRef idx="1">
-            <a:schemeClr val="lt1"/>
-          </a:fillRef>
-          <a:effectRef idx="0">
-            <a:schemeClr val="accent1"/>
-          </a:effectRef>
-          <a:fontRef idx="minor">
-            <a:schemeClr val="dk1"/>
-          </a:fontRef>
-        </p:style>
-        <p:txBody>
-          <a:bodyPr rtlCol="0" anchor="ctr"/>
-          <a:lstStyle/>
-          <a:p>
-            <a:pPr algn="ctr"/>
-            <a:r>
-              <a:rPr lang="en-US" sz="1400" dirty="0" smtClean="0"/>
-              <a:t>User 	</a:t>
-            </a:r>
-          </a:p>
-          <a:p>
-            <a:pPr algn="ctr"/>
-            <a:r>
-              <a:rPr lang="en-US" sz="1400" dirty="0" smtClean="0"/>
-              <a:t>Process	</a:t>
-            </a:r>
-          </a:p>
-        </p:txBody>
-      </p:sp>
-      <p:pic>
-        <p:nvPicPr>
-          <p:cNvPr id="10" name="Picture 10" descr="http://www.mswordhelp.com/wp-content/uploads/2011/04/word-logo.png"/>
-          <p:cNvPicPr>
-            <a:picLocks noChangeAspect="1" noChangeArrowheads="1"/>
-          </p:cNvPicPr>
-          <p:nvPr/>
-        </p:nvPicPr>
-        <p:blipFill>
-          <a:blip r:embed="rId3" cstate="print">
-            <a:extLst>
-              <a:ext uri="{28A0092B-C50C-407E-A947-70E740481C1C}">
-                <a14:useLocalDpi xmlns:a14="http://schemas.microsoft.com/office/drawing/2010/main" val="0"/>
-              </a:ext>
-            </a:extLst>
-          </a:blip>
-          <a:srcRect/>
-          <a:stretch>
-            <a:fillRect/>
-          </a:stretch>
-        </p:blipFill>
-        <p:spPr bwMode="auto">
-          <a:xfrm>
-            <a:off x="9070369" y="2244211"/>
-            <a:ext cx="501649" cy="501649"/>
-          </a:xfrm>
-          <a:prstGeom prst="rect">
-            <a:avLst/>
-          </a:prstGeom>
-          <a:noFill/>
-          <a:extLst>
-            <a:ext uri="{909E8E84-426E-40DD-AFC4-6F175D3DCCD1}">
-              <a14:hiddenFill xmlns:a14="http://schemas.microsoft.com/office/drawing/2010/main">
-                <a:solidFill>
-                  <a:srgbClr val="FFFFFF"/>
-                </a:solidFill>
-              </a14:hiddenFill>
-            </a:ext>
-          </a:extLst>
-        </p:spPr>
-      </p:pic>
-      <p:sp>
-        <p:nvSpPr>
-          <p:cNvPr id="11" name="Rectangle 10"/>
-          <p:cNvSpPr/>
-          <p:nvPr/>
-        </p:nvSpPr>
-        <p:spPr>
-          <a:xfrm>
-            <a:off x="9979872" y="2212237"/>
-            <a:ext cx="1340427" cy="602673"/>
-          </a:xfrm>
-          <a:prstGeom prst="rect">
-            <a:avLst/>
-          </a:prstGeom>
-          <a:ln/>
-        </p:spPr>
-        <p:style>
-          <a:lnRef idx="2">
-            <a:schemeClr val="accent1"/>
-          </a:lnRef>
-          <a:fillRef idx="1">
-            <a:schemeClr val="lt1"/>
-          </a:fillRef>
-          <a:effectRef idx="0">
-            <a:schemeClr val="accent1"/>
-          </a:effectRef>
-          <a:fontRef idx="minor">
-            <a:schemeClr val="dk1"/>
-          </a:fontRef>
-        </p:style>
-        <p:txBody>
-          <a:bodyPr rtlCol="0" anchor="ctr"/>
-          <a:lstStyle/>
-          <a:p>
-            <a:pPr algn="ctr"/>
-            <a:r>
-              <a:rPr lang="en-US" sz="1400" dirty="0" smtClean="0"/>
-              <a:t>User 	</a:t>
-            </a:r>
-          </a:p>
-          <a:p>
-            <a:pPr algn="ctr"/>
-            <a:r>
-              <a:rPr lang="en-US" sz="1400" dirty="0" smtClean="0"/>
-              <a:t>Process	</a:t>
-            </a:r>
-          </a:p>
-        </p:txBody>
-      </p:sp>
-      <p:pic>
-        <p:nvPicPr>
-          <p:cNvPr id="12" name="Picture 12" descr="http://icons.iconarchive.com/icons/musett/adobe-folders/256/Acrobat-Reader-icon.png"/>
-          <p:cNvPicPr>
-            <a:picLocks noChangeAspect="1" noChangeArrowheads="1"/>
-          </p:cNvPicPr>
-          <p:nvPr/>
-        </p:nvPicPr>
-        <p:blipFill>
-          <a:blip r:embed="rId4" cstate="print">
-            <a:extLst>
-              <a:ext uri="{28A0092B-C50C-407E-A947-70E740481C1C}">
-                <a14:useLocalDpi xmlns:a14="http://schemas.microsoft.com/office/drawing/2010/main" val="0"/>
-              </a:ext>
-            </a:extLst>
-          </a:blip>
-          <a:srcRect/>
-          <a:stretch>
-            <a:fillRect/>
-          </a:stretch>
-        </p:blipFill>
-        <p:spPr bwMode="auto">
-          <a:xfrm>
-            <a:off x="10779461" y="2262748"/>
-            <a:ext cx="501649" cy="501649"/>
-          </a:xfrm>
-          <a:prstGeom prst="rect">
-            <a:avLst/>
-          </a:prstGeom>
-          <a:noFill/>
-          <a:extLst>
-            <a:ext uri="{909E8E84-426E-40DD-AFC4-6F175D3DCCD1}">
-              <a14:hiddenFill xmlns:a14="http://schemas.microsoft.com/office/drawing/2010/main">
-                <a:solidFill>
-                  <a:srgbClr val="FFFFFF"/>
-                </a:solidFill>
-              </a14:hiddenFill>
-            </a:ext>
-          </a:extLst>
-        </p:spPr>
-      </p:pic>
-      <p:pic>
-        <p:nvPicPr>
-          <p:cNvPr id="13" name="Picture 2" descr="http://getstrip.com/assets/windows_logo.png"/>
-          <p:cNvPicPr>
-            <a:picLocks noChangeAspect="1" noChangeArrowheads="1"/>
-          </p:cNvPicPr>
-          <p:nvPr/>
-        </p:nvPicPr>
-        <p:blipFill>
-          <a:blip r:embed="rId5">
-            <a:extLst>
-              <a:ext uri="{28A0092B-C50C-407E-A947-70E740481C1C}">
-                <a14:useLocalDpi xmlns:a14="http://schemas.microsoft.com/office/drawing/2010/main" val="0"/>
-              </a:ext>
-            </a:extLst>
-          </a:blip>
-          <a:srcRect/>
-          <a:stretch>
-            <a:fillRect/>
-          </a:stretch>
-        </p:blipFill>
-        <p:spPr bwMode="auto">
-          <a:xfrm>
-            <a:off x="10411960" y="3912009"/>
-            <a:ext cx="476250" cy="476250"/>
-          </a:xfrm>
-          <a:prstGeom prst="rect">
-            <a:avLst/>
-          </a:prstGeom>
-          <a:noFill/>
-          <a:extLst>
-            <a:ext uri="{909E8E84-426E-40DD-AFC4-6F175D3DCCD1}">
-              <a14:hiddenFill xmlns:a14="http://schemas.microsoft.com/office/drawing/2010/main">
-                <a:solidFill>
-                  <a:srgbClr val="FFFFFF"/>
-                </a:solidFill>
-              </a14:hiddenFill>
-            </a:ext>
-          </a:extLst>
-        </p:spPr>
-      </p:pic>
-      <p:pic>
-        <p:nvPicPr>
-          <p:cNvPr id="14" name="Picture 4" descr="http://getdesign.org/wp-content/uploads/2013/04/intel-company-logo-png-hd-sk.png"/>
-          <p:cNvPicPr>
-            <a:picLocks noChangeAspect="1" noChangeArrowheads="1"/>
-          </p:cNvPicPr>
-          <p:nvPr/>
-        </p:nvPicPr>
-        <p:blipFill>
-          <a:blip r:embed="rId6" cstate="print">
-            <a:extLst>
-              <a:ext uri="{28A0092B-C50C-407E-A947-70E740481C1C}">
-                <a14:useLocalDpi xmlns:a14="http://schemas.microsoft.com/office/drawing/2010/main" val="0"/>
-              </a:ext>
-            </a:extLst>
-          </a:blip>
-          <a:srcRect/>
-          <a:stretch>
-            <a:fillRect/>
-          </a:stretch>
-        </p:blipFill>
-        <p:spPr bwMode="auto">
-          <a:xfrm>
-            <a:off x="10524333" y="5192586"/>
-            <a:ext cx="905666" cy="753808"/>
-          </a:xfrm>
-          <a:prstGeom prst="rect">
-            <a:avLst/>
-          </a:prstGeom>
-          <a:noFill/>
-          <a:extLst>
-            <a:ext uri="{909E8E84-426E-40DD-AFC4-6F175D3DCCD1}">
-              <a14:hiddenFill xmlns:a14="http://schemas.microsoft.com/office/drawing/2010/main">
-                <a:solidFill>
-                  <a:srgbClr val="FFFFFF"/>
-                </a:solidFill>
-              </a14:hiddenFill>
-            </a:ext>
-          </a:extLst>
-        </p:spPr>
-      </p:pic>
-      <p:sp>
-        <p:nvSpPr>
-          <p:cNvPr id="15" name="Rectangle 14"/>
-          <p:cNvSpPr/>
-          <p:nvPr/>
-        </p:nvSpPr>
-        <p:spPr>
-          <a:xfrm>
-            <a:off x="7675117" y="4388259"/>
-            <a:ext cx="1044382" cy="500372"/>
-          </a:xfrm>
-          <a:prstGeom prst="rect">
-            <a:avLst/>
-          </a:prstGeom>
-        </p:spPr>
-        <p:style>
-          <a:lnRef idx="3">
-            <a:schemeClr val="lt1"/>
-          </a:lnRef>
-          <a:fillRef idx="1">
-            <a:schemeClr val="accent1"/>
-          </a:fillRef>
-          <a:effectRef idx="1">
-            <a:schemeClr val="accent1"/>
-          </a:effectRef>
-          <a:fontRef idx="minor">
-            <a:schemeClr val="lt1"/>
-          </a:fontRef>
-        </p:style>
-        <p:txBody>
-          <a:bodyPr rtlCol="0" anchor="ctr"/>
-          <a:lstStyle/>
-          <a:p>
-            <a:pPr algn="ctr"/>
-            <a:r>
-              <a:rPr lang="en-US" dirty="0" smtClean="0"/>
-              <a:t>Network</a:t>
-            </a:r>
-            <a:endParaRPr lang="en-US" dirty="0"/>
-          </a:p>
-        </p:txBody>
-      </p:sp>
-      <p:sp>
-        <p:nvSpPr>
-          <p:cNvPr id="16" name="Rectangle 15"/>
-          <p:cNvSpPr/>
-          <p:nvPr/>
-        </p:nvSpPr>
-        <p:spPr>
-          <a:xfrm>
-            <a:off x="9208992" y="4388259"/>
-            <a:ext cx="1044382" cy="500372"/>
-          </a:xfrm>
-          <a:prstGeom prst="rect">
-            <a:avLst/>
-          </a:prstGeom>
-        </p:spPr>
-        <p:style>
-          <a:lnRef idx="3">
-            <a:schemeClr val="lt1"/>
-          </a:lnRef>
-          <a:fillRef idx="1">
-            <a:schemeClr val="accent1"/>
-          </a:fillRef>
-          <a:effectRef idx="1">
-            <a:schemeClr val="accent1"/>
-          </a:effectRef>
-          <a:fontRef idx="minor">
-            <a:schemeClr val="lt1"/>
-          </a:fontRef>
-        </p:style>
-        <p:txBody>
-          <a:bodyPr rtlCol="0" anchor="ctr"/>
-          <a:lstStyle/>
-          <a:p>
-            <a:pPr algn="ctr"/>
-            <a:r>
-              <a:rPr lang="en-US" dirty="0" smtClean="0"/>
-              <a:t>SATA</a:t>
-            </a:r>
-            <a:endParaRPr lang="en-US" dirty="0"/>
-          </a:p>
-        </p:txBody>
-      </p:sp>
-      <p:sp>
-        <p:nvSpPr>
-          <p:cNvPr id="17" name="TextBox 16"/>
-          <p:cNvSpPr txBox="1"/>
-          <p:nvPr/>
-        </p:nvSpPr>
-        <p:spPr>
-          <a:xfrm>
-            <a:off x="657224" y="2211519"/>
-            <a:ext cx="5112205" cy="1631216"/>
-          </a:xfrm>
-          <a:prstGeom prst="rect">
-            <a:avLst/>
-          </a:prstGeom>
-          <a:noFill/>
-        </p:spPr>
-        <p:txBody>
-          <a:bodyPr wrap="square" rtlCol="0">
-            <a:spAutoFit/>
-          </a:bodyPr>
-          <a:lstStyle/>
-          <a:p>
-            <a:pPr marL="342900" indent="-342900" algn="just">
-              <a:buFont typeface="Arial" panose="020B0604020202020204" pitchFamily="34" charset="0"/>
-              <a:buChar char="•"/>
-            </a:pPr>
-            <a:r>
-              <a:rPr lang="en-US" sz="2000" dirty="0" smtClean="0"/>
-              <a:t>A </a:t>
-            </a:r>
-            <a:r>
-              <a:rPr lang="en-US" sz="2000" dirty="0"/>
-              <a:t>device driver is a computer program </a:t>
-            </a:r>
-            <a:r>
-              <a:rPr lang="en-US" sz="2000" dirty="0" smtClean="0"/>
-              <a:t>which </a:t>
-            </a:r>
-            <a:r>
-              <a:rPr lang="en-US" sz="2000" dirty="0"/>
-              <a:t>acts as a translator between </a:t>
-            </a:r>
-            <a:r>
-              <a:rPr lang="en-US" sz="2000" dirty="0" smtClean="0"/>
-              <a:t>the hardware device </a:t>
-            </a:r>
-            <a:r>
-              <a:rPr lang="en-US" sz="2000" dirty="0"/>
-              <a:t>and the application or </a:t>
-            </a:r>
-            <a:r>
-              <a:rPr lang="en-US" sz="2000" dirty="0" smtClean="0"/>
-              <a:t>the </a:t>
-            </a:r>
-            <a:r>
-              <a:rPr lang="en-US" sz="2000" dirty="0"/>
-              <a:t>operating </a:t>
-            </a:r>
-            <a:r>
-              <a:rPr lang="en-US" sz="2000" dirty="0" smtClean="0"/>
-              <a:t>system</a:t>
-            </a:r>
-            <a:r>
-              <a:rPr lang="en-US" sz="2000" dirty="0"/>
-              <a:t>.</a:t>
-            </a:r>
-          </a:p>
-          <a:p>
-            <a:endParaRPr lang="en-US" sz="2000" dirty="0"/>
-          </a:p>
-        </p:txBody>
-      </p:sp>
-    </p:spTree>
-    <p:extLst>
-      <p:ext uri="{BB962C8B-B14F-4D97-AF65-F5344CB8AC3E}">
-        <p14:creationId xmlns:p14="http://schemas.microsoft.com/office/powerpoint/2010/main" val="2445854525"/>
-      </p:ext>
-    </p:extLst>
-  </p:cSld>
-  <p:clrMapOvr>
-    <a:masterClrMapping/>
-  </p:clrMapOvr>
-  <p:timing>
-    <p:tnLst>
-      <p:par>
-        <p:cTn id="1" dur="indefinite" restart="never" nodeType="tmRoot"/>
-      </p:par>
-    </p:tnLst>
-  </p:timing>
-</p:sld>
-</file>
-
 <file path=ppt/slides/slide4.xml><?xml version="1.0" encoding="utf-8"?>
 <p:sld xmlns:a="http://schemas.openxmlformats.org/drawingml/2006/main" xmlns:r="http://schemas.openxmlformats.org/officeDocument/2006/relationships" xmlns:p="http://schemas.openxmlformats.org/presentationml/2006/main">
   <p:cSld>
@@ -23480,9 +24384,22 @@
           <a:lstStyle/>
           <a:p>
             <a:r>
+              <a:rPr lang="en-US" dirty="0" smtClean="0"/>
+              <a:t>An analysis </a:t>
+            </a:r>
+            <a:r>
               <a:rPr lang="en-US" dirty="0"/>
-              <a:t>Coverity's analysis of the Linux kernel code </a:t>
-            </a:r>
+              <a:t>of the Linux kernel code </a:t>
+            </a:r>
+            <a:r>
+              <a:rPr lang="en-US" dirty="0" smtClean="0"/>
+              <a:t>using </a:t>
+            </a:r>
+            <a:r>
+              <a:rPr lang="en-US" dirty="0" err="1" smtClean="0"/>
+              <a:t>Coverity</a:t>
+            </a:r>
+            <a:endParaRPr lang="en-US" dirty="0"/>
           </a:p>
           <a:p>
             <a:pPr marL="205740" lvl="2" indent="0">
@@ -23760,8 +24677,8 @@
         </p:nvSpPr>
         <p:spPr>
           <a:xfrm>
-            <a:off x="6641734" y="2084704"/>
-            <a:ext cx="4986253" cy="4477753"/>
+            <a:off x="6641734" y="2012140"/>
+            <a:ext cx="4986253" cy="4550317"/>
           </a:xfrm>
         </p:spPr>
         <p:txBody>
@@ -24731,14 +25648,30 @@
             <a:pPr algn="just"/>
             <a:r>
               <a:rPr lang="en-US" dirty="0" smtClean="0"/>
-              <a:t>Source code for the Isolated Driver Domain is not available. </a:t>
+              <a:t>Isolated </a:t>
+            </a:r>
+            <a:r>
+              <a:rPr lang="en-US" dirty="0" smtClean="0"/>
+              <a:t>Driver Domain </a:t>
+            </a:r>
+            <a:r>
+              <a:rPr lang="en-US" dirty="0" smtClean="0"/>
+              <a:t>code is </a:t>
+            </a:r>
+            <a:r>
+              <a:rPr lang="en-US" dirty="0" smtClean="0"/>
+              <a:t>not available. </a:t>
             </a:r>
           </a:p>
           <a:p>
             <a:pPr algn="just"/>
             <a:r>
               <a:rPr lang="en-US" dirty="0" smtClean="0"/>
-              <a:t>But the Isolated Driver Domain follows split device driver.</a:t>
+              <a:t>The </a:t>
+            </a:r>
+            <a:r>
+              <a:rPr lang="en-US" dirty="0" smtClean="0"/>
+              <a:t>Isolated Driver Domain follows split device driver.</a:t>
             </a:r>
             <a:endParaRPr lang="en-US" dirty="0"/>
           </a:p>
@@ -24845,27 +25778,75 @@
           <a:p>
             <a:r>
               <a:rPr lang="en-US" dirty="0" smtClean="0"/>
-              <a:t>Our implementation of the Isolated Driver Domain</a:t>
-            </a:r>
-          </a:p>
-          <a:p>
+              <a:t>Re-implementation </a:t>
+            </a:r>
             <a:r>
               <a:rPr lang="en-US" dirty="0" smtClean="0"/>
-              <a:t>Follows the same Xen split device driver model</a:t>
+              <a:t>of the Isolated Driver Domain</a:t>
             </a:r>
           </a:p>
           <a:p>
             <a:r>
               <a:rPr lang="en-US" dirty="0" smtClean="0"/>
-              <a:t>We refer the baseline code or the re-implementation of Isolated Driver Domain as Base IDDR system </a:t>
-            </a:r>
-          </a:p>
-          <a:p>
+              <a:t>Also follows </a:t>
+            </a:r>
             <a:r>
               <a:rPr lang="en-US" dirty="0" smtClean="0"/>
-              <a:t>One with the performance improvement is referred New IDDR system.</a:t>
-            </a:r>
-            <a:endParaRPr lang="en-US" dirty="0"/>
+              <a:t>the </a:t>
+            </a:r>
+            <a:r>
+              <a:rPr lang="en-US" dirty="0" smtClean="0"/>
+              <a:t>Xen </a:t>
+            </a:r>
+            <a:r>
+              <a:rPr lang="en-US" dirty="0" smtClean="0"/>
+              <a:t>split device driver model</a:t>
+            </a:r>
+          </a:p>
+          <a:p>
+            <a:r>
+              <a:rPr lang="en-US" dirty="0" smtClean="0"/>
+              <a:t>We refer </a:t>
+            </a:r>
+            <a:r>
+              <a:rPr lang="en-US" dirty="0" smtClean="0"/>
+              <a:t>the </a:t>
+            </a:r>
+            <a:r>
+              <a:rPr lang="en-US" dirty="0" smtClean="0"/>
+              <a:t>re-implementation of Isolated Driver Domain as </a:t>
+            </a:r>
+            <a:r>
+              <a:rPr lang="en-US" b="1" dirty="0" smtClean="0"/>
+              <a:t>base </a:t>
+            </a:r>
+            <a:r>
+              <a:rPr lang="en-US" b="1" dirty="0" smtClean="0"/>
+              <a:t>IDDR system </a:t>
+            </a:r>
+          </a:p>
+          <a:p>
+            <a:r>
+              <a:rPr lang="en-US" dirty="0" smtClean="0"/>
+              <a:t>One with the performance improvement is referred </a:t>
+            </a:r>
+            <a:r>
+              <a:rPr lang="en-US" dirty="0" smtClean="0"/>
+              <a:t>as the </a:t>
+            </a:r>
+            <a:r>
+              <a:rPr lang="en-US" b="1" dirty="0" smtClean="0"/>
+              <a:t>new </a:t>
+            </a:r>
+            <a:r>
+              <a:rPr lang="en-US" b="1" dirty="0" smtClean="0"/>
+              <a:t>IDDR </a:t>
+            </a:r>
+            <a:r>
+              <a:rPr lang="en-US" b="1" dirty="0" smtClean="0"/>
+              <a:t>system</a:t>
+            </a:r>
+            <a:endParaRPr lang="en-US" b="1" dirty="0"/>
           </a:p>
         </p:txBody>
       </p:sp>

--- a/doc/presentation/IDDR.pptx
+++ b/doc/presentation/IDDR.pptx
@@ -5,7 +5,7 @@
     <p:sldMasterId id="2147483660" r:id="rId1"/>
   </p:sldMasterIdLst>
   <p:notesMasterIdLst>
-    <p:notesMasterId r:id="rId35"/>
+    <p:notesMasterId r:id="rId37"/>
   </p:notesMasterIdLst>
   <p:sldIdLst>
     <p:sldId id="256" r:id="rId2"/>
@@ -36,11 +36,13 @@
     <p:sldId id="305" r:id="rId27"/>
     <p:sldId id="304" r:id="rId28"/>
     <p:sldId id="306" r:id="rId29"/>
-    <p:sldId id="307" r:id="rId30"/>
-    <p:sldId id="308" r:id="rId31"/>
-    <p:sldId id="268" r:id="rId32"/>
-    <p:sldId id="272" r:id="rId33"/>
-    <p:sldId id="264" r:id="rId34"/>
+    <p:sldId id="308" r:id="rId30"/>
+    <p:sldId id="268" r:id="rId31"/>
+    <p:sldId id="272" r:id="rId32"/>
+    <p:sldId id="264" r:id="rId33"/>
+    <p:sldId id="309" r:id="rId34"/>
+    <p:sldId id="310" r:id="rId35"/>
+    <p:sldId id="311" r:id="rId36"/>
   </p:sldIdLst>
   <p:sldSz cx="12192000" cy="6858000"/>
   <p:notesSz cx="6858000" cy="9144000"/>
@@ -184,7 +186,6 @@
             <p14:sldId id="305"/>
             <p14:sldId id="304"/>
             <p14:sldId id="306"/>
-            <p14:sldId id="307"/>
             <p14:sldId id="308"/>
           </p14:sldIdLst>
         </p14:section>
@@ -193,6 +194,9 @@
             <p14:sldId id="268"/>
             <p14:sldId id="272"/>
             <p14:sldId id="264"/>
+            <p14:sldId id="309"/>
+            <p14:sldId id="310"/>
+            <p14:sldId id="311"/>
           </p14:sldIdLst>
         </p14:section>
       </p14:sectionLst>
@@ -286,7 +290,7 @@
           <a:p>
             <a:fld id="{C6AFE97B-C4B1-41BF-AE6B-8CBC991743C2}" type="datetimeFigureOut">
               <a:rPr lang="en-US" smtClean="0"/>
-              <a:t>4/10/2014</a:t>
+              <a:t>4/11/2014</a:t>
             </a:fld>
             <a:endParaRPr lang="en-US"/>
           </a:p>
@@ -642,6 +646,90 @@
 </p:notes>
 </file>
 
+<file path=ppt/notesSlides/notesSlide2.xml><?xml version="1.0" encoding="utf-8"?>
+<p:notes xmlns:a="http://schemas.openxmlformats.org/drawingml/2006/main" xmlns:r="http://schemas.openxmlformats.org/officeDocument/2006/relationships" xmlns:p="http://schemas.openxmlformats.org/presentationml/2006/main">
+  <p:cSld>
+    <p:spTree>
+      <p:nvGrpSpPr>
+        <p:cNvPr id="1" name=""/>
+        <p:cNvGrpSpPr/>
+        <p:nvPr/>
+      </p:nvGrpSpPr>
+      <p:grpSpPr>
+        <a:xfrm>
+          <a:off x="0" y="0"/>
+          <a:ext cx="0" cy="0"/>
+          <a:chOff x="0" y="0"/>
+          <a:chExt cx="0" cy="0"/>
+        </a:xfrm>
+      </p:grpSpPr>
+      <p:sp>
+        <p:nvSpPr>
+          <p:cNvPr id="2" name="Slide Image Placeholder 1"/>
+          <p:cNvSpPr>
+            <a:spLocks noGrp="1" noRot="1" noChangeAspect="1"/>
+          </p:cNvSpPr>
+          <p:nvPr>
+            <p:ph type="sldImg"/>
+          </p:nvPr>
+        </p:nvSpPr>
+        <p:spPr/>
+      </p:sp>
+      <p:sp>
+        <p:nvSpPr>
+          <p:cNvPr id="3" name="Notes Placeholder 2"/>
+          <p:cNvSpPr>
+            <a:spLocks noGrp="1"/>
+          </p:cNvSpPr>
+          <p:nvPr>
+            <p:ph type="body" idx="1"/>
+          </p:nvPr>
+        </p:nvSpPr>
+        <p:spPr/>
+        <p:txBody>
+          <a:bodyPr/>
+          <a:lstStyle/>
+          <a:p>
+            <a:endParaRPr lang="en-US" dirty="0"/>
+          </a:p>
+        </p:txBody>
+      </p:sp>
+      <p:sp>
+        <p:nvSpPr>
+          <p:cNvPr id="4" name="Slide Number Placeholder 3"/>
+          <p:cNvSpPr>
+            <a:spLocks noGrp="1"/>
+          </p:cNvSpPr>
+          <p:nvPr>
+            <p:ph type="sldNum" sz="quarter" idx="10"/>
+          </p:nvPr>
+        </p:nvSpPr>
+        <p:spPr/>
+        <p:txBody>
+          <a:bodyPr/>
+          <a:lstStyle/>
+          <a:p>
+            <a:fld id="{7791A657-737E-473D-890E-EA091DB3B11D}" type="slidenum">
+              <a:rPr lang="en-US" smtClean="0"/>
+              <a:t>28</a:t>
+            </a:fld>
+            <a:endParaRPr lang="en-US"/>
+          </a:p>
+        </p:txBody>
+      </p:sp>
+    </p:spTree>
+    <p:extLst>
+      <p:ext uri="{BB962C8B-B14F-4D97-AF65-F5344CB8AC3E}">
+        <p14:creationId xmlns:p14="http://schemas.microsoft.com/office/powerpoint/2010/main" val="3562708966"/>
+      </p:ext>
+    </p:extLst>
+  </p:cSld>
+  <p:clrMapOvr>
+    <a:masterClrMapping/>
+  </p:clrMapOvr>
+</p:notes>
+</file>
+
 <file path=ppt/slideLayouts/slideLayout1.xml><?xml version="1.0" encoding="utf-8"?>
 <p:sldLayout xmlns:a="http://schemas.openxmlformats.org/drawingml/2006/main" xmlns:r="http://schemas.openxmlformats.org/officeDocument/2006/relationships" xmlns:p="http://schemas.openxmlformats.org/presentationml/2006/main" type="title" preserve="1">
   <p:cSld name="Title Slide">
@@ -842,7 +930,7 @@
           <a:p>
             <a:fld id="{993ACEB1-2F95-4730-9A80-DEA31051A5DE}" type="datetimeFigureOut">
               <a:rPr lang="en-US" smtClean="0"/>
-              <a:t>4/10/2014</a:t>
+              <a:t>4/11/2014</a:t>
             </a:fld>
             <a:endParaRPr lang="en-US"/>
           </a:p>
@@ -1032,7 +1120,7 @@
           <a:p>
             <a:fld id="{993ACEB1-2F95-4730-9A80-DEA31051A5DE}" type="datetimeFigureOut">
               <a:rPr lang="en-US" smtClean="0"/>
-              <a:t>4/10/2014</a:t>
+              <a:t>4/11/2014</a:t>
             </a:fld>
             <a:endParaRPr lang="en-US"/>
           </a:p>
@@ -1212,7 +1300,7 @@
           <a:p>
             <a:fld id="{993ACEB1-2F95-4730-9A80-DEA31051A5DE}" type="datetimeFigureOut">
               <a:rPr lang="en-US" smtClean="0"/>
-              <a:t>4/10/2014</a:t>
+              <a:t>4/11/2014</a:t>
             </a:fld>
             <a:endParaRPr lang="en-US"/>
           </a:p>
@@ -1382,7 +1470,7 @@
           <a:p>
             <a:fld id="{993ACEB1-2F95-4730-9A80-DEA31051A5DE}" type="datetimeFigureOut">
               <a:rPr lang="en-US" smtClean="0"/>
-              <a:t>4/10/2014</a:t>
+              <a:t>4/11/2014</a:t>
             </a:fld>
             <a:endParaRPr lang="en-US"/>
           </a:p>
@@ -1638,7 +1726,7 @@
           <a:p>
             <a:fld id="{993ACEB1-2F95-4730-9A80-DEA31051A5DE}" type="datetimeFigureOut">
               <a:rPr lang="en-US" smtClean="0"/>
-              <a:t>4/10/2014</a:t>
+              <a:t>4/11/2014</a:t>
             </a:fld>
             <a:endParaRPr lang="en-US"/>
           </a:p>
@@ -1926,7 +2014,7 @@
           <a:p>
             <a:fld id="{993ACEB1-2F95-4730-9A80-DEA31051A5DE}" type="datetimeFigureOut">
               <a:rPr lang="en-US" smtClean="0"/>
-              <a:t>4/10/2014</a:t>
+              <a:t>4/11/2014</a:t>
             </a:fld>
             <a:endParaRPr lang="en-US"/>
           </a:p>
@@ -2364,7 +2452,7 @@
           <a:p>
             <a:fld id="{993ACEB1-2F95-4730-9A80-DEA31051A5DE}" type="datetimeFigureOut">
               <a:rPr lang="en-US" smtClean="0"/>
-              <a:t>4/10/2014</a:t>
+              <a:t>4/11/2014</a:t>
             </a:fld>
             <a:endParaRPr lang="en-US"/>
           </a:p>
@@ -2482,7 +2570,7 @@
           <a:p>
             <a:fld id="{993ACEB1-2F95-4730-9A80-DEA31051A5DE}" type="datetimeFigureOut">
               <a:rPr lang="en-US" smtClean="0"/>
-              <a:t>4/10/2014</a:t>
+              <a:t>4/11/2014</a:t>
             </a:fld>
             <a:endParaRPr lang="en-US"/>
           </a:p>
@@ -2577,7 +2665,7 @@
           <a:p>
             <a:fld id="{993ACEB1-2F95-4730-9A80-DEA31051A5DE}" type="datetimeFigureOut">
               <a:rPr lang="en-US" smtClean="0"/>
-              <a:t>4/10/2014</a:t>
+              <a:t>4/11/2014</a:t>
             </a:fld>
             <a:endParaRPr lang="en-US"/>
           </a:p>
@@ -2933,7 +3021,7 @@
           <a:p>
             <a:fld id="{993ACEB1-2F95-4730-9A80-DEA31051A5DE}" type="datetimeFigureOut">
               <a:rPr lang="en-US" smtClean="0"/>
-              <a:t>4/10/2014</a:t>
+              <a:t>4/11/2014</a:t>
             </a:fld>
             <a:endParaRPr lang="en-US"/>
           </a:p>
@@ -3249,7 +3337,7 @@
           <a:p>
             <a:fld id="{993ACEB1-2F95-4730-9A80-DEA31051A5DE}" type="datetimeFigureOut">
               <a:rPr lang="en-US" smtClean="0"/>
-              <a:t>4/10/2014</a:t>
+              <a:t>4/11/2014</a:t>
             </a:fld>
             <a:endParaRPr lang="en-US"/>
           </a:p>
@@ -3482,7 +3570,7 @@
           <a:p>
             <a:fld id="{993ACEB1-2F95-4730-9A80-DEA31051A5DE}" type="datetimeFigureOut">
               <a:rPr lang="en-US" smtClean="0"/>
-              <a:t>4/10/2014</a:t>
+              <a:t>4/11/2014</a:t>
             </a:fld>
             <a:endParaRPr lang="en-US"/>
           </a:p>
@@ -6394,11 +6482,7 @@
             <a:pPr lvl="1"/>
             <a:r>
               <a:rPr lang="en-US" dirty="0" smtClean="0"/>
-              <a:t>Provides </a:t>
-            </a:r>
-            <a:r>
-              <a:rPr lang="en-US" dirty="0" smtClean="0"/>
-              <a:t>an interface for applications</a:t>
+              <a:t>Provides an interface for applications</a:t>
             </a:r>
           </a:p>
           <a:p>
@@ -6412,21 +6496,13 @@
             <a:pPr lvl="1"/>
             <a:r>
               <a:rPr lang="en-US" dirty="0" smtClean="0"/>
-              <a:t>Accepts </a:t>
-            </a:r>
-            <a:r>
-              <a:rPr lang="en-US" dirty="0" smtClean="0"/>
-              <a:t>the requests and sends back responses</a:t>
+              <a:t>Accepts the requests and sends back responses</a:t>
             </a:r>
           </a:p>
           <a:p>
             <a:r>
               <a:rPr lang="en-US" b="1" dirty="0" smtClean="0"/>
-              <a:t>Communication Module </a:t>
-            </a:r>
-            <a:r>
-              <a:rPr lang="en-US" b="1" dirty="0" smtClean="0"/>
-              <a:t> </a:t>
+              <a:t>Communication Module  </a:t>
             </a:r>
             <a:endParaRPr lang="en-US" b="1" dirty="0"/>
           </a:p>
@@ -15136,19 +15212,11 @@
           <a:p>
             <a:r>
               <a:rPr lang="en-US" b="1" dirty="0" smtClean="0"/>
-              <a:t>Direct </a:t>
-            </a:r>
-            <a:r>
-              <a:rPr lang="en-US" b="1" dirty="0" smtClean="0"/>
-              <a:t>cost :</a:t>
+              <a:t>Direct cost :</a:t>
             </a:r>
             <a:r>
               <a:rPr lang="en-US" dirty="0" smtClean="0"/>
-              <a:t> </a:t>
-            </a:r>
-            <a:r>
-              <a:rPr lang="en-US" dirty="0" smtClean="0"/>
-              <a:t>Cost required to </a:t>
+              <a:t> Cost required to </a:t>
             </a:r>
           </a:p>
           <a:p>
@@ -15225,24 +15293,17 @@
             </a:r>
             <a:r>
               <a:rPr lang="en-IN" dirty="0"/>
-              <a:t>, d, L2, L3 cache, TLB, etc.</a:t>
-            </a:r>
-          </a:p>
-          <a:p>
-            <a:pPr lvl="1"/>
-            <a:r>
-              <a:rPr lang="en-IN" dirty="0" smtClean="0"/>
-              <a:t>Cache </a:t>
-            </a:r>
-            <a:r>
-              <a:rPr lang="en-IN" dirty="0"/>
-              <a:t>interference</a:t>
-            </a:r>
-            <a:endParaRPr lang="en-IN" dirty="0" smtClean="0"/>
-          </a:p>
-          <a:p>
-            <a:pPr lvl="1"/>
-            <a:endParaRPr lang="en-US" dirty="0"/>
+              <a:t>, d, L2, L3 cache, TLB, </a:t>
+            </a:r>
+            <a:r>
+              <a:rPr lang="en-IN"/>
+              <a:t>etc</a:t>
+            </a:r>
+            <a:r>
+              <a:rPr lang="en-IN" smtClean="0"/>
+              <a:t>.</a:t>
+            </a:r>
+            <a:endParaRPr lang="en-IN" dirty="0"/>
           </a:p>
         </p:txBody>
       </p:sp>
@@ -15350,7 +15411,6 @@
               <a:rPr lang="en-US" dirty="0" smtClean="0"/>
               <a:t>Spins for some time waiting for requests</a:t>
             </a:r>
-            <a:endParaRPr lang="en-US" dirty="0" smtClean="0"/>
           </a:p>
           <a:p>
             <a:pPr lvl="1"/>
@@ -15505,11 +15565,7 @@
           <a:p>
             <a:r>
               <a:rPr lang="en-US" dirty="0" smtClean="0"/>
-              <a:t>Application </a:t>
-            </a:r>
-            <a:r>
-              <a:rPr lang="en-US" dirty="0" smtClean="0"/>
-              <a:t>domain</a:t>
+              <a:t>Application domain</a:t>
             </a:r>
             <a:endParaRPr lang="en-US" dirty="0"/>
           </a:p>
@@ -19785,11 +19841,7 @@
           <a:p>
             <a:r>
               <a:rPr lang="en-US" dirty="0" smtClean="0"/>
-              <a:t>Random read </a:t>
-            </a:r>
-            <a:r>
-              <a:rPr lang="en-US" dirty="0" smtClean="0"/>
-              <a:t>writes - </a:t>
+              <a:t>Random read writes - </a:t>
             </a:r>
             <a:r>
               <a:rPr lang="en-US" dirty="0" err="1"/>
@@ -19827,11 +19879,7 @@
           <a:p>
             <a:r>
               <a:rPr lang="en-US" dirty="0" smtClean="0"/>
-              <a:t>Random reads </a:t>
-            </a:r>
-            <a:r>
-              <a:rPr lang="en-US" dirty="0" smtClean="0"/>
-              <a:t>- </a:t>
+              <a:t>Random reads - </a:t>
             </a:r>
             <a:r>
               <a:rPr lang="en-US" dirty="0" err="1" smtClean="0"/>
@@ -19973,11 +20021,7 @@
           <a:p>
             <a:r>
               <a:rPr lang="en-US" dirty="0" smtClean="0"/>
-              <a:t>Random </a:t>
-            </a:r>
-            <a:r>
-              <a:rPr lang="en-US" dirty="0" smtClean="0"/>
-              <a:t>writes - </a:t>
+              <a:t>Random writes - </a:t>
             </a:r>
             <a:r>
               <a:rPr lang="en-US" dirty="0" err="1"/>
@@ -20063,11 +20107,7 @@
           <a:p>
             <a:r>
               <a:rPr lang="en-US" dirty="0" smtClean="0"/>
-              <a:t>Random </a:t>
-            </a:r>
-            <a:r>
-              <a:rPr lang="en-US" dirty="0" smtClean="0"/>
-              <a:t>reads - </a:t>
+              <a:t>Random reads - </a:t>
             </a:r>
             <a:r>
               <a:rPr lang="en-US" dirty="0"/>
@@ -20075,11 +20115,7 @@
             </a:r>
             <a:r>
               <a:rPr lang="en-US" dirty="0" smtClean="0"/>
-              <a:t>oop </a:t>
-            </a:r>
-            <a:r>
-              <a:rPr lang="en-US" dirty="0" smtClean="0"/>
-              <a:t>device</a:t>
+              <a:t>oop device</a:t>
             </a:r>
             <a:endParaRPr lang="en-US" dirty="0"/>
           </a:p>
@@ -20169,11 +20205,7 @@
           <a:p>
             <a:r>
               <a:rPr lang="en-US" dirty="0" smtClean="0"/>
-              <a:t>Random </a:t>
-            </a:r>
-            <a:r>
-              <a:rPr lang="en-US" dirty="0" smtClean="0"/>
-              <a:t>writes – Loop device</a:t>
+              <a:t>Random writes – Loop device</a:t>
             </a:r>
             <a:endParaRPr lang="en-US" dirty="0"/>
           </a:p>
@@ -20211,11 +20243,7 @@
             </a:r>
             <a:r>
               <a:rPr lang="en-US" dirty="0" smtClean="0"/>
-              <a:t> </a:t>
-            </a:r>
-            <a:r>
-              <a:rPr lang="en-US" dirty="0" smtClean="0"/>
-              <a:t>loop device</a:t>
+              <a:t> loop device</a:t>
             </a:r>
             <a:endParaRPr lang="en-US" dirty="0"/>
           </a:p>
@@ -20323,7 +20351,7 @@
           <a:p>
             <a:r>
               <a:rPr lang="en-US" dirty="0" smtClean="0"/>
-              <a:t>Trade-off</a:t>
+              <a:t>Conclusion</a:t>
             </a:r>
             <a:endParaRPr lang="en-US" dirty="0"/>
           </a:p>
@@ -20344,7 +20372,17 @@
           <a:bodyPr/>
           <a:lstStyle/>
           <a:p>
-            <a:endParaRPr lang="en-US"/>
+            <a:r>
+              <a:rPr lang="en-US" dirty="0" smtClean="0"/>
+              <a:t>Spinning implementation improve peak system throughput</a:t>
+            </a:r>
+          </a:p>
+          <a:p>
+            <a:r>
+              <a:rPr lang="en-US" dirty="0" smtClean="0"/>
+              <a:t>But suffer from poor performance under load</a:t>
+            </a:r>
+            <a:endParaRPr lang="en-US" dirty="0"/>
           </a:p>
         </p:txBody>
       </p:sp>
@@ -20402,7 +20440,7 @@
           <a:p>
             <a:r>
               <a:rPr lang="en-US" dirty="0" smtClean="0"/>
-              <a:t>Conclusion</a:t>
+              <a:t>Questions ?</a:t>
             </a:r>
             <a:endParaRPr lang="en-US" dirty="0"/>
           </a:p>
@@ -20423,14 +20461,14 @@
           <a:bodyPr/>
           <a:lstStyle/>
           <a:p>
-            <a:endParaRPr lang="en-US"/>
+            <a:endParaRPr lang="en-US" dirty="0"/>
           </a:p>
         </p:txBody>
       </p:sp>
     </p:spTree>
     <p:extLst>
       <p:ext uri="{BB962C8B-B14F-4D97-AF65-F5344CB8AC3E}">
-        <p14:creationId xmlns:p14="http://schemas.microsoft.com/office/powerpoint/2010/main" val="211084371"/>
+        <p14:creationId xmlns:p14="http://schemas.microsoft.com/office/powerpoint/2010/main" val="2662984763"/>
       </p:ext>
     </p:extLst>
   </p:cSld>
@@ -21129,7 +21167,7 @@
 </file>
 
 <file path=ppt/slides/slide30.xml><?xml version="1.0" encoding="utf-8"?>
-<p:sld xmlns:a="http://schemas.openxmlformats.org/drawingml/2006/main" xmlns:r="http://schemas.openxmlformats.org/officeDocument/2006/relationships" xmlns:p="http://schemas.openxmlformats.org/presentationml/2006/main">
+<p:sld xmlns:a="http://schemas.openxmlformats.org/drawingml/2006/main" xmlns:r="http://schemas.openxmlformats.org/officeDocument/2006/relationships" xmlns:p="http://schemas.openxmlformats.org/presentationml/2006/main" show="0">
   <p:cSld>
     <p:spTree>
       <p:nvGrpSpPr>
@@ -21147,56 +21185,893 @@
       </p:grpSpPr>
       <p:sp>
         <p:nvSpPr>
-          <p:cNvPr id="2" name="Title 1"/>
-          <p:cNvSpPr>
-            <a:spLocks noGrp="1"/>
-          </p:cNvSpPr>
-          <p:nvPr>
-            <p:ph type="title"/>
-          </p:nvPr>
-        </p:nvSpPr>
-        <p:spPr/>
-        <p:txBody>
-          <a:bodyPr/>
-          <a:lstStyle/>
-          <a:p>
-            <a:r>
-              <a:rPr lang="en-US" dirty="0" smtClean="0"/>
-              <a:t>Questions ?</a:t>
-            </a:r>
-            <a:endParaRPr lang="en-US" dirty="0"/>
-          </a:p>
-        </p:txBody>
-      </p:sp>
-      <p:sp>
-        <p:nvSpPr>
-          <p:cNvPr id="3" name="Content Placeholder 2"/>
-          <p:cNvSpPr>
-            <a:spLocks noGrp="1"/>
-          </p:cNvSpPr>
-          <p:nvPr>
-            <p:ph idx="1"/>
-          </p:nvPr>
-        </p:nvSpPr>
-        <p:spPr/>
-        <p:txBody>
-          <a:bodyPr/>
-          <a:lstStyle/>
-          <a:p>
-            <a:endParaRPr lang="en-US" dirty="0"/>
-          </a:p>
-        </p:txBody>
-      </p:sp>
+          <p:cNvPr id="4" name="Rectangle 3"/>
+          <p:cNvSpPr/>
+          <p:nvPr/>
+        </p:nvSpPr>
+        <p:spPr>
+          <a:xfrm>
+            <a:off x="1295400" y="1128156"/>
+            <a:ext cx="2421577" cy="3269673"/>
+          </a:xfrm>
+          <a:prstGeom prst="rect">
+            <a:avLst/>
+          </a:prstGeom>
+          <a:ln>
+            <a:solidFill>
+              <a:schemeClr val="accent1"/>
+            </a:solidFill>
+            <a:prstDash val="dashDot"/>
+          </a:ln>
+        </p:spPr>
+        <p:style>
+          <a:lnRef idx="2">
+            <a:schemeClr val="accent1"/>
+          </a:lnRef>
+          <a:fillRef idx="1">
+            <a:schemeClr val="lt1"/>
+          </a:fillRef>
+          <a:effectRef idx="0">
+            <a:schemeClr val="accent1"/>
+          </a:effectRef>
+          <a:fontRef idx="minor">
+            <a:schemeClr val="dk1"/>
+          </a:fontRef>
+        </p:style>
+        <p:txBody>
+          <a:bodyPr rtlCol="0" anchor="ctr"/>
+          <a:lstStyle/>
+          <a:p>
+            <a:pPr algn="ctr"/>
+            <a:endParaRPr lang="en-US"/>
+          </a:p>
+        </p:txBody>
+      </p:sp>
+      <p:sp>
+        <p:nvSpPr>
+          <p:cNvPr id="5" name="Rectangle 4"/>
+          <p:cNvSpPr/>
+          <p:nvPr/>
+        </p:nvSpPr>
+        <p:spPr>
+          <a:xfrm>
+            <a:off x="1644732" y="1471785"/>
+            <a:ext cx="1698172" cy="629392"/>
+          </a:xfrm>
+          <a:prstGeom prst="rect">
+            <a:avLst/>
+          </a:prstGeom>
+        </p:spPr>
+        <p:style>
+          <a:lnRef idx="2">
+            <a:schemeClr val="accent1"/>
+          </a:lnRef>
+          <a:fillRef idx="1">
+            <a:schemeClr val="lt1"/>
+          </a:fillRef>
+          <a:effectRef idx="0">
+            <a:schemeClr val="accent1"/>
+          </a:effectRef>
+          <a:fontRef idx="minor">
+            <a:schemeClr val="dk1"/>
+          </a:fontRef>
+        </p:style>
+        <p:txBody>
+          <a:bodyPr rtlCol="0" anchor="ctr"/>
+          <a:lstStyle/>
+          <a:p>
+            <a:pPr algn="ctr"/>
+            <a:r>
+              <a:rPr lang="en-US" sz="1600" dirty="0" smtClean="0"/>
+              <a:t>Application</a:t>
+            </a:r>
+            <a:endParaRPr lang="en-US" sz="1600" dirty="0"/>
+          </a:p>
+        </p:txBody>
+      </p:sp>
+      <p:sp>
+        <p:nvSpPr>
+          <p:cNvPr id="6" name="Rectangle 5"/>
+          <p:cNvSpPr/>
+          <p:nvPr/>
+        </p:nvSpPr>
+        <p:spPr>
+          <a:xfrm>
+            <a:off x="1644732" y="2505928"/>
+            <a:ext cx="1698172" cy="629392"/>
+          </a:xfrm>
+          <a:prstGeom prst="rect">
+            <a:avLst/>
+          </a:prstGeom>
+        </p:spPr>
+        <p:style>
+          <a:lnRef idx="2">
+            <a:schemeClr val="accent1"/>
+          </a:lnRef>
+          <a:fillRef idx="1">
+            <a:schemeClr val="lt1"/>
+          </a:fillRef>
+          <a:effectRef idx="0">
+            <a:schemeClr val="accent1"/>
+          </a:effectRef>
+          <a:fontRef idx="minor">
+            <a:schemeClr val="dk1"/>
+          </a:fontRef>
+        </p:style>
+        <p:txBody>
+          <a:bodyPr rtlCol="0" anchor="ctr"/>
+          <a:lstStyle/>
+          <a:p>
+            <a:pPr algn="ctr"/>
+            <a:r>
+              <a:rPr lang="en-US" sz="1600" dirty="0" smtClean="0"/>
+              <a:t>TCP/IP stack</a:t>
+            </a:r>
+            <a:endParaRPr lang="en-US" sz="1600" dirty="0"/>
+          </a:p>
+        </p:txBody>
+      </p:sp>
+      <p:sp>
+        <p:nvSpPr>
+          <p:cNvPr id="7" name="Rectangle 6"/>
+          <p:cNvSpPr/>
+          <p:nvPr/>
+        </p:nvSpPr>
+        <p:spPr>
+          <a:xfrm>
+            <a:off x="1644732" y="3540071"/>
+            <a:ext cx="1698172" cy="629392"/>
+          </a:xfrm>
+          <a:prstGeom prst="rect">
+            <a:avLst/>
+          </a:prstGeom>
+        </p:spPr>
+        <p:style>
+          <a:lnRef idx="3">
+            <a:schemeClr val="lt1"/>
+          </a:lnRef>
+          <a:fillRef idx="1">
+            <a:schemeClr val="accent1"/>
+          </a:fillRef>
+          <a:effectRef idx="1">
+            <a:schemeClr val="accent1"/>
+          </a:effectRef>
+          <a:fontRef idx="minor">
+            <a:schemeClr val="lt1"/>
+          </a:fontRef>
+        </p:style>
+        <p:txBody>
+          <a:bodyPr rtlCol="0" anchor="ctr"/>
+          <a:lstStyle/>
+          <a:p>
+            <a:pPr algn="ctr"/>
+            <a:r>
+              <a:rPr lang="en-US" sz="1600" dirty="0" smtClean="0"/>
+              <a:t>Split Device Driver</a:t>
+            </a:r>
+          </a:p>
+          <a:p>
+            <a:pPr algn="ctr"/>
+            <a:r>
+              <a:rPr lang="en-US" sz="1100" dirty="0" smtClean="0"/>
+              <a:t>Front end</a:t>
+            </a:r>
+            <a:endParaRPr lang="en-US" sz="1400" dirty="0"/>
+          </a:p>
+        </p:txBody>
+      </p:sp>
+      <p:cxnSp>
+        <p:nvCxnSpPr>
+          <p:cNvPr id="8" name="Straight Arrow Connector 7"/>
+          <p:cNvCxnSpPr>
+            <a:stCxn id="5" idx="2"/>
+            <a:endCxn id="6" idx="0"/>
+          </p:cNvCxnSpPr>
+          <p:nvPr/>
+        </p:nvCxnSpPr>
+        <p:spPr>
+          <a:xfrm>
+            <a:off x="2493818" y="2101177"/>
+            <a:ext cx="0" cy="404751"/>
+          </a:xfrm>
+          <a:prstGeom prst="straightConnector1">
+            <a:avLst/>
+          </a:prstGeom>
+          <a:ln>
+            <a:tailEnd type="triangle"/>
+          </a:ln>
+        </p:spPr>
+        <p:style>
+          <a:lnRef idx="1">
+            <a:schemeClr val="accent1"/>
+          </a:lnRef>
+          <a:fillRef idx="0">
+            <a:schemeClr val="accent1"/>
+          </a:fillRef>
+          <a:effectRef idx="0">
+            <a:schemeClr val="accent1"/>
+          </a:effectRef>
+          <a:fontRef idx="minor">
+            <a:schemeClr val="tx1"/>
+          </a:fontRef>
+        </p:style>
+      </p:cxnSp>
+      <p:cxnSp>
+        <p:nvCxnSpPr>
+          <p:cNvPr id="9" name="Straight Arrow Connector 8"/>
+          <p:cNvCxnSpPr/>
+          <p:nvPr/>
+        </p:nvCxnSpPr>
+        <p:spPr>
+          <a:xfrm>
+            <a:off x="2491838" y="3135320"/>
+            <a:ext cx="0" cy="404751"/>
+          </a:xfrm>
+          <a:prstGeom prst="straightConnector1">
+            <a:avLst/>
+          </a:prstGeom>
+          <a:ln>
+            <a:tailEnd type="triangle"/>
+          </a:ln>
+        </p:spPr>
+        <p:style>
+          <a:lnRef idx="1">
+            <a:schemeClr val="accent1"/>
+          </a:lnRef>
+          <a:fillRef idx="0">
+            <a:schemeClr val="accent1"/>
+          </a:fillRef>
+          <a:effectRef idx="0">
+            <a:schemeClr val="accent1"/>
+          </a:effectRef>
+          <a:fontRef idx="minor">
+            <a:schemeClr val="tx1"/>
+          </a:fontRef>
+        </p:style>
+      </p:cxnSp>
+      <p:sp>
+        <p:nvSpPr>
+          <p:cNvPr id="10" name="Rectangle 9"/>
+          <p:cNvSpPr/>
+          <p:nvPr/>
+        </p:nvSpPr>
+        <p:spPr>
+          <a:xfrm>
+            <a:off x="1295400" y="4666507"/>
+            <a:ext cx="6969826" cy="914896"/>
+          </a:xfrm>
+          <a:prstGeom prst="rect">
+            <a:avLst/>
+          </a:prstGeom>
+          <a:ln>
+            <a:solidFill>
+              <a:schemeClr val="accent1"/>
+            </a:solidFill>
+            <a:prstDash val="dashDot"/>
+          </a:ln>
+        </p:spPr>
+        <p:style>
+          <a:lnRef idx="2">
+            <a:schemeClr val="accent1"/>
+          </a:lnRef>
+          <a:fillRef idx="1">
+            <a:schemeClr val="lt1"/>
+          </a:fillRef>
+          <a:effectRef idx="0">
+            <a:schemeClr val="accent1"/>
+          </a:effectRef>
+          <a:fontRef idx="minor">
+            <a:schemeClr val="dk1"/>
+          </a:fontRef>
+        </p:style>
+        <p:txBody>
+          <a:bodyPr rtlCol="0" anchor="ctr"/>
+          <a:lstStyle/>
+          <a:p>
+            <a:pPr algn="ctr"/>
+            <a:endParaRPr lang="en-US"/>
+          </a:p>
+        </p:txBody>
+      </p:sp>
+      <p:sp>
+        <p:nvSpPr>
+          <p:cNvPr id="11" name="TextBox 10"/>
+          <p:cNvSpPr txBox="1"/>
+          <p:nvPr/>
+        </p:nvSpPr>
+        <p:spPr>
+          <a:xfrm>
+            <a:off x="1295399" y="4666507"/>
+            <a:ext cx="458587" cy="307777"/>
+          </a:xfrm>
+          <a:prstGeom prst="rect">
+            <a:avLst/>
+          </a:prstGeom>
+          <a:noFill/>
+        </p:spPr>
+        <p:txBody>
+          <a:bodyPr wrap="none" rtlCol="0">
+            <a:spAutoFit/>
+          </a:bodyPr>
+          <a:lstStyle/>
+          <a:p>
+            <a:r>
+              <a:rPr lang="en-US" sz="1400" dirty="0" err="1" smtClean="0"/>
+              <a:t>Xen</a:t>
+            </a:r>
+            <a:endParaRPr lang="en-US" sz="1600" dirty="0"/>
+          </a:p>
+        </p:txBody>
+      </p:sp>
+      <p:sp>
+        <p:nvSpPr>
+          <p:cNvPr id="12" name="Rectangle 11"/>
+          <p:cNvSpPr/>
+          <p:nvPr/>
+        </p:nvSpPr>
+        <p:spPr>
+          <a:xfrm>
+            <a:off x="2493818" y="4792709"/>
+            <a:ext cx="2101933" cy="662491"/>
+          </a:xfrm>
+          <a:prstGeom prst="rect">
+            <a:avLst/>
+          </a:prstGeom>
+        </p:spPr>
+        <p:style>
+          <a:lnRef idx="3">
+            <a:schemeClr val="lt1"/>
+          </a:lnRef>
+          <a:fillRef idx="1">
+            <a:schemeClr val="accent1"/>
+          </a:fillRef>
+          <a:effectRef idx="1">
+            <a:schemeClr val="accent1"/>
+          </a:effectRef>
+          <a:fontRef idx="minor">
+            <a:schemeClr val="lt1"/>
+          </a:fontRef>
+        </p:style>
+        <p:txBody>
+          <a:bodyPr rtlCol="0" anchor="ctr"/>
+          <a:lstStyle/>
+          <a:p>
+            <a:pPr algn="ctr"/>
+            <a:r>
+              <a:rPr lang="en-US" sz="1600" dirty="0" smtClean="0"/>
+              <a:t>Shared Memory Segment</a:t>
+            </a:r>
+            <a:endParaRPr lang="en-US" sz="1600" dirty="0"/>
+          </a:p>
+        </p:txBody>
+      </p:sp>
+      <p:sp>
+        <p:nvSpPr>
+          <p:cNvPr id="13" name="Rectangle 12"/>
+          <p:cNvSpPr/>
+          <p:nvPr/>
+        </p:nvSpPr>
+        <p:spPr>
+          <a:xfrm>
+            <a:off x="3965863" y="1123151"/>
+            <a:ext cx="4286992" cy="3274678"/>
+          </a:xfrm>
+          <a:prstGeom prst="rect">
+            <a:avLst/>
+          </a:prstGeom>
+          <a:ln>
+            <a:solidFill>
+              <a:schemeClr val="accent1"/>
+            </a:solidFill>
+            <a:prstDash val="dashDot"/>
+          </a:ln>
+        </p:spPr>
+        <p:style>
+          <a:lnRef idx="2">
+            <a:schemeClr val="accent1"/>
+          </a:lnRef>
+          <a:fillRef idx="1">
+            <a:schemeClr val="lt1"/>
+          </a:fillRef>
+          <a:effectRef idx="0">
+            <a:schemeClr val="accent1"/>
+          </a:effectRef>
+          <a:fontRef idx="minor">
+            <a:schemeClr val="dk1"/>
+          </a:fontRef>
+        </p:style>
+        <p:txBody>
+          <a:bodyPr rtlCol="0" anchor="ctr"/>
+          <a:lstStyle/>
+          <a:p>
+            <a:pPr algn="ctr"/>
+            <a:endParaRPr lang="en-US"/>
+          </a:p>
+        </p:txBody>
+      </p:sp>
+      <p:sp>
+        <p:nvSpPr>
+          <p:cNvPr id="14" name="Rectangle 13"/>
+          <p:cNvSpPr/>
+          <p:nvPr/>
+        </p:nvSpPr>
+        <p:spPr>
+          <a:xfrm>
+            <a:off x="4249388" y="3552703"/>
+            <a:ext cx="1712025" cy="629392"/>
+          </a:xfrm>
+          <a:prstGeom prst="rect">
+            <a:avLst/>
+          </a:prstGeom>
+        </p:spPr>
+        <p:style>
+          <a:lnRef idx="3">
+            <a:schemeClr val="lt1"/>
+          </a:lnRef>
+          <a:fillRef idx="1">
+            <a:schemeClr val="accent1"/>
+          </a:fillRef>
+          <a:effectRef idx="1">
+            <a:schemeClr val="accent1"/>
+          </a:effectRef>
+          <a:fontRef idx="minor">
+            <a:schemeClr val="lt1"/>
+          </a:fontRef>
+        </p:style>
+        <p:txBody>
+          <a:bodyPr rtlCol="0" anchor="ctr"/>
+          <a:lstStyle/>
+          <a:p>
+            <a:pPr algn="ctr"/>
+            <a:r>
+              <a:rPr lang="en-US" sz="1600" dirty="0" smtClean="0"/>
+              <a:t>Split Device Driver</a:t>
+            </a:r>
+          </a:p>
+          <a:p>
+            <a:pPr algn="ctr"/>
+            <a:r>
+              <a:rPr lang="en-US" sz="1100" dirty="0" smtClean="0"/>
+              <a:t>Back end</a:t>
+            </a:r>
+            <a:endParaRPr lang="en-US" sz="1400" dirty="0"/>
+          </a:p>
+        </p:txBody>
+      </p:sp>
+      <p:sp>
+        <p:nvSpPr>
+          <p:cNvPr id="15" name="Rectangle 14"/>
+          <p:cNvSpPr/>
+          <p:nvPr/>
+        </p:nvSpPr>
+        <p:spPr>
+          <a:xfrm>
+            <a:off x="6232567" y="3552703"/>
+            <a:ext cx="1712025" cy="629392"/>
+          </a:xfrm>
+          <a:prstGeom prst="rect">
+            <a:avLst/>
+          </a:prstGeom>
+        </p:spPr>
+        <p:style>
+          <a:lnRef idx="3">
+            <a:schemeClr val="lt1"/>
+          </a:lnRef>
+          <a:fillRef idx="1">
+            <a:schemeClr val="accent1"/>
+          </a:fillRef>
+          <a:effectRef idx="1">
+            <a:schemeClr val="accent1"/>
+          </a:effectRef>
+          <a:fontRef idx="minor">
+            <a:schemeClr val="lt1"/>
+          </a:fontRef>
+        </p:style>
+        <p:txBody>
+          <a:bodyPr rtlCol="0" anchor="ctr"/>
+          <a:lstStyle/>
+          <a:p>
+            <a:pPr algn="ctr"/>
+            <a:r>
+              <a:rPr lang="en-US" sz="1600" dirty="0" smtClean="0"/>
+              <a:t>Real Device driver</a:t>
+            </a:r>
+            <a:endParaRPr lang="en-US" sz="1600" dirty="0"/>
+          </a:p>
+        </p:txBody>
+      </p:sp>
+      <p:sp>
+        <p:nvSpPr>
+          <p:cNvPr id="16" name="Rectangle 15"/>
+          <p:cNvSpPr/>
+          <p:nvPr/>
+        </p:nvSpPr>
+        <p:spPr>
+          <a:xfrm>
+            <a:off x="1295400" y="5700156"/>
+            <a:ext cx="6969826" cy="878774"/>
+          </a:xfrm>
+          <a:prstGeom prst="rect">
+            <a:avLst/>
+          </a:prstGeom>
+          <a:ln>
+            <a:solidFill>
+              <a:schemeClr val="accent1"/>
+            </a:solidFill>
+            <a:prstDash val="dashDot"/>
+          </a:ln>
+        </p:spPr>
+        <p:style>
+          <a:lnRef idx="2">
+            <a:schemeClr val="accent1"/>
+          </a:lnRef>
+          <a:fillRef idx="1">
+            <a:schemeClr val="lt1"/>
+          </a:fillRef>
+          <a:effectRef idx="0">
+            <a:schemeClr val="accent1"/>
+          </a:effectRef>
+          <a:fontRef idx="minor">
+            <a:schemeClr val="dk1"/>
+          </a:fontRef>
+        </p:style>
+        <p:txBody>
+          <a:bodyPr rtlCol="0" anchor="ctr"/>
+          <a:lstStyle/>
+          <a:p>
+            <a:pPr algn="ctr"/>
+            <a:endParaRPr lang="en-US"/>
+          </a:p>
+        </p:txBody>
+      </p:sp>
+      <p:sp>
+        <p:nvSpPr>
+          <p:cNvPr id="17" name="Rectangle 16"/>
+          <p:cNvSpPr/>
+          <p:nvPr/>
+        </p:nvSpPr>
+        <p:spPr>
+          <a:xfrm>
+            <a:off x="6232566" y="5844637"/>
+            <a:ext cx="1712025" cy="565801"/>
+          </a:xfrm>
+          <a:prstGeom prst="rect">
+            <a:avLst/>
+          </a:prstGeom>
+        </p:spPr>
+        <p:style>
+          <a:lnRef idx="3">
+            <a:schemeClr val="lt1"/>
+          </a:lnRef>
+          <a:fillRef idx="1">
+            <a:schemeClr val="accent1"/>
+          </a:fillRef>
+          <a:effectRef idx="1">
+            <a:schemeClr val="accent1"/>
+          </a:effectRef>
+          <a:fontRef idx="minor">
+            <a:schemeClr val="lt1"/>
+          </a:fontRef>
+        </p:style>
+        <p:txBody>
+          <a:bodyPr rtlCol="0" anchor="ctr"/>
+          <a:lstStyle/>
+          <a:p>
+            <a:pPr algn="ctr"/>
+            <a:r>
+              <a:rPr lang="en-US" sz="1600" dirty="0" smtClean="0"/>
+              <a:t>Physical Device</a:t>
+            </a:r>
+            <a:endParaRPr lang="en-US" sz="1600" dirty="0"/>
+          </a:p>
+        </p:txBody>
+      </p:sp>
+      <p:sp>
+        <p:nvSpPr>
+          <p:cNvPr id="18" name="TextBox 17"/>
+          <p:cNvSpPr txBox="1"/>
+          <p:nvPr/>
+        </p:nvSpPr>
+        <p:spPr>
+          <a:xfrm>
+            <a:off x="1295399" y="5700156"/>
+            <a:ext cx="900824" cy="307777"/>
+          </a:xfrm>
+          <a:prstGeom prst="rect">
+            <a:avLst/>
+          </a:prstGeom>
+          <a:noFill/>
+        </p:spPr>
+        <p:txBody>
+          <a:bodyPr wrap="none" rtlCol="0">
+            <a:spAutoFit/>
+          </a:bodyPr>
+          <a:lstStyle/>
+          <a:p>
+            <a:r>
+              <a:rPr lang="en-US" sz="1400" dirty="0" smtClean="0"/>
+              <a:t>Hardware</a:t>
+            </a:r>
+            <a:endParaRPr lang="en-US" sz="1600" dirty="0"/>
+          </a:p>
+        </p:txBody>
+      </p:sp>
+      <p:cxnSp>
+        <p:nvCxnSpPr>
+          <p:cNvPr id="19" name="Elbow Connector 18"/>
+          <p:cNvCxnSpPr>
+            <a:stCxn id="7" idx="2"/>
+          </p:cNvCxnSpPr>
+          <p:nvPr/>
+        </p:nvCxnSpPr>
+        <p:spPr>
+          <a:xfrm rot="16200000" flipH="1">
+            <a:off x="2407826" y="4255454"/>
+            <a:ext cx="623246" cy="451263"/>
+          </a:xfrm>
+          <a:prstGeom prst="bentConnector3">
+            <a:avLst/>
+          </a:prstGeom>
+          <a:ln>
+            <a:tailEnd type="triangle"/>
+          </a:ln>
+        </p:spPr>
+        <p:style>
+          <a:lnRef idx="1">
+            <a:schemeClr val="accent1"/>
+          </a:lnRef>
+          <a:fillRef idx="0">
+            <a:schemeClr val="accent1"/>
+          </a:fillRef>
+          <a:effectRef idx="0">
+            <a:schemeClr val="accent1"/>
+          </a:effectRef>
+          <a:fontRef idx="minor">
+            <a:schemeClr val="tx1"/>
+          </a:fontRef>
+        </p:style>
+      </p:cxnSp>
+      <p:cxnSp>
+        <p:nvCxnSpPr>
+          <p:cNvPr id="20" name="Elbow Connector 19"/>
+          <p:cNvCxnSpPr/>
+          <p:nvPr/>
+        </p:nvCxnSpPr>
+        <p:spPr>
+          <a:xfrm rot="5400000" flipH="1" flipV="1">
+            <a:off x="4074359" y="4288466"/>
+            <a:ext cx="627765" cy="415024"/>
+          </a:xfrm>
+          <a:prstGeom prst="bentConnector3">
+            <a:avLst>
+              <a:gd name="adj1" fmla="val 46216"/>
+            </a:avLst>
+          </a:prstGeom>
+          <a:ln>
+            <a:tailEnd type="triangle"/>
+          </a:ln>
+        </p:spPr>
+        <p:style>
+          <a:lnRef idx="1">
+            <a:schemeClr val="accent1"/>
+          </a:lnRef>
+          <a:fillRef idx="0">
+            <a:schemeClr val="accent1"/>
+          </a:fillRef>
+          <a:effectRef idx="0">
+            <a:schemeClr val="accent1"/>
+          </a:effectRef>
+          <a:fontRef idx="minor">
+            <a:schemeClr val="tx1"/>
+          </a:fontRef>
+        </p:style>
+      </p:cxnSp>
+      <p:cxnSp>
+        <p:nvCxnSpPr>
+          <p:cNvPr id="21" name="Straight Connector 20"/>
+          <p:cNvCxnSpPr/>
+          <p:nvPr/>
+        </p:nvCxnSpPr>
+        <p:spPr>
+          <a:xfrm>
+            <a:off x="5130141" y="3271393"/>
+            <a:ext cx="1958436" cy="12632"/>
+          </a:xfrm>
+          <a:prstGeom prst="line">
+            <a:avLst/>
+          </a:prstGeom>
+        </p:spPr>
+        <p:style>
+          <a:lnRef idx="1">
+            <a:schemeClr val="accent1"/>
+          </a:lnRef>
+          <a:fillRef idx="0">
+            <a:schemeClr val="accent1"/>
+          </a:fillRef>
+          <a:effectRef idx="0">
+            <a:schemeClr val="accent1"/>
+          </a:effectRef>
+          <a:fontRef idx="minor">
+            <a:schemeClr val="tx1"/>
+          </a:fontRef>
+        </p:style>
+      </p:cxnSp>
+      <p:cxnSp>
+        <p:nvCxnSpPr>
+          <p:cNvPr id="22" name="Straight Arrow Connector 21"/>
+          <p:cNvCxnSpPr/>
+          <p:nvPr/>
+        </p:nvCxnSpPr>
+        <p:spPr>
+          <a:xfrm>
+            <a:off x="7076702" y="3285249"/>
+            <a:ext cx="1" cy="268678"/>
+          </a:xfrm>
+          <a:prstGeom prst="straightConnector1">
+            <a:avLst/>
+          </a:prstGeom>
+          <a:ln>
+            <a:tailEnd type="triangle"/>
+          </a:ln>
+        </p:spPr>
+        <p:style>
+          <a:lnRef idx="1">
+            <a:schemeClr val="accent1"/>
+          </a:lnRef>
+          <a:fillRef idx="0">
+            <a:schemeClr val="accent1"/>
+          </a:fillRef>
+          <a:effectRef idx="0">
+            <a:schemeClr val="accent1"/>
+          </a:effectRef>
+          <a:fontRef idx="minor">
+            <a:schemeClr val="tx1"/>
+          </a:fontRef>
+        </p:style>
+      </p:cxnSp>
+      <p:cxnSp>
+        <p:nvCxnSpPr>
+          <p:cNvPr id="23" name="Straight Arrow Connector 22"/>
+          <p:cNvCxnSpPr>
+            <a:endCxn id="17" idx="0"/>
+          </p:cNvCxnSpPr>
+          <p:nvPr/>
+        </p:nvCxnSpPr>
+        <p:spPr>
+          <a:xfrm>
+            <a:off x="7076702" y="4182095"/>
+            <a:ext cx="11877" cy="1662542"/>
+          </a:xfrm>
+          <a:prstGeom prst="straightConnector1">
+            <a:avLst/>
+          </a:prstGeom>
+          <a:ln>
+            <a:tailEnd type="triangle"/>
+          </a:ln>
+        </p:spPr>
+        <p:style>
+          <a:lnRef idx="1">
+            <a:schemeClr val="accent1"/>
+          </a:lnRef>
+          <a:fillRef idx="0">
+            <a:schemeClr val="accent1"/>
+          </a:fillRef>
+          <a:effectRef idx="0">
+            <a:schemeClr val="accent1"/>
+          </a:effectRef>
+          <a:fontRef idx="minor">
+            <a:schemeClr val="tx1"/>
+          </a:fontRef>
+        </p:style>
+      </p:cxnSp>
+      <p:sp>
+        <p:nvSpPr>
+          <p:cNvPr id="24" name="TextBox 23"/>
+          <p:cNvSpPr txBox="1"/>
+          <p:nvPr/>
+        </p:nvSpPr>
+        <p:spPr>
+          <a:xfrm>
+            <a:off x="3965863" y="1123151"/>
+            <a:ext cx="886781" cy="307777"/>
+          </a:xfrm>
+          <a:prstGeom prst="rect">
+            <a:avLst/>
+          </a:prstGeom>
+          <a:noFill/>
+        </p:spPr>
+        <p:txBody>
+          <a:bodyPr wrap="none" rtlCol="0">
+            <a:spAutoFit/>
+          </a:bodyPr>
+          <a:lstStyle/>
+          <a:p>
+            <a:r>
+              <a:rPr lang="en-US" sz="1400" dirty="0" smtClean="0"/>
+              <a:t>Domain 0</a:t>
+            </a:r>
+            <a:endParaRPr lang="en-US" sz="1400" dirty="0"/>
+          </a:p>
+        </p:txBody>
+      </p:sp>
+      <p:sp>
+        <p:nvSpPr>
+          <p:cNvPr id="25" name="TextBox 24"/>
+          <p:cNvSpPr txBox="1"/>
+          <p:nvPr/>
+        </p:nvSpPr>
+        <p:spPr>
+          <a:xfrm>
+            <a:off x="1295399" y="1123151"/>
+            <a:ext cx="1378519" cy="307777"/>
+          </a:xfrm>
+          <a:prstGeom prst="rect">
+            <a:avLst/>
+          </a:prstGeom>
+          <a:noFill/>
+        </p:spPr>
+        <p:txBody>
+          <a:bodyPr wrap="none" rtlCol="0">
+            <a:spAutoFit/>
+          </a:bodyPr>
+          <a:lstStyle/>
+          <a:p>
+            <a:r>
+              <a:rPr lang="en-US" sz="1400" dirty="0" smtClean="0"/>
+              <a:t>Domain U Guest</a:t>
+            </a:r>
+            <a:endParaRPr lang="en-US" sz="1600" dirty="0"/>
+          </a:p>
+        </p:txBody>
+      </p:sp>
+      <p:cxnSp>
+        <p:nvCxnSpPr>
+          <p:cNvPr id="26" name="Straight Connector 25"/>
+          <p:cNvCxnSpPr/>
+          <p:nvPr/>
+        </p:nvCxnSpPr>
+        <p:spPr>
+          <a:xfrm flipV="1">
+            <a:off x="5130141" y="3271393"/>
+            <a:ext cx="0" cy="268678"/>
+          </a:xfrm>
+          <a:prstGeom prst="line">
+            <a:avLst/>
+          </a:prstGeom>
+        </p:spPr>
+        <p:style>
+          <a:lnRef idx="1">
+            <a:schemeClr val="accent1"/>
+          </a:lnRef>
+          <a:fillRef idx="0">
+            <a:schemeClr val="accent1"/>
+          </a:fillRef>
+          <a:effectRef idx="0">
+            <a:schemeClr val="accent1"/>
+          </a:effectRef>
+          <a:fontRef idx="minor">
+            <a:schemeClr val="tx1"/>
+          </a:fontRef>
+        </p:style>
+      </p:cxnSp>
     </p:spTree>
     <p:extLst>
       <p:ext uri="{BB962C8B-B14F-4D97-AF65-F5344CB8AC3E}">
-        <p14:creationId xmlns:p14="http://schemas.microsoft.com/office/powerpoint/2010/main" val="2662984763"/>
+        <p14:creationId xmlns:p14="http://schemas.microsoft.com/office/powerpoint/2010/main" val="1410403325"/>
       </p:ext>
     </p:extLst>
   </p:cSld>
   <p:clrMapOvr>
     <a:masterClrMapping/>
   </p:clrMapOvr>
+  <mc:AlternateContent xmlns:mc="http://schemas.openxmlformats.org/markup-compatibility/2006" xmlns:p14="http://schemas.microsoft.com/office/powerpoint/2010/main">
+    <mc:Choice Requires="p14">
+      <p:transition spd="slow" p14:dur="2000"/>
+    </mc:Choice>
+    <mc:Fallback xmlns="">
+      <p:transition spd="slow"/>
+    </mc:Fallback>
+  </mc:AlternateContent>
   <p:timing>
     <p:tnLst>
       <p:par>
@@ -21226,14 +22101,14 @@
       </p:grpSpPr>
       <p:sp>
         <p:nvSpPr>
-          <p:cNvPr id="4" name="Rectangle 3"/>
+          <p:cNvPr id="27" name="Rectangle 26"/>
           <p:cNvSpPr/>
           <p:nvPr/>
         </p:nvSpPr>
         <p:spPr>
           <a:xfrm>
-            <a:off x="1295400" y="1128156"/>
-            <a:ext cx="2421577" cy="3269673"/>
+            <a:off x="5944457" y="1856689"/>
+            <a:ext cx="2071046" cy="2989715"/>
           </a:xfrm>
           <a:prstGeom prst="rect">
             <a:avLst/>
@@ -21270,14 +22145,14 @@
       </p:sp>
       <p:sp>
         <p:nvSpPr>
-          <p:cNvPr id="5" name="Rectangle 4"/>
+          <p:cNvPr id="28" name="Rectangle 27"/>
           <p:cNvSpPr/>
           <p:nvPr/>
         </p:nvSpPr>
         <p:spPr>
           <a:xfrm>
-            <a:off x="1644732" y="1471785"/>
-            <a:ext cx="1698172" cy="629392"/>
+            <a:off x="6117886" y="2135256"/>
+            <a:ext cx="1520751" cy="629392"/>
           </a:xfrm>
           <a:prstGeom prst="rect">
             <a:avLst/>
@@ -21312,14 +22187,14 @@
       </p:sp>
       <p:sp>
         <p:nvSpPr>
-          <p:cNvPr id="6" name="Rectangle 5"/>
+          <p:cNvPr id="29" name="Rectangle 28"/>
           <p:cNvSpPr/>
           <p:nvPr/>
         </p:nvSpPr>
         <p:spPr>
           <a:xfrm>
-            <a:off x="1644732" y="2505928"/>
-            <a:ext cx="1698172" cy="629392"/>
+            <a:off x="6117886" y="3024282"/>
+            <a:ext cx="1520751" cy="629392"/>
           </a:xfrm>
           <a:prstGeom prst="rect">
             <a:avLst/>
@@ -21354,14 +22229,14 @@
       </p:sp>
       <p:sp>
         <p:nvSpPr>
-          <p:cNvPr id="7" name="Rectangle 6"/>
+          <p:cNvPr id="30" name="Rectangle 29"/>
           <p:cNvSpPr/>
           <p:nvPr/>
         </p:nvSpPr>
         <p:spPr>
           <a:xfrm>
-            <a:off x="1644732" y="3540071"/>
-            <a:ext cx="1698172" cy="629392"/>
+            <a:off x="6123366" y="3901448"/>
+            <a:ext cx="1515271" cy="629392"/>
           </a:xfrm>
           <a:prstGeom prst="rect">
             <a:avLst/>
@@ -21387,7 +22262,7 @@
           <a:p>
             <a:pPr algn="ctr"/>
             <a:r>
-              <a:rPr lang="en-US" sz="1600" dirty="0" smtClean="0"/>
+              <a:rPr lang="en-US" sz="1400" dirty="0" smtClean="0"/>
               <a:t>Split Device Driver</a:t>
             </a:r>
           </a:p>
@@ -21403,17 +22278,17 @@
       </p:sp>
       <p:cxnSp>
         <p:nvCxnSpPr>
-          <p:cNvPr id="8" name="Straight Arrow Connector 7"/>
+          <p:cNvPr id="31" name="Straight Arrow Connector 30"/>
           <p:cNvCxnSpPr>
-            <a:stCxn id="5" idx="2"/>
-            <a:endCxn id="6" idx="0"/>
+            <a:stCxn id="28" idx="2"/>
+            <a:endCxn id="29" idx="0"/>
           </p:cNvCxnSpPr>
           <p:nvPr/>
         </p:nvCxnSpPr>
         <p:spPr>
           <a:xfrm>
-            <a:off x="2493818" y="2101177"/>
-            <a:ext cx="0" cy="404751"/>
+            <a:off x="6878262" y="2764648"/>
+            <a:ext cx="0" cy="259634"/>
           </a:xfrm>
           <a:prstGeom prst="straightConnector1">
             <a:avLst/>
@@ -21439,14 +22314,16 @@
       </p:cxnSp>
       <p:cxnSp>
         <p:nvCxnSpPr>
-          <p:cNvPr id="9" name="Straight Arrow Connector 8"/>
-          <p:cNvCxnSpPr/>
+          <p:cNvPr id="32" name="Straight Arrow Connector 31"/>
+          <p:cNvCxnSpPr>
+            <a:stCxn id="29" idx="2"/>
+          </p:cNvCxnSpPr>
           <p:nvPr/>
         </p:nvCxnSpPr>
         <p:spPr>
           <a:xfrm>
-            <a:off x="2491838" y="3135320"/>
-            <a:ext cx="0" cy="404751"/>
+            <a:off x="6878262" y="3653674"/>
+            <a:ext cx="0" cy="244976"/>
           </a:xfrm>
           <a:prstGeom prst="straightConnector1">
             <a:avLst/>
@@ -21472,14 +22349,14 @@
       </p:cxnSp>
       <p:sp>
         <p:nvSpPr>
-          <p:cNvPr id="10" name="Rectangle 9"/>
+          <p:cNvPr id="33" name="Rectangle 32"/>
           <p:cNvSpPr/>
           <p:nvPr/>
         </p:nvSpPr>
         <p:spPr>
           <a:xfrm>
-            <a:off x="1295400" y="4666507"/>
-            <a:ext cx="6969826" cy="914896"/>
+            <a:off x="5949688" y="4949939"/>
+            <a:ext cx="5607596" cy="827926"/>
           </a:xfrm>
           <a:prstGeom prst="rect">
             <a:avLst/>
@@ -21516,13 +22393,13 @@
       </p:sp>
       <p:sp>
         <p:nvSpPr>
-          <p:cNvPr id="11" name="TextBox 10"/>
+          <p:cNvPr id="34" name="TextBox 33"/>
           <p:cNvSpPr txBox="1"/>
           <p:nvPr/>
         </p:nvSpPr>
         <p:spPr>
           <a:xfrm>
-            <a:off x="1295399" y="4666507"/>
+            <a:off x="5971552" y="5042936"/>
             <a:ext cx="458587" cy="307777"/>
           </a:xfrm>
           <a:prstGeom prst="rect">
@@ -21546,14 +22423,14 @@
       </p:sp>
       <p:sp>
         <p:nvSpPr>
-          <p:cNvPr id="12" name="Rectangle 11"/>
+          <p:cNvPr id="35" name="Rectangle 34"/>
           <p:cNvSpPr/>
           <p:nvPr/>
         </p:nvSpPr>
         <p:spPr>
           <a:xfrm>
-            <a:off x="2493818" y="4792709"/>
-            <a:ext cx="2101933" cy="662491"/>
+            <a:off x="7010086" y="5042936"/>
+            <a:ext cx="1764989" cy="662491"/>
           </a:xfrm>
           <a:prstGeom prst="rect">
             <a:avLst/>
@@ -21579,23 +22456,23 @@
           <a:p>
             <a:pPr algn="ctr"/>
             <a:r>
-              <a:rPr lang="en-US" sz="1600" dirty="0" smtClean="0"/>
+              <a:rPr lang="en-US" sz="1400" dirty="0" smtClean="0"/>
               <a:t>Shared Memory Segment</a:t>
             </a:r>
-            <a:endParaRPr lang="en-US" sz="1600" dirty="0"/>
-          </a:p>
-        </p:txBody>
-      </p:sp>
-      <p:sp>
-        <p:nvSpPr>
-          <p:cNvPr id="13" name="Rectangle 12"/>
+            <a:endParaRPr lang="en-US" sz="1400" dirty="0"/>
+          </a:p>
+        </p:txBody>
+      </p:sp>
+      <p:sp>
+        <p:nvSpPr>
+          <p:cNvPr id="36" name="Rectangle 35"/>
           <p:cNvSpPr/>
           <p:nvPr/>
         </p:nvSpPr>
         <p:spPr>
           <a:xfrm>
-            <a:off x="3965863" y="1123151"/>
-            <a:ext cx="4286992" cy="3274678"/>
+            <a:off x="8157073" y="1840174"/>
+            <a:ext cx="3400211" cy="3006229"/>
           </a:xfrm>
           <a:prstGeom prst="rect">
             <a:avLst/>
@@ -21632,14 +22509,14 @@
       </p:sp>
       <p:sp>
         <p:nvSpPr>
-          <p:cNvPr id="14" name="Rectangle 13"/>
+          <p:cNvPr id="37" name="Rectangle 36"/>
           <p:cNvSpPr/>
           <p:nvPr/>
         </p:nvSpPr>
         <p:spPr>
           <a:xfrm>
-            <a:off x="4249388" y="3552703"/>
-            <a:ext cx="1712025" cy="629392"/>
+            <a:off x="8330902" y="3901448"/>
+            <a:ext cx="1514357" cy="629392"/>
           </a:xfrm>
           <a:prstGeom prst="rect">
             <a:avLst/>
@@ -21665,7 +22542,7 @@
           <a:p>
             <a:pPr algn="ctr"/>
             <a:r>
-              <a:rPr lang="en-US" sz="1600" dirty="0" smtClean="0"/>
+              <a:rPr lang="en-US" sz="1400" dirty="0" smtClean="0"/>
               <a:t>Split Device Driver</a:t>
             </a:r>
           </a:p>
@@ -21681,14 +22558,14 @@
       </p:sp>
       <p:sp>
         <p:nvSpPr>
-          <p:cNvPr id="15" name="Rectangle 14"/>
+          <p:cNvPr id="38" name="Rectangle 37"/>
           <p:cNvSpPr/>
           <p:nvPr/>
         </p:nvSpPr>
         <p:spPr>
           <a:xfrm>
-            <a:off x="6232567" y="3552703"/>
-            <a:ext cx="1712025" cy="629392"/>
+            <a:off x="10020731" y="3906918"/>
+            <a:ext cx="1372804" cy="629392"/>
           </a:xfrm>
           <a:prstGeom prst="rect">
             <a:avLst/>
@@ -21714,23 +22591,23 @@
           <a:p>
             <a:pPr algn="ctr"/>
             <a:r>
-              <a:rPr lang="en-US" sz="1600" dirty="0" smtClean="0"/>
+              <a:rPr lang="en-US" sz="1400" dirty="0" smtClean="0"/>
               <a:t>Real Device driver</a:t>
             </a:r>
-            <a:endParaRPr lang="en-US" sz="1600" dirty="0"/>
-          </a:p>
-        </p:txBody>
-      </p:sp>
-      <p:sp>
-        <p:nvSpPr>
-          <p:cNvPr id="16" name="Rectangle 15"/>
+            <a:endParaRPr lang="en-US" sz="1400" dirty="0"/>
+          </a:p>
+        </p:txBody>
+      </p:sp>
+      <p:sp>
+        <p:nvSpPr>
+          <p:cNvPr id="39" name="Rectangle 38"/>
           <p:cNvSpPr/>
           <p:nvPr/>
         </p:nvSpPr>
         <p:spPr>
           <a:xfrm>
-            <a:off x="1295400" y="5700156"/>
-            <a:ext cx="6969826" cy="878774"/>
+            <a:off x="5949689" y="5870911"/>
+            <a:ext cx="5607596" cy="698201"/>
           </a:xfrm>
           <a:prstGeom prst="rect">
             <a:avLst/>
@@ -21767,14 +22644,14 @@
       </p:sp>
       <p:sp>
         <p:nvSpPr>
-          <p:cNvPr id="17" name="Rectangle 16"/>
+          <p:cNvPr id="40" name="Rectangle 39"/>
           <p:cNvSpPr/>
           <p:nvPr/>
         </p:nvSpPr>
         <p:spPr>
           <a:xfrm>
-            <a:off x="6232566" y="5844637"/>
-            <a:ext cx="1712025" cy="565801"/>
+            <a:off x="10020731" y="5971227"/>
+            <a:ext cx="1372803" cy="565801"/>
           </a:xfrm>
           <a:prstGeom prst="rect">
             <a:avLst/>
@@ -21800,22 +22677,22 @@
           <a:p>
             <a:pPr algn="ctr"/>
             <a:r>
-              <a:rPr lang="en-US" sz="1600" dirty="0" smtClean="0"/>
+              <a:rPr lang="en-US" sz="1400" dirty="0" smtClean="0"/>
               <a:t>Physical Device</a:t>
             </a:r>
-            <a:endParaRPr lang="en-US" sz="1600" dirty="0"/>
-          </a:p>
-        </p:txBody>
-      </p:sp>
-      <p:sp>
-        <p:nvSpPr>
-          <p:cNvPr id="18" name="TextBox 17"/>
+            <a:endParaRPr lang="en-US" sz="1400" dirty="0"/>
+          </a:p>
+        </p:txBody>
+      </p:sp>
+      <p:sp>
+        <p:nvSpPr>
+          <p:cNvPr id="41" name="TextBox 40"/>
           <p:cNvSpPr txBox="1"/>
           <p:nvPr/>
         </p:nvSpPr>
         <p:spPr>
           <a:xfrm>
-            <a:off x="1295399" y="5700156"/>
+            <a:off x="5949688" y="5912234"/>
             <a:ext cx="900824" cy="307777"/>
           </a:xfrm>
           <a:prstGeom prst="rect">
@@ -21839,16 +22716,14 @@
       </p:sp>
       <p:cxnSp>
         <p:nvCxnSpPr>
-          <p:cNvPr id="19" name="Elbow Connector 18"/>
-          <p:cNvCxnSpPr>
-            <a:stCxn id="7" idx="2"/>
-          </p:cNvCxnSpPr>
+          <p:cNvPr id="42" name="Elbow Connector 41"/>
+          <p:cNvCxnSpPr/>
           <p:nvPr/>
         </p:nvCxnSpPr>
         <p:spPr>
           <a:xfrm rot="16200000" flipH="1">
-            <a:off x="2407826" y="4255454"/>
-            <a:ext cx="623246" cy="451263"/>
+            <a:off x="6806274" y="4549793"/>
+            <a:ext cx="518201" cy="468086"/>
           </a:xfrm>
           <a:prstGeom prst="bentConnector3">
             <a:avLst/>
@@ -21874,18 +22749,18 @@
       </p:cxnSp>
       <p:cxnSp>
         <p:nvCxnSpPr>
-          <p:cNvPr id="20" name="Elbow Connector 19"/>
+          <p:cNvPr id="43" name="Elbow Connector 42"/>
           <p:cNvCxnSpPr/>
           <p:nvPr/>
         </p:nvCxnSpPr>
         <p:spPr>
           <a:xfrm rot="5400000" flipH="1" flipV="1">
-            <a:off x="4074359" y="4288466"/>
-            <a:ext cx="627765" cy="415024"/>
+            <a:off x="8289280" y="4572463"/>
+            <a:ext cx="527417" cy="444172"/>
           </a:xfrm>
           <a:prstGeom prst="bentConnector3">
             <a:avLst>
-              <a:gd name="adj1" fmla="val 46216"/>
+              <a:gd name="adj1" fmla="val 50000"/>
             </a:avLst>
           </a:prstGeom>
           <a:ln>
@@ -21909,13 +22784,13 @@
       </p:cxnSp>
       <p:cxnSp>
         <p:nvCxnSpPr>
-          <p:cNvPr id="21" name="Straight Connector 20"/>
+          <p:cNvPr id="44" name="Straight Connector 43"/>
           <p:cNvCxnSpPr/>
           <p:nvPr/>
         </p:nvCxnSpPr>
         <p:spPr>
           <a:xfrm>
-            <a:off x="5130141" y="3271393"/>
+            <a:off x="8775075" y="3653674"/>
             <a:ext cx="1958436" cy="12632"/>
           </a:xfrm>
           <a:prstGeom prst="line">
@@ -21939,13 +22814,13 @@
       </p:cxnSp>
       <p:cxnSp>
         <p:nvCxnSpPr>
-          <p:cNvPr id="22" name="Straight Arrow Connector 21"/>
+          <p:cNvPr id="45" name="Straight Arrow Connector 44"/>
           <p:cNvCxnSpPr/>
           <p:nvPr/>
         </p:nvCxnSpPr>
         <p:spPr>
           <a:xfrm>
-            <a:off x="7076702" y="3285249"/>
+            <a:off x="10721636" y="3667530"/>
             <a:ext cx="1" cy="268678"/>
           </a:xfrm>
           <a:prstGeom prst="straightConnector1">
@@ -21972,16 +22847,14 @@
       </p:cxnSp>
       <p:cxnSp>
         <p:nvCxnSpPr>
-          <p:cNvPr id="23" name="Straight Arrow Connector 22"/>
-          <p:cNvCxnSpPr>
-            <a:endCxn id="17" idx="0"/>
-          </p:cNvCxnSpPr>
+          <p:cNvPr id="46" name="Straight Arrow Connector 45"/>
+          <p:cNvCxnSpPr/>
           <p:nvPr/>
         </p:nvCxnSpPr>
         <p:spPr>
           <a:xfrm>
-            <a:off x="7076702" y="4182095"/>
-            <a:ext cx="11877" cy="1662542"/>
+            <a:off x="10703775" y="4524735"/>
+            <a:ext cx="25733" cy="1430033"/>
           </a:xfrm>
           <a:prstGeom prst="straightConnector1">
             <a:avLst/>
@@ -22007,13 +22880,13 @@
       </p:cxnSp>
       <p:sp>
         <p:nvSpPr>
-          <p:cNvPr id="24" name="TextBox 23"/>
+          <p:cNvPr id="47" name="TextBox 46"/>
           <p:cNvSpPr txBox="1"/>
           <p:nvPr/>
         </p:nvSpPr>
         <p:spPr>
           <a:xfrm>
-            <a:off x="3965863" y="1123151"/>
+            <a:off x="8185664" y="1840175"/>
             <a:ext cx="886781" cy="307777"/>
           </a:xfrm>
           <a:prstGeom prst="rect">
@@ -22037,13 +22910,13 @@
       </p:sp>
       <p:sp>
         <p:nvSpPr>
-          <p:cNvPr id="25" name="TextBox 24"/>
+          <p:cNvPr id="48" name="TextBox 47"/>
           <p:cNvSpPr txBox="1"/>
           <p:nvPr/>
         </p:nvSpPr>
         <p:spPr>
           <a:xfrm>
-            <a:off x="1295399" y="1123151"/>
+            <a:off x="5947725" y="1840175"/>
             <a:ext cx="1378519" cy="307777"/>
           </a:xfrm>
           <a:prstGeom prst="rect">
@@ -22067,13 +22940,13 @@
       </p:sp>
       <p:cxnSp>
         <p:nvCxnSpPr>
-          <p:cNvPr id="26" name="Straight Connector 25"/>
+          <p:cNvPr id="49" name="Straight Connector 48"/>
           <p:cNvCxnSpPr/>
           <p:nvPr/>
         </p:nvCxnSpPr>
         <p:spPr>
           <a:xfrm flipV="1">
-            <a:off x="5130141" y="3271393"/>
+            <a:off x="8775075" y="3653674"/>
             <a:ext cx="0" cy="268678"/>
           </a:xfrm>
           <a:prstGeom prst="line">
@@ -22098,7 +22971,7 @@
     </p:spTree>
     <p:extLst>
       <p:ext uri="{BB962C8B-B14F-4D97-AF65-F5344CB8AC3E}">
-        <p14:creationId xmlns:p14="http://schemas.microsoft.com/office/powerpoint/2010/main" val="1410403325"/>
+        <p14:creationId xmlns:p14="http://schemas.microsoft.com/office/powerpoint/2010/main" val="307191844"/>
       </p:ext>
     </p:extLst>
   </p:cSld>
@@ -22142,24 +23015,18 @@
       </p:grpSpPr>
       <p:sp>
         <p:nvSpPr>
-          <p:cNvPr id="27" name="Rectangle 26"/>
+          <p:cNvPr id="4" name="Rectangle 3"/>
           <p:cNvSpPr/>
           <p:nvPr/>
         </p:nvSpPr>
         <p:spPr>
           <a:xfrm>
-            <a:off x="5944457" y="1856689"/>
-            <a:ext cx="2071046" cy="2989715"/>
+            <a:off x="740229" y="544286"/>
+            <a:ext cx="2188029" cy="3657600"/>
           </a:xfrm>
           <a:prstGeom prst="rect">
             <a:avLst/>
           </a:prstGeom>
-          <a:ln>
-            <a:solidFill>
-              <a:schemeClr val="accent1"/>
-            </a:solidFill>
-            <a:prstDash val="dashDot"/>
-          </a:ln>
         </p:spPr>
         <p:style>
           <a:lnRef idx="2">
@@ -22186,14 +23053,14 @@
       </p:sp>
       <p:sp>
         <p:nvSpPr>
-          <p:cNvPr id="28" name="Rectangle 27"/>
+          <p:cNvPr id="5" name="Rectangle 4"/>
           <p:cNvSpPr/>
           <p:nvPr/>
         </p:nvSpPr>
         <p:spPr>
           <a:xfrm>
-            <a:off x="6117886" y="2135256"/>
-            <a:ext cx="1520751" cy="629392"/>
+            <a:off x="4972060" y="544286"/>
+            <a:ext cx="1708428" cy="3657600"/>
           </a:xfrm>
           <a:prstGeom prst="rect">
             <a:avLst/>
@@ -22218,24 +23085,20 @@
           <a:lstStyle/>
           <a:p>
             <a:pPr algn="ctr"/>
-            <a:r>
-              <a:rPr lang="en-US" sz="1600" dirty="0" smtClean="0"/>
-              <a:t>Application</a:t>
-            </a:r>
-            <a:endParaRPr lang="en-US" sz="1600" dirty="0"/>
-          </a:p>
-        </p:txBody>
-      </p:sp>
-      <p:sp>
-        <p:nvSpPr>
-          <p:cNvPr id="29" name="Rectangle 28"/>
+            <a:endParaRPr lang="en-US"/>
+          </a:p>
+        </p:txBody>
+      </p:sp>
+      <p:sp>
+        <p:nvSpPr>
+          <p:cNvPr id="6" name="Rectangle 5"/>
           <p:cNvSpPr/>
           <p:nvPr/>
         </p:nvSpPr>
         <p:spPr>
           <a:xfrm>
-            <a:off x="6117886" y="3024282"/>
-            <a:ext cx="1520751" cy="629392"/>
+            <a:off x="740229" y="4561309"/>
+            <a:ext cx="5940260" cy="555172"/>
           </a:xfrm>
           <a:prstGeom prst="rect">
             <a:avLst/>
@@ -22260,9 +23123,73 @@
           <a:lstStyle/>
           <a:p>
             <a:pPr algn="ctr"/>
+            <a:endParaRPr lang="en-US"/>
+          </a:p>
+        </p:txBody>
+      </p:sp>
+      <p:sp>
+        <p:nvSpPr>
+          <p:cNvPr id="7" name="Rectangle 6"/>
+          <p:cNvSpPr/>
+          <p:nvPr/>
+        </p:nvSpPr>
+        <p:spPr>
+          <a:xfrm>
+            <a:off x="740229" y="5475905"/>
+            <a:ext cx="5940259" cy="555172"/>
+          </a:xfrm>
+          <a:prstGeom prst="rect">
+            <a:avLst/>
+          </a:prstGeom>
+        </p:spPr>
+        <p:style>
+          <a:lnRef idx="2">
+            <a:schemeClr val="accent1"/>
+          </a:lnRef>
+          <a:fillRef idx="1">
+            <a:schemeClr val="lt1"/>
+          </a:fillRef>
+          <a:effectRef idx="0">
+            <a:schemeClr val="accent1"/>
+          </a:effectRef>
+          <a:fontRef idx="minor">
+            <a:schemeClr val="dk1"/>
+          </a:fontRef>
+        </p:style>
+        <p:txBody>
+          <a:bodyPr rtlCol="0" anchor="ctr"/>
+          <a:lstStyle/>
+          <a:p>
+            <a:pPr algn="ctr"/>
+            <a:endParaRPr lang="en-US"/>
+          </a:p>
+        </p:txBody>
+      </p:sp>
+      <p:sp>
+        <p:nvSpPr>
+          <p:cNvPr id="8" name="TextBox 7"/>
+          <p:cNvSpPr txBox="1"/>
+          <p:nvPr/>
+        </p:nvSpPr>
+        <p:spPr>
+          <a:xfrm>
+            <a:off x="1091443" y="544502"/>
+            <a:ext cx="1485600" cy="338554"/>
+          </a:xfrm>
+          <a:prstGeom prst="rect">
+            <a:avLst/>
+          </a:prstGeom>
+          <a:noFill/>
+        </p:spPr>
+        <p:txBody>
+          <a:bodyPr wrap="none" rtlCol="0">
+            <a:spAutoFit/>
+          </a:bodyPr>
+          <a:lstStyle/>
+          <a:p>
             <a:r>
               <a:rPr lang="en-US" sz="1600" dirty="0" smtClean="0"/>
-              <a:t>TCP/IP stack</a:t>
+              <a:t>Domain 0 guest</a:t>
             </a:r>
             <a:endParaRPr lang="en-US" sz="1600" dirty="0"/>
           </a:p>
@@ -22270,14 +23197,104 @@
       </p:sp>
       <p:sp>
         <p:nvSpPr>
-          <p:cNvPr id="30" name="Rectangle 29"/>
+          <p:cNvPr id="9" name="TextBox 8"/>
+          <p:cNvSpPr txBox="1"/>
+          <p:nvPr/>
+        </p:nvSpPr>
+        <p:spPr>
+          <a:xfrm>
+            <a:off x="5053753" y="544286"/>
+            <a:ext cx="1546514" cy="338554"/>
+          </a:xfrm>
+          <a:prstGeom prst="rect">
+            <a:avLst/>
+          </a:prstGeom>
+          <a:noFill/>
+        </p:spPr>
+        <p:txBody>
+          <a:bodyPr wrap="none" rtlCol="0">
+            <a:spAutoFit/>
+          </a:bodyPr>
+          <a:lstStyle/>
+          <a:p>
+            <a:r>
+              <a:rPr lang="en-US" sz="1600" dirty="0" smtClean="0"/>
+              <a:t>Domain U Guest</a:t>
+            </a:r>
+            <a:endParaRPr lang="en-US" sz="1600" dirty="0"/>
+          </a:p>
+        </p:txBody>
+      </p:sp>
+      <p:sp>
+        <p:nvSpPr>
+          <p:cNvPr id="10" name="TextBox 9"/>
+          <p:cNvSpPr txBox="1"/>
+          <p:nvPr/>
+        </p:nvSpPr>
+        <p:spPr>
+          <a:xfrm>
+            <a:off x="750612" y="4654229"/>
+            <a:ext cx="477438" cy="338554"/>
+          </a:xfrm>
+          <a:prstGeom prst="rect">
+            <a:avLst/>
+          </a:prstGeom>
+          <a:noFill/>
+        </p:spPr>
+        <p:txBody>
+          <a:bodyPr wrap="none" rtlCol="0">
+            <a:spAutoFit/>
+          </a:bodyPr>
+          <a:lstStyle/>
+          <a:p>
+            <a:r>
+              <a:rPr lang="en-US" sz="1600" dirty="0" err="1" smtClean="0"/>
+              <a:t>xen</a:t>
+            </a:r>
+            <a:endParaRPr lang="en-US" dirty="0"/>
+          </a:p>
+        </p:txBody>
+      </p:sp>
+      <p:sp>
+        <p:nvSpPr>
+          <p:cNvPr id="11" name="TextBox 10"/>
+          <p:cNvSpPr txBox="1"/>
+          <p:nvPr/>
+        </p:nvSpPr>
+        <p:spPr>
+          <a:xfrm>
+            <a:off x="713775" y="5568825"/>
+            <a:ext cx="900824" cy="307777"/>
+          </a:xfrm>
+          <a:prstGeom prst="rect">
+            <a:avLst/>
+          </a:prstGeom>
+          <a:noFill/>
+        </p:spPr>
+        <p:txBody>
+          <a:bodyPr wrap="none" rtlCol="0">
+            <a:spAutoFit/>
+          </a:bodyPr>
+          <a:lstStyle/>
+          <a:p>
+            <a:r>
+              <a:rPr lang="en-US" sz="1400" dirty="0" smtClean="0"/>
+              <a:t>Hardware</a:t>
+            </a:r>
+            <a:endParaRPr lang="en-US" sz="1400" dirty="0"/>
+          </a:p>
+        </p:txBody>
+      </p:sp>
+      <p:sp>
+        <p:nvSpPr>
+          <p:cNvPr id="12" name="Rectangle 11"/>
           <p:cNvSpPr/>
           <p:nvPr/>
         </p:nvSpPr>
         <p:spPr>
           <a:xfrm>
-            <a:off x="6123366" y="3901448"/>
-            <a:ext cx="1515271" cy="629392"/>
+            <a:off x="1897016" y="3091544"/>
+            <a:ext cx="832724" cy="926646"/>
           </a:xfrm>
           <a:prstGeom prst="rect">
             <a:avLst/>
@@ -22304,14 +23321,49 @@
             <a:pPr algn="ctr"/>
             <a:r>
               <a:rPr lang="en-US" sz="1400" dirty="0" smtClean="0"/>
-              <a:t>Split Device Driver</a:t>
-            </a:r>
-          </a:p>
+              <a:t>Split Device drivers</a:t>
+            </a:r>
+            <a:endParaRPr lang="en-US" sz="1400" dirty="0"/>
+          </a:p>
+        </p:txBody>
+      </p:sp>
+      <p:sp>
+        <p:nvSpPr>
+          <p:cNvPr id="13" name="Rectangle 12"/>
+          <p:cNvSpPr/>
+          <p:nvPr/>
+        </p:nvSpPr>
+        <p:spPr>
+          <a:xfrm>
+            <a:off x="5149135" y="3090184"/>
+            <a:ext cx="832724" cy="926646"/>
+          </a:xfrm>
+          <a:prstGeom prst="rect">
+            <a:avLst/>
+          </a:prstGeom>
+        </p:spPr>
+        <p:style>
+          <a:lnRef idx="3">
+            <a:schemeClr val="lt1"/>
+          </a:lnRef>
+          <a:fillRef idx="1">
+            <a:schemeClr val="accent1"/>
+          </a:fillRef>
+          <a:effectRef idx="1">
+            <a:schemeClr val="accent1"/>
+          </a:effectRef>
+          <a:fontRef idx="minor">
+            <a:schemeClr val="lt1"/>
+          </a:fontRef>
+        </p:style>
+        <p:txBody>
+          <a:bodyPr rtlCol="0" anchor="ctr"/>
+          <a:lstStyle/>
           <a:p>
             <a:pPr algn="ctr"/>
             <a:r>
-              <a:rPr lang="en-US" sz="1100" dirty="0" smtClean="0"/>
-              <a:t>Front end</a:t>
+              <a:rPr lang="en-US" sz="1400" dirty="0" smtClean="0"/>
+              <a:t>Split Device drivers</a:t>
             </a:r>
             <a:endParaRPr lang="en-US" sz="1400" dirty="0"/>
           </a:p>
@@ -22319,17 +23371,16 @@
       </p:sp>
       <p:cxnSp>
         <p:nvCxnSpPr>
-          <p:cNvPr id="31" name="Straight Arrow Connector 30"/>
+          <p:cNvPr id="14" name="Straight Arrow Connector 13"/>
           <p:cNvCxnSpPr>
-            <a:stCxn id="28" idx="2"/>
-            <a:endCxn id="29" idx="0"/>
+            <a:endCxn id="22" idx="0"/>
           </p:cNvCxnSpPr>
           <p:nvPr/>
         </p:nvCxnSpPr>
         <p:spPr>
           <a:xfrm>
-            <a:off x="6878262" y="2764648"/>
-            <a:ext cx="0" cy="259634"/>
+            <a:off x="3668683" y="2809844"/>
+            <a:ext cx="0" cy="281670"/>
           </a:xfrm>
           <a:prstGeom prst="straightConnector1">
             <a:avLst/>
@@ -22337,6 +23388,120 @@
           <a:ln>
             <a:tailEnd type="triangle"/>
           </a:ln>
+        </p:spPr>
+        <p:style>
+          <a:lnRef idx="1">
+            <a:schemeClr val="accent1"/>
+          </a:lnRef>
+          <a:fillRef idx="0">
+            <a:schemeClr val="accent1"/>
+          </a:fillRef>
+          <a:effectRef idx="0">
+            <a:schemeClr val="accent1"/>
+          </a:effectRef>
+          <a:fontRef idx="minor">
+            <a:schemeClr val="tx1"/>
+          </a:fontRef>
+        </p:style>
+      </p:cxnSp>
+      <p:sp>
+        <p:nvSpPr>
+          <p:cNvPr id="15" name="Rounded Rectangle 14"/>
+          <p:cNvSpPr/>
+          <p:nvPr/>
+        </p:nvSpPr>
+        <p:spPr>
+          <a:xfrm>
+            <a:off x="5149135" y="1068260"/>
+            <a:ext cx="1336041" cy="489857"/>
+          </a:xfrm>
+          <a:prstGeom prst="roundRect">
+            <a:avLst/>
+          </a:prstGeom>
+        </p:spPr>
+        <p:style>
+          <a:lnRef idx="2">
+            <a:schemeClr val="accent1"/>
+          </a:lnRef>
+          <a:fillRef idx="1">
+            <a:schemeClr val="lt1"/>
+          </a:fillRef>
+          <a:effectRef idx="0">
+            <a:schemeClr val="accent1"/>
+          </a:effectRef>
+          <a:fontRef idx="minor">
+            <a:schemeClr val="dk1"/>
+          </a:fontRef>
+        </p:style>
+        <p:txBody>
+          <a:bodyPr rtlCol="0" anchor="ctr"/>
+          <a:lstStyle/>
+          <a:p>
+            <a:pPr algn="ctr"/>
+            <a:r>
+              <a:rPr lang="en-US" sz="1600" dirty="0" smtClean="0"/>
+              <a:t>Applications</a:t>
+            </a:r>
+            <a:endParaRPr lang="en-US" sz="1600" dirty="0"/>
+          </a:p>
+        </p:txBody>
+      </p:sp>
+      <p:sp>
+        <p:nvSpPr>
+          <p:cNvPr id="16" name="Rectangle 15"/>
+          <p:cNvSpPr/>
+          <p:nvPr/>
+        </p:nvSpPr>
+        <p:spPr>
+          <a:xfrm>
+            <a:off x="910822" y="3084548"/>
+            <a:ext cx="809645" cy="926646"/>
+          </a:xfrm>
+          <a:prstGeom prst="rect">
+            <a:avLst/>
+          </a:prstGeom>
+        </p:spPr>
+        <p:style>
+          <a:lnRef idx="3">
+            <a:schemeClr val="lt1"/>
+          </a:lnRef>
+          <a:fillRef idx="1">
+            <a:schemeClr val="accent1"/>
+          </a:fillRef>
+          <a:effectRef idx="1">
+            <a:schemeClr val="accent1"/>
+          </a:effectRef>
+          <a:fontRef idx="minor">
+            <a:schemeClr val="lt1"/>
+          </a:fontRef>
+        </p:style>
+        <p:txBody>
+          <a:bodyPr rtlCol="0" anchor="ctr"/>
+          <a:lstStyle/>
+          <a:p>
+            <a:pPr algn="ctr"/>
+            <a:r>
+              <a:rPr lang="en-US" sz="1400" dirty="0" smtClean="0"/>
+              <a:t>Device Drivers</a:t>
+            </a:r>
+            <a:endParaRPr lang="en-US" sz="1400" dirty="0"/>
+          </a:p>
+        </p:txBody>
+      </p:sp>
+      <p:cxnSp>
+        <p:nvCxnSpPr>
+          <p:cNvPr id="17" name="Straight Connector 16"/>
+          <p:cNvCxnSpPr/>
+          <p:nvPr/>
+        </p:nvCxnSpPr>
+        <p:spPr>
+          <a:xfrm flipV="1">
+            <a:off x="2302492" y="4359731"/>
+            <a:ext cx="3252119" cy="6803"/>
+          </a:xfrm>
+          <a:prstGeom prst="line">
+            <a:avLst/>
+          </a:prstGeom>
         </p:spPr>
         <p:style>
           <a:lnRef idx="1">
@@ -22355,418 +23520,18 @@
       </p:cxnSp>
       <p:cxnSp>
         <p:nvCxnSpPr>
-          <p:cNvPr id="32" name="Straight Arrow Connector 31"/>
+          <p:cNvPr id="18" name="Straight Arrow Connector 17"/>
           <p:cNvCxnSpPr>
-            <a:stCxn id="29" idx="2"/>
+            <a:endCxn id="13" idx="2"/>
           </p:cNvCxnSpPr>
           <p:nvPr/>
         </p:nvCxnSpPr>
         <p:spPr>
-          <a:xfrm>
-            <a:off x="6878262" y="3653674"/>
-            <a:ext cx="0" cy="244976"/>
+          <a:xfrm flipV="1">
+            <a:off x="5565497" y="4016830"/>
+            <a:ext cx="0" cy="359423"/>
           </a:xfrm>
           <a:prstGeom prst="straightConnector1">
-            <a:avLst/>
-          </a:prstGeom>
-          <a:ln>
-            <a:tailEnd type="triangle"/>
-          </a:ln>
-        </p:spPr>
-        <p:style>
-          <a:lnRef idx="1">
-            <a:schemeClr val="accent1"/>
-          </a:lnRef>
-          <a:fillRef idx="0">
-            <a:schemeClr val="accent1"/>
-          </a:fillRef>
-          <a:effectRef idx="0">
-            <a:schemeClr val="accent1"/>
-          </a:effectRef>
-          <a:fontRef idx="minor">
-            <a:schemeClr val="tx1"/>
-          </a:fontRef>
-        </p:style>
-      </p:cxnSp>
-      <p:sp>
-        <p:nvSpPr>
-          <p:cNvPr id="33" name="Rectangle 32"/>
-          <p:cNvSpPr/>
-          <p:nvPr/>
-        </p:nvSpPr>
-        <p:spPr>
-          <a:xfrm>
-            <a:off x="5949688" y="4949939"/>
-            <a:ext cx="5607596" cy="827926"/>
-          </a:xfrm>
-          <a:prstGeom prst="rect">
-            <a:avLst/>
-          </a:prstGeom>
-          <a:ln>
-            <a:solidFill>
-              <a:schemeClr val="accent1"/>
-            </a:solidFill>
-            <a:prstDash val="dashDot"/>
-          </a:ln>
-        </p:spPr>
-        <p:style>
-          <a:lnRef idx="2">
-            <a:schemeClr val="accent1"/>
-          </a:lnRef>
-          <a:fillRef idx="1">
-            <a:schemeClr val="lt1"/>
-          </a:fillRef>
-          <a:effectRef idx="0">
-            <a:schemeClr val="accent1"/>
-          </a:effectRef>
-          <a:fontRef idx="minor">
-            <a:schemeClr val="dk1"/>
-          </a:fontRef>
-        </p:style>
-        <p:txBody>
-          <a:bodyPr rtlCol="0" anchor="ctr"/>
-          <a:lstStyle/>
-          <a:p>
-            <a:pPr algn="ctr"/>
-            <a:endParaRPr lang="en-US"/>
-          </a:p>
-        </p:txBody>
-      </p:sp>
-      <p:sp>
-        <p:nvSpPr>
-          <p:cNvPr id="34" name="TextBox 33"/>
-          <p:cNvSpPr txBox="1"/>
-          <p:nvPr/>
-        </p:nvSpPr>
-        <p:spPr>
-          <a:xfrm>
-            <a:off x="5971552" y="5042936"/>
-            <a:ext cx="458587" cy="307777"/>
-          </a:xfrm>
-          <a:prstGeom prst="rect">
-            <a:avLst/>
-          </a:prstGeom>
-          <a:noFill/>
-        </p:spPr>
-        <p:txBody>
-          <a:bodyPr wrap="none" rtlCol="0">
-            <a:spAutoFit/>
-          </a:bodyPr>
-          <a:lstStyle/>
-          <a:p>
-            <a:r>
-              <a:rPr lang="en-US" sz="1400" dirty="0" err="1" smtClean="0"/>
-              <a:t>Xen</a:t>
-            </a:r>
-            <a:endParaRPr lang="en-US" sz="1600" dirty="0"/>
-          </a:p>
-        </p:txBody>
-      </p:sp>
-      <p:sp>
-        <p:nvSpPr>
-          <p:cNvPr id="35" name="Rectangle 34"/>
-          <p:cNvSpPr/>
-          <p:nvPr/>
-        </p:nvSpPr>
-        <p:spPr>
-          <a:xfrm>
-            <a:off x="7010086" y="5042936"/>
-            <a:ext cx="1764989" cy="662491"/>
-          </a:xfrm>
-          <a:prstGeom prst="rect">
-            <a:avLst/>
-          </a:prstGeom>
-        </p:spPr>
-        <p:style>
-          <a:lnRef idx="3">
-            <a:schemeClr val="lt1"/>
-          </a:lnRef>
-          <a:fillRef idx="1">
-            <a:schemeClr val="accent1"/>
-          </a:fillRef>
-          <a:effectRef idx="1">
-            <a:schemeClr val="accent1"/>
-          </a:effectRef>
-          <a:fontRef idx="minor">
-            <a:schemeClr val="lt1"/>
-          </a:fontRef>
-        </p:style>
-        <p:txBody>
-          <a:bodyPr rtlCol="0" anchor="ctr"/>
-          <a:lstStyle/>
-          <a:p>
-            <a:pPr algn="ctr"/>
-            <a:r>
-              <a:rPr lang="en-US" sz="1400" dirty="0" smtClean="0"/>
-              <a:t>Shared Memory Segment</a:t>
-            </a:r>
-            <a:endParaRPr lang="en-US" sz="1400" dirty="0"/>
-          </a:p>
-        </p:txBody>
-      </p:sp>
-      <p:sp>
-        <p:nvSpPr>
-          <p:cNvPr id="36" name="Rectangle 35"/>
-          <p:cNvSpPr/>
-          <p:nvPr/>
-        </p:nvSpPr>
-        <p:spPr>
-          <a:xfrm>
-            <a:off x="8157073" y="1840174"/>
-            <a:ext cx="3400211" cy="3006229"/>
-          </a:xfrm>
-          <a:prstGeom prst="rect">
-            <a:avLst/>
-          </a:prstGeom>
-          <a:ln>
-            <a:solidFill>
-              <a:schemeClr val="accent1"/>
-            </a:solidFill>
-            <a:prstDash val="dashDot"/>
-          </a:ln>
-        </p:spPr>
-        <p:style>
-          <a:lnRef idx="2">
-            <a:schemeClr val="accent1"/>
-          </a:lnRef>
-          <a:fillRef idx="1">
-            <a:schemeClr val="lt1"/>
-          </a:fillRef>
-          <a:effectRef idx="0">
-            <a:schemeClr val="accent1"/>
-          </a:effectRef>
-          <a:fontRef idx="minor">
-            <a:schemeClr val="dk1"/>
-          </a:fontRef>
-        </p:style>
-        <p:txBody>
-          <a:bodyPr rtlCol="0" anchor="ctr"/>
-          <a:lstStyle/>
-          <a:p>
-            <a:pPr algn="ctr"/>
-            <a:endParaRPr lang="en-US"/>
-          </a:p>
-        </p:txBody>
-      </p:sp>
-      <p:sp>
-        <p:nvSpPr>
-          <p:cNvPr id="37" name="Rectangle 36"/>
-          <p:cNvSpPr/>
-          <p:nvPr/>
-        </p:nvSpPr>
-        <p:spPr>
-          <a:xfrm>
-            <a:off x="8330902" y="3901448"/>
-            <a:ext cx="1514357" cy="629392"/>
-          </a:xfrm>
-          <a:prstGeom prst="rect">
-            <a:avLst/>
-          </a:prstGeom>
-        </p:spPr>
-        <p:style>
-          <a:lnRef idx="3">
-            <a:schemeClr val="lt1"/>
-          </a:lnRef>
-          <a:fillRef idx="1">
-            <a:schemeClr val="accent1"/>
-          </a:fillRef>
-          <a:effectRef idx="1">
-            <a:schemeClr val="accent1"/>
-          </a:effectRef>
-          <a:fontRef idx="minor">
-            <a:schemeClr val="lt1"/>
-          </a:fontRef>
-        </p:style>
-        <p:txBody>
-          <a:bodyPr rtlCol="0" anchor="ctr"/>
-          <a:lstStyle/>
-          <a:p>
-            <a:pPr algn="ctr"/>
-            <a:r>
-              <a:rPr lang="en-US" sz="1400" dirty="0" smtClean="0"/>
-              <a:t>Split Device Driver</a:t>
-            </a:r>
-          </a:p>
-          <a:p>
-            <a:pPr algn="ctr"/>
-            <a:r>
-              <a:rPr lang="en-US" sz="1100" dirty="0" smtClean="0"/>
-              <a:t>Back end</a:t>
-            </a:r>
-            <a:endParaRPr lang="en-US" sz="1400" dirty="0"/>
-          </a:p>
-        </p:txBody>
-      </p:sp>
-      <p:sp>
-        <p:nvSpPr>
-          <p:cNvPr id="38" name="Rectangle 37"/>
-          <p:cNvSpPr/>
-          <p:nvPr/>
-        </p:nvSpPr>
-        <p:spPr>
-          <a:xfrm>
-            <a:off x="10020731" y="3906918"/>
-            <a:ext cx="1372804" cy="629392"/>
-          </a:xfrm>
-          <a:prstGeom prst="rect">
-            <a:avLst/>
-          </a:prstGeom>
-        </p:spPr>
-        <p:style>
-          <a:lnRef idx="3">
-            <a:schemeClr val="lt1"/>
-          </a:lnRef>
-          <a:fillRef idx="1">
-            <a:schemeClr val="accent1"/>
-          </a:fillRef>
-          <a:effectRef idx="1">
-            <a:schemeClr val="accent1"/>
-          </a:effectRef>
-          <a:fontRef idx="minor">
-            <a:schemeClr val="lt1"/>
-          </a:fontRef>
-        </p:style>
-        <p:txBody>
-          <a:bodyPr rtlCol="0" anchor="ctr"/>
-          <a:lstStyle/>
-          <a:p>
-            <a:pPr algn="ctr"/>
-            <a:r>
-              <a:rPr lang="en-US" sz="1400" dirty="0" smtClean="0"/>
-              <a:t>Real Device driver</a:t>
-            </a:r>
-            <a:endParaRPr lang="en-US" sz="1400" dirty="0"/>
-          </a:p>
-        </p:txBody>
-      </p:sp>
-      <p:sp>
-        <p:nvSpPr>
-          <p:cNvPr id="39" name="Rectangle 38"/>
-          <p:cNvSpPr/>
-          <p:nvPr/>
-        </p:nvSpPr>
-        <p:spPr>
-          <a:xfrm>
-            <a:off x="5949689" y="5870911"/>
-            <a:ext cx="5607596" cy="698201"/>
-          </a:xfrm>
-          <a:prstGeom prst="rect">
-            <a:avLst/>
-          </a:prstGeom>
-          <a:ln>
-            <a:solidFill>
-              <a:schemeClr val="accent1"/>
-            </a:solidFill>
-            <a:prstDash val="dashDot"/>
-          </a:ln>
-        </p:spPr>
-        <p:style>
-          <a:lnRef idx="2">
-            <a:schemeClr val="accent1"/>
-          </a:lnRef>
-          <a:fillRef idx="1">
-            <a:schemeClr val="lt1"/>
-          </a:fillRef>
-          <a:effectRef idx="0">
-            <a:schemeClr val="accent1"/>
-          </a:effectRef>
-          <a:fontRef idx="minor">
-            <a:schemeClr val="dk1"/>
-          </a:fontRef>
-        </p:style>
-        <p:txBody>
-          <a:bodyPr rtlCol="0" anchor="ctr"/>
-          <a:lstStyle/>
-          <a:p>
-            <a:pPr algn="ctr"/>
-            <a:endParaRPr lang="en-US"/>
-          </a:p>
-        </p:txBody>
-      </p:sp>
-      <p:sp>
-        <p:nvSpPr>
-          <p:cNvPr id="40" name="Rectangle 39"/>
-          <p:cNvSpPr/>
-          <p:nvPr/>
-        </p:nvSpPr>
-        <p:spPr>
-          <a:xfrm>
-            <a:off x="10020731" y="5971227"/>
-            <a:ext cx="1372803" cy="565801"/>
-          </a:xfrm>
-          <a:prstGeom prst="rect">
-            <a:avLst/>
-          </a:prstGeom>
-        </p:spPr>
-        <p:style>
-          <a:lnRef idx="3">
-            <a:schemeClr val="lt1"/>
-          </a:lnRef>
-          <a:fillRef idx="1">
-            <a:schemeClr val="accent1"/>
-          </a:fillRef>
-          <a:effectRef idx="1">
-            <a:schemeClr val="accent1"/>
-          </a:effectRef>
-          <a:fontRef idx="minor">
-            <a:schemeClr val="lt1"/>
-          </a:fontRef>
-        </p:style>
-        <p:txBody>
-          <a:bodyPr rtlCol="0" anchor="ctr"/>
-          <a:lstStyle/>
-          <a:p>
-            <a:pPr algn="ctr"/>
-            <a:r>
-              <a:rPr lang="en-US" sz="1400" dirty="0" smtClean="0"/>
-              <a:t>Physical Device</a:t>
-            </a:r>
-            <a:endParaRPr lang="en-US" sz="1400" dirty="0"/>
-          </a:p>
-        </p:txBody>
-      </p:sp>
-      <p:sp>
-        <p:nvSpPr>
-          <p:cNvPr id="41" name="TextBox 40"/>
-          <p:cNvSpPr txBox="1"/>
-          <p:nvPr/>
-        </p:nvSpPr>
-        <p:spPr>
-          <a:xfrm>
-            <a:off x="5949688" y="5912234"/>
-            <a:ext cx="900824" cy="307777"/>
-          </a:xfrm>
-          <a:prstGeom prst="rect">
-            <a:avLst/>
-          </a:prstGeom>
-          <a:noFill/>
-        </p:spPr>
-        <p:txBody>
-          <a:bodyPr wrap="none" rtlCol="0">
-            <a:spAutoFit/>
-          </a:bodyPr>
-          <a:lstStyle/>
-          <a:p>
-            <a:r>
-              <a:rPr lang="en-US" sz="1400" dirty="0" smtClean="0"/>
-              <a:t>Hardware</a:t>
-            </a:r>
-            <a:endParaRPr lang="en-US" sz="1600" dirty="0"/>
-          </a:p>
-        </p:txBody>
-      </p:sp>
-      <p:cxnSp>
-        <p:nvCxnSpPr>
-          <p:cNvPr id="42" name="Elbow Connector 41"/>
-          <p:cNvCxnSpPr/>
-          <p:nvPr/>
-        </p:nvCxnSpPr>
-        <p:spPr>
-          <a:xfrm rot="16200000" flipH="1">
-            <a:off x="6806274" y="4549793"/>
-            <a:ext cx="518201" cy="468086"/>
-          </a:xfrm>
-          <a:prstGeom prst="bentConnector3">
             <a:avLst/>
           </a:prstGeom>
           <a:ln>
@@ -22790,22 +23555,623 @@
       </p:cxnSp>
       <p:cxnSp>
         <p:nvCxnSpPr>
-          <p:cNvPr id="43" name="Elbow Connector 42"/>
+          <p:cNvPr id="19" name="Straight Arrow Connector 18"/>
           <p:cNvCxnSpPr/>
           <p:nvPr/>
         </p:nvCxnSpPr>
         <p:spPr>
-          <a:xfrm rot="5400000" flipH="1" flipV="1">
-            <a:off x="8289280" y="4572463"/>
-            <a:ext cx="527417" cy="444172"/>
-          </a:xfrm>
-          <a:prstGeom prst="bentConnector3">
-            <a:avLst>
-              <a:gd name="adj1" fmla="val 50000"/>
-            </a:avLst>
+          <a:xfrm flipV="1">
+            <a:off x="2318984" y="4011194"/>
+            <a:ext cx="0" cy="359423"/>
+          </a:xfrm>
+          <a:prstGeom prst="straightConnector1">
+            <a:avLst/>
           </a:prstGeom>
           <a:ln>
             <a:tailEnd type="triangle"/>
+          </a:ln>
+        </p:spPr>
+        <p:style>
+          <a:lnRef idx="1">
+            <a:schemeClr val="accent1"/>
+          </a:lnRef>
+          <a:fillRef idx="0">
+            <a:schemeClr val="accent1"/>
+          </a:fillRef>
+          <a:effectRef idx="0">
+            <a:schemeClr val="accent1"/>
+          </a:effectRef>
+          <a:fontRef idx="minor">
+            <a:schemeClr val="tx1"/>
+          </a:fontRef>
+        </p:style>
+      </p:cxnSp>
+      <p:sp>
+        <p:nvSpPr>
+          <p:cNvPr id="20" name="Rectangle 19"/>
+          <p:cNvSpPr/>
+          <p:nvPr/>
+        </p:nvSpPr>
+        <p:spPr>
+          <a:xfrm>
+            <a:off x="3076632" y="533305"/>
+            <a:ext cx="1708428" cy="3657600"/>
+          </a:xfrm>
+          <a:prstGeom prst="rect">
+            <a:avLst/>
+          </a:prstGeom>
+        </p:spPr>
+        <p:style>
+          <a:lnRef idx="2">
+            <a:schemeClr val="accent1"/>
+          </a:lnRef>
+          <a:fillRef idx="1">
+            <a:schemeClr val="lt1"/>
+          </a:fillRef>
+          <a:effectRef idx="0">
+            <a:schemeClr val="accent1"/>
+          </a:effectRef>
+          <a:fontRef idx="minor">
+            <a:schemeClr val="dk1"/>
+          </a:fontRef>
+        </p:style>
+        <p:txBody>
+          <a:bodyPr rtlCol="0" anchor="ctr"/>
+          <a:lstStyle/>
+          <a:p>
+            <a:pPr algn="ctr"/>
+            <a:endParaRPr lang="en-US"/>
+          </a:p>
+        </p:txBody>
+      </p:sp>
+      <p:sp>
+        <p:nvSpPr>
+          <p:cNvPr id="21" name="TextBox 20"/>
+          <p:cNvSpPr txBox="1"/>
+          <p:nvPr/>
+        </p:nvSpPr>
+        <p:spPr>
+          <a:xfrm>
+            <a:off x="3174421" y="544286"/>
+            <a:ext cx="1512850" cy="338554"/>
+          </a:xfrm>
+          <a:prstGeom prst="rect">
+            <a:avLst/>
+          </a:prstGeom>
+          <a:noFill/>
+        </p:spPr>
+        <p:txBody>
+          <a:bodyPr wrap="none" rtlCol="0">
+            <a:spAutoFit/>
+          </a:bodyPr>
+          <a:lstStyle/>
+          <a:p>
+            <a:r>
+              <a:rPr lang="en-US" sz="1600" dirty="0" smtClean="0"/>
+              <a:t>Domain U guest</a:t>
+            </a:r>
+            <a:endParaRPr lang="en-US" sz="1600" dirty="0"/>
+          </a:p>
+        </p:txBody>
+      </p:sp>
+      <p:sp>
+        <p:nvSpPr>
+          <p:cNvPr id="22" name="Rectangle 21"/>
+          <p:cNvSpPr/>
+          <p:nvPr/>
+        </p:nvSpPr>
+        <p:spPr>
+          <a:xfrm>
+            <a:off x="3252321" y="3091514"/>
+            <a:ext cx="832724" cy="926646"/>
+          </a:xfrm>
+          <a:prstGeom prst="rect">
+            <a:avLst/>
+          </a:prstGeom>
+        </p:spPr>
+        <p:style>
+          <a:lnRef idx="3">
+            <a:schemeClr val="lt1"/>
+          </a:lnRef>
+          <a:fillRef idx="1">
+            <a:schemeClr val="accent1"/>
+          </a:fillRef>
+          <a:effectRef idx="1">
+            <a:schemeClr val="accent1"/>
+          </a:effectRef>
+          <a:fontRef idx="minor">
+            <a:schemeClr val="lt1"/>
+          </a:fontRef>
+        </p:style>
+        <p:txBody>
+          <a:bodyPr rtlCol="0" anchor="ctr"/>
+          <a:lstStyle/>
+          <a:p>
+            <a:pPr algn="ctr"/>
+            <a:r>
+              <a:rPr lang="en-US" sz="1400" dirty="0" smtClean="0"/>
+              <a:t>Split Device drivers</a:t>
+            </a:r>
+            <a:endParaRPr lang="en-US" sz="1400" dirty="0"/>
+          </a:p>
+        </p:txBody>
+      </p:sp>
+      <p:sp>
+        <p:nvSpPr>
+          <p:cNvPr id="28" name="Rectangle 27"/>
+          <p:cNvSpPr/>
+          <p:nvPr/>
+        </p:nvSpPr>
+        <p:spPr>
+          <a:xfrm>
+            <a:off x="910822" y="1229028"/>
+            <a:ext cx="1818917" cy="581891"/>
+          </a:xfrm>
+          <a:prstGeom prst="rect">
+            <a:avLst/>
+          </a:prstGeom>
+        </p:spPr>
+        <p:style>
+          <a:lnRef idx="2">
+            <a:schemeClr val="accent1"/>
+          </a:lnRef>
+          <a:fillRef idx="1">
+            <a:schemeClr val="lt1"/>
+          </a:fillRef>
+          <a:effectRef idx="0">
+            <a:schemeClr val="accent1"/>
+          </a:effectRef>
+          <a:fontRef idx="minor">
+            <a:schemeClr val="dk1"/>
+          </a:fontRef>
+        </p:style>
+        <p:txBody>
+          <a:bodyPr rtlCol="0" anchor="ctr"/>
+          <a:lstStyle/>
+          <a:p>
+            <a:pPr algn="ctr"/>
+            <a:r>
+              <a:rPr lang="en-US" sz="1400" dirty="0" err="1" smtClean="0"/>
+              <a:t>Xen</a:t>
+            </a:r>
+            <a:r>
+              <a:rPr lang="en-US" sz="1400" dirty="0" smtClean="0"/>
+              <a:t> controlled user interface</a:t>
+            </a:r>
+            <a:endParaRPr lang="en-US" sz="1400" dirty="0"/>
+          </a:p>
+        </p:txBody>
+      </p:sp>
+      <p:sp>
+        <p:nvSpPr>
+          <p:cNvPr id="29" name="Rectangle 28"/>
+          <p:cNvSpPr/>
+          <p:nvPr/>
+        </p:nvSpPr>
+        <p:spPr>
+          <a:xfrm>
+            <a:off x="3259587" y="2313127"/>
+            <a:ext cx="825458" cy="605642"/>
+          </a:xfrm>
+          <a:prstGeom prst="rect">
+            <a:avLst/>
+          </a:prstGeom>
+        </p:spPr>
+        <p:style>
+          <a:lnRef idx="2">
+            <a:schemeClr val="accent1"/>
+          </a:lnRef>
+          <a:fillRef idx="1">
+            <a:schemeClr val="lt1"/>
+          </a:fillRef>
+          <a:effectRef idx="0">
+            <a:schemeClr val="accent1"/>
+          </a:effectRef>
+          <a:fontRef idx="minor">
+            <a:schemeClr val="dk1"/>
+          </a:fontRef>
+        </p:style>
+        <p:txBody>
+          <a:bodyPr rtlCol="0" anchor="ctr"/>
+          <a:lstStyle/>
+          <a:p>
+            <a:pPr algn="ctr"/>
+            <a:r>
+              <a:rPr lang="en-US" sz="1400" dirty="0" smtClean="0"/>
+              <a:t>NFS client</a:t>
+            </a:r>
+            <a:endParaRPr lang="en-US" sz="1400" dirty="0"/>
+          </a:p>
+        </p:txBody>
+      </p:sp>
+      <p:sp>
+        <p:nvSpPr>
+          <p:cNvPr id="30" name="Rounded Rectangle 29"/>
+          <p:cNvSpPr/>
+          <p:nvPr/>
+        </p:nvSpPr>
+        <p:spPr>
+          <a:xfrm>
+            <a:off x="3247778" y="1068259"/>
+            <a:ext cx="1336041" cy="489857"/>
+          </a:xfrm>
+          <a:prstGeom prst="roundRect">
+            <a:avLst/>
+          </a:prstGeom>
+        </p:spPr>
+        <p:style>
+          <a:lnRef idx="2">
+            <a:schemeClr val="accent1"/>
+          </a:lnRef>
+          <a:fillRef idx="1">
+            <a:schemeClr val="lt1"/>
+          </a:fillRef>
+          <a:effectRef idx="0">
+            <a:schemeClr val="accent1"/>
+          </a:effectRef>
+          <a:fontRef idx="minor">
+            <a:schemeClr val="dk1"/>
+          </a:fontRef>
+        </p:style>
+        <p:txBody>
+          <a:bodyPr rtlCol="0" anchor="ctr"/>
+          <a:lstStyle/>
+          <a:p>
+            <a:pPr algn="ctr"/>
+            <a:r>
+              <a:rPr lang="en-US" sz="1600" dirty="0" smtClean="0"/>
+              <a:t>Applications</a:t>
+            </a:r>
+            <a:endParaRPr lang="en-US" sz="1600" dirty="0"/>
+          </a:p>
+        </p:txBody>
+      </p:sp>
+      <p:sp>
+        <p:nvSpPr>
+          <p:cNvPr id="31" name="Rectangle 30"/>
+          <p:cNvSpPr/>
+          <p:nvPr/>
+        </p:nvSpPr>
+        <p:spPr>
+          <a:xfrm>
+            <a:off x="5156401" y="2310368"/>
+            <a:ext cx="825458" cy="605642"/>
+          </a:xfrm>
+          <a:prstGeom prst="rect">
+            <a:avLst/>
+          </a:prstGeom>
+        </p:spPr>
+        <p:style>
+          <a:lnRef idx="2">
+            <a:schemeClr val="accent1"/>
+          </a:lnRef>
+          <a:fillRef idx="1">
+            <a:schemeClr val="lt1"/>
+          </a:fillRef>
+          <a:effectRef idx="0">
+            <a:schemeClr val="accent1"/>
+          </a:effectRef>
+          <a:fontRef idx="minor">
+            <a:schemeClr val="dk1"/>
+          </a:fontRef>
+        </p:style>
+        <p:txBody>
+          <a:bodyPr rtlCol="0" anchor="ctr"/>
+          <a:lstStyle/>
+          <a:p>
+            <a:pPr algn="ctr"/>
+            <a:r>
+              <a:rPr lang="en-US" sz="1400" dirty="0" smtClean="0"/>
+              <a:t>NFS client</a:t>
+            </a:r>
+            <a:endParaRPr lang="en-US" sz="1400" dirty="0"/>
+          </a:p>
+        </p:txBody>
+      </p:sp>
+      <p:cxnSp>
+        <p:nvCxnSpPr>
+          <p:cNvPr id="33" name="Straight Arrow Connector 32"/>
+          <p:cNvCxnSpPr/>
+          <p:nvPr/>
+        </p:nvCxnSpPr>
+        <p:spPr>
+          <a:xfrm flipV="1">
+            <a:off x="3668683" y="4016633"/>
+            <a:ext cx="0" cy="359423"/>
+          </a:xfrm>
+          <a:prstGeom prst="straightConnector1">
+            <a:avLst/>
+          </a:prstGeom>
+          <a:ln>
+            <a:tailEnd type="triangle"/>
+          </a:ln>
+        </p:spPr>
+        <p:style>
+          <a:lnRef idx="1">
+            <a:schemeClr val="accent1"/>
+          </a:lnRef>
+          <a:fillRef idx="0">
+            <a:schemeClr val="accent1"/>
+          </a:fillRef>
+          <a:effectRef idx="0">
+            <a:schemeClr val="accent1"/>
+          </a:effectRef>
+          <a:fontRef idx="minor">
+            <a:schemeClr val="tx1"/>
+          </a:fontRef>
+        </p:style>
+      </p:cxnSp>
+      <p:sp>
+        <p:nvSpPr>
+          <p:cNvPr id="34" name="Rectangle 33"/>
+          <p:cNvSpPr/>
+          <p:nvPr/>
+        </p:nvSpPr>
+        <p:spPr>
+          <a:xfrm>
+            <a:off x="1720466" y="4654229"/>
+            <a:ext cx="1093985" cy="369332"/>
+          </a:xfrm>
+          <a:prstGeom prst="rect">
+            <a:avLst/>
+          </a:prstGeom>
+        </p:spPr>
+        <p:style>
+          <a:lnRef idx="2">
+            <a:schemeClr val="accent1"/>
+          </a:lnRef>
+          <a:fillRef idx="1">
+            <a:schemeClr val="lt1"/>
+          </a:fillRef>
+          <a:effectRef idx="0">
+            <a:schemeClr val="accent1"/>
+          </a:effectRef>
+          <a:fontRef idx="minor">
+            <a:schemeClr val="dk1"/>
+          </a:fontRef>
+        </p:style>
+        <p:txBody>
+          <a:bodyPr rtlCol="0" anchor="ctr"/>
+          <a:lstStyle/>
+          <a:p>
+            <a:pPr algn="ctr"/>
+            <a:r>
+              <a:rPr lang="en-US" sz="1400" dirty="0" smtClean="0"/>
+              <a:t>Virtual CPU</a:t>
+            </a:r>
+            <a:endParaRPr lang="en-US" sz="1400" dirty="0"/>
+          </a:p>
+        </p:txBody>
+      </p:sp>
+      <p:sp>
+        <p:nvSpPr>
+          <p:cNvPr id="35" name="Rectangle 34"/>
+          <p:cNvSpPr/>
+          <p:nvPr/>
+        </p:nvSpPr>
+        <p:spPr>
+          <a:xfrm>
+            <a:off x="3174421" y="4654229"/>
+            <a:ext cx="1382694" cy="369332"/>
+          </a:xfrm>
+          <a:prstGeom prst="rect">
+            <a:avLst/>
+          </a:prstGeom>
+        </p:spPr>
+        <p:style>
+          <a:lnRef idx="2">
+            <a:schemeClr val="accent1"/>
+          </a:lnRef>
+          <a:fillRef idx="1">
+            <a:schemeClr val="lt1"/>
+          </a:fillRef>
+          <a:effectRef idx="0">
+            <a:schemeClr val="accent1"/>
+          </a:effectRef>
+          <a:fontRef idx="minor">
+            <a:schemeClr val="dk1"/>
+          </a:fontRef>
+        </p:style>
+        <p:txBody>
+          <a:bodyPr rtlCol="0" anchor="ctr"/>
+          <a:lstStyle/>
+          <a:p>
+            <a:pPr algn="ctr"/>
+            <a:r>
+              <a:rPr lang="en-US" sz="1400" dirty="0" smtClean="0"/>
+              <a:t>Virtual memory</a:t>
+            </a:r>
+            <a:endParaRPr lang="en-US" sz="1400" dirty="0"/>
+          </a:p>
+        </p:txBody>
+      </p:sp>
+      <p:sp>
+        <p:nvSpPr>
+          <p:cNvPr id="36" name="Rectangle 35"/>
+          <p:cNvSpPr/>
+          <p:nvPr/>
+        </p:nvSpPr>
+        <p:spPr>
+          <a:xfrm>
+            <a:off x="4917085" y="4654229"/>
+            <a:ext cx="1382694" cy="369332"/>
+          </a:xfrm>
+          <a:prstGeom prst="rect">
+            <a:avLst/>
+          </a:prstGeom>
+        </p:spPr>
+        <p:style>
+          <a:lnRef idx="2">
+            <a:schemeClr val="accent1"/>
+          </a:lnRef>
+          <a:fillRef idx="1">
+            <a:schemeClr val="lt1"/>
+          </a:fillRef>
+          <a:effectRef idx="0">
+            <a:schemeClr val="accent1"/>
+          </a:effectRef>
+          <a:fontRef idx="minor">
+            <a:schemeClr val="dk1"/>
+          </a:fontRef>
+        </p:style>
+        <p:txBody>
+          <a:bodyPr rtlCol="0" anchor="ctr"/>
+          <a:lstStyle/>
+          <a:p>
+            <a:pPr algn="ctr"/>
+            <a:r>
+              <a:rPr lang="en-US" sz="1400" dirty="0" smtClean="0"/>
+              <a:t>Scheduling</a:t>
+            </a:r>
+            <a:endParaRPr lang="en-US" sz="1400" dirty="0"/>
+          </a:p>
+        </p:txBody>
+      </p:sp>
+      <p:sp>
+        <p:nvSpPr>
+          <p:cNvPr id="37" name="Rectangle 36"/>
+          <p:cNvSpPr/>
+          <p:nvPr/>
+        </p:nvSpPr>
+        <p:spPr>
+          <a:xfrm>
+            <a:off x="1758057" y="5573492"/>
+            <a:ext cx="1093985" cy="369332"/>
+          </a:xfrm>
+          <a:prstGeom prst="rect">
+            <a:avLst/>
+          </a:prstGeom>
+        </p:spPr>
+        <p:style>
+          <a:lnRef idx="2">
+            <a:schemeClr val="accent1"/>
+          </a:lnRef>
+          <a:fillRef idx="1">
+            <a:schemeClr val="lt1"/>
+          </a:fillRef>
+          <a:effectRef idx="0">
+            <a:schemeClr val="accent1"/>
+          </a:effectRef>
+          <a:fontRef idx="minor">
+            <a:schemeClr val="dk1"/>
+          </a:fontRef>
+        </p:style>
+        <p:txBody>
+          <a:bodyPr rtlCol="0" anchor="ctr"/>
+          <a:lstStyle/>
+          <a:p>
+            <a:pPr algn="ctr"/>
+            <a:r>
+              <a:rPr lang="en-US" sz="1400" dirty="0" smtClean="0"/>
+              <a:t>Physical CPU</a:t>
+            </a:r>
+            <a:endParaRPr lang="en-US" sz="1400" dirty="0"/>
+          </a:p>
+        </p:txBody>
+      </p:sp>
+      <p:sp>
+        <p:nvSpPr>
+          <p:cNvPr id="38" name="Rectangle 37"/>
+          <p:cNvSpPr/>
+          <p:nvPr/>
+        </p:nvSpPr>
+        <p:spPr>
+          <a:xfrm>
+            <a:off x="3174421" y="5571849"/>
+            <a:ext cx="1382694" cy="369332"/>
+          </a:xfrm>
+          <a:prstGeom prst="rect">
+            <a:avLst/>
+          </a:prstGeom>
+        </p:spPr>
+        <p:style>
+          <a:lnRef idx="2">
+            <a:schemeClr val="accent1"/>
+          </a:lnRef>
+          <a:fillRef idx="1">
+            <a:schemeClr val="lt1"/>
+          </a:fillRef>
+          <a:effectRef idx="0">
+            <a:schemeClr val="accent1"/>
+          </a:effectRef>
+          <a:fontRef idx="minor">
+            <a:schemeClr val="dk1"/>
+          </a:fontRef>
+        </p:style>
+        <p:txBody>
+          <a:bodyPr rtlCol="0" anchor="ctr"/>
+          <a:lstStyle/>
+          <a:p>
+            <a:pPr algn="ctr"/>
+            <a:r>
+              <a:rPr lang="en-US" sz="1200" dirty="0" smtClean="0"/>
+              <a:t>Physical memory</a:t>
+            </a:r>
+            <a:endParaRPr lang="en-US" sz="1200" dirty="0"/>
+          </a:p>
+        </p:txBody>
+      </p:sp>
+      <p:sp>
+        <p:nvSpPr>
+          <p:cNvPr id="39" name="Rectangle 38"/>
+          <p:cNvSpPr/>
+          <p:nvPr/>
+        </p:nvSpPr>
+        <p:spPr>
+          <a:xfrm>
+            <a:off x="4917085" y="5571849"/>
+            <a:ext cx="1382694" cy="369332"/>
+          </a:xfrm>
+          <a:prstGeom prst="rect">
+            <a:avLst/>
+          </a:prstGeom>
+        </p:spPr>
+        <p:style>
+          <a:lnRef idx="2">
+            <a:schemeClr val="accent1"/>
+          </a:lnRef>
+          <a:fillRef idx="1">
+            <a:schemeClr val="lt1"/>
+          </a:fillRef>
+          <a:effectRef idx="0">
+            <a:schemeClr val="accent1"/>
+          </a:effectRef>
+          <a:fontRef idx="minor">
+            <a:schemeClr val="dk1"/>
+          </a:fontRef>
+        </p:style>
+        <p:txBody>
+          <a:bodyPr rtlCol="0" anchor="ctr"/>
+          <a:lstStyle/>
+          <a:p>
+            <a:pPr algn="ctr"/>
+            <a:r>
+              <a:rPr lang="en-US" sz="1400" dirty="0" smtClean="0"/>
+              <a:t>Network</a:t>
+            </a:r>
+            <a:endParaRPr lang="en-US" sz="1400" dirty="0"/>
+          </a:p>
+        </p:txBody>
+      </p:sp>
+      <p:cxnSp>
+        <p:nvCxnSpPr>
+          <p:cNvPr id="40" name="Elbow Connector 39"/>
+          <p:cNvCxnSpPr>
+            <a:stCxn id="16" idx="2"/>
+          </p:cNvCxnSpPr>
+          <p:nvPr/>
+        </p:nvCxnSpPr>
+        <p:spPr>
+          <a:xfrm rot="16200000" flipH="1">
+            <a:off x="2803519" y="2523319"/>
+            <a:ext cx="1317039" cy="4292787"/>
+          </a:xfrm>
+          <a:prstGeom prst="bentConnector2">
+            <a:avLst/>
+          </a:prstGeom>
+          <a:ln>
+            <a:headEnd type="triangle"/>
+            <a:tailEnd type="none"/>
           </a:ln>
         </p:spPr>
         <p:style>
@@ -22825,18 +24191,23 @@
       </p:cxnSp>
       <p:cxnSp>
         <p:nvCxnSpPr>
-          <p:cNvPr id="44" name="Straight Connector 43"/>
-          <p:cNvCxnSpPr/>
+          <p:cNvPr id="41" name="Straight Arrow Connector 40"/>
+          <p:cNvCxnSpPr>
+            <a:endCxn id="39" idx="0"/>
+          </p:cNvCxnSpPr>
           <p:nvPr/>
         </p:nvCxnSpPr>
         <p:spPr>
-          <a:xfrm>
-            <a:off x="8775075" y="3653674"/>
-            <a:ext cx="1958436" cy="12632"/>
-          </a:xfrm>
-          <a:prstGeom prst="line">
-            <a:avLst/>
-          </a:prstGeom>
+          <a:xfrm flipH="1">
+            <a:off x="5608432" y="5328233"/>
+            <a:ext cx="0" cy="243616"/>
+          </a:xfrm>
+          <a:prstGeom prst="straightConnector1">
+            <a:avLst/>
+          </a:prstGeom>
+          <a:ln>
+            <a:tailEnd type="triangle"/>
+          </a:ln>
         </p:spPr>
         <p:style>
           <a:lnRef idx="1">
@@ -22855,144 +24226,24 @@
       </p:cxnSp>
       <p:cxnSp>
         <p:nvCxnSpPr>
-          <p:cNvPr id="45" name="Straight Arrow Connector 44"/>
-          <p:cNvCxnSpPr/>
+          <p:cNvPr id="42" name="Elbow Connector 41"/>
+          <p:cNvCxnSpPr>
+            <a:stCxn id="39" idx="2"/>
+          </p:cNvCxnSpPr>
           <p:nvPr/>
         </p:nvCxnSpPr>
         <p:spPr>
-          <a:xfrm>
-            <a:off x="10721636" y="3667530"/>
-            <a:ext cx="1" cy="268678"/>
-          </a:xfrm>
-          <a:prstGeom prst="straightConnector1">
+          <a:xfrm rot="5400000">
+            <a:off x="5125742" y="5894359"/>
+            <a:ext cx="435868" cy="529512"/>
+          </a:xfrm>
+          <a:prstGeom prst="bentConnector2">
             <a:avLst/>
           </a:prstGeom>
           <a:ln>
+            <a:headEnd type="triangle"/>
             <a:tailEnd type="triangle"/>
           </a:ln>
-        </p:spPr>
-        <p:style>
-          <a:lnRef idx="1">
-            <a:schemeClr val="accent1"/>
-          </a:lnRef>
-          <a:fillRef idx="0">
-            <a:schemeClr val="accent1"/>
-          </a:fillRef>
-          <a:effectRef idx="0">
-            <a:schemeClr val="accent1"/>
-          </a:effectRef>
-          <a:fontRef idx="minor">
-            <a:schemeClr val="tx1"/>
-          </a:fontRef>
-        </p:style>
-      </p:cxnSp>
-      <p:cxnSp>
-        <p:nvCxnSpPr>
-          <p:cNvPr id="46" name="Straight Arrow Connector 45"/>
-          <p:cNvCxnSpPr/>
-          <p:nvPr/>
-        </p:nvCxnSpPr>
-        <p:spPr>
-          <a:xfrm>
-            <a:off x="10703775" y="4524735"/>
-            <a:ext cx="25733" cy="1430033"/>
-          </a:xfrm>
-          <a:prstGeom prst="straightConnector1">
-            <a:avLst/>
-          </a:prstGeom>
-          <a:ln>
-            <a:tailEnd type="triangle"/>
-          </a:ln>
-        </p:spPr>
-        <p:style>
-          <a:lnRef idx="1">
-            <a:schemeClr val="accent1"/>
-          </a:lnRef>
-          <a:fillRef idx="0">
-            <a:schemeClr val="accent1"/>
-          </a:fillRef>
-          <a:effectRef idx="0">
-            <a:schemeClr val="accent1"/>
-          </a:effectRef>
-          <a:fontRef idx="minor">
-            <a:schemeClr val="tx1"/>
-          </a:fontRef>
-        </p:style>
-      </p:cxnSp>
-      <p:sp>
-        <p:nvSpPr>
-          <p:cNvPr id="47" name="TextBox 46"/>
-          <p:cNvSpPr txBox="1"/>
-          <p:nvPr/>
-        </p:nvSpPr>
-        <p:spPr>
-          <a:xfrm>
-            <a:off x="8185664" y="1840175"/>
-            <a:ext cx="886781" cy="307777"/>
-          </a:xfrm>
-          <a:prstGeom prst="rect">
-            <a:avLst/>
-          </a:prstGeom>
-          <a:noFill/>
-        </p:spPr>
-        <p:txBody>
-          <a:bodyPr wrap="none" rtlCol="0">
-            <a:spAutoFit/>
-          </a:bodyPr>
-          <a:lstStyle/>
-          <a:p>
-            <a:r>
-              <a:rPr lang="en-US" sz="1400" dirty="0" smtClean="0"/>
-              <a:t>Domain 0</a:t>
-            </a:r>
-            <a:endParaRPr lang="en-US" sz="1400" dirty="0"/>
-          </a:p>
-        </p:txBody>
-      </p:sp>
-      <p:sp>
-        <p:nvSpPr>
-          <p:cNvPr id="48" name="TextBox 47"/>
-          <p:cNvSpPr txBox="1"/>
-          <p:nvPr/>
-        </p:nvSpPr>
-        <p:spPr>
-          <a:xfrm>
-            <a:off x="5947725" y="1840175"/>
-            <a:ext cx="1378519" cy="307777"/>
-          </a:xfrm>
-          <a:prstGeom prst="rect">
-            <a:avLst/>
-          </a:prstGeom>
-          <a:noFill/>
-        </p:spPr>
-        <p:txBody>
-          <a:bodyPr wrap="none" rtlCol="0">
-            <a:spAutoFit/>
-          </a:bodyPr>
-          <a:lstStyle/>
-          <a:p>
-            <a:r>
-              <a:rPr lang="en-US" sz="1400" dirty="0" smtClean="0"/>
-              <a:t>Domain U Guest</a:t>
-            </a:r>
-            <a:endParaRPr lang="en-US" sz="1600" dirty="0"/>
-          </a:p>
-        </p:txBody>
-      </p:sp>
-      <p:cxnSp>
-        <p:nvCxnSpPr>
-          <p:cNvPr id="49" name="Straight Connector 48"/>
-          <p:cNvCxnSpPr/>
-          <p:nvPr/>
-        </p:nvCxnSpPr>
-        <p:spPr>
-          <a:xfrm flipV="1">
-            <a:off x="8775075" y="3653674"/>
-            <a:ext cx="0" cy="268678"/>
-          </a:xfrm>
-          <a:prstGeom prst="line">
-            <a:avLst/>
-          </a:prstGeom>
         </p:spPr>
         <p:style>
           <a:lnRef idx="1">
@@ -23012,7 +24263,7 @@
     </p:spTree>
     <p:extLst>
       <p:ext uri="{BB962C8B-B14F-4D97-AF65-F5344CB8AC3E}">
-        <p14:creationId xmlns:p14="http://schemas.microsoft.com/office/powerpoint/2010/main" val="307191844"/>
+        <p14:creationId xmlns:p14="http://schemas.microsoft.com/office/powerpoint/2010/main" val="3600441708"/>
       </p:ext>
     </p:extLst>
   </p:cSld>
@@ -23054,168 +24305,40 @@
           <a:chExt cx="0" cy="0"/>
         </a:xfrm>
       </p:grpSpPr>
-      <p:sp>
-        <p:nvSpPr>
-          <p:cNvPr id="4" name="Rectangle 3"/>
-          <p:cNvSpPr/>
-          <p:nvPr/>
-        </p:nvSpPr>
-        <p:spPr>
-          <a:xfrm>
-            <a:off x="740229" y="544286"/>
-            <a:ext cx="2188029" cy="3657600"/>
+      <p:pic>
+        <p:nvPicPr>
+          <p:cNvPr id="4" name="Picture 3"/>
+          <p:cNvPicPr>
+            <a:picLocks noChangeAspect="1"/>
+          </p:cNvPicPr>
+          <p:nvPr/>
+        </p:nvPicPr>
+        <p:blipFill>
+          <a:blip r:embed="rId2"/>
+          <a:stretch>
+            <a:fillRect/>
+          </a:stretch>
+        </p:blipFill>
+        <p:spPr>
+          <a:xfrm>
+            <a:off x="3048000" y="1585912"/>
+            <a:ext cx="6096000" cy="3686175"/>
           </a:xfrm>
           <a:prstGeom prst="rect">
             <a:avLst/>
           </a:prstGeom>
         </p:spPr>
-        <p:style>
-          <a:lnRef idx="2">
-            <a:schemeClr val="accent1"/>
-          </a:lnRef>
-          <a:fillRef idx="1">
-            <a:schemeClr val="lt1"/>
-          </a:fillRef>
-          <a:effectRef idx="0">
-            <a:schemeClr val="accent1"/>
-          </a:effectRef>
-          <a:fontRef idx="minor">
-            <a:schemeClr val="dk1"/>
-          </a:fontRef>
-        </p:style>
-        <p:txBody>
-          <a:bodyPr rtlCol="0" anchor="ctr"/>
-          <a:lstStyle/>
-          <a:p>
-            <a:pPr algn="ctr"/>
-            <a:endParaRPr lang="en-US"/>
-          </a:p>
-        </p:txBody>
-      </p:sp>
-      <p:sp>
-        <p:nvSpPr>
-          <p:cNvPr id="5" name="Rectangle 4"/>
-          <p:cNvSpPr/>
-          <p:nvPr/>
-        </p:nvSpPr>
-        <p:spPr>
-          <a:xfrm>
-            <a:off x="4972060" y="544286"/>
-            <a:ext cx="1708428" cy="3657600"/>
-          </a:xfrm>
-          <a:prstGeom prst="rect">
-            <a:avLst/>
-          </a:prstGeom>
-        </p:spPr>
-        <p:style>
-          <a:lnRef idx="2">
-            <a:schemeClr val="accent1"/>
-          </a:lnRef>
-          <a:fillRef idx="1">
-            <a:schemeClr val="lt1"/>
-          </a:fillRef>
-          <a:effectRef idx="0">
-            <a:schemeClr val="accent1"/>
-          </a:effectRef>
-          <a:fontRef idx="minor">
-            <a:schemeClr val="dk1"/>
-          </a:fontRef>
-        </p:style>
-        <p:txBody>
-          <a:bodyPr rtlCol="0" anchor="ctr"/>
-          <a:lstStyle/>
-          <a:p>
-            <a:pPr algn="ctr"/>
-            <a:endParaRPr lang="en-US"/>
-          </a:p>
-        </p:txBody>
-      </p:sp>
-      <p:sp>
-        <p:nvSpPr>
-          <p:cNvPr id="6" name="Rectangle 5"/>
-          <p:cNvSpPr/>
-          <p:nvPr/>
-        </p:nvSpPr>
-        <p:spPr>
-          <a:xfrm>
-            <a:off x="740229" y="4561309"/>
-            <a:ext cx="5940260" cy="555172"/>
-          </a:xfrm>
-          <a:prstGeom prst="rect">
-            <a:avLst/>
-          </a:prstGeom>
-        </p:spPr>
-        <p:style>
-          <a:lnRef idx="2">
-            <a:schemeClr val="accent1"/>
-          </a:lnRef>
-          <a:fillRef idx="1">
-            <a:schemeClr val="lt1"/>
-          </a:fillRef>
-          <a:effectRef idx="0">
-            <a:schemeClr val="accent1"/>
-          </a:effectRef>
-          <a:fontRef idx="minor">
-            <a:schemeClr val="dk1"/>
-          </a:fontRef>
-        </p:style>
-        <p:txBody>
-          <a:bodyPr rtlCol="0" anchor="ctr"/>
-          <a:lstStyle/>
-          <a:p>
-            <a:pPr algn="ctr"/>
-            <a:endParaRPr lang="en-US"/>
-          </a:p>
-        </p:txBody>
-      </p:sp>
-      <p:sp>
-        <p:nvSpPr>
-          <p:cNvPr id="7" name="Rectangle 6"/>
-          <p:cNvSpPr/>
-          <p:nvPr/>
-        </p:nvSpPr>
-        <p:spPr>
-          <a:xfrm>
-            <a:off x="740229" y="5475905"/>
-            <a:ext cx="5940259" cy="555172"/>
-          </a:xfrm>
-          <a:prstGeom prst="rect">
-            <a:avLst/>
-          </a:prstGeom>
-        </p:spPr>
-        <p:style>
-          <a:lnRef idx="2">
-            <a:schemeClr val="accent1"/>
-          </a:lnRef>
-          <a:fillRef idx="1">
-            <a:schemeClr val="lt1"/>
-          </a:fillRef>
-          <a:effectRef idx="0">
-            <a:schemeClr val="accent1"/>
-          </a:effectRef>
-          <a:fontRef idx="minor">
-            <a:schemeClr val="dk1"/>
-          </a:fontRef>
-        </p:style>
-        <p:txBody>
-          <a:bodyPr rtlCol="0" anchor="ctr"/>
-          <a:lstStyle/>
-          <a:p>
-            <a:pPr algn="ctr"/>
-            <a:endParaRPr lang="en-US"/>
-          </a:p>
-        </p:txBody>
-      </p:sp>
-      <p:sp>
-        <p:nvSpPr>
-          <p:cNvPr id="8" name="TextBox 7"/>
+      </p:pic>
+      <p:sp>
+        <p:nvSpPr>
+          <p:cNvPr id="5" name="TextBox 4"/>
           <p:cNvSpPr txBox="1"/>
           <p:nvPr/>
         </p:nvSpPr>
         <p:spPr>
           <a:xfrm>
-            <a:off x="1091443" y="544502"/>
-            <a:ext cx="1485600" cy="338554"/>
+            <a:off x="4617720" y="5867400"/>
+            <a:ext cx="1291700" cy="369332"/>
           </a:xfrm>
           <a:prstGeom prst="rect">
             <a:avLst/>
@@ -23229,1103 +24352,263 @@
           <a:lstStyle/>
           <a:p>
             <a:r>
-              <a:rPr lang="en-US" sz="1600" dirty="0" smtClean="0"/>
-              <a:t>Domain 0 guest</a:t>
-            </a:r>
-            <a:endParaRPr lang="en-US" sz="1600" dirty="0"/>
-          </a:p>
-        </p:txBody>
-      </p:sp>
-      <p:sp>
-        <p:nvSpPr>
-          <p:cNvPr id="9" name="TextBox 8"/>
-          <p:cNvSpPr txBox="1"/>
-          <p:nvPr/>
-        </p:nvSpPr>
-        <p:spPr>
-          <a:xfrm>
-            <a:off x="5053753" y="544286"/>
-            <a:ext cx="1546514" cy="338554"/>
-          </a:xfrm>
-          <a:prstGeom prst="rect">
-            <a:avLst/>
-          </a:prstGeom>
-          <a:noFill/>
-        </p:spPr>
-        <p:txBody>
-          <a:bodyPr wrap="none" rtlCol="0">
-            <a:spAutoFit/>
-          </a:bodyPr>
-          <a:lstStyle/>
-          <a:p>
-            <a:r>
-              <a:rPr lang="en-US" sz="1600" dirty="0" smtClean="0"/>
-              <a:t>Domain U Guest</a:t>
-            </a:r>
-            <a:endParaRPr lang="en-US" sz="1600" dirty="0"/>
-          </a:p>
-        </p:txBody>
-      </p:sp>
-      <p:sp>
-        <p:nvSpPr>
-          <p:cNvPr id="10" name="TextBox 9"/>
-          <p:cNvSpPr txBox="1"/>
-          <p:nvPr/>
-        </p:nvSpPr>
-        <p:spPr>
-          <a:xfrm>
-            <a:off x="750612" y="4654229"/>
-            <a:ext cx="477438" cy="338554"/>
-          </a:xfrm>
-          <a:prstGeom prst="rect">
-            <a:avLst/>
-          </a:prstGeom>
-          <a:noFill/>
-        </p:spPr>
-        <p:txBody>
-          <a:bodyPr wrap="none" rtlCol="0">
-            <a:spAutoFit/>
-          </a:bodyPr>
-          <a:lstStyle/>
-          <a:p>
-            <a:r>
-              <a:rPr lang="en-US" sz="1600" dirty="0" err="1" smtClean="0"/>
-              <a:t>xen</a:t>
+              <a:rPr lang="en-US" dirty="0" err="1" smtClean="0"/>
+              <a:t>Harddisk</a:t>
+            </a:r>
+            <a:r>
+              <a:rPr lang="en-US" dirty="0" smtClean="0"/>
+              <a:t> </a:t>
+            </a:r>
+            <a:r>
+              <a:rPr lang="en-US" dirty="0" err="1" smtClean="0"/>
+              <a:t>rw</a:t>
             </a:r>
             <a:endParaRPr lang="en-US" dirty="0"/>
           </a:p>
         </p:txBody>
       </p:sp>
-      <p:sp>
-        <p:nvSpPr>
-          <p:cNvPr id="11" name="TextBox 10"/>
-          <p:cNvSpPr txBox="1"/>
-          <p:nvPr/>
-        </p:nvSpPr>
-        <p:spPr>
-          <a:xfrm>
-            <a:off x="713775" y="5568825"/>
-            <a:ext cx="900824" cy="307777"/>
-          </a:xfrm>
-          <a:prstGeom prst="rect">
-            <a:avLst/>
-          </a:prstGeom>
-          <a:noFill/>
-        </p:spPr>
-        <p:txBody>
-          <a:bodyPr wrap="none" rtlCol="0">
-            <a:spAutoFit/>
-          </a:bodyPr>
-          <a:lstStyle/>
-          <a:p>
-            <a:r>
-              <a:rPr lang="en-US" sz="1400" dirty="0" smtClean="0"/>
-              <a:t>Hardware</a:t>
-            </a:r>
-            <a:endParaRPr lang="en-US" sz="1400" dirty="0"/>
-          </a:p>
-        </p:txBody>
-      </p:sp>
-      <p:sp>
-        <p:nvSpPr>
-          <p:cNvPr id="12" name="Rectangle 11"/>
-          <p:cNvSpPr/>
-          <p:nvPr/>
-        </p:nvSpPr>
-        <p:spPr>
-          <a:xfrm>
-            <a:off x="1897016" y="3091544"/>
-            <a:ext cx="832724" cy="926646"/>
-          </a:xfrm>
-          <a:prstGeom prst="rect">
-            <a:avLst/>
-          </a:prstGeom>
-        </p:spPr>
-        <p:style>
-          <a:lnRef idx="3">
-            <a:schemeClr val="lt1"/>
-          </a:lnRef>
-          <a:fillRef idx="1">
-            <a:schemeClr val="accent1"/>
-          </a:fillRef>
-          <a:effectRef idx="1">
-            <a:schemeClr val="accent1"/>
-          </a:effectRef>
-          <a:fontRef idx="minor">
-            <a:schemeClr val="lt1"/>
-          </a:fontRef>
-        </p:style>
-        <p:txBody>
-          <a:bodyPr rtlCol="0" anchor="ctr"/>
-          <a:lstStyle/>
-          <a:p>
-            <a:pPr algn="ctr"/>
-            <a:r>
-              <a:rPr lang="en-US" sz="1400" dirty="0" smtClean="0"/>
-              <a:t>Split Device drivers</a:t>
-            </a:r>
-            <a:endParaRPr lang="en-US" sz="1400" dirty="0"/>
-          </a:p>
-        </p:txBody>
-      </p:sp>
-      <p:sp>
-        <p:nvSpPr>
-          <p:cNvPr id="13" name="Rectangle 12"/>
-          <p:cNvSpPr/>
-          <p:nvPr/>
-        </p:nvSpPr>
-        <p:spPr>
-          <a:xfrm>
-            <a:off x="5149135" y="3090184"/>
-            <a:ext cx="832724" cy="926646"/>
-          </a:xfrm>
-          <a:prstGeom prst="rect">
-            <a:avLst/>
-          </a:prstGeom>
-        </p:spPr>
-        <p:style>
-          <a:lnRef idx="3">
-            <a:schemeClr val="lt1"/>
-          </a:lnRef>
-          <a:fillRef idx="1">
-            <a:schemeClr val="accent1"/>
-          </a:fillRef>
-          <a:effectRef idx="1">
-            <a:schemeClr val="accent1"/>
-          </a:effectRef>
-          <a:fontRef idx="minor">
-            <a:schemeClr val="lt1"/>
-          </a:fontRef>
-        </p:style>
-        <p:txBody>
-          <a:bodyPr rtlCol="0" anchor="ctr"/>
-          <a:lstStyle/>
-          <a:p>
-            <a:pPr algn="ctr"/>
-            <a:r>
-              <a:rPr lang="en-US" sz="1400" dirty="0" smtClean="0"/>
-              <a:t>Split Device drivers</a:t>
-            </a:r>
-            <a:endParaRPr lang="en-US" sz="1400" dirty="0"/>
-          </a:p>
-        </p:txBody>
-      </p:sp>
-      <p:cxnSp>
-        <p:nvCxnSpPr>
-          <p:cNvPr id="14" name="Straight Arrow Connector 13"/>
-          <p:cNvCxnSpPr>
-            <a:endCxn id="22" idx="0"/>
-          </p:cNvCxnSpPr>
-          <p:nvPr/>
-        </p:nvCxnSpPr>
-        <p:spPr>
-          <a:xfrm>
-            <a:off x="3668683" y="2809844"/>
-            <a:ext cx="0" cy="281670"/>
-          </a:xfrm>
-          <a:prstGeom prst="straightConnector1">
-            <a:avLst/>
-          </a:prstGeom>
-          <a:ln>
-            <a:tailEnd type="triangle"/>
-          </a:ln>
-        </p:spPr>
-        <p:style>
-          <a:lnRef idx="1">
-            <a:schemeClr val="accent1"/>
-          </a:lnRef>
-          <a:fillRef idx="0">
-            <a:schemeClr val="accent1"/>
-          </a:fillRef>
-          <a:effectRef idx="0">
-            <a:schemeClr val="accent1"/>
-          </a:effectRef>
-          <a:fontRef idx="minor">
-            <a:schemeClr val="tx1"/>
-          </a:fontRef>
-        </p:style>
-      </p:cxnSp>
-      <p:sp>
-        <p:nvSpPr>
-          <p:cNvPr id="15" name="Rounded Rectangle 14"/>
-          <p:cNvSpPr/>
-          <p:nvPr/>
-        </p:nvSpPr>
-        <p:spPr>
-          <a:xfrm>
-            <a:off x="5149135" y="1068260"/>
-            <a:ext cx="1336041" cy="489857"/>
-          </a:xfrm>
-          <a:prstGeom prst="roundRect">
-            <a:avLst/>
-          </a:prstGeom>
-        </p:spPr>
-        <p:style>
-          <a:lnRef idx="2">
-            <a:schemeClr val="accent1"/>
-          </a:lnRef>
-          <a:fillRef idx="1">
-            <a:schemeClr val="lt1"/>
-          </a:fillRef>
-          <a:effectRef idx="0">
-            <a:schemeClr val="accent1"/>
-          </a:effectRef>
-          <a:fontRef idx="minor">
-            <a:schemeClr val="dk1"/>
-          </a:fontRef>
-        </p:style>
-        <p:txBody>
-          <a:bodyPr rtlCol="0" anchor="ctr"/>
-          <a:lstStyle/>
-          <a:p>
-            <a:pPr algn="ctr"/>
-            <a:r>
-              <a:rPr lang="en-US" sz="1600" dirty="0" smtClean="0"/>
-              <a:t>Applications</a:t>
-            </a:r>
-            <a:endParaRPr lang="en-US" sz="1600" dirty="0"/>
-          </a:p>
-        </p:txBody>
-      </p:sp>
-      <p:sp>
-        <p:nvSpPr>
-          <p:cNvPr id="16" name="Rectangle 15"/>
-          <p:cNvSpPr/>
-          <p:nvPr/>
-        </p:nvSpPr>
-        <p:spPr>
-          <a:xfrm>
-            <a:off x="910822" y="3084548"/>
-            <a:ext cx="809645" cy="926646"/>
-          </a:xfrm>
-          <a:prstGeom prst="rect">
-            <a:avLst/>
-          </a:prstGeom>
-        </p:spPr>
-        <p:style>
-          <a:lnRef idx="3">
-            <a:schemeClr val="lt1"/>
-          </a:lnRef>
-          <a:fillRef idx="1">
-            <a:schemeClr val="accent1"/>
-          </a:fillRef>
-          <a:effectRef idx="1">
-            <a:schemeClr val="accent1"/>
-          </a:effectRef>
-          <a:fontRef idx="minor">
-            <a:schemeClr val="lt1"/>
-          </a:fontRef>
-        </p:style>
-        <p:txBody>
-          <a:bodyPr rtlCol="0" anchor="ctr"/>
-          <a:lstStyle/>
-          <a:p>
-            <a:pPr algn="ctr"/>
-            <a:r>
-              <a:rPr lang="en-US" sz="1400" dirty="0" smtClean="0"/>
-              <a:t>Device Drivers</a:t>
-            </a:r>
-            <a:endParaRPr lang="en-US" sz="1400" dirty="0"/>
-          </a:p>
-        </p:txBody>
-      </p:sp>
-      <p:cxnSp>
-        <p:nvCxnSpPr>
-          <p:cNvPr id="17" name="Straight Connector 16"/>
-          <p:cNvCxnSpPr/>
-          <p:nvPr/>
-        </p:nvCxnSpPr>
-        <p:spPr>
-          <a:xfrm flipV="1">
-            <a:off x="2302492" y="4359731"/>
-            <a:ext cx="3252119" cy="6803"/>
-          </a:xfrm>
-          <a:prstGeom prst="line">
-            <a:avLst/>
-          </a:prstGeom>
-        </p:spPr>
-        <p:style>
-          <a:lnRef idx="1">
-            <a:schemeClr val="accent1"/>
-          </a:lnRef>
-          <a:fillRef idx="0">
-            <a:schemeClr val="accent1"/>
-          </a:fillRef>
-          <a:effectRef idx="0">
-            <a:schemeClr val="accent1"/>
-          </a:effectRef>
-          <a:fontRef idx="minor">
-            <a:schemeClr val="tx1"/>
-          </a:fontRef>
-        </p:style>
-      </p:cxnSp>
-      <p:cxnSp>
-        <p:nvCxnSpPr>
-          <p:cNvPr id="18" name="Straight Arrow Connector 17"/>
-          <p:cNvCxnSpPr>
-            <a:endCxn id="13" idx="2"/>
-          </p:cNvCxnSpPr>
-          <p:nvPr/>
-        </p:nvCxnSpPr>
-        <p:spPr>
-          <a:xfrm flipV="1">
-            <a:off x="5565497" y="4016830"/>
-            <a:ext cx="0" cy="359423"/>
-          </a:xfrm>
-          <a:prstGeom prst="straightConnector1">
-            <a:avLst/>
-          </a:prstGeom>
-          <a:ln>
-            <a:tailEnd type="triangle"/>
-          </a:ln>
-        </p:spPr>
-        <p:style>
-          <a:lnRef idx="1">
-            <a:schemeClr val="accent1"/>
-          </a:lnRef>
-          <a:fillRef idx="0">
-            <a:schemeClr val="accent1"/>
-          </a:fillRef>
-          <a:effectRef idx="0">
-            <a:schemeClr val="accent1"/>
-          </a:effectRef>
-          <a:fontRef idx="minor">
-            <a:schemeClr val="tx1"/>
-          </a:fontRef>
-        </p:style>
-      </p:cxnSp>
-      <p:cxnSp>
-        <p:nvCxnSpPr>
-          <p:cNvPr id="19" name="Straight Arrow Connector 18"/>
-          <p:cNvCxnSpPr/>
-          <p:nvPr/>
-        </p:nvCxnSpPr>
-        <p:spPr>
-          <a:xfrm flipV="1">
-            <a:off x="2318984" y="4011194"/>
-            <a:ext cx="0" cy="359423"/>
-          </a:xfrm>
-          <a:prstGeom prst="straightConnector1">
-            <a:avLst/>
-          </a:prstGeom>
-          <a:ln>
-            <a:tailEnd type="triangle"/>
-          </a:ln>
-        </p:spPr>
-        <p:style>
-          <a:lnRef idx="1">
-            <a:schemeClr val="accent1"/>
-          </a:lnRef>
-          <a:fillRef idx="0">
-            <a:schemeClr val="accent1"/>
-          </a:fillRef>
-          <a:effectRef idx="0">
-            <a:schemeClr val="accent1"/>
-          </a:effectRef>
-          <a:fontRef idx="minor">
-            <a:schemeClr val="tx1"/>
-          </a:fontRef>
-        </p:style>
-      </p:cxnSp>
-      <p:sp>
-        <p:nvSpPr>
-          <p:cNvPr id="20" name="Rectangle 19"/>
-          <p:cNvSpPr/>
-          <p:nvPr/>
-        </p:nvSpPr>
-        <p:spPr>
-          <a:xfrm>
-            <a:off x="3076632" y="533305"/>
-            <a:ext cx="1708428" cy="3657600"/>
-          </a:xfrm>
-          <a:prstGeom prst="rect">
-            <a:avLst/>
-          </a:prstGeom>
-        </p:spPr>
-        <p:style>
-          <a:lnRef idx="2">
-            <a:schemeClr val="accent1"/>
-          </a:lnRef>
-          <a:fillRef idx="1">
-            <a:schemeClr val="lt1"/>
-          </a:fillRef>
-          <a:effectRef idx="0">
-            <a:schemeClr val="accent1"/>
-          </a:effectRef>
-          <a:fontRef idx="minor">
-            <a:schemeClr val="dk1"/>
-          </a:fontRef>
-        </p:style>
-        <p:txBody>
-          <a:bodyPr rtlCol="0" anchor="ctr"/>
-          <a:lstStyle/>
-          <a:p>
-            <a:pPr algn="ctr"/>
-            <a:endParaRPr lang="en-US"/>
-          </a:p>
-        </p:txBody>
-      </p:sp>
-      <p:sp>
-        <p:nvSpPr>
-          <p:cNvPr id="21" name="TextBox 20"/>
-          <p:cNvSpPr txBox="1"/>
-          <p:nvPr/>
-        </p:nvSpPr>
-        <p:spPr>
-          <a:xfrm>
-            <a:off x="3174421" y="544286"/>
-            <a:ext cx="1512850" cy="338554"/>
-          </a:xfrm>
-          <a:prstGeom prst="rect">
-            <a:avLst/>
-          </a:prstGeom>
-          <a:noFill/>
-        </p:spPr>
-        <p:txBody>
-          <a:bodyPr wrap="none" rtlCol="0">
-            <a:spAutoFit/>
-          </a:bodyPr>
-          <a:lstStyle/>
-          <a:p>
-            <a:r>
-              <a:rPr lang="en-US" sz="1600" dirty="0" smtClean="0"/>
-              <a:t>Domain U guest</a:t>
-            </a:r>
-            <a:endParaRPr lang="en-US" sz="1600" dirty="0"/>
-          </a:p>
-        </p:txBody>
-      </p:sp>
-      <p:sp>
-        <p:nvSpPr>
-          <p:cNvPr id="22" name="Rectangle 21"/>
-          <p:cNvSpPr/>
-          <p:nvPr/>
-        </p:nvSpPr>
-        <p:spPr>
-          <a:xfrm>
-            <a:off x="3252321" y="3091514"/>
-            <a:ext cx="832724" cy="926646"/>
-          </a:xfrm>
-          <a:prstGeom prst="rect">
-            <a:avLst/>
-          </a:prstGeom>
-        </p:spPr>
-        <p:style>
-          <a:lnRef idx="3">
-            <a:schemeClr val="lt1"/>
-          </a:lnRef>
-          <a:fillRef idx="1">
-            <a:schemeClr val="accent1"/>
-          </a:fillRef>
-          <a:effectRef idx="1">
-            <a:schemeClr val="accent1"/>
-          </a:effectRef>
-          <a:fontRef idx="minor">
-            <a:schemeClr val="lt1"/>
-          </a:fontRef>
-        </p:style>
-        <p:txBody>
-          <a:bodyPr rtlCol="0" anchor="ctr"/>
-          <a:lstStyle/>
-          <a:p>
-            <a:pPr algn="ctr"/>
-            <a:r>
-              <a:rPr lang="en-US" sz="1400" dirty="0" smtClean="0"/>
-              <a:t>Split Device drivers</a:t>
-            </a:r>
-            <a:endParaRPr lang="en-US" sz="1400" dirty="0"/>
-          </a:p>
-        </p:txBody>
-      </p:sp>
-      <p:sp>
-        <p:nvSpPr>
-          <p:cNvPr id="28" name="Rectangle 27"/>
-          <p:cNvSpPr/>
-          <p:nvPr/>
-        </p:nvSpPr>
-        <p:spPr>
-          <a:xfrm>
-            <a:off x="910822" y="1229028"/>
-            <a:ext cx="1818917" cy="581891"/>
-          </a:xfrm>
-          <a:prstGeom prst="rect">
-            <a:avLst/>
-          </a:prstGeom>
-        </p:spPr>
-        <p:style>
-          <a:lnRef idx="2">
-            <a:schemeClr val="accent1"/>
-          </a:lnRef>
-          <a:fillRef idx="1">
-            <a:schemeClr val="lt1"/>
-          </a:fillRef>
-          <a:effectRef idx="0">
-            <a:schemeClr val="accent1"/>
-          </a:effectRef>
-          <a:fontRef idx="minor">
-            <a:schemeClr val="dk1"/>
-          </a:fontRef>
-        </p:style>
-        <p:txBody>
-          <a:bodyPr rtlCol="0" anchor="ctr"/>
-          <a:lstStyle/>
-          <a:p>
-            <a:pPr algn="ctr"/>
-            <a:r>
-              <a:rPr lang="en-US" sz="1400" dirty="0" err="1" smtClean="0"/>
-              <a:t>Xen</a:t>
-            </a:r>
-            <a:r>
-              <a:rPr lang="en-US" sz="1400" dirty="0" smtClean="0"/>
-              <a:t> controlled user interface</a:t>
-            </a:r>
-            <a:endParaRPr lang="en-US" sz="1400" dirty="0"/>
-          </a:p>
-        </p:txBody>
-      </p:sp>
-      <p:sp>
-        <p:nvSpPr>
-          <p:cNvPr id="29" name="Rectangle 28"/>
-          <p:cNvSpPr/>
-          <p:nvPr/>
-        </p:nvSpPr>
-        <p:spPr>
-          <a:xfrm>
-            <a:off x="3259587" y="2313127"/>
-            <a:ext cx="825458" cy="605642"/>
-          </a:xfrm>
-          <a:prstGeom prst="rect">
-            <a:avLst/>
-          </a:prstGeom>
-        </p:spPr>
-        <p:style>
-          <a:lnRef idx="2">
-            <a:schemeClr val="accent1"/>
-          </a:lnRef>
-          <a:fillRef idx="1">
-            <a:schemeClr val="lt1"/>
-          </a:fillRef>
-          <a:effectRef idx="0">
-            <a:schemeClr val="accent1"/>
-          </a:effectRef>
-          <a:fontRef idx="minor">
-            <a:schemeClr val="dk1"/>
-          </a:fontRef>
-        </p:style>
-        <p:txBody>
-          <a:bodyPr rtlCol="0" anchor="ctr"/>
-          <a:lstStyle/>
-          <a:p>
-            <a:pPr algn="ctr"/>
-            <a:r>
-              <a:rPr lang="en-US" sz="1400" dirty="0" smtClean="0"/>
-              <a:t>NFS client</a:t>
-            </a:r>
-            <a:endParaRPr lang="en-US" sz="1400" dirty="0"/>
-          </a:p>
-        </p:txBody>
-      </p:sp>
-      <p:sp>
-        <p:nvSpPr>
-          <p:cNvPr id="30" name="Rounded Rectangle 29"/>
-          <p:cNvSpPr/>
-          <p:nvPr/>
-        </p:nvSpPr>
-        <p:spPr>
-          <a:xfrm>
-            <a:off x="3247778" y="1068259"/>
-            <a:ext cx="1336041" cy="489857"/>
-          </a:xfrm>
-          <a:prstGeom prst="roundRect">
-            <a:avLst/>
-          </a:prstGeom>
-        </p:spPr>
-        <p:style>
-          <a:lnRef idx="2">
-            <a:schemeClr val="accent1"/>
-          </a:lnRef>
-          <a:fillRef idx="1">
-            <a:schemeClr val="lt1"/>
-          </a:fillRef>
-          <a:effectRef idx="0">
-            <a:schemeClr val="accent1"/>
-          </a:effectRef>
-          <a:fontRef idx="minor">
-            <a:schemeClr val="dk1"/>
-          </a:fontRef>
-        </p:style>
-        <p:txBody>
-          <a:bodyPr rtlCol="0" anchor="ctr"/>
-          <a:lstStyle/>
-          <a:p>
-            <a:pPr algn="ctr"/>
-            <a:r>
-              <a:rPr lang="en-US" sz="1600" dirty="0" smtClean="0"/>
-              <a:t>Applications</a:t>
-            </a:r>
-            <a:endParaRPr lang="en-US" sz="1600" dirty="0"/>
-          </a:p>
-        </p:txBody>
-      </p:sp>
-      <p:sp>
-        <p:nvSpPr>
-          <p:cNvPr id="31" name="Rectangle 30"/>
-          <p:cNvSpPr/>
-          <p:nvPr/>
-        </p:nvSpPr>
-        <p:spPr>
-          <a:xfrm>
-            <a:off x="5156401" y="2310368"/>
-            <a:ext cx="825458" cy="605642"/>
-          </a:xfrm>
-          <a:prstGeom prst="rect">
-            <a:avLst/>
-          </a:prstGeom>
-        </p:spPr>
-        <p:style>
-          <a:lnRef idx="2">
-            <a:schemeClr val="accent1"/>
-          </a:lnRef>
-          <a:fillRef idx="1">
-            <a:schemeClr val="lt1"/>
-          </a:fillRef>
-          <a:effectRef idx="0">
-            <a:schemeClr val="accent1"/>
-          </a:effectRef>
-          <a:fontRef idx="minor">
-            <a:schemeClr val="dk1"/>
-          </a:fontRef>
-        </p:style>
-        <p:txBody>
-          <a:bodyPr rtlCol="0" anchor="ctr"/>
-          <a:lstStyle/>
-          <a:p>
-            <a:pPr algn="ctr"/>
-            <a:r>
-              <a:rPr lang="en-US" sz="1400" dirty="0" smtClean="0"/>
-              <a:t>NFS client</a:t>
-            </a:r>
-            <a:endParaRPr lang="en-US" sz="1400" dirty="0"/>
-          </a:p>
-        </p:txBody>
-      </p:sp>
-      <p:cxnSp>
-        <p:nvCxnSpPr>
-          <p:cNvPr id="33" name="Straight Arrow Connector 32"/>
-          <p:cNvCxnSpPr/>
-          <p:nvPr/>
-        </p:nvCxnSpPr>
-        <p:spPr>
-          <a:xfrm flipV="1">
-            <a:off x="3668683" y="4016633"/>
-            <a:ext cx="0" cy="359423"/>
-          </a:xfrm>
-          <a:prstGeom prst="straightConnector1">
-            <a:avLst/>
-          </a:prstGeom>
-          <a:ln>
-            <a:tailEnd type="triangle"/>
-          </a:ln>
-        </p:spPr>
-        <p:style>
-          <a:lnRef idx="1">
-            <a:schemeClr val="accent1"/>
-          </a:lnRef>
-          <a:fillRef idx="0">
-            <a:schemeClr val="accent1"/>
-          </a:fillRef>
-          <a:effectRef idx="0">
-            <a:schemeClr val="accent1"/>
-          </a:effectRef>
-          <a:fontRef idx="minor">
-            <a:schemeClr val="tx1"/>
-          </a:fontRef>
-        </p:style>
-      </p:cxnSp>
-      <p:sp>
-        <p:nvSpPr>
-          <p:cNvPr id="34" name="Rectangle 33"/>
-          <p:cNvSpPr/>
-          <p:nvPr/>
-        </p:nvSpPr>
-        <p:spPr>
-          <a:xfrm>
-            <a:off x="1720466" y="4654229"/>
-            <a:ext cx="1093985" cy="369332"/>
-          </a:xfrm>
-          <a:prstGeom prst="rect">
-            <a:avLst/>
-          </a:prstGeom>
-        </p:spPr>
-        <p:style>
-          <a:lnRef idx="2">
-            <a:schemeClr val="accent1"/>
-          </a:lnRef>
-          <a:fillRef idx="1">
-            <a:schemeClr val="lt1"/>
-          </a:fillRef>
-          <a:effectRef idx="0">
-            <a:schemeClr val="accent1"/>
-          </a:effectRef>
-          <a:fontRef idx="minor">
-            <a:schemeClr val="dk1"/>
-          </a:fontRef>
-        </p:style>
-        <p:txBody>
-          <a:bodyPr rtlCol="0" anchor="ctr"/>
-          <a:lstStyle/>
-          <a:p>
-            <a:pPr algn="ctr"/>
-            <a:r>
-              <a:rPr lang="en-US" sz="1400" dirty="0" smtClean="0"/>
-              <a:t>Virtual CPU</a:t>
-            </a:r>
-            <a:endParaRPr lang="en-US" sz="1400" dirty="0"/>
-          </a:p>
-        </p:txBody>
-      </p:sp>
-      <p:sp>
-        <p:nvSpPr>
-          <p:cNvPr id="35" name="Rectangle 34"/>
-          <p:cNvSpPr/>
-          <p:nvPr/>
-        </p:nvSpPr>
-        <p:spPr>
-          <a:xfrm>
-            <a:off x="3174421" y="4654229"/>
-            <a:ext cx="1382694" cy="369332"/>
-          </a:xfrm>
-          <a:prstGeom prst="rect">
-            <a:avLst/>
-          </a:prstGeom>
-        </p:spPr>
-        <p:style>
-          <a:lnRef idx="2">
-            <a:schemeClr val="accent1"/>
-          </a:lnRef>
-          <a:fillRef idx="1">
-            <a:schemeClr val="lt1"/>
-          </a:fillRef>
-          <a:effectRef idx="0">
-            <a:schemeClr val="accent1"/>
-          </a:effectRef>
-          <a:fontRef idx="minor">
-            <a:schemeClr val="dk1"/>
-          </a:fontRef>
-        </p:style>
-        <p:txBody>
-          <a:bodyPr rtlCol="0" anchor="ctr"/>
-          <a:lstStyle/>
-          <a:p>
-            <a:pPr algn="ctr"/>
-            <a:r>
-              <a:rPr lang="en-US" sz="1400" dirty="0" smtClean="0"/>
-              <a:t>Virtual memory</a:t>
-            </a:r>
-            <a:endParaRPr lang="en-US" sz="1400" dirty="0"/>
-          </a:p>
-        </p:txBody>
-      </p:sp>
-      <p:sp>
-        <p:nvSpPr>
-          <p:cNvPr id="36" name="Rectangle 35"/>
-          <p:cNvSpPr/>
-          <p:nvPr/>
-        </p:nvSpPr>
-        <p:spPr>
-          <a:xfrm>
-            <a:off x="4917085" y="4654229"/>
-            <a:ext cx="1382694" cy="369332"/>
-          </a:xfrm>
-          <a:prstGeom prst="rect">
-            <a:avLst/>
-          </a:prstGeom>
-        </p:spPr>
-        <p:style>
-          <a:lnRef idx="2">
-            <a:schemeClr val="accent1"/>
-          </a:lnRef>
-          <a:fillRef idx="1">
-            <a:schemeClr val="lt1"/>
-          </a:fillRef>
-          <a:effectRef idx="0">
-            <a:schemeClr val="accent1"/>
-          </a:effectRef>
-          <a:fontRef idx="minor">
-            <a:schemeClr val="dk1"/>
-          </a:fontRef>
-        </p:style>
-        <p:txBody>
-          <a:bodyPr rtlCol="0" anchor="ctr"/>
-          <a:lstStyle/>
-          <a:p>
-            <a:pPr algn="ctr"/>
-            <a:r>
-              <a:rPr lang="en-US" sz="1400" dirty="0" smtClean="0"/>
-              <a:t>Scheduling</a:t>
-            </a:r>
-            <a:endParaRPr lang="en-US" sz="1400" dirty="0"/>
-          </a:p>
-        </p:txBody>
-      </p:sp>
-      <p:sp>
-        <p:nvSpPr>
-          <p:cNvPr id="37" name="Rectangle 36"/>
-          <p:cNvSpPr/>
-          <p:nvPr/>
-        </p:nvSpPr>
-        <p:spPr>
-          <a:xfrm>
-            <a:off x="1758057" y="5573492"/>
-            <a:ext cx="1093985" cy="369332"/>
-          </a:xfrm>
-          <a:prstGeom prst="rect">
-            <a:avLst/>
-          </a:prstGeom>
-        </p:spPr>
-        <p:style>
-          <a:lnRef idx="2">
-            <a:schemeClr val="accent1"/>
-          </a:lnRef>
-          <a:fillRef idx="1">
-            <a:schemeClr val="lt1"/>
-          </a:fillRef>
-          <a:effectRef idx="0">
-            <a:schemeClr val="accent1"/>
-          </a:effectRef>
-          <a:fontRef idx="minor">
-            <a:schemeClr val="dk1"/>
-          </a:fontRef>
-        </p:style>
-        <p:txBody>
-          <a:bodyPr rtlCol="0" anchor="ctr"/>
-          <a:lstStyle/>
-          <a:p>
-            <a:pPr algn="ctr"/>
-            <a:r>
-              <a:rPr lang="en-US" sz="1400" dirty="0" smtClean="0"/>
-              <a:t>Physical CPU</a:t>
-            </a:r>
-            <a:endParaRPr lang="en-US" sz="1400" dirty="0"/>
-          </a:p>
-        </p:txBody>
-      </p:sp>
-      <p:sp>
-        <p:nvSpPr>
-          <p:cNvPr id="38" name="Rectangle 37"/>
-          <p:cNvSpPr/>
-          <p:nvPr/>
-        </p:nvSpPr>
-        <p:spPr>
-          <a:xfrm>
-            <a:off x="3174421" y="5571849"/>
-            <a:ext cx="1382694" cy="369332"/>
-          </a:xfrm>
-          <a:prstGeom prst="rect">
-            <a:avLst/>
-          </a:prstGeom>
-        </p:spPr>
-        <p:style>
-          <a:lnRef idx="2">
-            <a:schemeClr val="accent1"/>
-          </a:lnRef>
-          <a:fillRef idx="1">
-            <a:schemeClr val="lt1"/>
-          </a:fillRef>
-          <a:effectRef idx="0">
-            <a:schemeClr val="accent1"/>
-          </a:effectRef>
-          <a:fontRef idx="minor">
-            <a:schemeClr val="dk1"/>
-          </a:fontRef>
-        </p:style>
-        <p:txBody>
-          <a:bodyPr rtlCol="0" anchor="ctr"/>
-          <a:lstStyle/>
-          <a:p>
-            <a:pPr algn="ctr"/>
-            <a:r>
-              <a:rPr lang="en-US" sz="1200" dirty="0" smtClean="0"/>
-              <a:t>Physical memory</a:t>
-            </a:r>
-            <a:endParaRPr lang="en-US" sz="1200" dirty="0"/>
-          </a:p>
-        </p:txBody>
-      </p:sp>
-      <p:sp>
-        <p:nvSpPr>
-          <p:cNvPr id="39" name="Rectangle 38"/>
-          <p:cNvSpPr/>
-          <p:nvPr/>
-        </p:nvSpPr>
-        <p:spPr>
-          <a:xfrm>
-            <a:off x="4917085" y="5571849"/>
-            <a:ext cx="1382694" cy="369332"/>
-          </a:xfrm>
-          <a:prstGeom prst="rect">
-            <a:avLst/>
-          </a:prstGeom>
-        </p:spPr>
-        <p:style>
-          <a:lnRef idx="2">
-            <a:schemeClr val="accent1"/>
-          </a:lnRef>
-          <a:fillRef idx="1">
-            <a:schemeClr val="lt1"/>
-          </a:fillRef>
-          <a:effectRef idx="0">
-            <a:schemeClr val="accent1"/>
-          </a:effectRef>
-          <a:fontRef idx="minor">
-            <a:schemeClr val="dk1"/>
-          </a:fontRef>
-        </p:style>
-        <p:txBody>
-          <a:bodyPr rtlCol="0" anchor="ctr"/>
-          <a:lstStyle/>
-          <a:p>
-            <a:pPr algn="ctr"/>
-            <a:r>
-              <a:rPr lang="en-US" sz="1400" dirty="0" smtClean="0"/>
-              <a:t>Network</a:t>
-            </a:r>
-            <a:endParaRPr lang="en-US" sz="1400" dirty="0"/>
-          </a:p>
-        </p:txBody>
-      </p:sp>
-      <p:cxnSp>
-        <p:nvCxnSpPr>
-          <p:cNvPr id="40" name="Elbow Connector 39"/>
-          <p:cNvCxnSpPr>
-            <a:stCxn id="16" idx="2"/>
-          </p:cNvCxnSpPr>
-          <p:nvPr/>
-        </p:nvCxnSpPr>
-        <p:spPr>
-          <a:xfrm rot="16200000" flipH="1">
-            <a:off x="2803519" y="2523319"/>
-            <a:ext cx="1317039" cy="4292787"/>
-          </a:xfrm>
-          <a:prstGeom prst="bentConnector2">
-            <a:avLst/>
-          </a:prstGeom>
-          <a:ln>
-            <a:headEnd type="triangle"/>
-            <a:tailEnd type="none"/>
-          </a:ln>
-        </p:spPr>
-        <p:style>
-          <a:lnRef idx="1">
-            <a:schemeClr val="accent1"/>
-          </a:lnRef>
-          <a:fillRef idx="0">
-            <a:schemeClr val="accent1"/>
-          </a:fillRef>
-          <a:effectRef idx="0">
-            <a:schemeClr val="accent1"/>
-          </a:effectRef>
-          <a:fontRef idx="minor">
-            <a:schemeClr val="tx1"/>
-          </a:fontRef>
-        </p:style>
-      </p:cxnSp>
-      <p:cxnSp>
-        <p:nvCxnSpPr>
-          <p:cNvPr id="41" name="Straight Arrow Connector 40"/>
-          <p:cNvCxnSpPr>
-            <a:endCxn id="39" idx="0"/>
-          </p:cNvCxnSpPr>
-          <p:nvPr/>
-        </p:nvCxnSpPr>
-        <p:spPr>
-          <a:xfrm flipH="1">
-            <a:off x="5608432" y="5328233"/>
-            <a:ext cx="0" cy="243616"/>
-          </a:xfrm>
-          <a:prstGeom prst="straightConnector1">
-            <a:avLst/>
-          </a:prstGeom>
-          <a:ln>
-            <a:tailEnd type="triangle"/>
-          </a:ln>
-        </p:spPr>
-        <p:style>
-          <a:lnRef idx="1">
-            <a:schemeClr val="accent1"/>
-          </a:lnRef>
-          <a:fillRef idx="0">
-            <a:schemeClr val="accent1"/>
-          </a:fillRef>
-          <a:effectRef idx="0">
-            <a:schemeClr val="accent1"/>
-          </a:effectRef>
-          <a:fontRef idx="minor">
-            <a:schemeClr val="tx1"/>
-          </a:fontRef>
-        </p:style>
-      </p:cxnSp>
-      <p:cxnSp>
-        <p:nvCxnSpPr>
-          <p:cNvPr id="42" name="Elbow Connector 41"/>
-          <p:cNvCxnSpPr>
-            <a:stCxn id="39" idx="2"/>
-          </p:cNvCxnSpPr>
-          <p:nvPr/>
-        </p:nvCxnSpPr>
-        <p:spPr>
-          <a:xfrm rot="5400000">
-            <a:off x="5125742" y="5894359"/>
-            <a:ext cx="435868" cy="529512"/>
-          </a:xfrm>
-          <a:prstGeom prst="bentConnector2">
-            <a:avLst/>
-          </a:prstGeom>
-          <a:ln>
-            <a:headEnd type="triangle"/>
-            <a:tailEnd type="triangle"/>
-          </a:ln>
-        </p:spPr>
-        <p:style>
-          <a:lnRef idx="1">
-            <a:schemeClr val="accent1"/>
-          </a:lnRef>
-          <a:fillRef idx="0">
-            <a:schemeClr val="accent1"/>
-          </a:fillRef>
-          <a:effectRef idx="0">
-            <a:schemeClr val="accent1"/>
-          </a:effectRef>
-          <a:fontRef idx="minor">
-            <a:schemeClr val="tx1"/>
-          </a:fontRef>
-        </p:style>
-      </p:cxnSp>
     </p:spTree>
     <p:extLst>
       <p:ext uri="{BB962C8B-B14F-4D97-AF65-F5344CB8AC3E}">
-        <p14:creationId xmlns:p14="http://schemas.microsoft.com/office/powerpoint/2010/main" val="3600441708"/>
+        <p14:creationId xmlns:p14="http://schemas.microsoft.com/office/powerpoint/2010/main" val="3325964594"/>
       </p:ext>
     </p:extLst>
   </p:cSld>
   <p:clrMapOvr>
     <a:masterClrMapping/>
   </p:clrMapOvr>
-  <mc:AlternateContent xmlns:mc="http://schemas.openxmlformats.org/markup-compatibility/2006" xmlns:p14="http://schemas.microsoft.com/office/powerpoint/2010/main">
-    <mc:Choice Requires="p14">
+  <mc:AlternateContent xmlns:mc="http://schemas.openxmlformats.org/markup-compatibility/2006">
+    <mc:Choice xmlns:p14="http://schemas.microsoft.com/office/powerpoint/2010/main" Requires="p14">
       <p:transition spd="slow" p14:dur="2000"/>
     </mc:Choice>
-    <mc:Fallback xmlns="">
+    <mc:Fallback>
       <p:transition spd="slow"/>
     </mc:Fallback>
   </mc:AlternateContent>
-  <p:timing>
-    <p:tnLst>
-      <p:par>
-        <p:cTn id="1" dur="indefinite" restart="never" nodeType="tmRoot"/>
-      </p:par>
-    </p:tnLst>
-  </p:timing>
+</p:sld>
+</file>
+
+<file path=ppt/slides/slide34.xml><?xml version="1.0" encoding="utf-8"?>
+<p:sld xmlns:a="http://schemas.openxmlformats.org/drawingml/2006/main" xmlns:r="http://schemas.openxmlformats.org/officeDocument/2006/relationships" xmlns:p="http://schemas.openxmlformats.org/presentationml/2006/main" show="0">
+  <p:cSld>
+    <p:spTree>
+      <p:nvGrpSpPr>
+        <p:cNvPr id="1" name=""/>
+        <p:cNvGrpSpPr/>
+        <p:nvPr/>
+      </p:nvGrpSpPr>
+      <p:grpSpPr>
+        <a:xfrm>
+          <a:off x="0" y="0"/>
+          <a:ext cx="0" cy="0"/>
+          <a:chOff x="0" y="0"/>
+          <a:chExt cx="0" cy="0"/>
+        </a:xfrm>
+      </p:grpSpPr>
+      <p:sp>
+        <p:nvSpPr>
+          <p:cNvPr id="2" name="Title 1"/>
+          <p:cNvSpPr>
+            <a:spLocks noGrp="1"/>
+          </p:cNvSpPr>
+          <p:nvPr>
+            <p:ph type="title"/>
+          </p:nvPr>
+        </p:nvSpPr>
+        <p:spPr/>
+        <p:txBody>
+          <a:bodyPr/>
+          <a:lstStyle/>
+          <a:p>
+            <a:r>
+              <a:rPr lang="en-US" dirty="0" err="1" smtClean="0"/>
+              <a:t>Rndrw</a:t>
+            </a:r>
+            <a:r>
+              <a:rPr lang="en-US" dirty="0" smtClean="0"/>
+              <a:t> </a:t>
+            </a:r>
+            <a:r>
+              <a:rPr lang="en-US" dirty="0" err="1" smtClean="0"/>
+              <a:t>harddisk</a:t>
+            </a:r>
+            <a:endParaRPr lang="en-US" dirty="0"/>
+          </a:p>
+        </p:txBody>
+      </p:sp>
+      <p:sp>
+        <p:nvSpPr>
+          <p:cNvPr id="3" name="Content Placeholder 2"/>
+          <p:cNvSpPr>
+            <a:spLocks noGrp="1"/>
+          </p:cNvSpPr>
+          <p:nvPr>
+            <p:ph idx="1"/>
+          </p:nvPr>
+        </p:nvSpPr>
+        <p:spPr/>
+        <p:txBody>
+          <a:bodyPr/>
+          <a:lstStyle/>
+          <a:p>
+            <a:endParaRPr lang="en-US" dirty="0"/>
+          </a:p>
+        </p:txBody>
+      </p:sp>
+      <p:pic>
+        <p:nvPicPr>
+          <p:cNvPr id="4" name="Picture 3"/>
+          <p:cNvPicPr>
+            <a:picLocks noChangeAspect="1"/>
+          </p:cNvPicPr>
+          <p:nvPr/>
+        </p:nvPicPr>
+        <p:blipFill>
+          <a:blip r:embed="rId2"/>
+          <a:stretch>
+            <a:fillRect/>
+          </a:stretch>
+        </p:blipFill>
+        <p:spPr>
+          <a:xfrm>
+            <a:off x="3048000" y="1585912"/>
+            <a:ext cx="6096000" cy="3686175"/>
+          </a:xfrm>
+          <a:prstGeom prst="rect">
+            <a:avLst/>
+          </a:prstGeom>
+        </p:spPr>
+      </p:pic>
+    </p:spTree>
+    <p:extLst>
+      <p:ext uri="{BB962C8B-B14F-4D97-AF65-F5344CB8AC3E}">
+        <p14:creationId xmlns:p14="http://schemas.microsoft.com/office/powerpoint/2010/main" val="1200080842"/>
+      </p:ext>
+    </p:extLst>
+  </p:cSld>
+  <p:clrMapOvr>
+    <a:masterClrMapping/>
+  </p:clrMapOvr>
+  <mc:AlternateContent xmlns:mc="http://schemas.openxmlformats.org/markup-compatibility/2006">
+    <mc:Choice xmlns:p14="http://schemas.microsoft.com/office/powerpoint/2010/main" Requires="p14">
+      <p:transition spd="slow" p14:dur="2000"/>
+    </mc:Choice>
+    <mc:Fallback>
+      <p:transition spd="slow"/>
+    </mc:Fallback>
+  </mc:AlternateContent>
+</p:sld>
+</file>
+
+<file path=ppt/slides/slide35.xml><?xml version="1.0" encoding="utf-8"?>
+<p:sld xmlns:a="http://schemas.openxmlformats.org/drawingml/2006/main" xmlns:r="http://schemas.openxmlformats.org/officeDocument/2006/relationships" xmlns:p="http://schemas.openxmlformats.org/presentationml/2006/main" show="0">
+  <p:cSld>
+    <p:spTree>
+      <p:nvGrpSpPr>
+        <p:cNvPr id="1" name=""/>
+        <p:cNvGrpSpPr/>
+        <p:nvPr/>
+      </p:nvGrpSpPr>
+      <p:grpSpPr>
+        <a:xfrm>
+          <a:off x="0" y="0"/>
+          <a:ext cx="0" cy="0"/>
+          <a:chOff x="0" y="0"/>
+          <a:chExt cx="0" cy="0"/>
+        </a:xfrm>
+      </p:grpSpPr>
+      <p:sp>
+        <p:nvSpPr>
+          <p:cNvPr id="2" name="Title 1"/>
+          <p:cNvSpPr>
+            <a:spLocks noGrp="1"/>
+          </p:cNvSpPr>
+          <p:nvPr>
+            <p:ph type="title"/>
+          </p:nvPr>
+        </p:nvSpPr>
+        <p:spPr/>
+        <p:txBody>
+          <a:bodyPr/>
+          <a:lstStyle/>
+          <a:p>
+            <a:r>
+              <a:rPr lang="en-US" dirty="0" err="1" smtClean="0"/>
+              <a:t>Rndrd</a:t>
+            </a:r>
+            <a:r>
+              <a:rPr lang="en-US" dirty="0" smtClean="0"/>
+              <a:t> </a:t>
+            </a:r>
+            <a:r>
+              <a:rPr lang="en-US" dirty="0" err="1" smtClean="0"/>
+              <a:t>harddisk</a:t>
+            </a:r>
+            <a:endParaRPr lang="en-US" dirty="0"/>
+          </a:p>
+        </p:txBody>
+      </p:sp>
+      <p:sp>
+        <p:nvSpPr>
+          <p:cNvPr id="3" name="Content Placeholder 2"/>
+          <p:cNvSpPr>
+            <a:spLocks noGrp="1"/>
+          </p:cNvSpPr>
+          <p:nvPr>
+            <p:ph idx="1"/>
+          </p:nvPr>
+        </p:nvSpPr>
+        <p:spPr/>
+        <p:txBody>
+          <a:bodyPr/>
+          <a:lstStyle/>
+          <a:p>
+            <a:endParaRPr lang="en-US"/>
+          </a:p>
+        </p:txBody>
+      </p:sp>
+      <p:pic>
+        <p:nvPicPr>
+          <p:cNvPr id="4" name="Picture 3"/>
+          <p:cNvPicPr>
+            <a:picLocks noChangeAspect="1"/>
+          </p:cNvPicPr>
+          <p:nvPr/>
+        </p:nvPicPr>
+        <p:blipFill>
+          <a:blip r:embed="rId2"/>
+          <a:stretch>
+            <a:fillRect/>
+          </a:stretch>
+        </p:blipFill>
+        <p:spPr>
+          <a:xfrm>
+            <a:off x="3048000" y="1585912"/>
+            <a:ext cx="6096000" cy="3686175"/>
+          </a:xfrm>
+          <a:prstGeom prst="rect">
+            <a:avLst/>
+          </a:prstGeom>
+        </p:spPr>
+      </p:pic>
+    </p:spTree>
+    <p:extLst>
+      <p:ext uri="{BB962C8B-B14F-4D97-AF65-F5344CB8AC3E}">
+        <p14:creationId xmlns:p14="http://schemas.microsoft.com/office/powerpoint/2010/main" val="3911681399"/>
+      </p:ext>
+    </p:extLst>
+  </p:cSld>
+  <p:clrMapOvr>
+    <a:masterClrMapping/>
+  </p:clrMapOvr>
+  <mc:AlternateContent xmlns:mc="http://schemas.openxmlformats.org/markup-compatibility/2006">
+    <mc:Choice xmlns:p14="http://schemas.microsoft.com/office/powerpoint/2010/main" Requires="p14">
+      <p:transition spd="slow" p14:dur="2000"/>
+    </mc:Choice>
+    <mc:Fallback>
+      <p:transition spd="slow"/>
+    </mc:Fallback>
+  </mc:AlternateContent>
 </p:sld>
 </file>
 
@@ -25648,30 +25931,14 @@
             <a:pPr algn="just"/>
             <a:r>
               <a:rPr lang="en-US" dirty="0" smtClean="0"/>
-              <a:t>Isolated </a:t>
-            </a:r>
+              <a:t>Isolated Driver Domain code is not available. </a:t>
+            </a:r>
+          </a:p>
+          <a:p>
+            <a:pPr algn="just"/>
             <a:r>
               <a:rPr lang="en-US" dirty="0" smtClean="0"/>
-              <a:t>Driver Domain </a:t>
-            </a:r>
-            <a:r>
-              <a:rPr lang="en-US" dirty="0" smtClean="0"/>
-              <a:t>code is </a:t>
-            </a:r>
-            <a:r>
-              <a:rPr lang="en-US" dirty="0" smtClean="0"/>
-              <a:t>not available. </a:t>
-            </a:r>
-          </a:p>
-          <a:p>
-            <a:pPr algn="just"/>
-            <a:r>
-              <a:rPr lang="en-US" dirty="0" smtClean="0"/>
-              <a:t>The </a:t>
-            </a:r>
-            <a:r>
-              <a:rPr lang="en-US" dirty="0" smtClean="0"/>
-              <a:t>Isolated Driver Domain follows split device driver.</a:t>
+              <a:t>The Isolated Driver Domain follows split device driver.</a:t>
             </a:r>
             <a:endParaRPr lang="en-US" dirty="0"/>
           </a:p>
@@ -25778,73 +26045,33 @@
           <a:p>
             <a:r>
               <a:rPr lang="en-US" dirty="0" smtClean="0"/>
-              <a:t>Re-implementation </a:t>
-            </a:r>
+              <a:t>Re-implementation of the Isolated Driver Domain</a:t>
+            </a:r>
+          </a:p>
+          <a:p>
             <a:r>
               <a:rPr lang="en-US" dirty="0" smtClean="0"/>
-              <a:t>of the Isolated Driver Domain</a:t>
+              <a:t>Also follows the Xen split device driver model</a:t>
             </a:r>
           </a:p>
           <a:p>
             <a:r>
               <a:rPr lang="en-US" dirty="0" smtClean="0"/>
-              <a:t>Also follows </a:t>
-            </a:r>
+              <a:t>We refer the re-implementation of Isolated Driver Domain as </a:t>
+            </a:r>
+            <a:r>
+              <a:rPr lang="en-US" b="1" dirty="0" smtClean="0"/>
+              <a:t>base IDDR system </a:t>
+            </a:r>
+          </a:p>
+          <a:p>
             <a:r>
               <a:rPr lang="en-US" dirty="0" smtClean="0"/>
-              <a:t>the </a:t>
-            </a:r>
-            <a:r>
-              <a:rPr lang="en-US" dirty="0" smtClean="0"/>
-              <a:t>Xen </a:t>
-            </a:r>
-            <a:r>
-              <a:rPr lang="en-US" dirty="0" smtClean="0"/>
-              <a:t>split device driver model</a:t>
-            </a:r>
-          </a:p>
-          <a:p>
-            <a:r>
-              <a:rPr lang="en-US" dirty="0" smtClean="0"/>
-              <a:t>We refer </a:t>
-            </a:r>
-            <a:r>
-              <a:rPr lang="en-US" dirty="0" smtClean="0"/>
-              <a:t>the </a:t>
-            </a:r>
-            <a:r>
-              <a:rPr lang="en-US" dirty="0" smtClean="0"/>
-              <a:t>re-implementation of Isolated Driver Domain as </a:t>
+              <a:t>One with the performance improvement is referred as the </a:t>
             </a:r>
             <a:r>
               <a:rPr lang="en-US" b="1" dirty="0" smtClean="0"/>
-              <a:t>base </a:t>
-            </a:r>
-            <a:r>
-              <a:rPr lang="en-US" b="1" dirty="0" smtClean="0"/>
-              <a:t>IDDR system </a:t>
-            </a:r>
-          </a:p>
-          <a:p>
-            <a:r>
-              <a:rPr lang="en-US" dirty="0" smtClean="0"/>
-              <a:t>One with the performance improvement is referred </a:t>
-            </a:r>
-            <a:r>
-              <a:rPr lang="en-US" dirty="0" smtClean="0"/>
-              <a:t>as the </a:t>
-            </a:r>
-            <a:r>
-              <a:rPr lang="en-US" b="1" dirty="0" smtClean="0"/>
-              <a:t>new </a:t>
-            </a:r>
-            <a:r>
-              <a:rPr lang="en-US" b="1" dirty="0" smtClean="0"/>
-              <a:t>IDDR </a:t>
-            </a:r>
-            <a:r>
-              <a:rPr lang="en-US" b="1" dirty="0" smtClean="0"/>
-              <a:t>system</a:t>
+              <a:t>new IDDR system</a:t>
             </a:r>
             <a:endParaRPr lang="en-US" b="1" dirty="0"/>
           </a:p>

--- a/doc/presentation/IDDR.pptx
+++ b/doc/presentation/IDDR.pptx
@@ -282,7 +282,7 @@
           <a:p>
             <a:fld id="{C6AFE97B-C4B1-41BF-AE6B-8CBC991743C2}" type="datetimeFigureOut">
               <a:rPr lang="en-US" smtClean="0"/>
-              <a:t>4/14/2014</a:t>
+              <a:t>4/15/2014</a:t>
             </a:fld>
             <a:endParaRPr lang="en-US"/>
           </a:p>
@@ -769,7 +769,6 @@
               <a:rPr lang="en-US" b="1" baseline="0" dirty="0" smtClean="0"/>
               <a:t>… to achieve compatibility goal …</a:t>
             </a:r>
-            <a:endParaRPr lang="en-US" b="1" baseline="0" dirty="0" smtClean="0"/>
           </a:p>
         </p:txBody>
       </p:sp>
@@ -2054,7 +2053,43 @@
                 <a:ea typeface="+mn-ea"/>
                 <a:cs typeface="+mn-cs"/>
               </a:rPr>
-              <a:t>Network driver, display Driver, SATA driver</a:t>
+              <a:t>Ethernet </a:t>
+            </a:r>
+            <a:r>
+              <a:rPr lang="en-US" sz="1200" kern="1200" dirty="0" smtClean="0">
+                <a:solidFill>
+                  <a:schemeClr val="tx1"/>
+                </a:solidFill>
+                <a:effectLst/>
+                <a:latin typeface="+mn-lt"/>
+                <a:ea typeface="+mn-ea"/>
+                <a:cs typeface="+mn-cs"/>
+              </a:rPr>
+              <a:t>driver, display Driver, </a:t>
+            </a:r>
+            <a:r>
+              <a:rPr lang="en-US" sz="1200" kern="1200" smtClean="0">
+                <a:solidFill>
+                  <a:schemeClr val="tx1"/>
+                </a:solidFill>
+                <a:effectLst/>
+                <a:latin typeface="+mn-lt"/>
+                <a:ea typeface="+mn-ea"/>
+                <a:cs typeface="+mn-cs"/>
+              </a:rPr>
+              <a:t>Bluetooth driver, SATA </a:t>
+            </a:r>
+            <a:r>
+              <a:rPr lang="en-US" sz="1200" kern="1200" dirty="0" smtClean="0">
+                <a:solidFill>
+                  <a:schemeClr val="tx1"/>
+                </a:solidFill>
+                <a:effectLst/>
+                <a:latin typeface="+mn-lt"/>
+                <a:ea typeface="+mn-ea"/>
+                <a:cs typeface="+mn-cs"/>
+              </a:rPr>
+              <a:t>driver</a:t>
             </a:r>
           </a:p>
           <a:p>
@@ -4192,7 +4227,6 @@
               <a:rPr lang="en-US" b="1" baseline="0" dirty="0" smtClean="0"/>
               <a:t>And backend runs in the driver domain.</a:t>
             </a:r>
-            <a:endParaRPr lang="en-US" b="1" baseline="0" dirty="0" smtClean="0"/>
           </a:p>
         </p:txBody>
       </p:sp>
@@ -4432,7 +4466,7 @@
           <a:p>
             <a:fld id="{B820227A-62C6-4B56-9A97-B1CB3B15378B}" type="datetime1">
               <a:rPr lang="en-US" smtClean="0"/>
-              <a:t>4/14/2014</a:t>
+              <a:t>4/15/2014</a:t>
             </a:fld>
             <a:endParaRPr lang="en-US"/>
           </a:p>
@@ -4622,7 +4656,7 @@
           <a:p>
             <a:fld id="{632B489D-0430-47F0-955C-DABF37EC2B75}" type="datetime1">
               <a:rPr lang="en-US" smtClean="0"/>
-              <a:t>4/14/2014</a:t>
+              <a:t>4/15/2014</a:t>
             </a:fld>
             <a:endParaRPr lang="en-US"/>
           </a:p>
@@ -4802,7 +4836,7 @@
           <a:p>
             <a:fld id="{465D38B7-63FB-4E15-9EE9-234BAA6C2544}" type="datetime1">
               <a:rPr lang="en-US" smtClean="0"/>
-              <a:t>4/14/2014</a:t>
+              <a:t>4/15/2014</a:t>
             </a:fld>
             <a:endParaRPr lang="en-US"/>
           </a:p>
@@ -4972,7 +5006,7 @@
           <a:p>
             <a:fld id="{D2E99676-02CB-4B64-AB96-1DE36C923FA8}" type="datetime1">
               <a:rPr lang="en-US" smtClean="0"/>
-              <a:t>4/14/2014</a:t>
+              <a:t>4/15/2014</a:t>
             </a:fld>
             <a:endParaRPr lang="en-US"/>
           </a:p>
@@ -5228,7 +5262,7 @@
           <a:p>
             <a:fld id="{9266F805-31C0-4268-B26C-7FC4FD3A4BAD}" type="datetime1">
               <a:rPr lang="en-US" smtClean="0"/>
-              <a:t>4/14/2014</a:t>
+              <a:t>4/15/2014</a:t>
             </a:fld>
             <a:endParaRPr lang="en-US"/>
           </a:p>
@@ -5516,7 +5550,7 @@
           <a:p>
             <a:fld id="{52539E47-C7EB-4311-826F-61E7475E8724}" type="datetime1">
               <a:rPr lang="en-US" smtClean="0"/>
-              <a:t>4/14/2014</a:t>
+              <a:t>4/15/2014</a:t>
             </a:fld>
             <a:endParaRPr lang="en-US"/>
           </a:p>
@@ -5954,7 +5988,7 @@
           <a:p>
             <a:fld id="{2E5749F5-690F-41D1-928F-FD2F4F037969}" type="datetime1">
               <a:rPr lang="en-US" smtClean="0"/>
-              <a:t>4/14/2014</a:t>
+              <a:t>4/15/2014</a:t>
             </a:fld>
             <a:endParaRPr lang="en-US"/>
           </a:p>
@@ -6072,7 +6106,7 @@
           <a:p>
             <a:fld id="{F99A36AF-0546-4E44-8ABD-046692AAD695}" type="datetime1">
               <a:rPr lang="en-US" smtClean="0"/>
-              <a:t>4/14/2014</a:t>
+              <a:t>4/15/2014</a:t>
             </a:fld>
             <a:endParaRPr lang="en-US"/>
           </a:p>
@@ -6167,7 +6201,7 @@
           <a:p>
             <a:fld id="{E5FAFFFB-6F7D-47B4-B344-ACC3ABE125BB}" type="datetime1">
               <a:rPr lang="en-US" smtClean="0"/>
-              <a:t>4/14/2014</a:t>
+              <a:t>4/15/2014</a:t>
             </a:fld>
             <a:endParaRPr lang="en-US"/>
           </a:p>
@@ -6523,7 +6557,7 @@
           <a:p>
             <a:fld id="{D81FE25C-C682-423E-8A2E-5496534155DF}" type="datetime1">
               <a:rPr lang="en-US" smtClean="0"/>
-              <a:t>4/14/2014</a:t>
+              <a:t>4/15/2014</a:t>
             </a:fld>
             <a:endParaRPr lang="en-US"/>
           </a:p>
@@ -6842,7 +6876,7 @@
           <a:p>
             <a:fld id="{8F0C33C9-B8F4-4E4B-8D72-287CAE84BC44}" type="datetime1">
               <a:rPr lang="en-US" smtClean="0"/>
-              <a:t>4/14/2014</a:t>
+              <a:t>4/15/2014</a:t>
             </a:fld>
             <a:endParaRPr lang="en-US"/>
           </a:p>
@@ -7075,7 +7109,7 @@
           <a:p>
             <a:fld id="{A62444FF-0B7E-4ECB-B4F5-05B6C69F169A}" type="datetime1">
               <a:rPr lang="en-US" smtClean="0"/>
-              <a:t>4/14/2014</a:t>
+              <a:t>4/15/2014</a:t>
             </a:fld>
             <a:endParaRPr lang="en-US"/>
           </a:p>
@@ -20628,15 +20662,7 @@
           <a:p>
             <a:r>
               <a:rPr lang="en-US" sz="4400" dirty="0" smtClean="0"/>
-              <a:t>Split device driver vs IDDR system </a:t>
-            </a:r>
-            <a:r>
-              <a:rPr lang="en-US" sz="4400" dirty="0" smtClean="0"/>
-              <a:t>(RAM disk</a:t>
-            </a:r>
-            <a:r>
-              <a:rPr lang="en-US" sz="4400" dirty="0" smtClean="0"/>
-              <a:t>)</a:t>
+              <a:t>Split device driver vs IDDR system (RAM disk)</a:t>
             </a:r>
             <a:endParaRPr lang="en-US" sz="4400" dirty="0"/>
           </a:p>
